--- a/答辩.pptx
+++ b/答辩.pptx
@@ -5,10 +5,10 @@
     <p:sldMasterId id="2147483753" r:id="rId1"/>
   </p:sldMasterIdLst>
   <p:notesMasterIdLst>
-    <p:notesMasterId r:id="rId19"/>
+    <p:notesMasterId r:id="rId20"/>
   </p:notesMasterIdLst>
   <p:handoutMasterIdLst>
-    <p:handoutMasterId r:id="rId20"/>
+    <p:handoutMasterId r:id="rId21"/>
   </p:handoutMasterIdLst>
   <p:sldIdLst>
     <p:sldId id="766" r:id="rId2"/>
@@ -16,23 +16,24 @@
     <p:sldId id="816" r:id="rId4"/>
     <p:sldId id="804" r:id="rId5"/>
     <p:sldId id="817" r:id="rId6"/>
-    <p:sldId id="810" r:id="rId7"/>
-    <p:sldId id="805" r:id="rId8"/>
-    <p:sldId id="813" r:id="rId9"/>
-    <p:sldId id="812" r:id="rId10"/>
+    <p:sldId id="819" r:id="rId7"/>
+    <p:sldId id="810" r:id="rId8"/>
+    <p:sldId id="805" r:id="rId9"/>
+    <p:sldId id="813" r:id="rId10"/>
     <p:sldId id="806" r:id="rId11"/>
-    <p:sldId id="807" r:id="rId12"/>
-    <p:sldId id="808" r:id="rId13"/>
-    <p:sldId id="809" r:id="rId14"/>
-    <p:sldId id="811" r:id="rId15"/>
-    <p:sldId id="818" r:id="rId16"/>
-    <p:sldId id="814" r:id="rId17"/>
-    <p:sldId id="794" r:id="rId18"/>
+    <p:sldId id="820" r:id="rId12"/>
+    <p:sldId id="807" r:id="rId13"/>
+    <p:sldId id="808" r:id="rId14"/>
+    <p:sldId id="809" r:id="rId15"/>
+    <p:sldId id="811" r:id="rId16"/>
+    <p:sldId id="818" r:id="rId17"/>
+    <p:sldId id="814" r:id="rId18"/>
+    <p:sldId id="794" r:id="rId19"/>
   </p:sldIdLst>
   <p:sldSz cx="9144000" cy="6858000" type="screen4x3"/>
   <p:notesSz cx="7099300" cy="10234613"/>
   <p:custDataLst>
-    <p:tags r:id="rId21"/>
+    <p:tags r:id="rId22"/>
   </p:custDataLst>
   <p:defaultTextStyle>
     <a:defPPr>
@@ -233,7 +234,7 @@
           <a:p>
             <a:fld id="{176B2C9F-65B8-4907-BB5A-EFF0C5B84C18}" type="datetimeFigureOut">
               <a:rPr lang="zh-CN" altLang="en-US" smtClean="0"/>
-              <a:t>2021/6/6</a:t>
+              <a:t>2021/6/7</a:t>
             </a:fld>
             <a:endParaRPr lang="zh-CN" altLang="en-US"/>
           </a:p>
@@ -399,7 +400,7 @@
             <a:fld id="{AC839973-2444-48AF-8C11-801F2AABC652}" type="datetimeFigureOut">
               <a:rPr lang="zh-CN" altLang="en-US" smtClean="0"/>
               <a:pPr/>
-              <a:t>2021/6/6</a:t>
+              <a:t>2021/6/7</a:t>
             </a:fld>
             <a:endParaRPr lang="zh-CN" altLang="en-US"/>
           </a:p>
@@ -803,7 +804,7 @@
             </a:pPr>
             <a:fld id="{774F983E-BBA9-1243-9DD5-4DDF0CD3A0EC}" type="datetime1">
               <a:rPr lang="en-US" altLang="zh-CN" smtClean="0"/>
-              <a:t>6/6/21</a:t>
+              <a:t>6/7/21</a:t>
             </a:fld>
             <a:endParaRPr lang="zh-CN" altLang="en-US"/>
           </a:p>
@@ -990,7 +991,7 @@
             </a:pPr>
             <a:fld id="{774F983E-BBA9-1243-9DD5-4DDF0CD3A0EC}" type="datetime1">
               <a:rPr lang="en-US" altLang="zh-CN" smtClean="0"/>
-              <a:t>6/6/21</a:t>
+              <a:t>6/7/21</a:t>
             </a:fld>
             <a:endParaRPr lang="zh-CN" altLang="en-US"/>
           </a:p>
@@ -1187,7 +1188,7 @@
             </a:pPr>
             <a:fld id="{774F983E-BBA9-1243-9DD5-4DDF0CD3A0EC}" type="datetime1">
               <a:rPr lang="en-US" altLang="zh-CN" smtClean="0"/>
-              <a:t>6/6/21</a:t>
+              <a:t>6/7/21</a:t>
             </a:fld>
             <a:endParaRPr lang="zh-CN" altLang="en-US"/>
           </a:p>
@@ -1303,7 +1304,7 @@
             </a:pPr>
             <a:fld id="{62846942-A7DC-7540-86AD-6AF0920CF551}" type="datetime1">
               <a:rPr lang="en-US" altLang="zh-CN" smtClean="0"/>
-              <a:t>6/6/21</a:t>
+              <a:t>6/7/21</a:t>
             </a:fld>
             <a:endParaRPr lang="zh-CN" altLang="en-US"/>
           </a:p>
@@ -2331,7 +2332,7 @@
             </a:pPr>
             <a:fld id="{774F983E-BBA9-1243-9DD5-4DDF0CD3A0EC}" type="datetime1">
               <a:rPr lang="en-US" altLang="zh-CN" smtClean="0"/>
-              <a:t>6/6/21</a:t>
+              <a:t>6/7/21</a:t>
             </a:fld>
             <a:endParaRPr lang="zh-CN" altLang="en-US"/>
           </a:p>
@@ -2592,7 +2593,7 @@
             </a:pPr>
             <a:fld id="{774F983E-BBA9-1243-9DD5-4DDF0CD3A0EC}" type="datetime1">
               <a:rPr lang="en-US" altLang="zh-CN" smtClean="0"/>
-              <a:t>6/6/21</a:t>
+              <a:t>6/7/21</a:t>
             </a:fld>
             <a:endParaRPr lang="zh-CN" altLang="en-US"/>
           </a:p>
@@ -2841,7 +2842,7 @@
             </a:pPr>
             <a:fld id="{774F983E-BBA9-1243-9DD5-4DDF0CD3A0EC}" type="datetime1">
               <a:rPr lang="en-US" altLang="zh-CN" smtClean="0"/>
-              <a:t>6/6/21</a:t>
+              <a:t>6/7/21</a:t>
             </a:fld>
             <a:endParaRPr lang="zh-CN" altLang="en-US"/>
           </a:p>
@@ -3225,7 +3226,7 @@
             </a:pPr>
             <a:fld id="{774F983E-BBA9-1243-9DD5-4DDF0CD3A0EC}" type="datetime1">
               <a:rPr lang="en-US" altLang="zh-CN" smtClean="0"/>
-              <a:t>6/6/21</a:t>
+              <a:t>6/7/21</a:t>
             </a:fld>
             <a:endParaRPr lang="zh-CN" altLang="en-US"/>
           </a:p>
@@ -3360,7 +3361,7 @@
             </a:pPr>
             <a:fld id="{774F983E-BBA9-1243-9DD5-4DDF0CD3A0EC}" type="datetime1">
               <a:rPr lang="en-US" altLang="zh-CN" smtClean="0"/>
-              <a:t>6/6/21</a:t>
+              <a:t>6/7/21</a:t>
             </a:fld>
             <a:endParaRPr lang="zh-CN" altLang="en-US"/>
           </a:p>
@@ -3472,7 +3473,7 @@
             </a:pPr>
             <a:fld id="{774F983E-BBA9-1243-9DD5-4DDF0CD3A0EC}" type="datetime1">
               <a:rPr lang="en-US" altLang="zh-CN" smtClean="0"/>
-              <a:t>6/6/21</a:t>
+              <a:t>6/7/21</a:t>
             </a:fld>
             <a:endParaRPr lang="zh-CN" altLang="en-US"/>
           </a:p>
@@ -3766,7 +3767,7 @@
             </a:pPr>
             <a:fld id="{774F983E-BBA9-1243-9DD5-4DDF0CD3A0EC}" type="datetime1">
               <a:rPr lang="en-US" altLang="zh-CN" smtClean="0"/>
-              <a:t>6/6/21</a:t>
+              <a:t>6/7/21</a:t>
             </a:fld>
             <a:endParaRPr lang="zh-CN" altLang="en-US"/>
           </a:p>
@@ -4040,7 +4041,7 @@
             </a:pPr>
             <a:fld id="{774F983E-BBA9-1243-9DD5-4DDF0CD3A0EC}" type="datetime1">
               <a:rPr lang="en-US" altLang="zh-CN" smtClean="0"/>
-              <a:t>6/6/21</a:t>
+              <a:t>6/7/21</a:t>
             </a:fld>
             <a:endParaRPr lang="zh-CN" altLang="en-US"/>
           </a:p>
@@ -4270,7 +4271,7 @@
             </a:pPr>
             <a:fld id="{774F983E-BBA9-1243-9DD5-4DDF0CD3A0EC}" type="datetime1">
               <a:rPr lang="en-US" altLang="zh-CN" smtClean="0"/>
-              <a:t>6/6/21</a:t>
+              <a:t>6/7/21</a:t>
             </a:fld>
             <a:endParaRPr lang="zh-CN" altLang="en-US"/>
           </a:p>
@@ -4986,7 +4987,7 @@
         </p:blipFill>
         <p:spPr>
           <a:xfrm>
-            <a:off x="292100" y="2150794"/>
+            <a:off x="444505" y="2150794"/>
             <a:ext cx="8574088" cy="2905663"/>
           </a:xfrm>
         </p:spPr>
@@ -5122,7 +5123,7 @@
         </p:nvSpPr>
         <p:spPr>
           <a:xfrm>
-            <a:off x="139700" y="2289293"/>
+            <a:off x="292105" y="2289293"/>
             <a:ext cx="1270000" cy="2905663"/>
           </a:xfrm>
           <a:prstGeom prst="rect">
@@ -5175,7 +5176,7 @@
         </p:nvSpPr>
         <p:spPr>
           <a:xfrm>
-            <a:off x="251960" y="5244738"/>
+            <a:off x="404365" y="5244738"/>
             <a:ext cx="1045479" cy="461665"/>
           </a:xfrm>
           <a:prstGeom prst="rect">
@@ -5210,59 +5211,6 @@
                 <a:srgbClr val="00B050"/>
               </a:solidFill>
             </a:endParaRPr>
-          </a:p>
-        </p:txBody>
-      </p:sp>
-      <p:sp>
-        <p:nvSpPr>
-          <p:cNvPr id="36" name="Rectangle 35">
-            <a:extLst>
-              <a:ext uri="{FF2B5EF4-FFF2-40B4-BE49-F238E27FC236}">
-                <a16:creationId xmlns:a16="http://schemas.microsoft.com/office/drawing/2014/main" id="{D02EDFCE-A13B-F543-B65D-2851BA7F7DB0}"/>
-              </a:ext>
-            </a:extLst>
-          </p:cNvPr>
-          <p:cNvSpPr/>
-          <p:nvPr/>
-        </p:nvSpPr>
-        <p:spPr>
-          <a:xfrm>
-            <a:off x="3219331" y="2501900"/>
-            <a:ext cx="857369" cy="2554558"/>
-          </a:xfrm>
-          <a:prstGeom prst="rect">
-            <a:avLst/>
-          </a:prstGeom>
-          <a:noFill/>
-          <a:ln w="38100">
-            <a:solidFill>
-              <a:srgbClr val="FF0000"/>
-            </a:solidFill>
-            <a:prstDash val="dash"/>
-          </a:ln>
-        </p:spPr>
-        <p:style>
-          <a:lnRef idx="2">
-            <a:schemeClr val="accent1">
-              <a:shade val="50000"/>
-            </a:schemeClr>
-          </a:lnRef>
-          <a:fillRef idx="1">
-            <a:schemeClr val="accent1"/>
-          </a:fillRef>
-          <a:effectRef idx="0">
-            <a:schemeClr val="accent1"/>
-          </a:effectRef>
-          <a:fontRef idx="minor">
-            <a:schemeClr val="lt1"/>
-          </a:fontRef>
-        </p:style>
-        <p:txBody>
-          <a:bodyPr rtlCol="0" anchor="ctr"/>
-          <a:lstStyle/>
-          <a:p>
-            <a:pPr algn="ctr"/>
-            <a:endParaRPr lang="en-CN"/>
           </a:p>
         </p:txBody>
       </p:sp>
@@ -5280,8 +5228,8 @@
         </p:nvSpPr>
         <p:spPr>
           <a:xfrm>
-            <a:off x="1621512" y="5112507"/>
-            <a:ext cx="4493538" cy="461665"/>
+            <a:off x="1773917" y="5112507"/>
+            <a:ext cx="6032421" cy="461665"/>
           </a:xfrm>
           <a:prstGeom prst="rect">
             <a:avLst/>
@@ -5306,7 +5254,7 @@
                 <a:latin typeface="SimHei" panose="02010609060101010101" pitchFamily="49" charset="-122"/>
                 <a:ea typeface="SimHei" panose="02010609060101010101" pitchFamily="49" charset="-122"/>
               </a:rPr>
-              <a:t>，所有数据均可被恢复</a:t>
+              <a:t>，所有数据均可以纯读的性能访问</a:t>
             </a:r>
             <a:endParaRPr lang="en-CN" sz="2400" dirty="0">
               <a:latin typeface="SimHei" panose="02010609060101010101" pitchFamily="49" charset="-122"/>
@@ -5378,6 +5326,90 @@
           </a:p>
         </p:txBody>
       </p:sp>
+      <p:cxnSp>
+        <p:nvCxnSpPr>
+          <p:cNvPr id="4" name="Straight Connector 3">
+            <a:extLst>
+              <a:ext uri="{FF2B5EF4-FFF2-40B4-BE49-F238E27FC236}">
+                <a16:creationId xmlns:a16="http://schemas.microsoft.com/office/drawing/2014/main" id="{BC547FAD-DED9-A548-86DC-26E997ED12AE}"/>
+              </a:ext>
+            </a:extLst>
+          </p:cNvPr>
+          <p:cNvCxnSpPr/>
+          <p:nvPr/>
+        </p:nvCxnSpPr>
+        <p:spPr>
+          <a:xfrm>
+            <a:off x="3352805" y="2289293"/>
+            <a:ext cx="0" cy="2905663"/>
+          </a:xfrm>
+          <a:prstGeom prst="line">
+            <a:avLst/>
+          </a:prstGeom>
+          <a:ln w="38100">
+            <a:solidFill>
+              <a:srgbClr val="FF0000"/>
+            </a:solidFill>
+            <a:prstDash val="sysDash"/>
+          </a:ln>
+        </p:spPr>
+        <p:style>
+          <a:lnRef idx="1">
+            <a:schemeClr val="accent1"/>
+          </a:lnRef>
+          <a:fillRef idx="0">
+            <a:schemeClr val="accent1"/>
+          </a:fillRef>
+          <a:effectRef idx="0">
+            <a:schemeClr val="accent1"/>
+          </a:effectRef>
+          <a:fontRef idx="minor">
+            <a:schemeClr val="tx1"/>
+          </a:fontRef>
+        </p:style>
+      </p:cxnSp>
+      <p:cxnSp>
+        <p:nvCxnSpPr>
+          <p:cNvPr id="15" name="Straight Connector 14">
+            <a:extLst>
+              <a:ext uri="{FF2B5EF4-FFF2-40B4-BE49-F238E27FC236}">
+                <a16:creationId xmlns:a16="http://schemas.microsoft.com/office/drawing/2014/main" id="{C416B79E-578B-1A4D-B479-D5519064B7B4}"/>
+              </a:ext>
+            </a:extLst>
+          </p:cNvPr>
+          <p:cNvCxnSpPr/>
+          <p:nvPr/>
+        </p:nvCxnSpPr>
+        <p:spPr>
+          <a:xfrm>
+            <a:off x="4205301" y="2284525"/>
+            <a:ext cx="0" cy="2905663"/>
+          </a:xfrm>
+          <a:prstGeom prst="line">
+            <a:avLst/>
+          </a:prstGeom>
+          <a:ln w="38100">
+            <a:solidFill>
+              <a:srgbClr val="FF0000"/>
+            </a:solidFill>
+            <a:prstDash val="sysDash"/>
+          </a:ln>
+        </p:spPr>
+        <p:style>
+          <a:lnRef idx="1">
+            <a:schemeClr val="accent1"/>
+          </a:lnRef>
+          <a:fillRef idx="0">
+            <a:schemeClr val="accent1"/>
+          </a:fillRef>
+          <a:effectRef idx="0">
+            <a:schemeClr val="accent1"/>
+          </a:effectRef>
+          <a:fontRef idx="minor">
+            <a:schemeClr val="tx1"/>
+          </a:fontRef>
+        </p:style>
+      </p:cxnSp>
     </p:spTree>
     <p:extLst>
       <p:ext uri="{BB962C8B-B14F-4D97-AF65-F5344CB8AC3E}">
@@ -5450,87 +5482,20 @@
           <a:lstStyle/>
           <a:p>
             <a:r>
+              <a:rPr lang="zh-CN" altLang="en-US" dirty="0"/>
+              <a:t>基于</a:t>
+            </a:r>
+            <a:r>
               <a:rPr lang="en-US" altLang="zh-CN" dirty="0"/>
               <a:t>SLA</a:t>
             </a:r>
             <a:r>
               <a:rPr lang="zh-CN" altLang="en-US" dirty="0"/>
-              <a:t>曲线</a:t>
-            </a:r>
-          </a:p>
-        </p:txBody>
-      </p:sp>
-      <p:pic>
-        <p:nvPicPr>
-          <p:cNvPr id="10" name="Content Placeholder 9">
-            <a:extLst>
-              <a:ext uri="{FF2B5EF4-FFF2-40B4-BE49-F238E27FC236}">
-                <a16:creationId xmlns:a16="http://schemas.microsoft.com/office/drawing/2014/main" id="{5AEF1AA0-B1A7-8245-AF85-02419DFD398C}"/>
-              </a:ext>
-            </a:extLst>
-          </p:cNvPr>
-          <p:cNvPicPr>
-            <a:picLocks noGrp="1" noChangeAspect="1"/>
-          </p:cNvPicPr>
-          <p:nvPr>
-            <p:ph idx="1"/>
-          </p:nvPr>
-        </p:nvPicPr>
-        <p:blipFill>
-          <a:blip r:embed="rId2">
-            <a:extLst>
-              <a:ext uri="{28A0092B-C50C-407E-A947-70E740481C1C}">
-                <a14:useLocalDpi xmlns:a14="http://schemas.microsoft.com/office/drawing/2010/main" val="0"/>
-              </a:ext>
-            </a:extLst>
-          </a:blip>
-          <a:stretch>
-            <a:fillRect/>
-          </a:stretch>
-        </p:blipFill>
-        <p:spPr>
-          <a:xfrm>
-            <a:off x="4572000" y="3435063"/>
-            <a:ext cx="3630438" cy="2678400"/>
-          </a:xfrm>
-        </p:spPr>
-      </p:pic>
-      <p:pic>
-        <p:nvPicPr>
-          <p:cNvPr id="14" name="Picture 13">
-            <a:extLst>
-              <a:ext uri="{FF2B5EF4-FFF2-40B4-BE49-F238E27FC236}">
-                <a16:creationId xmlns:a16="http://schemas.microsoft.com/office/drawing/2014/main" id="{347293F9-2806-FF4D-A5B7-8054BCB4194D}"/>
-              </a:ext>
-            </a:extLst>
-          </p:cNvPr>
-          <p:cNvPicPr>
-            <a:picLocks noChangeAspect="1"/>
-          </p:cNvPicPr>
-          <p:nvPr/>
-        </p:nvPicPr>
-        <p:blipFill>
-          <a:blip r:embed="rId3">
-            <a:extLst>
-              <a:ext uri="{28A0092B-C50C-407E-A947-70E740481C1C}">
-                <a14:useLocalDpi xmlns:a14="http://schemas.microsoft.com/office/drawing/2010/main" val="0"/>
-              </a:ext>
-            </a:extLst>
-          </a:blip>
-          <a:stretch>
-            <a:fillRect/>
-          </a:stretch>
-        </p:blipFill>
-        <p:spPr>
-          <a:xfrm>
-            <a:off x="635359" y="3341463"/>
-            <a:ext cx="3546366" cy="2772000"/>
-          </a:xfrm>
-          <a:prstGeom prst="rect">
-            <a:avLst/>
-          </a:prstGeom>
-        </p:spPr>
-      </p:pic>
+              <a:t>曲线的资源分配</a:t>
+            </a:r>
+          </a:p>
+        </p:txBody>
+      </p:sp>
       <p:sp>
         <p:nvSpPr>
           <p:cNvPr id="15" name="Content Placeholder 4">
@@ -5548,7 +5513,7 @@
         <p:spPr>
           <a:xfrm>
             <a:off x="444999" y="1093469"/>
-            <a:ext cx="8330702" cy="1243417"/>
+            <a:ext cx="8330702" cy="2548390"/>
           </a:xfrm>
           <a:prstGeom prst="rect">
             <a:avLst/>
@@ -5730,31 +5695,52 @@
                 <a:latin typeface="SimHei" panose="02010609060101010101" pitchFamily="49" charset="-122"/>
                 <a:ea typeface="SimHei" panose="02010609060101010101" pitchFamily="49" charset="-122"/>
               </a:rPr>
-              <a:t>SLA曲线</a:t>
+              <a:t>无读写干扰的SSD阵列以冗余为代价获得了近似纯读的尾延迟</a:t>
+            </a:r>
+          </a:p>
+          <a:p>
+            <a:pPr marL="285750" indent="-285750"/>
+            <a:r>
+              <a:rPr lang="en-CN" sz="2400" b="0" dirty="0">
+                <a:latin typeface="SimHei" panose="02010609060101010101" pitchFamily="49" charset="-122"/>
+                <a:ea typeface="SimHei" panose="02010609060101010101" pitchFamily="49" charset="-122"/>
+              </a:rPr>
+              <a:t>并非所有租户都需要如此严格的尾延迟</a:t>
+            </a:r>
+          </a:p>
+          <a:p>
+            <a:pPr marL="285750" indent="-285750"/>
+            <a:r>
+              <a:rPr lang="en-CN" sz="2400" b="0" dirty="0">
+                <a:latin typeface="SimHei" panose="02010609060101010101" pitchFamily="49" charset="-122"/>
+                <a:ea typeface="SimHei" panose="02010609060101010101" pitchFamily="49" charset="-122"/>
+              </a:rPr>
+              <a:t>给定一个租户的SLA需求</a:t>
             </a:r>
             <a:r>
               <a:rPr lang="zh-CN" altLang="en-US" sz="2400" b="0" dirty="0">
                 <a:latin typeface="SimHei" panose="02010609060101010101" pitchFamily="49" charset="-122"/>
                 <a:ea typeface="SimHei" panose="02010609060101010101" pitchFamily="49" charset="-122"/>
               </a:rPr>
-              <a:t>：给定尾延迟要求，在任一写吞吐下，可以达到的最大读吞吐</a:t>
-            </a:r>
-            <a:endParaRPr lang="en-US" altLang="zh-CN" sz="2400" b="0" dirty="0">
-              <a:latin typeface="SimHei" panose="02010609060101010101" pitchFamily="49" charset="-122"/>
-              <a:ea typeface="SimHei" panose="02010609060101010101" pitchFamily="49" charset="-122"/>
-            </a:endParaRPr>
-          </a:p>
-          <a:p>
-            <a:pPr marL="285750" indent="-285750"/>
+              <a:t>，如何确定他是否需要无读写干扰的</a:t>
+            </a:r>
+            <a:r>
+              <a:rPr lang="en-US" altLang="zh-CN" sz="2400" b="0" dirty="0">
+                <a:latin typeface="SimHei" panose="02010609060101010101" pitchFamily="49" charset="-122"/>
+                <a:ea typeface="SimHei" panose="02010609060101010101" pitchFamily="49" charset="-122"/>
+              </a:rPr>
+              <a:t>SSD</a:t>
+            </a:r>
             <a:r>
               <a:rPr lang="zh-CN" altLang="en-US" sz="2400" b="0" dirty="0">
                 <a:latin typeface="SimHei" panose="02010609060101010101" pitchFamily="49" charset="-122"/>
                 <a:ea typeface="SimHei" panose="02010609060101010101" pitchFamily="49" charset="-122"/>
               </a:rPr>
-              <a:t>租户的需求和</a:t>
+              <a:t>阵列？需要怎样的</a:t>
             </a:r>
             <a:r>
               <a:rPr lang="en-US" altLang="zh-CN" sz="2400" b="0" dirty="0">
+                <a:latin typeface="SimHei" panose="02010609060101010101" pitchFamily="49" charset="-122"/>
                 <a:ea typeface="SimHei" panose="02010609060101010101" pitchFamily="49" charset="-122"/>
               </a:rPr>
               <a:t>SSD</a:t>
@@ -5764,139 +5750,160 @@
                 <a:latin typeface="SimHei" panose="02010609060101010101" pitchFamily="49" charset="-122"/>
                 <a:ea typeface="SimHei" panose="02010609060101010101" pitchFamily="49" charset="-122"/>
               </a:rPr>
-              <a:t>的服务能力均可以用</a:t>
-            </a:r>
-            <a:r>
-              <a:rPr lang="en-US" altLang="zh-CN" sz="2400" b="0" dirty="0">
-                <a:ea typeface="SimHei" panose="02010609060101010101" pitchFamily="49" charset="-122"/>
-              </a:rPr>
-              <a:t>SLA</a:t>
-            </a:r>
-            <a:r>
-              <a:rPr lang="zh-CN" altLang="en-US" sz="2400" b="0" dirty="0">
-                <a:latin typeface="SimHei" panose="02010609060101010101" pitchFamily="49" charset="-122"/>
-                <a:ea typeface="SimHei" panose="02010609060101010101" pitchFamily="49" charset="-122"/>
-              </a:rPr>
-              <a:t>曲线描述</a:t>
+              <a:t>阵列？</a:t>
             </a:r>
             <a:endParaRPr lang="en-CN" sz="2400" b="0" dirty="0">
               <a:latin typeface="SimHei" panose="02010609060101010101" pitchFamily="49" charset="-122"/>
               <a:ea typeface="SimHei" panose="02010609060101010101" pitchFamily="49" charset="-122"/>
             </a:endParaRPr>
           </a:p>
-        </p:txBody>
-      </p:sp>
-      <p:sp>
-        <p:nvSpPr>
-          <p:cNvPr id="16" name="TextBox 15">
-            <a:extLst>
-              <a:ext uri="{FF2B5EF4-FFF2-40B4-BE49-F238E27FC236}">
-                <a16:creationId xmlns:a16="http://schemas.microsoft.com/office/drawing/2014/main" id="{DBAD96EA-E7B0-ED46-BA16-ECFE7D862C0A}"/>
-              </a:ext>
-            </a:extLst>
-          </p:cNvPr>
-          <p:cNvSpPr txBox="1"/>
-          <p:nvPr/>
-        </p:nvSpPr>
-        <p:spPr>
-          <a:xfrm>
-            <a:off x="1006807" y="2646207"/>
-            <a:ext cx="3245248" cy="707886"/>
-          </a:xfrm>
-          <a:prstGeom prst="rect">
-            <a:avLst/>
-          </a:prstGeom>
-          <a:noFill/>
-        </p:spPr>
-        <p:txBody>
-          <a:bodyPr wrap="none" rtlCol="0">
-            <a:spAutoFit/>
-          </a:bodyPr>
-          <a:lstStyle/>
-          <a:p>
-            <a:pPr algn="ctr"/>
-            <a:r>
-              <a:rPr lang="en-CN" sz="2000" dirty="0"/>
-              <a:t>YCSB</a:t>
-            </a:r>
-            <a:r>
-              <a:rPr lang="zh-CN" altLang="en-US" sz="2000" dirty="0"/>
-              <a:t> </a:t>
-            </a:r>
-            <a:r>
-              <a:rPr lang="en-US" altLang="zh-CN" sz="2000" dirty="0"/>
-              <a:t>Workload</a:t>
-            </a:r>
-            <a:r>
-              <a:rPr lang="zh-CN" altLang="en-US" sz="2000" dirty="0"/>
-              <a:t> </a:t>
-            </a:r>
-            <a:r>
-              <a:rPr lang="en-US" altLang="zh-CN" sz="2000" dirty="0"/>
-              <a:t>A on </a:t>
-            </a:r>
-            <a:r>
-              <a:rPr lang="en-US" altLang="zh-CN" sz="2000" dirty="0" err="1"/>
-              <a:t>RocksDB</a:t>
-            </a:r>
-            <a:endParaRPr lang="en-US" altLang="zh-CN" sz="2000" dirty="0"/>
-          </a:p>
-          <a:p>
-            <a:pPr algn="ctr"/>
-            <a:r>
-              <a:rPr lang="en-US" altLang="zh-CN" sz="2000" dirty="0"/>
-              <a:t>(50% Read, 50% Update)</a:t>
-            </a:r>
-            <a:endParaRPr lang="en-CN" sz="2000" dirty="0"/>
-          </a:p>
-        </p:txBody>
-      </p:sp>
-      <p:sp>
-        <p:nvSpPr>
-          <p:cNvPr id="17" name="TextBox 16">
-            <a:extLst>
-              <a:ext uri="{FF2B5EF4-FFF2-40B4-BE49-F238E27FC236}">
-                <a16:creationId xmlns:a16="http://schemas.microsoft.com/office/drawing/2014/main" id="{98F82170-F20F-EC41-8E5A-BBA7B06FE7D6}"/>
-              </a:ext>
-            </a:extLst>
-          </p:cNvPr>
-          <p:cNvSpPr txBox="1"/>
-          <p:nvPr/>
-        </p:nvSpPr>
-        <p:spPr>
-          <a:xfrm>
-            <a:off x="5681660" y="2807631"/>
-            <a:ext cx="1747594" cy="369332"/>
-          </a:xfrm>
-          <a:prstGeom prst="rect">
-            <a:avLst/>
-          </a:prstGeom>
-          <a:noFill/>
-        </p:spPr>
-        <p:txBody>
-          <a:bodyPr wrap="none" rtlCol="0">
-            <a:spAutoFit/>
-          </a:bodyPr>
-          <a:lstStyle/>
-          <a:p>
-            <a:r>
-              <a:rPr lang="en-US" dirty="0"/>
-              <a:t>Samsung PM963</a:t>
-            </a:r>
-            <a:endParaRPr lang="en-CN" dirty="0"/>
+          <a:p>
+            <a:pPr marL="285750" indent="-285750"/>
+            <a:endParaRPr lang="en-CN" sz="2400" b="0" dirty="0">
+              <a:latin typeface="SimHei" panose="02010609060101010101" pitchFamily="49" charset="-122"/>
+              <a:ea typeface="SimHei" panose="02010609060101010101" pitchFamily="49" charset="-122"/>
+            </a:endParaRPr>
           </a:p>
         </p:txBody>
       </p:sp>
     </p:spTree>
     <p:extLst>
       <p:ext uri="{BB962C8B-B14F-4D97-AF65-F5344CB8AC3E}">
-        <p14:creationId xmlns:p14="http://schemas.microsoft.com/office/powerpoint/2010/main" val="2579882955"/>
+        <p14:creationId xmlns:p14="http://schemas.microsoft.com/office/powerpoint/2010/main" val="2242826201"/>
       </p:ext>
     </p:extLst>
   </p:cSld>
   <p:clrMapOvr>
     <a:masterClrMapping/>
   </p:clrMapOvr>
+  <p:timing>
+    <p:tnLst>
+      <p:par>
+        <p:cTn id="1" dur="indefinite" restart="never" nodeType="tmRoot">
+          <p:childTnLst>
+            <p:seq concurrent="1" nextAc="seek">
+              <p:cTn id="2" dur="indefinite" nodeType="mainSeq">
+                <p:childTnLst>
+                  <p:par>
+                    <p:cTn id="3" fill="hold">
+                      <p:stCondLst>
+                        <p:cond delay="indefinite"/>
+                      </p:stCondLst>
+                      <p:childTnLst>
+                        <p:par>
+                          <p:cTn id="4" fill="hold">
+                            <p:stCondLst>
+                              <p:cond delay="0"/>
+                            </p:stCondLst>
+                            <p:childTnLst>
+                              <p:par>
+                                <p:cTn id="5" presetID="1" presetClass="entr" presetSubtype="0" fill="hold" nodeType="clickEffect">
+                                  <p:stCondLst>
+                                    <p:cond delay="0"/>
+                                  </p:stCondLst>
+                                  <p:childTnLst>
+                                    <p:set>
+                                      <p:cBhvr>
+                                        <p:cTn id="6" dur="1" fill="hold">
+                                          <p:stCondLst>
+                                            <p:cond delay="0"/>
+                                          </p:stCondLst>
+                                        </p:cTn>
+                                        <p:tgtEl>
+                                          <p:spTgt spid="15">
+                                            <p:txEl>
+                                              <p:pRg st="1" end="1"/>
+                                            </p:txEl>
+                                          </p:spTgt>
+                                        </p:tgtEl>
+                                        <p:attrNameLst>
+                                          <p:attrName>style.visibility</p:attrName>
+                                        </p:attrNameLst>
+                                      </p:cBhvr>
+                                      <p:to>
+                                        <p:strVal val="visible"/>
+                                      </p:to>
+                                    </p:set>
+                                  </p:childTnLst>
+                                </p:cTn>
+                              </p:par>
+                            </p:childTnLst>
+                          </p:cTn>
+                        </p:par>
+                      </p:childTnLst>
+                    </p:cTn>
+                  </p:par>
+                  <p:par>
+                    <p:cTn id="7" fill="hold">
+                      <p:stCondLst>
+                        <p:cond delay="indefinite"/>
+                      </p:stCondLst>
+                      <p:childTnLst>
+                        <p:par>
+                          <p:cTn id="8" fill="hold">
+                            <p:stCondLst>
+                              <p:cond delay="0"/>
+                            </p:stCondLst>
+                            <p:childTnLst>
+                              <p:par>
+                                <p:cTn id="9" presetID="1" presetClass="entr" presetSubtype="0" fill="hold" nodeType="clickEffect">
+                                  <p:stCondLst>
+                                    <p:cond delay="0"/>
+                                  </p:stCondLst>
+                                  <p:childTnLst>
+                                    <p:set>
+                                      <p:cBhvr>
+                                        <p:cTn id="10" dur="1" fill="hold">
+                                          <p:stCondLst>
+                                            <p:cond delay="0"/>
+                                          </p:stCondLst>
+                                        </p:cTn>
+                                        <p:tgtEl>
+                                          <p:spTgt spid="15">
+                                            <p:txEl>
+                                              <p:pRg st="2" end="2"/>
+                                            </p:txEl>
+                                          </p:spTgt>
+                                        </p:tgtEl>
+                                        <p:attrNameLst>
+                                          <p:attrName>style.visibility</p:attrName>
+                                        </p:attrNameLst>
+                                      </p:cBhvr>
+                                      <p:to>
+                                        <p:strVal val="visible"/>
+                                      </p:to>
+                                    </p:set>
+                                  </p:childTnLst>
+                                </p:cTn>
+                              </p:par>
+                            </p:childTnLst>
+                          </p:cTn>
+                        </p:par>
+                      </p:childTnLst>
+                    </p:cTn>
+                  </p:par>
+                </p:childTnLst>
+              </p:cTn>
+              <p:prevCondLst>
+                <p:cond evt="onPrev" delay="0">
+                  <p:tgtEl>
+                    <p:sldTgt/>
+                  </p:tgtEl>
+                </p:cond>
+              </p:prevCondLst>
+              <p:nextCondLst>
+                <p:cond evt="onNext" delay="0">
+                  <p:tgtEl>
+                    <p:sldTgt/>
+                  </p:tgtEl>
+                </p:cond>
+              </p:nextCondLst>
+            </p:seq>
+          </p:childTnLst>
+        </p:cTn>
+      </p:par>
+    </p:tnLst>
+  </p:timing>
 </p:sld>
 </file>
 
@@ -5919,6 +5926,32 @@
       </p:grpSpPr>
       <p:sp>
         <p:nvSpPr>
+          <p:cNvPr id="3" name="页脚占位符 2"/>
+          <p:cNvSpPr>
+            <a:spLocks noGrp="1"/>
+          </p:cNvSpPr>
+          <p:nvPr>
+            <p:ph type="ftr" sz="quarter" idx="11"/>
+          </p:nvPr>
+        </p:nvSpPr>
+        <p:spPr/>
+        <p:txBody>
+          <a:bodyPr/>
+          <a:lstStyle/>
+          <a:p>
+            <a:pPr>
+              <a:defRPr/>
+            </a:pPr>
+            <a:r>
+              <a:rPr lang="zh-CN" altLang="en-US"/>
+              <a:t>云闪存系统中的多租户性能隔离研究</a:t>
+            </a:r>
+            <a:endParaRPr lang="zh-CN" altLang="en-US" dirty="0"/>
+          </a:p>
+        </p:txBody>
+      </p:sp>
+      <p:sp>
+        <p:nvSpPr>
           <p:cNvPr id="5" name="标题 4"/>
           <p:cNvSpPr>
             <a:spLocks noGrp="1"/>
@@ -5942,7 +5975,682 @@
             </a:r>
             <a:r>
               <a:rPr lang="zh-CN" altLang="en-US" dirty="0"/>
-              <a:t>曲线的数据分布算法</a:t>
+              <a:t>曲线的资源分配</a:t>
+            </a:r>
+          </a:p>
+        </p:txBody>
+      </p:sp>
+      <p:pic>
+        <p:nvPicPr>
+          <p:cNvPr id="10" name="Content Placeholder 9">
+            <a:extLst>
+              <a:ext uri="{FF2B5EF4-FFF2-40B4-BE49-F238E27FC236}">
+                <a16:creationId xmlns:a16="http://schemas.microsoft.com/office/drawing/2014/main" id="{5AEF1AA0-B1A7-8245-AF85-02419DFD398C}"/>
+              </a:ext>
+            </a:extLst>
+          </p:cNvPr>
+          <p:cNvPicPr>
+            <a:picLocks noGrp="1" noChangeAspect="1"/>
+          </p:cNvPicPr>
+          <p:nvPr>
+            <p:ph idx="1"/>
+          </p:nvPr>
+        </p:nvPicPr>
+        <p:blipFill>
+          <a:blip r:embed="rId2">
+            <a:extLst>
+              <a:ext uri="{28A0092B-C50C-407E-A947-70E740481C1C}">
+                <a14:useLocalDpi xmlns:a14="http://schemas.microsoft.com/office/drawing/2010/main" val="0"/>
+              </a:ext>
+            </a:extLst>
+          </a:blip>
+          <a:stretch>
+            <a:fillRect/>
+          </a:stretch>
+        </p:blipFill>
+        <p:spPr>
+          <a:xfrm>
+            <a:off x="4572000" y="3435063"/>
+            <a:ext cx="3630438" cy="2678400"/>
+          </a:xfrm>
+        </p:spPr>
+      </p:pic>
+      <p:pic>
+        <p:nvPicPr>
+          <p:cNvPr id="14" name="Picture 13">
+            <a:extLst>
+              <a:ext uri="{FF2B5EF4-FFF2-40B4-BE49-F238E27FC236}">
+                <a16:creationId xmlns:a16="http://schemas.microsoft.com/office/drawing/2014/main" id="{347293F9-2806-FF4D-A5B7-8054BCB4194D}"/>
+              </a:ext>
+            </a:extLst>
+          </p:cNvPr>
+          <p:cNvPicPr>
+            <a:picLocks noChangeAspect="1"/>
+          </p:cNvPicPr>
+          <p:nvPr/>
+        </p:nvPicPr>
+        <p:blipFill>
+          <a:blip r:embed="rId3">
+            <a:extLst>
+              <a:ext uri="{28A0092B-C50C-407E-A947-70E740481C1C}">
+                <a14:useLocalDpi xmlns:a14="http://schemas.microsoft.com/office/drawing/2010/main" val="0"/>
+              </a:ext>
+            </a:extLst>
+          </a:blip>
+          <a:stretch>
+            <a:fillRect/>
+          </a:stretch>
+        </p:blipFill>
+        <p:spPr>
+          <a:xfrm>
+            <a:off x="635359" y="3341463"/>
+            <a:ext cx="3546366" cy="2772000"/>
+          </a:xfrm>
+          <a:prstGeom prst="rect">
+            <a:avLst/>
+          </a:prstGeom>
+        </p:spPr>
+      </p:pic>
+      <p:sp>
+        <p:nvSpPr>
+          <p:cNvPr id="15" name="Content Placeholder 4">
+            <a:extLst>
+              <a:ext uri="{FF2B5EF4-FFF2-40B4-BE49-F238E27FC236}">
+                <a16:creationId xmlns:a16="http://schemas.microsoft.com/office/drawing/2014/main" id="{8F00A030-384D-414A-B74D-B2DB1FD6387E}"/>
+              </a:ext>
+            </a:extLst>
+          </p:cNvPr>
+          <p:cNvSpPr txBox="1">
+            <a:spLocks/>
+          </p:cNvSpPr>
+          <p:nvPr/>
+        </p:nvSpPr>
+        <p:spPr>
+          <a:xfrm>
+            <a:off x="444999" y="1093469"/>
+            <a:ext cx="8330702" cy="1243417"/>
+          </a:xfrm>
+          <a:prstGeom prst="rect">
+            <a:avLst/>
+          </a:prstGeom>
+          <a:noFill/>
+        </p:spPr>
+        <p:txBody>
+          <a:bodyPr vert="horz" wrap="square" lIns="91440" tIns="45720" rIns="91440" bIns="45720" rtlCol="0">
+            <a:spAutoFit/>
+          </a:bodyPr>
+          <a:lstStyle>
+            <a:lvl1pPr marL="228600" indent="-230400" algn="l" defTabSz="914400" rtl="0" eaLnBrk="1" latinLnBrk="0" hangingPunct="1">
+              <a:lnSpc>
+                <a:spcPct val="90000"/>
+              </a:lnSpc>
+              <a:spcBef>
+                <a:spcPts val="1200"/>
+              </a:spcBef>
+              <a:buFont typeface="Wingdings" panose="05000000000000000000" pitchFamily="2" charset="2"/>
+              <a:buChar char="q"/>
+              <a:defRPr sz="3200" b="1" kern="1200">
+                <a:solidFill>
+                  <a:schemeClr val="tx1"/>
+                </a:solidFill>
+                <a:latin typeface="+mn-lt"/>
+                <a:ea typeface="微软雅黑" panose="020B0503020204020204" pitchFamily="34" charset="-122"/>
+                <a:cs typeface="+mn-cs"/>
+              </a:defRPr>
+            </a:lvl1pPr>
+            <a:lvl2pPr marL="685800" indent="-228600" algn="l" defTabSz="914400" rtl="0" eaLnBrk="1" latinLnBrk="0" hangingPunct="1">
+              <a:lnSpc>
+                <a:spcPct val="90000"/>
+              </a:lnSpc>
+              <a:spcBef>
+                <a:spcPts val="500"/>
+              </a:spcBef>
+              <a:buFont typeface="Wingdings" panose="05000000000000000000" pitchFamily="2" charset="2"/>
+              <a:buChar char="v"/>
+              <a:defRPr sz="2800" b="1" kern="1200">
+                <a:solidFill>
+                  <a:schemeClr val="tx1"/>
+                </a:solidFill>
+                <a:latin typeface="+mn-lt"/>
+                <a:ea typeface="楷体" panose="02010609060101010101" pitchFamily="49" charset="-122"/>
+                <a:cs typeface="+mn-cs"/>
+              </a:defRPr>
+            </a:lvl2pPr>
+            <a:lvl3pPr marL="1143000" indent="-228600" algn="l" defTabSz="914400" rtl="0" eaLnBrk="1" latinLnBrk="0" hangingPunct="1">
+              <a:lnSpc>
+                <a:spcPct val="90000"/>
+              </a:lnSpc>
+              <a:spcBef>
+                <a:spcPts val="500"/>
+              </a:spcBef>
+              <a:buFont typeface="Wingdings" panose="05000000000000000000" pitchFamily="2" charset="2"/>
+              <a:buChar char="Ø"/>
+              <a:defRPr sz="2400" b="1" kern="1200">
+                <a:solidFill>
+                  <a:schemeClr val="tx1"/>
+                </a:solidFill>
+                <a:latin typeface="+mn-lt"/>
+                <a:ea typeface="楷体" panose="02010609060101010101" pitchFamily="49" charset="-122"/>
+                <a:cs typeface="+mn-cs"/>
+              </a:defRPr>
+            </a:lvl3pPr>
+            <a:lvl4pPr marL="1600200" indent="-228600" algn="l" defTabSz="914400" rtl="0" eaLnBrk="1" latinLnBrk="0" hangingPunct="1">
+              <a:lnSpc>
+                <a:spcPct val="90000"/>
+              </a:lnSpc>
+              <a:spcBef>
+                <a:spcPts val="500"/>
+              </a:spcBef>
+              <a:buFont typeface="Arial" panose="020B0604020202020204" pitchFamily="34" charset="0"/>
+              <a:buChar char="•"/>
+              <a:defRPr sz="2000" b="1" kern="1200">
+                <a:solidFill>
+                  <a:schemeClr val="tx1"/>
+                </a:solidFill>
+                <a:latin typeface="+mn-lt"/>
+                <a:ea typeface="楷体" panose="02010609060101010101" pitchFamily="49" charset="-122"/>
+                <a:cs typeface="+mn-cs"/>
+              </a:defRPr>
+            </a:lvl4pPr>
+            <a:lvl5pPr marL="2057400" indent="-228600" algn="l" defTabSz="914400" rtl="0" eaLnBrk="1" latinLnBrk="0" hangingPunct="1">
+              <a:lnSpc>
+                <a:spcPct val="90000"/>
+              </a:lnSpc>
+              <a:spcBef>
+                <a:spcPts val="500"/>
+              </a:spcBef>
+              <a:buFont typeface="Arial" panose="020B0604020202020204" pitchFamily="34" charset="0"/>
+              <a:buChar char="•"/>
+              <a:defRPr sz="2000" b="1" kern="1200">
+                <a:solidFill>
+                  <a:schemeClr val="tx1"/>
+                </a:solidFill>
+                <a:latin typeface="+mn-lt"/>
+                <a:ea typeface="楷体" panose="02010609060101010101" pitchFamily="49" charset="-122"/>
+                <a:cs typeface="+mn-cs"/>
+              </a:defRPr>
+            </a:lvl5pPr>
+            <a:lvl6pPr marL="2514600" indent="-228600" algn="l" defTabSz="914400" rtl="0" eaLnBrk="1" latinLnBrk="0" hangingPunct="1">
+              <a:lnSpc>
+                <a:spcPct val="90000"/>
+              </a:lnSpc>
+              <a:spcBef>
+                <a:spcPts val="500"/>
+              </a:spcBef>
+              <a:buFont typeface="Arial" panose="020B0604020202020204" pitchFamily="34" charset="0"/>
+              <a:buChar char="•"/>
+              <a:defRPr sz="1800" kern="1200">
+                <a:solidFill>
+                  <a:schemeClr val="tx1"/>
+                </a:solidFill>
+                <a:latin typeface="+mn-lt"/>
+                <a:ea typeface="+mn-ea"/>
+                <a:cs typeface="+mn-cs"/>
+              </a:defRPr>
+            </a:lvl6pPr>
+            <a:lvl7pPr marL="2971800" indent="-228600" algn="l" defTabSz="914400" rtl="0" eaLnBrk="1" latinLnBrk="0" hangingPunct="1">
+              <a:lnSpc>
+                <a:spcPct val="90000"/>
+              </a:lnSpc>
+              <a:spcBef>
+                <a:spcPts val="500"/>
+              </a:spcBef>
+              <a:buFont typeface="Arial" panose="020B0604020202020204" pitchFamily="34" charset="0"/>
+              <a:buChar char="•"/>
+              <a:defRPr sz="1800" kern="1200">
+                <a:solidFill>
+                  <a:schemeClr val="tx1"/>
+                </a:solidFill>
+                <a:latin typeface="+mn-lt"/>
+                <a:ea typeface="+mn-ea"/>
+                <a:cs typeface="+mn-cs"/>
+              </a:defRPr>
+            </a:lvl7pPr>
+            <a:lvl8pPr marL="3429000" indent="-228600" algn="l" defTabSz="914400" rtl="0" eaLnBrk="1" latinLnBrk="0" hangingPunct="1">
+              <a:lnSpc>
+                <a:spcPct val="90000"/>
+              </a:lnSpc>
+              <a:spcBef>
+                <a:spcPts val="500"/>
+              </a:spcBef>
+              <a:buFont typeface="Arial" panose="020B0604020202020204" pitchFamily="34" charset="0"/>
+              <a:buChar char="•"/>
+              <a:defRPr sz="1800" kern="1200">
+                <a:solidFill>
+                  <a:schemeClr val="tx1"/>
+                </a:solidFill>
+                <a:latin typeface="+mn-lt"/>
+                <a:ea typeface="+mn-ea"/>
+                <a:cs typeface="+mn-cs"/>
+              </a:defRPr>
+            </a:lvl8pPr>
+            <a:lvl9pPr marL="3886200" indent="-228600" algn="l" defTabSz="914400" rtl="0" eaLnBrk="1" latinLnBrk="0" hangingPunct="1">
+              <a:lnSpc>
+                <a:spcPct val="90000"/>
+              </a:lnSpc>
+              <a:spcBef>
+                <a:spcPts val="500"/>
+              </a:spcBef>
+              <a:buFont typeface="Arial" panose="020B0604020202020204" pitchFamily="34" charset="0"/>
+              <a:buChar char="•"/>
+              <a:defRPr sz="1800" kern="1200">
+                <a:solidFill>
+                  <a:schemeClr val="tx1"/>
+                </a:solidFill>
+                <a:latin typeface="+mn-lt"/>
+                <a:ea typeface="+mn-ea"/>
+                <a:cs typeface="+mn-cs"/>
+              </a:defRPr>
+            </a:lvl9pPr>
+          </a:lstStyle>
+          <a:p>
+            <a:pPr marL="285750" indent="-285750"/>
+            <a:r>
+              <a:rPr lang="en-CN" sz="2400" dirty="0">
+                <a:latin typeface="SimHei" panose="02010609060101010101" pitchFamily="49" charset="-122"/>
+                <a:ea typeface="SimHei" panose="02010609060101010101" pitchFamily="49" charset="-122"/>
+              </a:rPr>
+              <a:t>SLA曲线</a:t>
+            </a:r>
+            <a:r>
+              <a:rPr lang="zh-CN" altLang="en-US" sz="2400" b="0" dirty="0">
+                <a:latin typeface="SimHei" panose="02010609060101010101" pitchFamily="49" charset="-122"/>
+                <a:ea typeface="SimHei" panose="02010609060101010101" pitchFamily="49" charset="-122"/>
+              </a:rPr>
+              <a:t>：给定尾延迟要求，在每一写吞吐下，可以达到的最大读吞吐</a:t>
+            </a:r>
+            <a:endParaRPr lang="en-US" altLang="zh-CN" sz="2400" b="0" dirty="0">
+              <a:latin typeface="SimHei" panose="02010609060101010101" pitchFamily="49" charset="-122"/>
+              <a:ea typeface="SimHei" panose="02010609060101010101" pitchFamily="49" charset="-122"/>
+            </a:endParaRPr>
+          </a:p>
+          <a:p>
+            <a:pPr marL="285750" indent="-285750"/>
+            <a:r>
+              <a:rPr lang="zh-CN" altLang="en-US" sz="2400" b="0" dirty="0">
+                <a:latin typeface="SimHei" panose="02010609060101010101" pitchFamily="49" charset="-122"/>
+                <a:ea typeface="SimHei" panose="02010609060101010101" pitchFamily="49" charset="-122"/>
+              </a:rPr>
+              <a:t>租户的需求和</a:t>
+            </a:r>
+            <a:r>
+              <a:rPr lang="en-US" altLang="zh-CN" sz="2400" b="0" dirty="0">
+                <a:ea typeface="SimHei" panose="02010609060101010101" pitchFamily="49" charset="-122"/>
+              </a:rPr>
+              <a:t>SSD</a:t>
+            </a:r>
+            <a:r>
+              <a:rPr lang="zh-CN" altLang="en-US" sz="2400" b="0" dirty="0">
+                <a:latin typeface="SimHei" panose="02010609060101010101" pitchFamily="49" charset="-122"/>
+                <a:ea typeface="SimHei" panose="02010609060101010101" pitchFamily="49" charset="-122"/>
+              </a:rPr>
+              <a:t>的服务能力均可以用</a:t>
+            </a:r>
+            <a:r>
+              <a:rPr lang="en-US" altLang="zh-CN" sz="2400" b="0" dirty="0">
+                <a:ea typeface="SimHei" panose="02010609060101010101" pitchFamily="49" charset="-122"/>
+              </a:rPr>
+              <a:t>SLA</a:t>
+            </a:r>
+            <a:r>
+              <a:rPr lang="zh-CN" altLang="en-US" sz="2400" b="0" dirty="0">
+                <a:latin typeface="SimHei" panose="02010609060101010101" pitchFamily="49" charset="-122"/>
+                <a:ea typeface="SimHei" panose="02010609060101010101" pitchFamily="49" charset="-122"/>
+              </a:rPr>
+              <a:t>曲线描述</a:t>
+            </a:r>
+            <a:endParaRPr lang="en-CN" sz="2400" b="0" dirty="0">
+              <a:latin typeface="SimHei" panose="02010609060101010101" pitchFamily="49" charset="-122"/>
+              <a:ea typeface="SimHei" panose="02010609060101010101" pitchFamily="49" charset="-122"/>
+            </a:endParaRPr>
+          </a:p>
+        </p:txBody>
+      </p:sp>
+      <p:sp>
+        <p:nvSpPr>
+          <p:cNvPr id="16" name="TextBox 15">
+            <a:extLst>
+              <a:ext uri="{FF2B5EF4-FFF2-40B4-BE49-F238E27FC236}">
+                <a16:creationId xmlns:a16="http://schemas.microsoft.com/office/drawing/2014/main" id="{DBAD96EA-E7B0-ED46-BA16-ECFE7D862C0A}"/>
+              </a:ext>
+            </a:extLst>
+          </p:cNvPr>
+          <p:cNvSpPr txBox="1"/>
+          <p:nvPr/>
+        </p:nvSpPr>
+        <p:spPr>
+          <a:xfrm>
+            <a:off x="1006807" y="2646207"/>
+            <a:ext cx="3245248" cy="707886"/>
+          </a:xfrm>
+          <a:prstGeom prst="rect">
+            <a:avLst/>
+          </a:prstGeom>
+          <a:noFill/>
+        </p:spPr>
+        <p:txBody>
+          <a:bodyPr wrap="none" rtlCol="0">
+            <a:spAutoFit/>
+          </a:bodyPr>
+          <a:lstStyle/>
+          <a:p>
+            <a:pPr algn="ctr"/>
+            <a:r>
+              <a:rPr lang="en-CN" sz="2000" dirty="0"/>
+              <a:t>YCSB</a:t>
+            </a:r>
+            <a:r>
+              <a:rPr lang="zh-CN" altLang="en-US" sz="2000" dirty="0"/>
+              <a:t> </a:t>
+            </a:r>
+            <a:r>
+              <a:rPr lang="en-US" altLang="zh-CN" sz="2000" dirty="0"/>
+              <a:t>Workload</a:t>
+            </a:r>
+            <a:r>
+              <a:rPr lang="zh-CN" altLang="en-US" sz="2000" dirty="0"/>
+              <a:t> </a:t>
+            </a:r>
+            <a:r>
+              <a:rPr lang="en-US" altLang="zh-CN" sz="2000" dirty="0"/>
+              <a:t>A on </a:t>
+            </a:r>
+            <a:r>
+              <a:rPr lang="en-US" altLang="zh-CN" sz="2000" dirty="0" err="1"/>
+              <a:t>RocksDB</a:t>
+            </a:r>
+            <a:endParaRPr lang="en-US" altLang="zh-CN" sz="2000" dirty="0"/>
+          </a:p>
+          <a:p>
+            <a:pPr algn="ctr"/>
+            <a:r>
+              <a:rPr lang="en-US" altLang="zh-CN" sz="2000" dirty="0"/>
+              <a:t>(50% Read, 50% Update)</a:t>
+            </a:r>
+            <a:endParaRPr lang="en-CN" sz="2000" dirty="0"/>
+          </a:p>
+        </p:txBody>
+      </p:sp>
+      <p:sp>
+        <p:nvSpPr>
+          <p:cNvPr id="17" name="TextBox 16">
+            <a:extLst>
+              <a:ext uri="{FF2B5EF4-FFF2-40B4-BE49-F238E27FC236}">
+                <a16:creationId xmlns:a16="http://schemas.microsoft.com/office/drawing/2014/main" id="{98F82170-F20F-EC41-8E5A-BBA7B06FE7D6}"/>
+              </a:ext>
+            </a:extLst>
+          </p:cNvPr>
+          <p:cNvSpPr txBox="1"/>
+          <p:nvPr/>
+        </p:nvSpPr>
+        <p:spPr>
+          <a:xfrm>
+            <a:off x="5681660" y="2807631"/>
+            <a:ext cx="1747594" cy="369332"/>
+          </a:xfrm>
+          <a:prstGeom prst="rect">
+            <a:avLst/>
+          </a:prstGeom>
+          <a:noFill/>
+        </p:spPr>
+        <p:txBody>
+          <a:bodyPr wrap="none" rtlCol="0">
+            <a:spAutoFit/>
+          </a:bodyPr>
+          <a:lstStyle/>
+          <a:p>
+            <a:r>
+              <a:rPr lang="en-US" dirty="0"/>
+              <a:t>Samsung PM963</a:t>
+            </a:r>
+            <a:endParaRPr lang="en-CN" dirty="0"/>
+          </a:p>
+        </p:txBody>
+      </p:sp>
+    </p:spTree>
+    <p:extLst>
+      <p:ext uri="{BB962C8B-B14F-4D97-AF65-F5344CB8AC3E}">
+        <p14:creationId xmlns:p14="http://schemas.microsoft.com/office/powerpoint/2010/main" val="2579882955"/>
+      </p:ext>
+    </p:extLst>
+  </p:cSld>
+  <p:clrMapOvr>
+    <a:masterClrMapping/>
+  </p:clrMapOvr>
+  <p:timing>
+    <p:tnLst>
+      <p:par>
+        <p:cTn id="1" dur="indefinite" restart="never" nodeType="tmRoot">
+          <p:childTnLst>
+            <p:seq concurrent="1" nextAc="seek">
+              <p:cTn id="2" dur="indefinite" nodeType="mainSeq">
+                <p:childTnLst>
+                  <p:par>
+                    <p:cTn id="3" fill="hold">
+                      <p:stCondLst>
+                        <p:cond delay="indefinite"/>
+                      </p:stCondLst>
+                      <p:childTnLst>
+                        <p:par>
+                          <p:cTn id="4" fill="hold">
+                            <p:stCondLst>
+                              <p:cond delay="0"/>
+                            </p:stCondLst>
+                            <p:childTnLst>
+                              <p:par>
+                                <p:cTn id="5" presetID="1" presetClass="entr" presetSubtype="0" fill="hold" grpId="0" nodeType="clickEffect">
+                                  <p:stCondLst>
+                                    <p:cond delay="0"/>
+                                  </p:stCondLst>
+                                  <p:childTnLst>
+                                    <p:set>
+                                      <p:cBhvr>
+                                        <p:cTn id="6" dur="1" fill="hold">
+                                          <p:stCondLst>
+                                            <p:cond delay="0"/>
+                                          </p:stCondLst>
+                                        </p:cTn>
+                                        <p:tgtEl>
+                                          <p:spTgt spid="3"/>
+                                        </p:tgtEl>
+                                        <p:attrNameLst>
+                                          <p:attrName>style.visibility</p:attrName>
+                                        </p:attrNameLst>
+                                      </p:cBhvr>
+                                      <p:to>
+                                        <p:strVal val="visible"/>
+                                      </p:to>
+                                    </p:set>
+                                  </p:childTnLst>
+                                </p:cTn>
+                              </p:par>
+                              <p:par>
+                                <p:cTn id="7" presetID="1" presetClass="entr" presetSubtype="0" fill="hold" nodeType="withEffect">
+                                  <p:stCondLst>
+                                    <p:cond delay="0"/>
+                                  </p:stCondLst>
+                                  <p:childTnLst>
+                                    <p:set>
+                                      <p:cBhvr>
+                                        <p:cTn id="8" dur="1" fill="hold">
+                                          <p:stCondLst>
+                                            <p:cond delay="0"/>
+                                          </p:stCondLst>
+                                        </p:cTn>
+                                        <p:tgtEl>
+                                          <p:spTgt spid="10"/>
+                                        </p:tgtEl>
+                                        <p:attrNameLst>
+                                          <p:attrName>style.visibility</p:attrName>
+                                        </p:attrNameLst>
+                                      </p:cBhvr>
+                                      <p:to>
+                                        <p:strVal val="visible"/>
+                                      </p:to>
+                                    </p:set>
+                                  </p:childTnLst>
+                                </p:cTn>
+                              </p:par>
+                              <p:par>
+                                <p:cTn id="9" presetID="1" presetClass="entr" presetSubtype="0" fill="hold" nodeType="withEffect">
+                                  <p:stCondLst>
+                                    <p:cond delay="0"/>
+                                  </p:stCondLst>
+                                  <p:childTnLst>
+                                    <p:set>
+                                      <p:cBhvr>
+                                        <p:cTn id="10" dur="1" fill="hold">
+                                          <p:stCondLst>
+                                            <p:cond delay="0"/>
+                                          </p:stCondLst>
+                                        </p:cTn>
+                                        <p:tgtEl>
+                                          <p:spTgt spid="14"/>
+                                        </p:tgtEl>
+                                        <p:attrNameLst>
+                                          <p:attrName>style.visibility</p:attrName>
+                                        </p:attrNameLst>
+                                      </p:cBhvr>
+                                      <p:to>
+                                        <p:strVal val="visible"/>
+                                      </p:to>
+                                    </p:set>
+                                  </p:childTnLst>
+                                </p:cTn>
+                              </p:par>
+                              <p:par>
+                                <p:cTn id="11" presetID="1" presetClass="entr" presetSubtype="0" fill="hold" grpId="0" nodeType="withEffect">
+                                  <p:stCondLst>
+                                    <p:cond delay="0"/>
+                                  </p:stCondLst>
+                                  <p:childTnLst>
+                                    <p:set>
+                                      <p:cBhvr>
+                                        <p:cTn id="12" dur="1" fill="hold">
+                                          <p:stCondLst>
+                                            <p:cond delay="0"/>
+                                          </p:stCondLst>
+                                        </p:cTn>
+                                        <p:tgtEl>
+                                          <p:spTgt spid="16"/>
+                                        </p:tgtEl>
+                                        <p:attrNameLst>
+                                          <p:attrName>style.visibility</p:attrName>
+                                        </p:attrNameLst>
+                                      </p:cBhvr>
+                                      <p:to>
+                                        <p:strVal val="visible"/>
+                                      </p:to>
+                                    </p:set>
+                                  </p:childTnLst>
+                                </p:cTn>
+                              </p:par>
+                              <p:par>
+                                <p:cTn id="13" presetID="1" presetClass="entr" presetSubtype="0" fill="hold" grpId="0" nodeType="withEffect">
+                                  <p:stCondLst>
+                                    <p:cond delay="0"/>
+                                  </p:stCondLst>
+                                  <p:childTnLst>
+                                    <p:set>
+                                      <p:cBhvr>
+                                        <p:cTn id="14" dur="1" fill="hold">
+                                          <p:stCondLst>
+                                            <p:cond delay="0"/>
+                                          </p:stCondLst>
+                                        </p:cTn>
+                                        <p:tgtEl>
+                                          <p:spTgt spid="17"/>
+                                        </p:tgtEl>
+                                        <p:attrNameLst>
+                                          <p:attrName>style.visibility</p:attrName>
+                                        </p:attrNameLst>
+                                      </p:cBhvr>
+                                      <p:to>
+                                        <p:strVal val="visible"/>
+                                      </p:to>
+                                    </p:set>
+                                  </p:childTnLst>
+                                </p:cTn>
+                              </p:par>
+                            </p:childTnLst>
+                          </p:cTn>
+                        </p:par>
+                      </p:childTnLst>
+                    </p:cTn>
+                  </p:par>
+                </p:childTnLst>
+              </p:cTn>
+              <p:prevCondLst>
+                <p:cond evt="onPrev" delay="0">
+                  <p:tgtEl>
+                    <p:sldTgt/>
+                  </p:tgtEl>
+                </p:cond>
+              </p:prevCondLst>
+              <p:nextCondLst>
+                <p:cond evt="onNext" delay="0">
+                  <p:tgtEl>
+                    <p:sldTgt/>
+                  </p:tgtEl>
+                </p:cond>
+              </p:nextCondLst>
+            </p:seq>
+          </p:childTnLst>
+        </p:cTn>
+      </p:par>
+    </p:tnLst>
+    <p:bldLst>
+      <p:bldP spid="3" grpId="0"/>
+      <p:bldP spid="16" grpId="0"/>
+      <p:bldP spid="17" grpId="0"/>
+    </p:bldLst>
+  </p:timing>
+</p:sld>
+</file>
+
+<file path=ppt/slides/slide13.xml><?xml version="1.0" encoding="utf-8"?>
+<p:sld xmlns:a="http://schemas.openxmlformats.org/drawingml/2006/main" xmlns:r="http://schemas.openxmlformats.org/officeDocument/2006/relationships" xmlns:p="http://schemas.openxmlformats.org/presentationml/2006/main">
+  <p:cSld>
+    <p:spTree>
+      <p:nvGrpSpPr>
+        <p:cNvPr id="1" name=""/>
+        <p:cNvGrpSpPr/>
+        <p:nvPr/>
+      </p:nvGrpSpPr>
+      <p:grpSpPr>
+        <a:xfrm>
+          <a:off x="0" y="0"/>
+          <a:ext cx="0" cy="0"/>
+          <a:chOff x="0" y="0"/>
+          <a:chExt cx="0" cy="0"/>
+        </a:xfrm>
+      </p:grpSpPr>
+      <p:sp>
+        <p:nvSpPr>
+          <p:cNvPr id="5" name="标题 4"/>
+          <p:cNvSpPr>
+            <a:spLocks noGrp="1"/>
+          </p:cNvSpPr>
+          <p:nvPr>
+            <p:ph type="title"/>
+          </p:nvPr>
+        </p:nvSpPr>
+        <p:spPr/>
+        <p:txBody>
+          <a:bodyPr/>
+          <a:lstStyle/>
+          <a:p>
+            <a:r>
+              <a:rPr lang="zh-CN" altLang="en-US" dirty="0"/>
+              <a:t>基于</a:t>
+            </a:r>
+            <a:r>
+              <a:rPr lang="en-US" altLang="zh-CN" dirty="0"/>
+              <a:t>SLA</a:t>
+            </a:r>
+            <a:r>
+              <a:rPr lang="zh-CN" altLang="en-US" dirty="0"/>
+              <a:t>曲线的资源分配</a:t>
             </a:r>
           </a:p>
         </p:txBody>
@@ -5965,25 +6673,25 @@
           <a:lstStyle/>
           <a:p>
             <a:r>
+              <a:rPr lang="zh-CN" altLang="en-CN" sz="2400" b="0" dirty="0">
+                <a:latin typeface="SimHei" panose="02010609060101010101" pitchFamily="49" charset="-122"/>
+                <a:ea typeface="SimHei" panose="02010609060101010101" pitchFamily="49" charset="-122"/>
+              </a:rPr>
+              <a:t>基于</a:t>
+            </a:r>
+            <a:r>
+              <a:rPr lang="en-US" altLang="zh-CN" sz="2400" b="0" dirty="0">
+                <a:latin typeface="SimHei" panose="02010609060101010101" pitchFamily="49" charset="-122"/>
+                <a:ea typeface="SimHei" panose="02010609060101010101" pitchFamily="49" charset="-122"/>
+              </a:rPr>
+              <a:t>SLA</a:t>
+            </a:r>
+            <a:r>
               <a:rPr lang="zh-CN" altLang="en-US" sz="2400" b="0" dirty="0">
                 <a:latin typeface="SimHei" panose="02010609060101010101" pitchFamily="49" charset="-122"/>
                 <a:ea typeface="SimHei" panose="02010609060101010101" pitchFamily="49" charset="-122"/>
               </a:rPr>
-              <a:t>给定一系列租户的</a:t>
-            </a:r>
-            <a:r>
-              <a:rPr lang="en-US" altLang="zh-CN" sz="2400" b="0" dirty="0">
-                <a:latin typeface="SimHei" panose="02010609060101010101" pitchFamily="49" charset="-122"/>
-                <a:ea typeface="SimHei" panose="02010609060101010101" pitchFamily="49" charset="-122"/>
-              </a:rPr>
-              <a:t>SLA</a:t>
-            </a:r>
-            <a:r>
-              <a:rPr lang="zh-CN" altLang="en-US" sz="2400" b="0" dirty="0">
-                <a:latin typeface="SimHei" panose="02010609060101010101" pitchFamily="49" charset="-122"/>
-                <a:ea typeface="SimHei" panose="02010609060101010101" pitchFamily="49" charset="-122"/>
-              </a:rPr>
-              <a:t>曲线，如何选择最经济的硬盘资源配置？</a:t>
+              <a:t>曲线的数据分布算法</a:t>
             </a:r>
             <a:endParaRPr lang="en-US" altLang="zh-CN" sz="2400" b="0" dirty="0">
               <a:latin typeface="SimHei" panose="02010609060101010101" pitchFamily="49" charset="-122"/>
@@ -6545,7 +7253,7 @@
 </p:sld>
 </file>
 
-<file path=ppt/slides/slide13.xml><?xml version="1.0" encoding="utf-8"?>
+<file path=ppt/slides/slide14.xml><?xml version="1.0" encoding="utf-8"?>
 <p:sld xmlns:a="http://schemas.openxmlformats.org/drawingml/2006/main" xmlns:r="http://schemas.openxmlformats.org/officeDocument/2006/relationships" xmlns:p="http://schemas.openxmlformats.org/presentationml/2006/main">
   <p:cSld>
     <p:spTree>
@@ -7481,7 +8189,7 @@
 </p:sld>
 </file>
 
-<file path=ppt/slides/slide14.xml><?xml version="1.0" encoding="utf-8"?>
+<file path=ppt/slides/slide15.xml><?xml version="1.0" encoding="utf-8"?>
 <p:sld xmlns:a="http://schemas.openxmlformats.org/drawingml/2006/main" xmlns:r="http://schemas.openxmlformats.org/officeDocument/2006/relationships" xmlns:p="http://schemas.openxmlformats.org/presentationml/2006/main">
   <p:cSld>
     <p:spTree>
@@ -7808,7 +8516,7 @@
 </p:sld>
 </file>
 
-<file path=ppt/slides/slide15.xml><?xml version="1.0" encoding="utf-8"?>
+<file path=ppt/slides/slide16.xml><?xml version="1.0" encoding="utf-8"?>
 <p:sld xmlns:a="http://schemas.openxmlformats.org/drawingml/2006/main" xmlns:r="http://schemas.openxmlformats.org/officeDocument/2006/relationships" xmlns:p="http://schemas.openxmlformats.org/presentationml/2006/main">
   <p:cSld>
     <p:spTree>
@@ -8135,7 +8843,7 @@
 </p:sld>
 </file>
 
-<file path=ppt/slides/slide16.xml><?xml version="1.0" encoding="utf-8"?>
+<file path=ppt/slides/slide17.xml><?xml version="1.0" encoding="utf-8"?>
 <p:sld xmlns:a="http://schemas.openxmlformats.org/drawingml/2006/main" xmlns:r="http://schemas.openxmlformats.org/officeDocument/2006/relationships" xmlns:p="http://schemas.openxmlformats.org/presentationml/2006/main">
   <p:cSld>
     <p:spTree>
@@ -8249,6 +8957,20 @@
                 <a:latin typeface="SimHei" panose="02010609060101010101" pitchFamily="49" charset="-122"/>
                 <a:ea typeface="SimHei" panose="02010609060101010101" pitchFamily="49" charset="-122"/>
               </a:rPr>
+              <a:t>为了消除读写干扰</a:t>
+            </a:r>
+            <a:r>
+              <a:rPr lang="zh-CN" altLang="en-US" sz="2400" b="0" dirty="0">
+                <a:latin typeface="SimHei" panose="02010609060101010101" pitchFamily="49" charset="-122"/>
+                <a:ea typeface="SimHei" panose="02010609060101010101" pitchFamily="49" charset="-122"/>
+              </a:rPr>
+              <a:t>，本研究</a:t>
+            </a:r>
+            <a:r>
+              <a:rPr lang="en-CN" sz="2400" b="0" dirty="0">
+                <a:latin typeface="SimHei" panose="02010609060101010101" pitchFamily="49" charset="-122"/>
+                <a:ea typeface="SimHei" panose="02010609060101010101" pitchFamily="49" charset="-122"/>
+              </a:rPr>
               <a:t>通过分离的读写时间窗口</a:t>
             </a:r>
             <a:r>
@@ -8256,21 +8978,7 @@
                 <a:latin typeface="SimHei" panose="02010609060101010101" pitchFamily="49" charset="-122"/>
                 <a:ea typeface="SimHei" panose="02010609060101010101" pitchFamily="49" charset="-122"/>
               </a:rPr>
-              <a:t>，本研究几乎消除了</a:t>
-            </a:r>
-            <a:r>
-              <a:rPr lang="en-US" altLang="zh-CN" sz="2400" b="0" dirty="0">
-                <a:latin typeface="SimHei" panose="02010609060101010101" pitchFamily="49" charset="-122"/>
-                <a:ea typeface="SimHei" panose="02010609060101010101" pitchFamily="49" charset="-122"/>
-              </a:rPr>
-              <a:t>SSD</a:t>
-            </a:r>
-            <a:r>
-              <a:rPr lang="zh-CN" altLang="en-US" sz="2400" b="0" dirty="0">
-                <a:latin typeface="SimHei" panose="02010609060101010101" pitchFamily="49" charset="-122"/>
-                <a:ea typeface="SimHei" panose="02010609060101010101" pitchFamily="49" charset="-122"/>
-              </a:rPr>
-              <a:t>上的读写干扰，使租户可以得到近似纯读的读尾延迟</a:t>
+              <a:t>使租户可以得到近似纯读的读尾延迟</a:t>
             </a:r>
             <a:endParaRPr lang="en-US" altLang="zh-CN" sz="2400" b="0" dirty="0">
               <a:latin typeface="SimHei" panose="02010609060101010101" pitchFamily="49" charset="-122"/>
@@ -8283,7 +8991,7 @@
                 <a:latin typeface="SimHei" panose="02010609060101010101" pitchFamily="49" charset="-122"/>
                 <a:ea typeface="SimHei" panose="02010609060101010101" pitchFamily="49" charset="-122"/>
               </a:rPr>
-              <a:t>通过基于</a:t>
+              <a:t>为了减轻读写干扰，本研究通过基于</a:t>
             </a:r>
             <a:r>
               <a:rPr lang="en-US" altLang="zh-CN" sz="2400" b="0" dirty="0">
@@ -8311,7 +9019,7 @@
                 <a:latin typeface="SimHei" panose="02010609060101010101" pitchFamily="49" charset="-122"/>
                 <a:ea typeface="SimHei" panose="02010609060101010101" pitchFamily="49" charset="-122"/>
               </a:rPr>
-              <a:t>存储空间和带宽分配，本研究可以用尽可能低的开销满足用户的</a:t>
+              <a:t>存储空间和带宽分配，用尽可能低的开销满足用户的</a:t>
             </a:r>
             <a:r>
               <a:rPr lang="en-US" altLang="zh-CN" sz="2400" b="0" dirty="0">
@@ -8352,7 +9060,7 @@
                 <a:latin typeface="SimHei" panose="02010609060101010101" pitchFamily="49" charset="-122"/>
                 <a:ea typeface="SimHei" panose="02010609060101010101" pitchFamily="49" charset="-122"/>
               </a:rPr>
-              <a:t>需求的前提下将云闪存系统的成本降低</a:t>
+              <a:t>需求的前提下将云闪存系统的成本降低约</a:t>
             </a:r>
             <a:r>
               <a:rPr lang="en-US" altLang="zh-CN" sz="2400" b="0" dirty="0">
@@ -8381,7 +9089,7 @@
 </p:sld>
 </file>
 
-<file path=ppt/slides/slide17.xml><?xml version="1.0" encoding="utf-8"?>
+<file path=ppt/slides/slide18.xml><?xml version="1.0" encoding="utf-8"?>
 <p:sld xmlns:a="http://schemas.openxmlformats.org/drawingml/2006/main" xmlns:r="http://schemas.openxmlformats.org/officeDocument/2006/relationships" xmlns:p="http://schemas.openxmlformats.org/presentationml/2006/main">
   <p:cSld>
     <p:spTree>
@@ -8751,7 +9459,7 @@
                 <a:latin typeface="SimHei" panose="02010609060101010101" pitchFamily="49" charset="-122"/>
                 <a:ea typeface="SimHei" panose="02010609060101010101" pitchFamily="49" charset="-122"/>
               </a:rPr>
-              <a:t>基于云的数据应用对吞吐和尾延迟有极高的要求</a:t>
+              <a:t>基于云的数据应用对存储设备的吞吐和尾延迟有极高的要求</a:t>
             </a:r>
           </a:p>
         </p:txBody>
@@ -8766,6 +9474,139 @@
   <p:clrMapOvr>
     <a:masterClrMapping/>
   </p:clrMapOvr>
+  <p:timing>
+    <p:tnLst>
+      <p:par>
+        <p:cTn id="1" dur="indefinite" restart="never" nodeType="tmRoot">
+          <p:childTnLst>
+            <p:seq concurrent="1" nextAc="seek">
+              <p:cTn id="2" dur="indefinite" nodeType="mainSeq">
+                <p:childTnLst>
+                  <p:par>
+                    <p:cTn id="3" fill="hold">
+                      <p:stCondLst>
+                        <p:cond delay="indefinite"/>
+                      </p:stCondLst>
+                      <p:childTnLst>
+                        <p:par>
+                          <p:cTn id="4" fill="hold">
+                            <p:stCondLst>
+                              <p:cond delay="0"/>
+                            </p:stCondLst>
+                            <p:childTnLst>
+                              <p:par>
+                                <p:cTn id="5" presetID="1" presetClass="entr" presetSubtype="0" fill="hold" nodeType="clickEffect">
+                                  <p:stCondLst>
+                                    <p:cond delay="0"/>
+                                  </p:stCondLst>
+                                  <p:childTnLst>
+                                    <p:set>
+                                      <p:cBhvr>
+                                        <p:cTn id="6" dur="1" fill="hold">
+                                          <p:stCondLst>
+                                            <p:cond delay="0"/>
+                                          </p:stCondLst>
+                                        </p:cTn>
+                                        <p:tgtEl>
+                                          <p:spTgt spid="7"/>
+                                        </p:tgtEl>
+                                        <p:attrNameLst>
+                                          <p:attrName>style.visibility</p:attrName>
+                                        </p:attrNameLst>
+                                      </p:cBhvr>
+                                      <p:to>
+                                        <p:strVal val="visible"/>
+                                      </p:to>
+                                    </p:set>
+                                  </p:childTnLst>
+                                </p:cTn>
+                              </p:par>
+                              <p:par>
+                                <p:cTn id="7" presetID="1" presetClass="entr" presetSubtype="0" fill="hold" grpId="0" nodeType="withEffect">
+                                  <p:stCondLst>
+                                    <p:cond delay="0"/>
+                                  </p:stCondLst>
+                                  <p:childTnLst>
+                                    <p:set>
+                                      <p:cBhvr>
+                                        <p:cTn id="8" dur="1" fill="hold">
+                                          <p:stCondLst>
+                                            <p:cond delay="0"/>
+                                          </p:stCondLst>
+                                        </p:cTn>
+                                        <p:tgtEl>
+                                          <p:spTgt spid="12"/>
+                                        </p:tgtEl>
+                                        <p:attrNameLst>
+                                          <p:attrName>style.visibility</p:attrName>
+                                        </p:attrNameLst>
+                                      </p:cBhvr>
+                                      <p:to>
+                                        <p:strVal val="visible"/>
+                                      </p:to>
+                                    </p:set>
+                                  </p:childTnLst>
+                                </p:cTn>
+                              </p:par>
+                              <p:par>
+                                <p:cTn id="9" presetID="1" presetClass="entr" presetSubtype="0" fill="hold" grpId="0" nodeType="withEffect">
+                                  <p:stCondLst>
+                                    <p:cond delay="0"/>
+                                  </p:stCondLst>
+                                  <p:childTnLst>
+                                    <p:set>
+                                      <p:cBhvr>
+                                        <p:cTn id="10" dur="1" fill="hold">
+                                          <p:stCondLst>
+                                            <p:cond delay="0"/>
+                                          </p:stCondLst>
+                                        </p:cTn>
+                                        <p:tgtEl>
+                                          <p:spTgt spid="14"/>
+                                        </p:tgtEl>
+                                        <p:attrNameLst>
+                                          <p:attrName>style.visibility</p:attrName>
+                                        </p:attrNameLst>
+                                      </p:cBhvr>
+                                      <p:to>
+                                        <p:strVal val="visible"/>
+                                      </p:to>
+                                    </p:set>
+                                  </p:childTnLst>
+                                </p:cTn>
+                              </p:par>
+                            </p:childTnLst>
+                          </p:cTn>
+                        </p:par>
+                      </p:childTnLst>
+                    </p:cTn>
+                  </p:par>
+                </p:childTnLst>
+              </p:cTn>
+              <p:prevCondLst>
+                <p:cond evt="onPrev" delay="0">
+                  <p:tgtEl>
+                    <p:sldTgt/>
+                  </p:tgtEl>
+                </p:cond>
+              </p:prevCondLst>
+              <p:nextCondLst>
+                <p:cond evt="onNext" delay="0">
+                  <p:tgtEl>
+                    <p:sldTgt/>
+                  </p:tgtEl>
+                </p:cond>
+              </p:nextCondLst>
+            </p:seq>
+          </p:childTnLst>
+        </p:cTn>
+      </p:par>
+    </p:tnLst>
+    <p:bldLst>
+      <p:bldP spid="12" grpId="0" animBg="1"/>
+      <p:bldP spid="14" grpId="0" animBg="1"/>
+    </p:bldLst>
+  </p:timing>
 </p:sld>
 </file>
 
@@ -8827,7 +9668,7 @@
         <p:spPr>
           <a:xfrm>
             <a:off x="450850" y="1091148"/>
-            <a:ext cx="8470900" cy="4154984"/>
+            <a:ext cx="8470900" cy="3170099"/>
           </a:xfrm>
           <a:prstGeom prst="rect">
             <a:avLst/>
@@ -8849,7 +9690,7 @@
                 <a:latin typeface="SimHei" panose="02010609060101010101" pitchFamily="49" charset="-122"/>
                 <a:ea typeface="SimHei" panose="02010609060101010101" pitchFamily="49" charset="-122"/>
               </a:rPr>
-              <a:t>基于云的数据应用对吞吐和尾延迟有极高的要求</a:t>
+              <a:t>基于云的数据应用对存储设备的吞吐和尾延迟有极高的要求</a:t>
             </a:r>
           </a:p>
           <a:p>
@@ -8892,14 +9733,14 @@
               <a:buChar char="q"/>
             </a:pPr>
             <a:r>
-              <a:rPr lang="en-US" altLang="zh-CN" sz="2400" dirty="0">
+              <a:rPr lang="en-US" altLang="zh-CN" sz="2000" dirty="0">
                 <a:ea typeface="SimHei" panose="02010609060101010101" pitchFamily="49" charset="-122"/>
                 <a:cs typeface="Calibri" panose="020F0502020204030204" pitchFamily="34" charset="0"/>
               </a:rPr>
               <a:t>Facebook</a:t>
             </a:r>
             <a:r>
-              <a:rPr lang="zh-CN" altLang="en-US" sz="2400" dirty="0">
+              <a:rPr lang="zh-CN" altLang="en-US" sz="2000" dirty="0">
                 <a:latin typeface="SimHei" panose="02010609060101010101" pitchFamily="49" charset="-122"/>
                 <a:ea typeface="SimHei" panose="02010609060101010101" pitchFamily="49" charset="-122"/>
                 <a:cs typeface="Calibri" panose="020F0502020204030204" pitchFamily="34" charset="0"/>
@@ -8907,28 +9748,28 @@
               <a:t>将他们的数据库负载描述为“</a:t>
             </a:r>
             <a:r>
-              <a:rPr lang="en-US" sz="2400" i="1" dirty="0">
+              <a:rPr lang="en-US" sz="2000" i="1" dirty="0">
                 <a:ea typeface="SimHei" panose="02010609060101010101" pitchFamily="49" charset="-122"/>
                 <a:cs typeface="Calibri" panose="020F0502020204030204" pitchFamily="34" charset="0"/>
               </a:rPr>
               <a:t>interspersing </a:t>
             </a:r>
             <a:r>
-              <a:rPr lang="en-US" sz="2400" i="1" dirty="0" err="1">
+              <a:rPr lang="en-US" sz="2000" i="1" dirty="0" err="1">
                 <a:ea typeface="SimHei" panose="02010609060101010101" pitchFamily="49" charset="-122"/>
                 <a:cs typeface="Calibri" panose="020F0502020204030204" pitchFamily="34" charset="0"/>
               </a:rPr>
               <a:t>bursty</a:t>
             </a:r>
             <a:r>
-              <a:rPr lang="en-US" sz="2400" i="1" dirty="0">
+              <a:rPr lang="en-US" sz="2000" i="1" dirty="0">
                 <a:ea typeface="SimHei" panose="02010609060101010101" pitchFamily="49" charset="-122"/>
                 <a:cs typeface="Calibri" panose="020F0502020204030204" pitchFamily="34" charset="0"/>
               </a:rPr>
               <a:t> writes into sustained reads</a:t>
             </a:r>
             <a:r>
-              <a:rPr lang="en-US" sz="2400" i="1" dirty="0">
+              <a:rPr lang="en-US" sz="2000" i="1" dirty="0">
                 <a:latin typeface="SimHei" panose="02010609060101010101" pitchFamily="49" charset="-122"/>
                 <a:ea typeface="SimHei" panose="02010609060101010101" pitchFamily="49" charset="-122"/>
                 <a:cs typeface="Calibri" panose="020F0502020204030204" pitchFamily="34" charset="0"/>
@@ -8936,7 +9777,7 @@
               <a:t>”</a:t>
             </a:r>
             <a:r>
-              <a:rPr lang="en-US" sz="2400" baseline="30000" dirty="0">
+              <a:rPr lang="en-US" sz="2000" baseline="30000" dirty="0">
                 <a:latin typeface="SimHei" panose="02010609060101010101" pitchFamily="49" charset="-122"/>
                 <a:ea typeface="SimHei" panose="02010609060101010101" pitchFamily="49" charset="-122"/>
                 <a:cs typeface="Calibri" panose="020F0502020204030204" pitchFamily="34" charset="0"/>
@@ -8950,7 +9791,7 @@
               <a:buChar char="q"/>
             </a:pPr>
             <a:r>
-              <a:rPr lang="en-US" sz="2400" dirty="0" err="1">
+              <a:rPr lang="en-US" sz="2000" dirty="0" err="1">
                 <a:latin typeface="SimHei" panose="02010609060101010101" pitchFamily="49" charset="-122"/>
                 <a:ea typeface="SimHei" panose="02010609060101010101" pitchFamily="49" charset="-122"/>
                 <a:cs typeface="Calibri" panose="020F0502020204030204" pitchFamily="34" charset="0"/>
@@ -8958,7 +9799,7 @@
               <a:t>学术界还有研究提出让注重吞吐和注重延迟的负载共享物理资源</a:t>
             </a:r>
             <a:r>
-              <a:rPr lang="en-US" sz="2400" dirty="0">
+              <a:rPr lang="en-US" sz="2000" dirty="0">
                 <a:latin typeface="SimHei" panose="02010609060101010101" pitchFamily="49" charset="-122"/>
                 <a:ea typeface="SimHei" panose="02010609060101010101" pitchFamily="49" charset="-122"/>
                 <a:cs typeface="Calibri" panose="020F0502020204030204" pitchFamily="34" charset="0"/>
@@ -8966,7 +9807,7 @@
               <a:t> </a:t>
             </a:r>
             <a:r>
-              <a:rPr lang="en-US" sz="2400" baseline="30000" dirty="0">
+              <a:rPr lang="en-US" sz="2000" baseline="30000" dirty="0">
                 <a:latin typeface="SimHei" panose="02010609060101010101" pitchFamily="49" charset="-122"/>
                 <a:ea typeface="SimHei" panose="02010609060101010101" pitchFamily="49" charset="-122"/>
                 <a:cs typeface="Calibri" panose="020F0502020204030204" pitchFamily="34" charset="0"/>
@@ -9023,14 +9864,14 @@
               <a:buChar char="q"/>
             </a:pPr>
             <a:r>
-              <a:rPr lang="zh-CN" altLang="en-US" sz="2400" dirty="0">
+              <a:rPr lang="zh-CN" altLang="en-US" sz="2000" dirty="0">
                 <a:latin typeface="SimHei" panose="02010609060101010101" pitchFamily="49" charset="-122"/>
                 <a:ea typeface="SimHei" panose="02010609060101010101" pitchFamily="49" charset="-122"/>
                 <a:cs typeface="Calibri" panose="020F0502020204030204" pitchFamily="34" charset="0"/>
               </a:rPr>
               <a:t>租户的吞吐和尾延迟保证不能因为其它租户的存在而受到影响</a:t>
             </a:r>
-            <a:endParaRPr lang="en-CN" sz="2400" dirty="0">
+            <a:endParaRPr lang="en-CN" sz="2000" dirty="0">
               <a:latin typeface="SimHei" panose="02010609060101010101" pitchFamily="49" charset="-122"/>
               <a:ea typeface="SimHei" panose="02010609060101010101" pitchFamily="49" charset="-122"/>
               <a:cs typeface="Calibri" panose="020F0502020204030204" pitchFamily="34" charset="0"/>
@@ -9437,7 +10278,7 @@
         <p:spPr>
           <a:xfrm>
             <a:off x="450850" y="1091148"/>
-            <a:ext cx="8470900" cy="1569660"/>
+            <a:ext cx="8470900" cy="830997"/>
           </a:xfrm>
           <a:prstGeom prst="rect">
             <a:avLst/>
@@ -9515,13 +10356,77 @@
               <a:ea typeface="SimHei" panose="02010609060101010101" pitchFamily="49" charset="-122"/>
             </a:endParaRPr>
           </a:p>
-          <a:p>
-            <a:pPr marL="285750" indent="-285750">
+        </p:txBody>
+      </p:sp>
+      <p:sp>
+        <p:nvSpPr>
+          <p:cNvPr id="2" name="TextBox 1">
+            <a:extLst>
+              <a:ext uri="{FF2B5EF4-FFF2-40B4-BE49-F238E27FC236}">
+                <a16:creationId xmlns:a16="http://schemas.microsoft.com/office/drawing/2014/main" id="{5E62ADC8-479D-EB46-83E7-B2BCDECF6B5D}"/>
+              </a:ext>
+            </a:extLst>
+          </p:cNvPr>
+          <p:cNvSpPr txBox="1"/>
+          <p:nvPr/>
+        </p:nvSpPr>
+        <p:spPr>
+          <a:xfrm>
+            <a:off x="300038" y="3228975"/>
+            <a:ext cx="184731" cy="369332"/>
+          </a:xfrm>
+          <a:prstGeom prst="rect">
+            <a:avLst/>
+          </a:prstGeom>
+          <a:noFill/>
+        </p:spPr>
+        <p:txBody>
+          <a:bodyPr wrap="none" rtlCol="0">
+            <a:spAutoFit/>
+          </a:bodyPr>
+          <a:lstStyle/>
+          <a:p>
+            <a:endParaRPr lang="en-CN" dirty="0"/>
+          </a:p>
+        </p:txBody>
+      </p:sp>
+      <p:sp>
+        <p:nvSpPr>
+          <p:cNvPr id="4" name="TextBox 3">
+            <a:extLst>
+              <a:ext uri="{FF2B5EF4-FFF2-40B4-BE49-F238E27FC236}">
+                <a16:creationId xmlns:a16="http://schemas.microsoft.com/office/drawing/2014/main" id="{5F5C0C73-2FF4-A44A-AB4A-9EB015822555}"/>
+              </a:ext>
+            </a:extLst>
+          </p:cNvPr>
+          <p:cNvSpPr txBox="1"/>
+          <p:nvPr/>
+        </p:nvSpPr>
+        <p:spPr>
+          <a:xfrm>
+            <a:off x="450850" y="1835711"/>
+            <a:ext cx="8470900" cy="830997"/>
+          </a:xfrm>
+          <a:prstGeom prst="rect">
+            <a:avLst/>
+          </a:prstGeom>
+          <a:noFill/>
+        </p:spPr>
+        <p:txBody>
+          <a:bodyPr wrap="square" rtlCol="0">
+            <a:spAutoFit/>
+          </a:bodyPr>
+          <a:lstStyle/>
+          <a:p>
+            <a:pPr marL="285750" lvl="0" indent="-285750">
               <a:buFont typeface="Wingdings" pitchFamily="2" charset="2"/>
               <a:buChar char="q"/>
             </a:pPr>
             <a:r>
               <a:rPr lang="zh-CN" altLang="en-US" sz="2400" dirty="0">
+                <a:solidFill>
+                  <a:prstClr val="black"/>
+                </a:solidFill>
                 <a:latin typeface="SimHei" panose="02010609060101010101" pitchFamily="49" charset="-122"/>
                 <a:ea typeface="SimHei" panose="02010609060101010101" pitchFamily="49" charset="-122"/>
               </a:rPr>
@@ -9529,30 +10434,45 @@
             </a:r>
             <a:r>
               <a:rPr lang="en-US" altLang="zh-CN" sz="2400" dirty="0">
+                <a:solidFill>
+                  <a:prstClr val="black"/>
+                </a:solidFill>
                 <a:ea typeface="SimHei" panose="02010609060101010101" pitchFamily="49" charset="-122"/>
               </a:rPr>
               <a:t>Samsung</a:t>
             </a:r>
             <a:r>
               <a:rPr lang="zh-CN" altLang="en-US" sz="2400" dirty="0">
+                <a:solidFill>
+                  <a:prstClr val="black"/>
+                </a:solidFill>
                 <a:ea typeface="SimHei" panose="02010609060101010101" pitchFamily="49" charset="-122"/>
               </a:rPr>
               <a:t> </a:t>
             </a:r>
             <a:r>
               <a:rPr lang="en-US" altLang="zh-CN" sz="2400" dirty="0">
+                <a:solidFill>
+                  <a:prstClr val="black"/>
+                </a:solidFill>
                 <a:ea typeface="SimHei" panose="02010609060101010101" pitchFamily="49" charset="-122"/>
               </a:rPr>
               <a:t>PM963</a:t>
             </a:r>
             <a:r>
               <a:rPr lang="zh-CN" altLang="en-US" sz="2400" dirty="0">
+                <a:solidFill>
+                  <a:prstClr val="black"/>
+                </a:solidFill>
                 <a:latin typeface="SimHei" panose="02010609060101010101" pitchFamily="49" charset="-122"/>
                 <a:ea typeface="SimHei" panose="02010609060101010101" pitchFamily="49" charset="-122"/>
               </a:rPr>
               <a:t>上，很小的写流量就会使读的尾延迟增大十倍</a:t>
             </a:r>
             <a:endParaRPr lang="en-CN" sz="2400" dirty="0">
+              <a:solidFill>
+                <a:prstClr val="black"/>
+              </a:solidFill>
               <a:latin typeface="SimHei" panose="02010609060101010101" pitchFamily="49" charset="-122"/>
               <a:ea typeface="SimHei" panose="02010609060101010101" pitchFamily="49" charset="-122"/>
             </a:endParaRPr>
@@ -9569,6 +10489,111 @@
   <p:clrMapOvr>
     <a:masterClrMapping/>
   </p:clrMapOvr>
+  <p:timing>
+    <p:tnLst>
+      <p:par>
+        <p:cTn id="1" dur="indefinite" restart="never" nodeType="tmRoot">
+          <p:childTnLst>
+            <p:seq concurrent="1" nextAc="seek">
+              <p:cTn id="2" dur="indefinite" nodeType="mainSeq">
+                <p:childTnLst>
+                  <p:par>
+                    <p:cTn id="3" fill="hold">
+                      <p:stCondLst>
+                        <p:cond delay="indefinite"/>
+                      </p:stCondLst>
+                      <p:childTnLst>
+                        <p:par>
+                          <p:cTn id="4" fill="hold">
+                            <p:stCondLst>
+                              <p:cond delay="0"/>
+                            </p:stCondLst>
+                            <p:childTnLst>
+                              <p:par>
+                                <p:cTn id="5" presetID="1" presetClass="entr" presetSubtype="0" fill="hold" grpId="0" nodeType="clickEffect">
+                                  <p:stCondLst>
+                                    <p:cond delay="0"/>
+                                  </p:stCondLst>
+                                  <p:childTnLst>
+                                    <p:set>
+                                      <p:cBhvr>
+                                        <p:cTn id="6" dur="1" fill="hold">
+                                          <p:stCondLst>
+                                            <p:cond delay="0"/>
+                                          </p:stCondLst>
+                                        </p:cTn>
+                                        <p:tgtEl>
+                                          <p:spTgt spid="4"/>
+                                        </p:tgtEl>
+                                        <p:attrNameLst>
+                                          <p:attrName>style.visibility</p:attrName>
+                                        </p:attrNameLst>
+                                      </p:cBhvr>
+                                      <p:to>
+                                        <p:strVal val="visible"/>
+                                      </p:to>
+                                    </p:set>
+                                  </p:childTnLst>
+                                </p:cTn>
+                              </p:par>
+                              <p:par>
+                                <p:cTn id="7" presetID="1" presetClass="entr" presetSubtype="0" fill="hold" nodeType="withEffect">
+                                  <p:stCondLst>
+                                    <p:cond delay="0"/>
+                                  </p:stCondLst>
+                                  <p:childTnLst>
+                                    <p:set>
+                                      <p:cBhvr>
+                                        <p:cTn id="8" dur="1" fill="hold">
+                                          <p:stCondLst>
+                                            <p:cond delay="0"/>
+                                          </p:stCondLst>
+                                        </p:cTn>
+                                        <p:tgtEl>
+                                          <p:spTgt spid="11"/>
+                                        </p:tgtEl>
+                                        <p:attrNameLst>
+                                          <p:attrName>style.visibility</p:attrName>
+                                        </p:attrNameLst>
+                                      </p:cBhvr>
+                                      <p:to>
+                                        <p:strVal val="visible"/>
+                                      </p:to>
+                                    </p:set>
+                                  </p:childTnLst>
+                                </p:cTn>
+                              </p:par>
+                            </p:childTnLst>
+                          </p:cTn>
+                        </p:par>
+                      </p:childTnLst>
+                    </p:cTn>
+                  </p:par>
+                </p:childTnLst>
+              </p:cTn>
+              <p:prevCondLst>
+                <p:cond evt="onPrev" delay="0">
+                  <p:tgtEl>
+                    <p:sldTgt/>
+                  </p:tgtEl>
+                </p:cond>
+              </p:prevCondLst>
+              <p:nextCondLst>
+                <p:cond evt="onNext" delay="0">
+                  <p:tgtEl>
+                    <p:sldTgt/>
+                  </p:tgtEl>
+                </p:cond>
+              </p:nextCondLst>
+            </p:seq>
+          </p:childTnLst>
+        </p:cTn>
+      </p:par>
+    </p:tnLst>
+    <p:bldLst>
+      <p:bldP spid="4" grpId="0"/>
+    </p:bldLst>
+  </p:timing>
 </p:sld>
 </file>
 
@@ -10254,6 +11279,76 @@
                 <a:ea typeface="SimHei" panose="02010609060101010101" pitchFamily="49" charset="-122"/>
               </a:rPr>
               <a:t>租户B</a:t>
+            </a:r>
+          </a:p>
+        </p:txBody>
+      </p:sp>
+      <p:sp>
+        <p:nvSpPr>
+          <p:cNvPr id="2" name="TextBox 1">
+            <a:extLst>
+              <a:ext uri="{FF2B5EF4-FFF2-40B4-BE49-F238E27FC236}">
+                <a16:creationId xmlns:a16="http://schemas.microsoft.com/office/drawing/2014/main" id="{7F62BA38-81BA-464A-BB0C-9F76B46167CA}"/>
+              </a:ext>
+            </a:extLst>
+          </p:cNvPr>
+          <p:cNvSpPr txBox="1"/>
+          <p:nvPr/>
+        </p:nvSpPr>
+        <p:spPr>
+          <a:xfrm>
+            <a:off x="1869273" y="4771477"/>
+            <a:ext cx="415498" cy="369332"/>
+          </a:xfrm>
+          <a:prstGeom prst="rect">
+            <a:avLst/>
+          </a:prstGeom>
+          <a:noFill/>
+        </p:spPr>
+        <p:txBody>
+          <a:bodyPr wrap="none" rtlCol="0">
+            <a:spAutoFit/>
+          </a:bodyPr>
+          <a:lstStyle/>
+          <a:p>
+            <a:r>
+              <a:rPr lang="en-CN" dirty="0"/>
+              <a:t>写</a:t>
+            </a:r>
+          </a:p>
+        </p:txBody>
+      </p:sp>
+      <p:sp>
+        <p:nvSpPr>
+          <p:cNvPr id="4" name="TextBox 3">
+            <a:extLst>
+              <a:ext uri="{FF2B5EF4-FFF2-40B4-BE49-F238E27FC236}">
+                <a16:creationId xmlns:a16="http://schemas.microsoft.com/office/drawing/2014/main" id="{AF383A8C-1AC1-FD48-9AE5-D9D83563A55D}"/>
+              </a:ext>
+            </a:extLst>
+          </p:cNvPr>
+          <p:cNvSpPr txBox="1"/>
+          <p:nvPr/>
+        </p:nvSpPr>
+        <p:spPr>
+          <a:xfrm>
+            <a:off x="6949328" y="4771477"/>
+            <a:ext cx="428322" cy="369332"/>
+          </a:xfrm>
+          <a:prstGeom prst="rect">
+            <a:avLst/>
+          </a:prstGeom>
+          <a:noFill/>
+        </p:spPr>
+        <p:txBody>
+          <a:bodyPr wrap="none" rtlCol="0">
+            <a:spAutoFit/>
+          </a:bodyPr>
+          <a:lstStyle/>
+          <a:p>
+            <a:r>
+              <a:rPr lang="en-CN" dirty="0"/>
+              <a:t>读</a:t>
             </a:r>
           </a:p>
         </p:txBody>
@@ -10516,6 +11611,297 @@
       </p:grpSpPr>
       <p:sp>
         <p:nvSpPr>
+          <p:cNvPr id="3" name="页脚占位符 2"/>
+          <p:cNvSpPr>
+            <a:spLocks noGrp="1"/>
+          </p:cNvSpPr>
+          <p:nvPr>
+            <p:ph type="ftr" sz="quarter" idx="11"/>
+          </p:nvPr>
+        </p:nvSpPr>
+        <p:spPr/>
+        <p:txBody>
+          <a:bodyPr/>
+          <a:lstStyle/>
+          <a:p>
+            <a:pPr>
+              <a:defRPr/>
+            </a:pPr>
+            <a:r>
+              <a:rPr lang="zh-CN" altLang="en-US"/>
+              <a:t>云闪存系统中的多租户性能隔离研究</a:t>
+            </a:r>
+            <a:endParaRPr lang="zh-CN" altLang="en-US" dirty="0"/>
+          </a:p>
+        </p:txBody>
+      </p:sp>
+      <p:sp>
+        <p:nvSpPr>
+          <p:cNvPr id="5" name="标题 4"/>
+          <p:cNvSpPr>
+            <a:spLocks noGrp="1"/>
+          </p:cNvSpPr>
+          <p:nvPr>
+            <p:ph type="title"/>
+          </p:nvPr>
+        </p:nvSpPr>
+        <p:spPr/>
+        <p:txBody>
+          <a:bodyPr/>
+          <a:lstStyle/>
+          <a:p>
+            <a:r>
+              <a:rPr lang="zh-CN" altLang="en-CN" dirty="0"/>
+              <a:t>背景</a:t>
+            </a:r>
+            <a:r>
+              <a:rPr lang="zh-CN" altLang="en-US" dirty="0"/>
+              <a:t>介绍</a:t>
+            </a:r>
+          </a:p>
+        </p:txBody>
+      </p:sp>
+      <p:sp>
+        <p:nvSpPr>
+          <p:cNvPr id="19" name="TextBox 18">
+            <a:extLst>
+              <a:ext uri="{FF2B5EF4-FFF2-40B4-BE49-F238E27FC236}">
+                <a16:creationId xmlns:a16="http://schemas.microsoft.com/office/drawing/2014/main" id="{11A5D244-0D7D-084C-B814-CBDB8C35D872}"/>
+              </a:ext>
+            </a:extLst>
+          </p:cNvPr>
+          <p:cNvSpPr txBox="1"/>
+          <p:nvPr/>
+        </p:nvSpPr>
+        <p:spPr>
+          <a:xfrm>
+            <a:off x="450850" y="1091148"/>
+            <a:ext cx="8470900" cy="3416320"/>
+          </a:xfrm>
+          <a:prstGeom prst="rect">
+            <a:avLst/>
+          </a:prstGeom>
+          <a:noFill/>
+        </p:spPr>
+        <p:txBody>
+          <a:bodyPr wrap="square" rtlCol="0">
+            <a:spAutoFit/>
+          </a:bodyPr>
+          <a:lstStyle/>
+          <a:p>
+            <a:pPr marL="285750" indent="-285750">
+              <a:buFont typeface="Wingdings" pitchFamily="2" charset="2"/>
+              <a:buChar char="q"/>
+            </a:pPr>
+            <a:r>
+              <a:rPr lang="en-CN" sz="2400" dirty="0">
+                <a:latin typeface="SimHei" panose="02010609060101010101" pitchFamily="49" charset="-122"/>
+                <a:ea typeface="SimHei" panose="02010609060101010101" pitchFamily="49" charset="-122"/>
+              </a:rPr>
+              <a:t>由于NAND</a:t>
+            </a:r>
+            <a:r>
+              <a:rPr lang="zh-CN" altLang="en-US" sz="2400" dirty="0">
+                <a:latin typeface="SimHei" panose="02010609060101010101" pitchFamily="49" charset="-122"/>
+                <a:ea typeface="SimHei" panose="02010609060101010101" pitchFamily="49" charset="-122"/>
+              </a:rPr>
+              <a:t> </a:t>
+            </a:r>
+            <a:r>
+              <a:rPr lang="en-CN" sz="2400" dirty="0">
+                <a:latin typeface="SimHei" panose="02010609060101010101" pitchFamily="49" charset="-122"/>
+                <a:ea typeface="SimHei" panose="02010609060101010101" pitchFamily="49" charset="-122"/>
+              </a:rPr>
+              <a:t>SSD的</a:t>
+            </a:r>
+            <a:r>
+              <a:rPr lang="en-CN" sz="2400" b="1" dirty="0">
+                <a:latin typeface="SimHei" panose="02010609060101010101" pitchFamily="49" charset="-122"/>
+                <a:ea typeface="SimHei" panose="02010609060101010101" pitchFamily="49" charset="-122"/>
+              </a:rPr>
+              <a:t>读写干扰</a:t>
+            </a:r>
+            <a:r>
+              <a:rPr lang="en-CN" sz="2400" dirty="0">
+                <a:latin typeface="SimHei" panose="02010609060101010101" pitchFamily="49" charset="-122"/>
+                <a:ea typeface="SimHei" panose="02010609060101010101" pitchFamily="49" charset="-122"/>
+              </a:rPr>
+              <a:t>问题</a:t>
+            </a:r>
+            <a:r>
+              <a:rPr lang="zh-CN" altLang="en-US" sz="2400" dirty="0">
+                <a:latin typeface="SimHei" panose="02010609060101010101" pitchFamily="49" charset="-122"/>
+                <a:ea typeface="SimHei" panose="02010609060101010101" pitchFamily="49" charset="-122"/>
+              </a:rPr>
+              <a:t>，多租户性能隔离在</a:t>
+            </a:r>
+            <a:r>
+              <a:rPr lang="en-US" altLang="zh-CN" sz="2400" dirty="0">
+                <a:latin typeface="SimHei" panose="02010609060101010101" pitchFamily="49" charset="-122"/>
+                <a:ea typeface="SimHei" panose="02010609060101010101" pitchFamily="49" charset="-122"/>
+              </a:rPr>
+              <a:t>SSD</a:t>
+            </a:r>
+            <a:r>
+              <a:rPr lang="zh-CN" altLang="en-US" sz="2400" dirty="0">
+                <a:latin typeface="SimHei" panose="02010609060101010101" pitchFamily="49" charset="-122"/>
+                <a:ea typeface="SimHei" panose="02010609060101010101" pitchFamily="49" charset="-122"/>
+              </a:rPr>
+              <a:t>上难以实现</a:t>
+            </a:r>
+            <a:endParaRPr lang="en-US" altLang="zh-CN" sz="2400" dirty="0">
+              <a:latin typeface="SimHei" panose="02010609060101010101" pitchFamily="49" charset="-122"/>
+              <a:ea typeface="SimHei" panose="02010609060101010101" pitchFamily="49" charset="-122"/>
+            </a:endParaRPr>
+          </a:p>
+          <a:p>
+            <a:pPr marL="285750" indent="-285750">
+              <a:buFont typeface="Wingdings" pitchFamily="2" charset="2"/>
+              <a:buChar char="q"/>
+            </a:pPr>
+            <a:r>
+              <a:rPr lang="zh-CN" altLang="en-US" sz="2400" dirty="0">
+                <a:latin typeface="SimHei" panose="02010609060101010101" pitchFamily="49" charset="-122"/>
+                <a:ea typeface="SimHei" panose="02010609060101010101" pitchFamily="49" charset="-122"/>
+              </a:rPr>
+              <a:t>在</a:t>
+            </a:r>
+            <a:r>
+              <a:rPr lang="en-US" altLang="zh-CN" sz="2400" dirty="0">
+                <a:ea typeface="SimHei" panose="02010609060101010101" pitchFamily="49" charset="-122"/>
+              </a:rPr>
+              <a:t>Samsung</a:t>
+            </a:r>
+            <a:r>
+              <a:rPr lang="zh-CN" altLang="en-US" sz="2400" dirty="0">
+                <a:ea typeface="SimHei" panose="02010609060101010101" pitchFamily="49" charset="-122"/>
+              </a:rPr>
+              <a:t> </a:t>
+            </a:r>
+            <a:r>
+              <a:rPr lang="en-US" altLang="zh-CN" sz="2400" dirty="0">
+                <a:ea typeface="SimHei" panose="02010609060101010101" pitchFamily="49" charset="-122"/>
+              </a:rPr>
+              <a:t>PM963</a:t>
+            </a:r>
+            <a:r>
+              <a:rPr lang="zh-CN" altLang="en-US" sz="2400" dirty="0">
+                <a:latin typeface="SimHei" panose="02010609060101010101" pitchFamily="49" charset="-122"/>
+                <a:ea typeface="SimHei" panose="02010609060101010101" pitchFamily="49" charset="-122"/>
+              </a:rPr>
+              <a:t>上，很小的写流量就会使读的尾延迟增大十倍</a:t>
+            </a:r>
+            <a:endParaRPr lang="en-US" altLang="zh-CN" sz="2400" dirty="0">
+              <a:latin typeface="SimHei" panose="02010609060101010101" pitchFamily="49" charset="-122"/>
+              <a:ea typeface="SimHei" panose="02010609060101010101" pitchFamily="49" charset="-122"/>
+            </a:endParaRPr>
+          </a:p>
+          <a:p>
+            <a:pPr marL="285750" indent="-285750">
+              <a:buFont typeface="Wingdings" pitchFamily="2" charset="2"/>
+              <a:buChar char="q"/>
+            </a:pPr>
+            <a:r>
+              <a:rPr lang="en-CN" sz="2400" dirty="0">
+                <a:latin typeface="SimHei" panose="02010609060101010101" pitchFamily="49" charset="-122"/>
+                <a:ea typeface="SimHei" panose="02010609060101010101" pitchFamily="49" charset="-122"/>
+              </a:rPr>
+              <a:t>这是由于一个租户的写操作可能触发SSD内部的垃圾回收</a:t>
+            </a:r>
+            <a:r>
+              <a:rPr lang="zh-CN" altLang="en-US" sz="2400" dirty="0">
+                <a:latin typeface="SimHei" panose="02010609060101010101" pitchFamily="49" charset="-122"/>
+                <a:ea typeface="SimHei" panose="02010609060101010101" pitchFamily="49" charset="-122"/>
+              </a:rPr>
+              <a:t>、缓冲区刷新等操作，进而影响其他租户的访问性能</a:t>
+            </a:r>
+            <a:endParaRPr lang="en-US" altLang="zh-CN" sz="2400" dirty="0">
+              <a:latin typeface="SimHei" panose="02010609060101010101" pitchFamily="49" charset="-122"/>
+              <a:ea typeface="SimHei" panose="02010609060101010101" pitchFamily="49" charset="-122"/>
+            </a:endParaRPr>
+          </a:p>
+          <a:p>
+            <a:pPr marL="285750" indent="-285750">
+              <a:buFont typeface="Wingdings" pitchFamily="2" charset="2"/>
+              <a:buChar char="q"/>
+            </a:pPr>
+            <a:r>
+              <a:rPr lang="en-US" sz="2400" dirty="0" err="1">
+                <a:latin typeface="SimHei" panose="02010609060101010101" pitchFamily="49" charset="-122"/>
+                <a:ea typeface="SimHei" panose="02010609060101010101" pitchFamily="49" charset="-122"/>
+              </a:rPr>
+              <a:t>因此</a:t>
+            </a:r>
+            <a:r>
+              <a:rPr lang="zh-CN" altLang="en-US" sz="2400" dirty="0">
+                <a:latin typeface="SimHei" panose="02010609060101010101" pitchFamily="49" charset="-122"/>
+                <a:ea typeface="SimHei" panose="02010609060101010101" pitchFamily="49" charset="-122"/>
+              </a:rPr>
+              <a:t>，高性能的云应用仍倾向于采用租户独占的</a:t>
+            </a:r>
+            <a:r>
+              <a:rPr lang="en-US" altLang="zh-CN" sz="2400" dirty="0">
+                <a:latin typeface="SimHei" panose="02010609060101010101" pitchFamily="49" charset="-122"/>
+                <a:ea typeface="SimHei" panose="02010609060101010101" pitchFamily="49" charset="-122"/>
+              </a:rPr>
+              <a:t>SSD</a:t>
+            </a:r>
+            <a:r>
+              <a:rPr lang="zh-CN" altLang="en-US" sz="2400" dirty="0">
+                <a:latin typeface="SimHei" panose="02010609060101010101" pitchFamily="49" charset="-122"/>
+                <a:ea typeface="SimHei" panose="02010609060101010101" pitchFamily="49" charset="-122"/>
+              </a:rPr>
+              <a:t>存储，这会造成资源的浪费</a:t>
+            </a:r>
+            <a:endParaRPr lang="en-CN" sz="2400" dirty="0">
+              <a:latin typeface="SimHei" panose="02010609060101010101" pitchFamily="49" charset="-122"/>
+              <a:ea typeface="SimHei" panose="02010609060101010101" pitchFamily="49" charset="-122"/>
+            </a:endParaRPr>
+          </a:p>
+          <a:p>
+            <a:pPr marL="285750" indent="-285750">
+              <a:buFont typeface="Wingdings" pitchFamily="2" charset="2"/>
+              <a:buChar char="q"/>
+            </a:pPr>
+            <a:endParaRPr lang="en-CN" sz="2400" dirty="0">
+              <a:latin typeface="SimHei" panose="02010609060101010101" pitchFamily="49" charset="-122"/>
+              <a:ea typeface="SimHei" panose="02010609060101010101" pitchFamily="49" charset="-122"/>
+            </a:endParaRPr>
+          </a:p>
+        </p:txBody>
+      </p:sp>
+    </p:spTree>
+    <p:extLst>
+      <p:ext uri="{BB962C8B-B14F-4D97-AF65-F5344CB8AC3E}">
+        <p14:creationId xmlns:p14="http://schemas.microsoft.com/office/powerpoint/2010/main" val="3222393928"/>
+      </p:ext>
+    </p:extLst>
+  </p:cSld>
+  <p:clrMapOvr>
+    <a:masterClrMapping/>
+  </p:clrMapOvr>
+</p:sld>
+</file>
+
+<file path=ppt/slides/slide7.xml><?xml version="1.0" encoding="utf-8"?>
+<p:sld xmlns:a="http://schemas.openxmlformats.org/drawingml/2006/main" xmlns:r="http://schemas.openxmlformats.org/officeDocument/2006/relationships" xmlns:p="http://schemas.openxmlformats.org/presentationml/2006/main">
+  <p:cSld>
+    <p:spTree>
+      <p:nvGrpSpPr>
+        <p:cNvPr id="1" name=""/>
+        <p:cNvGrpSpPr/>
+        <p:nvPr/>
+      </p:nvGrpSpPr>
+      <p:grpSpPr>
+        <a:xfrm>
+          <a:off x="0" y="0"/>
+          <a:ext cx="0" cy="0"/>
+          <a:chOff x="0" y="0"/>
+          <a:chExt cx="0" cy="0"/>
+        </a:xfrm>
+      </p:grpSpPr>
+      <p:sp>
+        <p:nvSpPr>
           <p:cNvPr id="2" name="Footer Placeholder 1">
             <a:extLst>
               <a:ext uri="{FF2B5EF4-FFF2-40B4-BE49-F238E27FC236}">
@@ -10593,7 +11979,7 @@
         <p:spPr>
           <a:xfrm>
             <a:off x="444999" y="1093469"/>
-            <a:ext cx="8330702" cy="3708195"/>
+            <a:ext cx="8330702" cy="2557110"/>
           </a:xfrm>
           <a:prstGeom prst="rect">
             <a:avLst/>
@@ -10635,7 +12021,7 @@
                 <a:latin typeface="SimHei" panose="02010609060101010101" pitchFamily="49" charset="-122"/>
                 <a:ea typeface="SimHei" panose="02010609060101010101" pitchFamily="49" charset="-122"/>
               </a:rPr>
-              <a:t>，本系统负责资源的分配和调度，满足租户的</a:t>
+              <a:t>，本系统负责资源的分配和调度，从而满足租户的</a:t>
             </a:r>
             <a:r>
               <a:rPr lang="en-US" altLang="zh-CN" sz="2400" b="0" dirty="0">
@@ -10732,41 +12118,6 @@
           </a:p>
           <a:p>
             <a:pPr marL="285750" indent="-285750"/>
-            <a:r>
-              <a:rPr lang="zh-CN" altLang="en-US" sz="2400" b="0" dirty="0">
-                <a:latin typeface="SimHei" panose="02010609060101010101" pitchFamily="49" charset="-122"/>
-                <a:ea typeface="SimHei" panose="02010609060101010101" pitchFamily="49" charset="-122"/>
-              </a:rPr>
-              <a:t>为了</a:t>
-            </a:r>
-            <a:r>
-              <a:rPr lang="zh-CN" altLang="en-US" sz="2400" dirty="0">
-                <a:latin typeface="SimHei" panose="02010609060101010101" pitchFamily="49" charset="-122"/>
-                <a:ea typeface="SimHei" panose="02010609060101010101" pitchFamily="49" charset="-122"/>
-              </a:rPr>
-              <a:t>避免</a:t>
-            </a:r>
-            <a:r>
-              <a:rPr lang="zh-CN" altLang="en-US" sz="2400" b="0" dirty="0">
-                <a:latin typeface="SimHei" panose="02010609060101010101" pitchFamily="49" charset="-122"/>
-                <a:ea typeface="SimHei" panose="02010609060101010101" pitchFamily="49" charset="-122"/>
-              </a:rPr>
-              <a:t>读写干扰，将对</a:t>
-            </a:r>
-            <a:r>
-              <a:rPr lang="en-US" altLang="zh-CN" sz="2400" b="0" dirty="0">
-                <a:latin typeface="SimHei" panose="02010609060101010101" pitchFamily="49" charset="-122"/>
-                <a:ea typeface="SimHei" panose="02010609060101010101" pitchFamily="49" charset="-122"/>
-              </a:rPr>
-              <a:t>SSD</a:t>
-            </a:r>
-            <a:r>
-              <a:rPr lang="zh-CN" altLang="en-US" sz="2400" b="0" dirty="0">
-                <a:latin typeface="SimHei" panose="02010609060101010101" pitchFamily="49" charset="-122"/>
-                <a:ea typeface="SimHei" panose="02010609060101010101" pitchFamily="49" charset="-122"/>
-              </a:rPr>
-              <a:t>的访问分割成纯读和纯写时间窗口，让读和写在时间上隔离</a:t>
-            </a:r>
             <a:endParaRPr lang="en-US" altLang="zh-CN" sz="2400" b="0" dirty="0">
               <a:latin typeface="SimHei" panose="02010609060101010101" pitchFamily="49" charset="-122"/>
               <a:ea typeface="SimHei" panose="02010609060101010101" pitchFamily="49" charset="-122"/>
@@ -10774,51 +12125,2693 @@
           </a:p>
           <a:p>
             <a:pPr marL="285750" indent="-285750"/>
-            <a:r>
-              <a:rPr lang="zh-CN" altLang="en-US" sz="2400" b="0" dirty="0">
-                <a:latin typeface="SimHei" panose="02010609060101010101" pitchFamily="49" charset="-122"/>
-                <a:ea typeface="SimHei" panose="02010609060101010101" pitchFamily="49" charset="-122"/>
-              </a:rPr>
-              <a:t>为了</a:t>
-            </a:r>
-            <a:r>
-              <a:rPr lang="zh-CN" altLang="en-US" sz="2400" dirty="0">
-                <a:latin typeface="SimHei" panose="02010609060101010101" pitchFamily="49" charset="-122"/>
-                <a:ea typeface="SimHei" panose="02010609060101010101" pitchFamily="49" charset="-122"/>
-              </a:rPr>
-              <a:t>减轻</a:t>
-            </a:r>
-            <a:r>
-              <a:rPr lang="zh-CN" altLang="en-US" sz="2400" b="0" dirty="0">
-                <a:latin typeface="SimHei" panose="02010609060101010101" pitchFamily="49" charset="-122"/>
-                <a:ea typeface="SimHei" panose="02010609060101010101" pitchFamily="49" charset="-122"/>
-              </a:rPr>
-              <a:t>读写干扰，基于</a:t>
-            </a:r>
-            <a:r>
-              <a:rPr lang="en-US" altLang="zh-CN" sz="2400" b="0" dirty="0">
-                <a:latin typeface="SimHei" panose="02010609060101010101" pitchFamily="49" charset="-122"/>
-                <a:ea typeface="SimHei" panose="02010609060101010101" pitchFamily="49" charset="-122"/>
-              </a:rPr>
-              <a:t>SLA</a:t>
-            </a:r>
-            <a:r>
-              <a:rPr lang="zh-CN" altLang="en-US" sz="2400" b="0" dirty="0">
-                <a:latin typeface="SimHei" panose="02010609060101010101" pitchFamily="49" charset="-122"/>
-                <a:ea typeface="SimHei" panose="02010609060101010101" pitchFamily="49" charset="-122"/>
-              </a:rPr>
-              <a:t>曲线进行存储空间和带宽的分配，</a:t>
-            </a:r>
-            <a:endParaRPr lang="en-US" altLang="zh-CN" sz="2400" b="0" dirty="0">
+            <a:endParaRPr lang="en-CN" sz="2400" b="0" dirty="0">
               <a:latin typeface="SimHei" panose="02010609060101010101" pitchFamily="49" charset="-122"/>
               <a:ea typeface="SimHei" panose="02010609060101010101" pitchFamily="49" charset="-122"/>
             </a:endParaRPr>
           </a:p>
-          <a:p>
-            <a:pPr marL="285750" indent="-285750"/>
-            <a:endParaRPr lang="en-CN" sz="2400" b="0" dirty="0">
+        </p:txBody>
+      </p:sp>
+      <p:sp>
+        <p:nvSpPr>
+          <p:cNvPr id="6" name="Rectangle 5">
+            <a:extLst>
+              <a:ext uri="{FF2B5EF4-FFF2-40B4-BE49-F238E27FC236}">
+                <a16:creationId xmlns:a16="http://schemas.microsoft.com/office/drawing/2014/main" id="{60226327-A124-4840-9E93-86C18DF6A265}"/>
+              </a:ext>
+            </a:extLst>
+          </p:cNvPr>
+          <p:cNvSpPr/>
+          <p:nvPr/>
+        </p:nvSpPr>
+        <p:spPr>
+          <a:xfrm>
+            <a:off x="4015333" y="2893824"/>
+            <a:ext cx="1383322" cy="708357"/>
+          </a:xfrm>
+          <a:prstGeom prst="rect">
+            <a:avLst/>
+          </a:prstGeom>
+          <a:solidFill>
+            <a:schemeClr val="accent1">
+              <a:lumMod val="40000"/>
+              <a:lumOff val="60000"/>
+            </a:schemeClr>
+          </a:solidFill>
+        </p:spPr>
+        <p:style>
+          <a:lnRef idx="2">
+            <a:schemeClr val="accent1">
+              <a:shade val="50000"/>
+            </a:schemeClr>
+          </a:lnRef>
+          <a:fillRef idx="1">
+            <a:schemeClr val="accent1"/>
+          </a:fillRef>
+          <a:effectRef idx="0">
+            <a:schemeClr val="accent1"/>
+          </a:effectRef>
+          <a:fontRef idx="minor">
+            <a:schemeClr val="lt1"/>
+          </a:fontRef>
+        </p:style>
+        <p:txBody>
+          <a:bodyPr rtlCol="0" anchor="ctr"/>
+          <a:lstStyle/>
+          <a:p>
+            <a:pPr marL="0" marR="0" lvl="0" indent="0" algn="ctr" defTabSz="914400" rtl="0" eaLnBrk="1" fontAlgn="auto" latinLnBrk="0" hangingPunct="1">
+              <a:lnSpc>
+                <a:spcPct val="100000"/>
+              </a:lnSpc>
+              <a:spcBef>
+                <a:spcPts val="0"/>
+              </a:spcBef>
+              <a:spcAft>
+                <a:spcPts val="0"/>
+              </a:spcAft>
+              <a:buClrTx/>
+              <a:buSzTx/>
+              <a:buFontTx/>
+              <a:buNone/>
+              <a:tabLst/>
+              <a:defRPr/>
+            </a:pPr>
+            <a:r>
+              <a:rPr kumimoji="0" lang="zh-CN" altLang="en-US" sz="1600" b="0" i="0" u="none" strike="noStrike" kern="1200" cap="none" spc="0" normalizeH="0" baseline="0" noProof="0" dirty="0">
+                <a:ln>
+                  <a:noFill/>
+                </a:ln>
+                <a:solidFill>
+                  <a:prstClr val="black"/>
+                </a:solidFill>
+                <a:effectLst/>
+                <a:uLnTx/>
+                <a:uFillTx/>
+                <a:latin typeface="SimHei" panose="02010609060101010101" pitchFamily="49" charset="-122"/>
+                <a:ea typeface="SimHei" panose="02010609060101010101" pitchFamily="49" charset="-122"/>
+                <a:cs typeface="+mn-cs"/>
+              </a:rPr>
+              <a:t>控制器</a:t>
+            </a:r>
+            <a:endParaRPr kumimoji="0" lang="en-US" altLang="zh-CN" sz="1600" b="0" i="0" u="none" strike="noStrike" kern="1200" cap="none" spc="0" normalizeH="0" baseline="0" noProof="0" dirty="0">
+              <a:ln>
+                <a:noFill/>
+              </a:ln>
+              <a:solidFill>
+                <a:prstClr val="black"/>
+              </a:solidFill>
+              <a:effectLst/>
+              <a:uLnTx/>
+              <a:uFillTx/>
               <a:latin typeface="SimHei" panose="02010609060101010101" pitchFamily="49" charset="-122"/>
               <a:ea typeface="SimHei" panose="02010609060101010101" pitchFamily="49" charset="-122"/>
+              <a:cs typeface="+mn-cs"/>
+            </a:endParaRPr>
+          </a:p>
+        </p:txBody>
+      </p:sp>
+      <p:sp>
+        <p:nvSpPr>
+          <p:cNvPr id="7" name="Rectangle: Rounded Corners 4">
+            <a:extLst>
+              <a:ext uri="{FF2B5EF4-FFF2-40B4-BE49-F238E27FC236}">
+                <a16:creationId xmlns:a16="http://schemas.microsoft.com/office/drawing/2014/main" id="{A604DC71-FE32-B943-B194-0DB2D6D9B737}"/>
+              </a:ext>
+            </a:extLst>
+          </p:cNvPr>
+          <p:cNvSpPr/>
+          <p:nvPr/>
+        </p:nvSpPr>
+        <p:spPr>
+          <a:xfrm>
+            <a:off x="5913281" y="4706444"/>
+            <a:ext cx="2041236" cy="461818"/>
+          </a:xfrm>
+          <a:prstGeom prst="roundRect">
+            <a:avLst/>
+          </a:prstGeom>
+          <a:solidFill>
+            <a:schemeClr val="accent3">
+              <a:lumMod val="20000"/>
+              <a:lumOff val="80000"/>
+            </a:schemeClr>
+          </a:solidFill>
+        </p:spPr>
+        <p:style>
+          <a:lnRef idx="2">
+            <a:schemeClr val="accent1">
+              <a:shade val="50000"/>
+            </a:schemeClr>
+          </a:lnRef>
+          <a:fillRef idx="1">
+            <a:schemeClr val="accent1"/>
+          </a:fillRef>
+          <a:effectRef idx="0">
+            <a:schemeClr val="accent1"/>
+          </a:effectRef>
+          <a:fontRef idx="minor">
+            <a:schemeClr val="lt1"/>
+          </a:fontRef>
+        </p:style>
+        <p:txBody>
+          <a:bodyPr rtlCol="0" anchor="ctr"/>
+          <a:lstStyle/>
+          <a:p>
+            <a:pPr marL="0" marR="0" lvl="0" indent="0" algn="ctr" defTabSz="914400" rtl="0" eaLnBrk="1" fontAlgn="auto" latinLnBrk="0" hangingPunct="1">
+              <a:lnSpc>
+                <a:spcPct val="100000"/>
+              </a:lnSpc>
+              <a:spcBef>
+                <a:spcPts val="0"/>
+              </a:spcBef>
+              <a:spcAft>
+                <a:spcPts val="0"/>
+              </a:spcAft>
+              <a:buClrTx/>
+              <a:buSzTx/>
+              <a:buFontTx/>
+              <a:buNone/>
+              <a:tabLst/>
+              <a:defRPr/>
+            </a:pPr>
+            <a:r>
+              <a:rPr kumimoji="0" lang="en-US" sz="1200" b="0" i="0" u="none" strike="noStrike" kern="1200" cap="none" spc="0" normalizeH="0" baseline="0" noProof="0" dirty="0">
+                <a:ln>
+                  <a:noFill/>
+                </a:ln>
+                <a:solidFill>
+                  <a:prstClr val="black"/>
+                </a:solidFill>
+                <a:effectLst/>
+                <a:uLnTx/>
+                <a:uFillTx/>
+                <a:latin typeface="Calibri" panose="020F0502020204030204"/>
+                <a:ea typeface="SimHei" panose="02010609060101010101" pitchFamily="49" charset="-122"/>
+                <a:cs typeface="+mn-cs"/>
+              </a:rPr>
+              <a:t>(80,</a:t>
+            </a:r>
+            <a:r>
+              <a:rPr kumimoji="0" lang="en-US" sz="1200" b="0" i="0" u="none" strike="noStrike" kern="1200" cap="none" spc="0" normalizeH="0" baseline="0" noProof="0" dirty="0">
+                <a:ln>
+                  <a:noFill/>
+                </a:ln>
+                <a:solidFill>
+                  <a:srgbClr val="A5A5A5">
+                    <a:lumMod val="20000"/>
+                    <a:lumOff val="80000"/>
+                  </a:srgbClr>
+                </a:solidFill>
+                <a:effectLst/>
+                <a:uLnTx/>
+                <a:uFillTx/>
+                <a:latin typeface="Calibri" panose="020F0502020204030204"/>
+                <a:ea typeface="SimHei" panose="02010609060101010101" pitchFamily="49" charset="-122"/>
+                <a:cs typeface="+mn-cs"/>
+              </a:rPr>
+              <a:t>aaaaaa</a:t>
+            </a:r>
+            <a:r>
+              <a:rPr kumimoji="0" lang="en-US" sz="1200" b="0" i="0" u="none" strike="noStrike" kern="1200" cap="none" spc="0" normalizeH="0" baseline="0" noProof="0" dirty="0">
+                <a:ln>
+                  <a:noFill/>
+                </a:ln>
+                <a:solidFill>
+                  <a:prstClr val="black"/>
+                </a:solidFill>
+                <a:effectLst/>
+                <a:uLnTx/>
+                <a:uFillTx/>
+                <a:latin typeface="Calibri" panose="020F0502020204030204"/>
+                <a:ea typeface="SimHei" panose="02010609060101010101" pitchFamily="49" charset="-122"/>
+                <a:cs typeface="+mn-cs"/>
+              </a:rPr>
+              <a:t>, P99 &lt; 2ms), P=2         </a:t>
+            </a:r>
+          </a:p>
+        </p:txBody>
+      </p:sp>
+      <p:sp>
+        <p:nvSpPr>
+          <p:cNvPr id="8" name="Rectangle: Rounded Corners 28">
+            <a:extLst>
+              <a:ext uri="{FF2B5EF4-FFF2-40B4-BE49-F238E27FC236}">
+                <a16:creationId xmlns:a16="http://schemas.microsoft.com/office/drawing/2014/main" id="{DE5CC00C-1332-494A-9566-C594E32756CD}"/>
+              </a:ext>
+            </a:extLst>
+          </p:cNvPr>
+          <p:cNvSpPr/>
+          <p:nvPr/>
+        </p:nvSpPr>
+        <p:spPr>
+          <a:xfrm>
+            <a:off x="5913281" y="5318352"/>
+            <a:ext cx="2041236" cy="461818"/>
+          </a:xfrm>
+          <a:prstGeom prst="roundRect">
+            <a:avLst/>
+          </a:prstGeom>
+          <a:solidFill>
+            <a:schemeClr val="accent3">
+              <a:lumMod val="20000"/>
+              <a:lumOff val="80000"/>
+            </a:schemeClr>
+          </a:solidFill>
+        </p:spPr>
+        <p:style>
+          <a:lnRef idx="2">
+            <a:schemeClr val="accent1">
+              <a:shade val="50000"/>
+            </a:schemeClr>
+          </a:lnRef>
+          <a:fillRef idx="1">
+            <a:schemeClr val="accent1"/>
+          </a:fillRef>
+          <a:effectRef idx="0">
+            <a:schemeClr val="accent1"/>
+          </a:effectRef>
+          <a:fontRef idx="minor">
+            <a:schemeClr val="lt1"/>
+          </a:fontRef>
+        </p:style>
+        <p:txBody>
+          <a:bodyPr rtlCol="0" anchor="ctr"/>
+          <a:lstStyle/>
+          <a:p>
+            <a:pPr marL="0" marR="0" lvl="0" indent="0" algn="ctr" defTabSz="914400" rtl="0" eaLnBrk="1" fontAlgn="auto" latinLnBrk="0" hangingPunct="1">
+              <a:lnSpc>
+                <a:spcPct val="100000"/>
+              </a:lnSpc>
+              <a:spcBef>
+                <a:spcPts val="0"/>
+              </a:spcBef>
+              <a:spcAft>
+                <a:spcPts val="0"/>
+              </a:spcAft>
+              <a:buClrTx/>
+              <a:buSzTx/>
+              <a:buFontTx/>
+              <a:buNone/>
+              <a:tabLst/>
+              <a:defRPr/>
+            </a:pPr>
+            <a:r>
+              <a:rPr kumimoji="0" lang="en-US" sz="1200" b="0" i="0" u="none" strike="noStrike" kern="1200" cap="none" spc="0" normalizeH="0" baseline="0" noProof="0" dirty="0">
+                <a:ln>
+                  <a:noFill/>
+                </a:ln>
+                <a:solidFill>
+                  <a:prstClr val="black"/>
+                </a:solidFill>
+                <a:effectLst/>
+                <a:uLnTx/>
+                <a:uFillTx/>
+                <a:latin typeface="Calibri" panose="020F0502020204030204"/>
+                <a:ea typeface="SimHei" panose="02010609060101010101" pitchFamily="49" charset="-122"/>
+                <a:cs typeface="+mn-cs"/>
+              </a:rPr>
+              <a:t>(48,</a:t>
+            </a:r>
+            <a:r>
+              <a:rPr kumimoji="0" lang="en-US" sz="1200" b="0" i="0" u="none" strike="noStrike" kern="1200" cap="none" spc="0" normalizeH="0" baseline="0" noProof="0" dirty="0">
+                <a:ln>
+                  <a:noFill/>
+                </a:ln>
+                <a:solidFill>
+                  <a:srgbClr val="A5A5A5">
+                    <a:lumMod val="20000"/>
+                    <a:lumOff val="80000"/>
+                  </a:srgbClr>
+                </a:solidFill>
+                <a:effectLst/>
+                <a:uLnTx/>
+                <a:uFillTx/>
+                <a:latin typeface="Calibri" panose="020F0502020204030204"/>
+                <a:ea typeface="SimHei" panose="02010609060101010101" pitchFamily="49" charset="-122"/>
+                <a:cs typeface="+mn-cs"/>
+              </a:rPr>
+              <a:t>aaaaaa</a:t>
+            </a:r>
+            <a:r>
+              <a:rPr kumimoji="0" lang="en-US" sz="1200" b="0" i="0" u="none" strike="noStrike" kern="1200" cap="none" spc="0" normalizeH="0" baseline="0" noProof="0" dirty="0">
+                <a:ln>
+                  <a:noFill/>
+                </a:ln>
+                <a:solidFill>
+                  <a:prstClr val="black"/>
+                </a:solidFill>
+                <a:effectLst/>
+                <a:uLnTx/>
+                <a:uFillTx/>
+                <a:latin typeface="Calibri" panose="020F0502020204030204"/>
+                <a:ea typeface="SimHei" panose="02010609060101010101" pitchFamily="49" charset="-122"/>
+                <a:cs typeface="+mn-cs"/>
+              </a:rPr>
+              <a:t>, P90 &lt; 2ms), P=1         </a:t>
+            </a:r>
+          </a:p>
+        </p:txBody>
+      </p:sp>
+      <p:pic>
+        <p:nvPicPr>
+          <p:cNvPr id="9" name="Graphic 8">
+            <a:extLst>
+              <a:ext uri="{FF2B5EF4-FFF2-40B4-BE49-F238E27FC236}">
+                <a16:creationId xmlns:a16="http://schemas.microsoft.com/office/drawing/2014/main" id="{F992D5F4-31ED-E94E-9357-71F85BAAD85E}"/>
+              </a:ext>
+            </a:extLst>
+          </p:cNvPr>
+          <p:cNvPicPr>
+            <a:picLocks noChangeAspect="1"/>
+          </p:cNvPicPr>
+          <p:nvPr/>
+        </p:nvPicPr>
+        <p:blipFill>
+          <a:blip r:embed="rId2">
+            <a:extLst>
+              <a:ext uri="{28A0092B-C50C-407E-A947-70E740481C1C}">
+                <a14:useLocalDpi xmlns:a14="http://schemas.microsoft.com/office/drawing/2010/main" val="0"/>
+              </a:ext>
+              <a:ext uri="{96DAC541-7B7A-43D3-8B79-37D633B846F1}">
+                <asvg:svgBlip xmlns:asvg="http://schemas.microsoft.com/office/drawing/2016/SVG/main" r:embed="rId3"/>
+              </a:ext>
+            </a:extLst>
+          </a:blip>
+          <a:stretch>
+            <a:fillRect/>
+          </a:stretch>
+        </p:blipFill>
+        <p:spPr>
+          <a:xfrm>
+            <a:off x="6227316" y="4701177"/>
+            <a:ext cx="548640" cy="511029"/>
+          </a:xfrm>
+          <a:prstGeom prst="rect">
+            <a:avLst/>
+          </a:prstGeom>
+        </p:spPr>
+      </p:pic>
+      <p:sp>
+        <p:nvSpPr>
+          <p:cNvPr id="10" name="Rectangle: Rounded Corners 38">
+            <a:extLst>
+              <a:ext uri="{FF2B5EF4-FFF2-40B4-BE49-F238E27FC236}">
+                <a16:creationId xmlns:a16="http://schemas.microsoft.com/office/drawing/2014/main" id="{0CB6FAFB-E0B6-454B-8E07-5D42C7637426}"/>
+              </a:ext>
+            </a:extLst>
+          </p:cNvPr>
+          <p:cNvSpPr/>
+          <p:nvPr/>
+        </p:nvSpPr>
+        <p:spPr>
+          <a:xfrm>
+            <a:off x="5913281" y="5930260"/>
+            <a:ext cx="2041236" cy="461818"/>
+          </a:xfrm>
+          <a:prstGeom prst="roundRect">
+            <a:avLst/>
+          </a:prstGeom>
+          <a:solidFill>
+            <a:schemeClr val="accent3">
+              <a:lumMod val="20000"/>
+              <a:lumOff val="80000"/>
+            </a:schemeClr>
+          </a:solidFill>
+        </p:spPr>
+        <p:style>
+          <a:lnRef idx="2">
+            <a:schemeClr val="accent1">
+              <a:shade val="50000"/>
+            </a:schemeClr>
+          </a:lnRef>
+          <a:fillRef idx="1">
+            <a:schemeClr val="accent1"/>
+          </a:fillRef>
+          <a:effectRef idx="0">
+            <a:schemeClr val="accent1"/>
+          </a:effectRef>
+          <a:fontRef idx="minor">
+            <a:schemeClr val="lt1"/>
+          </a:fontRef>
+        </p:style>
+        <p:txBody>
+          <a:bodyPr rtlCol="0" anchor="ctr"/>
+          <a:lstStyle/>
+          <a:p>
+            <a:pPr marL="0" marR="0" lvl="0" indent="0" algn="ctr" defTabSz="914400" rtl="0" eaLnBrk="1" fontAlgn="auto" latinLnBrk="0" hangingPunct="1">
+              <a:lnSpc>
+                <a:spcPct val="100000"/>
+              </a:lnSpc>
+              <a:spcBef>
+                <a:spcPts val="0"/>
+              </a:spcBef>
+              <a:spcAft>
+                <a:spcPts val="0"/>
+              </a:spcAft>
+              <a:buClrTx/>
+              <a:buSzTx/>
+              <a:buFontTx/>
+              <a:buNone/>
+              <a:tabLst/>
+              <a:defRPr/>
+            </a:pPr>
+            <a:r>
+              <a:rPr kumimoji="0" lang="en-US" sz="1200" b="0" i="0" u="none" strike="noStrike" kern="1200" cap="none" spc="0" normalizeH="0" baseline="0" noProof="0" dirty="0">
+                <a:ln>
+                  <a:noFill/>
+                </a:ln>
+                <a:solidFill>
+                  <a:prstClr val="black"/>
+                </a:solidFill>
+                <a:effectLst/>
+                <a:uLnTx/>
+                <a:uFillTx/>
+                <a:latin typeface="Calibri" panose="020F0502020204030204"/>
+                <a:ea typeface="SimHei" panose="02010609060101010101" pitchFamily="49" charset="-122"/>
+                <a:cs typeface="+mn-cs"/>
+              </a:rPr>
+              <a:t>(64,</a:t>
+            </a:r>
+            <a:r>
+              <a:rPr kumimoji="0" lang="en-US" sz="1200" b="0" i="0" u="none" strike="noStrike" kern="1200" cap="none" spc="0" normalizeH="0" baseline="0" noProof="0" dirty="0">
+                <a:ln>
+                  <a:noFill/>
+                </a:ln>
+                <a:solidFill>
+                  <a:srgbClr val="A5A5A5">
+                    <a:lumMod val="20000"/>
+                    <a:lumOff val="80000"/>
+                  </a:srgbClr>
+                </a:solidFill>
+                <a:effectLst/>
+                <a:uLnTx/>
+                <a:uFillTx/>
+                <a:latin typeface="Calibri" panose="020F0502020204030204"/>
+                <a:ea typeface="SimHei" panose="02010609060101010101" pitchFamily="49" charset="-122"/>
+                <a:cs typeface="+mn-cs"/>
+              </a:rPr>
+              <a:t>aaaaaa</a:t>
+            </a:r>
+            <a:r>
+              <a:rPr kumimoji="0" lang="en-US" sz="1200" b="0" i="0" u="none" strike="noStrike" kern="1200" cap="none" spc="0" normalizeH="0" baseline="0" noProof="0" dirty="0">
+                <a:ln>
+                  <a:noFill/>
+                </a:ln>
+                <a:solidFill>
+                  <a:prstClr val="black"/>
+                </a:solidFill>
+                <a:effectLst/>
+                <a:uLnTx/>
+                <a:uFillTx/>
+                <a:latin typeface="Calibri" panose="020F0502020204030204"/>
+                <a:ea typeface="SimHei" panose="02010609060101010101" pitchFamily="49" charset="-122"/>
+                <a:cs typeface="+mn-cs"/>
+              </a:rPr>
+              <a:t>, P99 &lt; 2ms), P=3         </a:t>
+            </a:r>
+          </a:p>
+        </p:txBody>
+      </p:sp>
+      <p:sp>
+        <p:nvSpPr>
+          <p:cNvPr id="11" name="Rectangle: Rounded Corners 40">
+            <a:extLst>
+              <a:ext uri="{FF2B5EF4-FFF2-40B4-BE49-F238E27FC236}">
+                <a16:creationId xmlns:a16="http://schemas.microsoft.com/office/drawing/2014/main" id="{44AD3BD1-1F26-C34B-8587-FC3E20C9C20F}"/>
+              </a:ext>
+            </a:extLst>
+          </p:cNvPr>
+          <p:cNvSpPr/>
+          <p:nvPr/>
+        </p:nvSpPr>
+        <p:spPr>
+          <a:xfrm>
+            <a:off x="5913281" y="4102426"/>
+            <a:ext cx="2041236" cy="461818"/>
+          </a:xfrm>
+          <a:prstGeom prst="roundRect">
+            <a:avLst/>
+          </a:prstGeom>
+          <a:solidFill>
+            <a:schemeClr val="accent3">
+              <a:lumMod val="20000"/>
+              <a:lumOff val="80000"/>
+            </a:schemeClr>
+          </a:solidFill>
+        </p:spPr>
+        <p:style>
+          <a:lnRef idx="2">
+            <a:schemeClr val="accent1">
+              <a:shade val="50000"/>
+            </a:schemeClr>
+          </a:lnRef>
+          <a:fillRef idx="1">
+            <a:schemeClr val="accent1"/>
+          </a:fillRef>
+          <a:effectRef idx="0">
+            <a:schemeClr val="accent1"/>
+          </a:effectRef>
+          <a:fontRef idx="minor">
+            <a:schemeClr val="lt1"/>
+          </a:fontRef>
+        </p:style>
+        <p:txBody>
+          <a:bodyPr rtlCol="0" anchor="ctr"/>
+          <a:lstStyle/>
+          <a:p>
+            <a:pPr marL="0" marR="0" lvl="0" indent="0" algn="ctr" defTabSz="914400" rtl="0" eaLnBrk="1" fontAlgn="auto" latinLnBrk="0" hangingPunct="1">
+              <a:lnSpc>
+                <a:spcPct val="100000"/>
+              </a:lnSpc>
+              <a:spcBef>
+                <a:spcPts val="0"/>
+              </a:spcBef>
+              <a:spcAft>
+                <a:spcPts val="0"/>
+              </a:spcAft>
+              <a:buClrTx/>
+              <a:buSzTx/>
+              <a:buFontTx/>
+              <a:buNone/>
+              <a:tabLst/>
+              <a:defRPr/>
+            </a:pPr>
+            <a:r>
+              <a:rPr kumimoji="0" lang="en-US" sz="1200" b="0" i="0" u="none" strike="noStrike" kern="1200" cap="none" spc="0" normalizeH="0" baseline="0" noProof="0" dirty="0">
+                <a:ln>
+                  <a:noFill/>
+                </a:ln>
+                <a:solidFill>
+                  <a:prstClr val="black"/>
+                </a:solidFill>
+                <a:effectLst/>
+                <a:uLnTx/>
+                <a:uFillTx/>
+                <a:latin typeface="Calibri" panose="020F0502020204030204"/>
+                <a:ea typeface="SimHei" panose="02010609060101010101" pitchFamily="49" charset="-122"/>
+                <a:cs typeface="+mn-cs"/>
+              </a:rPr>
+              <a:t>(16,</a:t>
+            </a:r>
+            <a:r>
+              <a:rPr kumimoji="0" lang="en-US" sz="1200" b="0" i="0" u="none" strike="noStrike" kern="1200" cap="none" spc="0" normalizeH="0" baseline="0" noProof="0" dirty="0">
+                <a:ln>
+                  <a:noFill/>
+                </a:ln>
+                <a:solidFill>
+                  <a:srgbClr val="A5A5A5">
+                    <a:lumMod val="20000"/>
+                    <a:lumOff val="80000"/>
+                  </a:srgbClr>
+                </a:solidFill>
+                <a:effectLst/>
+                <a:uLnTx/>
+                <a:uFillTx/>
+                <a:latin typeface="Calibri" panose="020F0502020204030204"/>
+                <a:ea typeface="SimHei" panose="02010609060101010101" pitchFamily="49" charset="-122"/>
+                <a:cs typeface="+mn-cs"/>
+              </a:rPr>
+              <a:t>aaaaaa</a:t>
+            </a:r>
+            <a:r>
+              <a:rPr kumimoji="0" lang="en-US" sz="1200" b="0" i="0" u="none" strike="noStrike" kern="1200" cap="none" spc="0" normalizeH="0" baseline="0" noProof="0" dirty="0">
+                <a:ln>
+                  <a:noFill/>
+                </a:ln>
+                <a:solidFill>
+                  <a:prstClr val="black"/>
+                </a:solidFill>
+                <a:effectLst/>
+                <a:uLnTx/>
+                <a:uFillTx/>
+                <a:latin typeface="Calibri" panose="020F0502020204030204"/>
+                <a:ea typeface="SimHei" panose="02010609060101010101" pitchFamily="49" charset="-122"/>
+                <a:cs typeface="+mn-cs"/>
+              </a:rPr>
+              <a:t>, P95 &lt; 2ms), P=1         </a:t>
+            </a:r>
+          </a:p>
+        </p:txBody>
+      </p:sp>
+      <p:sp>
+        <p:nvSpPr>
+          <p:cNvPr id="12" name="Rectangle: Rounded Corners 42">
+            <a:extLst>
+              <a:ext uri="{FF2B5EF4-FFF2-40B4-BE49-F238E27FC236}">
+                <a16:creationId xmlns:a16="http://schemas.microsoft.com/office/drawing/2014/main" id="{177C2383-29A9-904E-B9FD-CE052E5304E9}"/>
+              </a:ext>
+            </a:extLst>
+          </p:cNvPr>
+          <p:cNvSpPr/>
+          <p:nvPr/>
+        </p:nvSpPr>
+        <p:spPr>
+          <a:xfrm>
+            <a:off x="1265470" y="4397894"/>
+            <a:ext cx="1676400" cy="461818"/>
+          </a:xfrm>
+          <a:prstGeom prst="roundRect">
+            <a:avLst/>
+          </a:prstGeom>
+          <a:solidFill>
+            <a:schemeClr val="accent6">
+              <a:lumMod val="20000"/>
+              <a:lumOff val="80000"/>
+            </a:schemeClr>
+          </a:solidFill>
+        </p:spPr>
+        <p:style>
+          <a:lnRef idx="2">
+            <a:schemeClr val="accent1">
+              <a:shade val="50000"/>
+            </a:schemeClr>
+          </a:lnRef>
+          <a:fillRef idx="1">
+            <a:schemeClr val="accent1"/>
+          </a:fillRef>
+          <a:effectRef idx="0">
+            <a:schemeClr val="accent1"/>
+          </a:effectRef>
+          <a:fontRef idx="minor">
+            <a:schemeClr val="lt1"/>
+          </a:fontRef>
+        </p:style>
+        <p:txBody>
+          <a:bodyPr rtlCol="0" anchor="ctr"/>
+          <a:lstStyle/>
+          <a:p>
+            <a:pPr marL="0" marR="0" lvl="0" indent="0" algn="ctr" defTabSz="914400" rtl="0" eaLnBrk="1" fontAlgn="auto" latinLnBrk="0" hangingPunct="1">
+              <a:lnSpc>
+                <a:spcPct val="100000"/>
+              </a:lnSpc>
+              <a:spcBef>
+                <a:spcPts val="0"/>
+              </a:spcBef>
+              <a:spcAft>
+                <a:spcPts val="0"/>
+              </a:spcAft>
+              <a:buClrTx/>
+              <a:buSzTx/>
+              <a:buFontTx/>
+              <a:buNone/>
+              <a:tabLst/>
+              <a:defRPr/>
+            </a:pPr>
+            <a:r>
+              <a:rPr kumimoji="0" lang="en-US" sz="1200" b="0" i="0" u="none" strike="noStrike" kern="1200" cap="none" spc="0" normalizeH="0" baseline="0" noProof="0" dirty="0">
+                <a:ln>
+                  <a:noFill/>
+                </a:ln>
+                <a:solidFill>
+                  <a:prstClr val="black"/>
+                </a:solidFill>
+                <a:effectLst/>
+                <a:uLnTx/>
+                <a:uFillTx/>
+                <a:latin typeface="Calibri" panose="020F0502020204030204"/>
+                <a:ea typeface="SimHei" panose="02010609060101010101" pitchFamily="49" charset="-122"/>
+                <a:cs typeface="+mn-cs"/>
+              </a:rPr>
+              <a:t>(40,</a:t>
+            </a:r>
+            <a:r>
+              <a:rPr kumimoji="0" lang="en-US" sz="1200" b="0" i="0" u="none" strike="noStrike" kern="1200" cap="none" spc="0" normalizeH="0" baseline="0" noProof="0" dirty="0">
+                <a:ln>
+                  <a:noFill/>
+                </a:ln>
+                <a:solidFill>
+                  <a:srgbClr val="A5A5A5">
+                    <a:lumMod val="20000"/>
+                    <a:lumOff val="80000"/>
+                  </a:srgbClr>
+                </a:solidFill>
+                <a:effectLst/>
+                <a:uLnTx/>
+                <a:uFillTx/>
+                <a:latin typeface="Calibri" panose="020F0502020204030204"/>
+                <a:ea typeface="SimHei" panose="02010609060101010101" pitchFamily="49" charset="-122"/>
+                <a:cs typeface="+mn-cs"/>
+              </a:rPr>
+              <a:t>aaaaaa</a:t>
+            </a:r>
+            <a:r>
+              <a:rPr kumimoji="0" lang="en-US" sz="1200" b="0" i="0" u="none" strike="noStrike" kern="1200" cap="none" spc="0" normalizeH="0" baseline="0" noProof="0" dirty="0">
+                <a:ln>
+                  <a:noFill/>
+                </a:ln>
+                <a:solidFill>
+                  <a:prstClr val="black"/>
+                </a:solidFill>
+                <a:effectLst/>
+                <a:uLnTx/>
+                <a:uFillTx/>
+                <a:latin typeface="Calibri" panose="020F0502020204030204"/>
+                <a:ea typeface="SimHei" panose="02010609060101010101" pitchFamily="49" charset="-122"/>
+                <a:cs typeface="+mn-cs"/>
+              </a:rPr>
+              <a:t>, P95 &lt; 2ms)         </a:t>
+            </a:r>
+          </a:p>
+        </p:txBody>
+      </p:sp>
+      <p:pic>
+        <p:nvPicPr>
+          <p:cNvPr id="13" name="Graphic 12">
+            <a:extLst>
+              <a:ext uri="{FF2B5EF4-FFF2-40B4-BE49-F238E27FC236}">
+                <a16:creationId xmlns:a16="http://schemas.microsoft.com/office/drawing/2014/main" id="{54164E26-0BB3-3946-B32A-8B08C4646ABD}"/>
+              </a:ext>
+            </a:extLst>
+          </p:cNvPr>
+          <p:cNvPicPr>
+            <a:picLocks noChangeAspect="1"/>
+          </p:cNvPicPr>
+          <p:nvPr/>
+        </p:nvPicPr>
+        <p:blipFill>
+          <a:blip r:embed="rId4">
+            <a:extLst>
+              <a:ext uri="{28A0092B-C50C-407E-A947-70E740481C1C}">
+                <a14:useLocalDpi xmlns:a14="http://schemas.microsoft.com/office/drawing/2010/main" val="0"/>
+              </a:ext>
+              <a:ext uri="{96DAC541-7B7A-43D3-8B79-37D633B846F1}">
+                <asvg:svgBlip xmlns:asvg="http://schemas.microsoft.com/office/drawing/2016/SVG/main" r:embed="rId5"/>
+              </a:ext>
+            </a:extLst>
+          </a:blip>
+          <a:stretch>
+            <a:fillRect/>
+          </a:stretch>
+        </p:blipFill>
+        <p:spPr>
+          <a:xfrm>
+            <a:off x="6247164" y="5880744"/>
+            <a:ext cx="548640" cy="548640"/>
+          </a:xfrm>
+          <a:prstGeom prst="rect">
+            <a:avLst/>
+          </a:prstGeom>
+        </p:spPr>
+      </p:pic>
+      <p:pic>
+        <p:nvPicPr>
+          <p:cNvPr id="14" name="Graphic 13">
+            <a:extLst>
+              <a:ext uri="{FF2B5EF4-FFF2-40B4-BE49-F238E27FC236}">
+                <a16:creationId xmlns:a16="http://schemas.microsoft.com/office/drawing/2014/main" id="{7BB94B26-73A0-1D40-87C1-8D0B39DD336F}"/>
+              </a:ext>
+            </a:extLst>
+          </p:cNvPr>
+          <p:cNvPicPr>
+            <a:picLocks noChangeAspect="1"/>
+          </p:cNvPicPr>
+          <p:nvPr/>
+        </p:nvPicPr>
+        <p:blipFill>
+          <a:blip r:embed="rId6">
+            <a:extLst>
+              <a:ext uri="{28A0092B-C50C-407E-A947-70E740481C1C}">
+                <a14:useLocalDpi xmlns:a14="http://schemas.microsoft.com/office/drawing/2010/main" val="0"/>
+              </a:ext>
+              <a:ext uri="{96DAC541-7B7A-43D3-8B79-37D633B846F1}">
+                <asvg:svgBlip xmlns:asvg="http://schemas.microsoft.com/office/drawing/2016/SVG/main" r:embed="rId7"/>
+              </a:ext>
+            </a:extLst>
+          </a:blip>
+          <a:stretch>
+            <a:fillRect/>
+          </a:stretch>
+        </p:blipFill>
+        <p:spPr>
+          <a:xfrm>
+            <a:off x="6247164" y="5291757"/>
+            <a:ext cx="548640" cy="548640"/>
+          </a:xfrm>
+          <a:prstGeom prst="rect">
+            <a:avLst/>
+          </a:prstGeom>
+        </p:spPr>
+      </p:pic>
+      <p:pic>
+        <p:nvPicPr>
+          <p:cNvPr id="15" name="Graphic 14">
+            <a:extLst>
+              <a:ext uri="{FF2B5EF4-FFF2-40B4-BE49-F238E27FC236}">
+                <a16:creationId xmlns:a16="http://schemas.microsoft.com/office/drawing/2014/main" id="{2DF430E2-1199-0F4E-B7AA-1DACE10320DA}"/>
+              </a:ext>
+            </a:extLst>
+          </p:cNvPr>
+          <p:cNvPicPr>
+            <a:picLocks noChangeAspect="1"/>
+          </p:cNvPicPr>
+          <p:nvPr/>
+        </p:nvPicPr>
+        <p:blipFill>
+          <a:blip r:embed="rId8">
+            <a:extLst>
+              <a:ext uri="{28A0092B-C50C-407E-A947-70E740481C1C}">
+                <a14:useLocalDpi xmlns:a14="http://schemas.microsoft.com/office/drawing/2010/main" val="0"/>
+              </a:ext>
+              <a:ext uri="{96DAC541-7B7A-43D3-8B79-37D633B846F1}">
+                <asvg:svgBlip xmlns:asvg="http://schemas.microsoft.com/office/drawing/2016/SVG/main" r:embed="rId9"/>
+              </a:ext>
+            </a:extLst>
+          </a:blip>
+          <a:stretch>
+            <a:fillRect/>
+          </a:stretch>
+        </p:blipFill>
+        <p:spPr>
+          <a:xfrm>
+            <a:off x="1531581" y="4388713"/>
+            <a:ext cx="548640" cy="548640"/>
+          </a:xfrm>
+          <a:prstGeom prst="rect">
+            <a:avLst/>
+          </a:prstGeom>
+        </p:spPr>
+      </p:pic>
+      <p:pic>
+        <p:nvPicPr>
+          <p:cNvPr id="16" name="Graphic 15">
+            <a:extLst>
+              <a:ext uri="{FF2B5EF4-FFF2-40B4-BE49-F238E27FC236}">
+                <a16:creationId xmlns:a16="http://schemas.microsoft.com/office/drawing/2014/main" id="{71D7F5C3-5B2B-134E-87E9-8E6FB05B8E76}"/>
+              </a:ext>
+            </a:extLst>
+          </p:cNvPr>
+          <p:cNvPicPr>
+            <a:picLocks noChangeAspect="1"/>
+          </p:cNvPicPr>
+          <p:nvPr/>
+        </p:nvPicPr>
+        <p:blipFill>
+          <a:blip r:embed="rId10">
+            <a:extLst>
+              <a:ext uri="{28A0092B-C50C-407E-A947-70E740481C1C}">
+                <a14:useLocalDpi xmlns:a14="http://schemas.microsoft.com/office/drawing/2010/main" val="0"/>
+              </a:ext>
+              <a:ext uri="{96DAC541-7B7A-43D3-8B79-37D633B846F1}">
+                <asvg:svgBlip xmlns:asvg="http://schemas.microsoft.com/office/drawing/2016/SVG/main" r:embed="rId11"/>
+              </a:ext>
+            </a:extLst>
+          </a:blip>
+          <a:stretch>
+            <a:fillRect/>
+          </a:stretch>
+        </p:blipFill>
+        <p:spPr>
+          <a:xfrm>
+            <a:off x="6247164" y="4078744"/>
+            <a:ext cx="548640" cy="548640"/>
+          </a:xfrm>
+          <a:prstGeom prst="rect">
+            <a:avLst/>
+          </a:prstGeom>
+        </p:spPr>
+      </p:pic>
+      <p:sp>
+        <p:nvSpPr>
+          <p:cNvPr id="17" name="Rectangle: Rounded Corners 54">
+            <a:extLst>
+              <a:ext uri="{FF2B5EF4-FFF2-40B4-BE49-F238E27FC236}">
+                <a16:creationId xmlns:a16="http://schemas.microsoft.com/office/drawing/2014/main" id="{9F54DD4E-7683-7D4B-BC6C-F29B9D92956A}"/>
+              </a:ext>
+            </a:extLst>
+          </p:cNvPr>
+          <p:cNvSpPr/>
+          <p:nvPr/>
+        </p:nvSpPr>
+        <p:spPr>
+          <a:xfrm>
+            <a:off x="1265470" y="5056243"/>
+            <a:ext cx="1676400" cy="461818"/>
+          </a:xfrm>
+          <a:prstGeom prst="roundRect">
+            <a:avLst/>
+          </a:prstGeom>
+          <a:solidFill>
+            <a:schemeClr val="accent6">
+              <a:lumMod val="20000"/>
+              <a:lumOff val="80000"/>
+            </a:schemeClr>
+          </a:solidFill>
+        </p:spPr>
+        <p:style>
+          <a:lnRef idx="2">
+            <a:schemeClr val="accent1">
+              <a:shade val="50000"/>
+            </a:schemeClr>
+          </a:lnRef>
+          <a:fillRef idx="1">
+            <a:schemeClr val="accent1"/>
+          </a:fillRef>
+          <a:effectRef idx="0">
+            <a:schemeClr val="accent1"/>
+          </a:effectRef>
+          <a:fontRef idx="minor">
+            <a:schemeClr val="lt1"/>
+          </a:fontRef>
+        </p:style>
+        <p:txBody>
+          <a:bodyPr rtlCol="0" anchor="ctr"/>
+          <a:lstStyle/>
+          <a:p>
+            <a:pPr marL="0" marR="0" lvl="0" indent="0" algn="ctr" defTabSz="914400" rtl="0" eaLnBrk="1" fontAlgn="auto" latinLnBrk="0" hangingPunct="1">
+              <a:lnSpc>
+                <a:spcPct val="100000"/>
+              </a:lnSpc>
+              <a:spcBef>
+                <a:spcPts val="0"/>
+              </a:spcBef>
+              <a:spcAft>
+                <a:spcPts val="0"/>
+              </a:spcAft>
+              <a:buClrTx/>
+              <a:buSzTx/>
+              <a:buFontTx/>
+              <a:buNone/>
+              <a:tabLst/>
+              <a:defRPr/>
+            </a:pPr>
+            <a:r>
+              <a:rPr kumimoji="0" lang="en-US" sz="1200" b="0" i="0" u="none" strike="noStrike" kern="1200" cap="none" spc="0" normalizeH="0" baseline="0" noProof="0" dirty="0">
+                <a:ln>
+                  <a:noFill/>
+                </a:ln>
+                <a:solidFill>
+                  <a:prstClr val="black"/>
+                </a:solidFill>
+                <a:effectLst/>
+                <a:uLnTx/>
+                <a:uFillTx/>
+                <a:latin typeface="Calibri" panose="020F0502020204030204"/>
+                <a:ea typeface="SimHei" panose="02010609060101010101" pitchFamily="49" charset="-122"/>
+                <a:cs typeface="+mn-cs"/>
+              </a:rPr>
+              <a:t>(32,</a:t>
+            </a:r>
+            <a:r>
+              <a:rPr kumimoji="0" lang="en-US" sz="1200" b="0" i="0" u="none" strike="noStrike" kern="1200" cap="none" spc="0" normalizeH="0" baseline="0" noProof="0" dirty="0">
+                <a:ln>
+                  <a:noFill/>
+                </a:ln>
+                <a:solidFill>
+                  <a:srgbClr val="70AD47">
+                    <a:lumMod val="20000"/>
+                    <a:lumOff val="80000"/>
+                  </a:srgbClr>
+                </a:solidFill>
+                <a:effectLst/>
+                <a:uLnTx/>
+                <a:uFillTx/>
+                <a:latin typeface="Calibri" panose="020F0502020204030204"/>
+                <a:ea typeface="SimHei" panose="02010609060101010101" pitchFamily="49" charset="-122"/>
+                <a:cs typeface="+mn-cs"/>
+              </a:rPr>
+              <a:t>aaaaaa</a:t>
+            </a:r>
+            <a:r>
+              <a:rPr kumimoji="0" lang="en-US" sz="1200" b="0" i="0" u="none" strike="noStrike" kern="1200" cap="none" spc="0" normalizeH="0" baseline="0" noProof="0" dirty="0">
+                <a:ln>
+                  <a:noFill/>
+                </a:ln>
+                <a:solidFill>
+                  <a:prstClr val="black"/>
+                </a:solidFill>
+                <a:effectLst/>
+                <a:uLnTx/>
+                <a:uFillTx/>
+                <a:latin typeface="Calibri" panose="020F0502020204030204"/>
+                <a:ea typeface="SimHei" panose="02010609060101010101" pitchFamily="49" charset="-122"/>
+                <a:cs typeface="+mn-cs"/>
+              </a:rPr>
+              <a:t>, P90 &lt; 2ms)         </a:t>
+            </a:r>
+          </a:p>
+        </p:txBody>
+      </p:sp>
+      <p:sp>
+        <p:nvSpPr>
+          <p:cNvPr id="18" name="Rectangle: Rounded Corners 56">
+            <a:extLst>
+              <a:ext uri="{FF2B5EF4-FFF2-40B4-BE49-F238E27FC236}">
+                <a16:creationId xmlns:a16="http://schemas.microsoft.com/office/drawing/2014/main" id="{EEBEFF28-400F-084B-B37C-7B48FD2ABD63}"/>
+              </a:ext>
+            </a:extLst>
+          </p:cNvPr>
+          <p:cNvSpPr/>
+          <p:nvPr/>
+        </p:nvSpPr>
+        <p:spPr>
+          <a:xfrm>
+            <a:off x="1259930" y="5714592"/>
+            <a:ext cx="1676400" cy="461818"/>
+          </a:xfrm>
+          <a:prstGeom prst="roundRect">
+            <a:avLst/>
+          </a:prstGeom>
+          <a:solidFill>
+            <a:schemeClr val="accent6">
+              <a:lumMod val="20000"/>
+              <a:lumOff val="80000"/>
+            </a:schemeClr>
+          </a:solidFill>
+        </p:spPr>
+        <p:style>
+          <a:lnRef idx="2">
+            <a:schemeClr val="accent1">
+              <a:shade val="50000"/>
+            </a:schemeClr>
+          </a:lnRef>
+          <a:fillRef idx="1">
+            <a:schemeClr val="accent1"/>
+          </a:fillRef>
+          <a:effectRef idx="0">
+            <a:schemeClr val="accent1"/>
+          </a:effectRef>
+          <a:fontRef idx="minor">
+            <a:schemeClr val="lt1"/>
+          </a:fontRef>
+        </p:style>
+        <p:txBody>
+          <a:bodyPr rtlCol="0" anchor="ctr"/>
+          <a:lstStyle/>
+          <a:p>
+            <a:pPr marL="0" marR="0" lvl="0" indent="0" algn="ctr" defTabSz="914400" rtl="0" eaLnBrk="1" fontAlgn="auto" latinLnBrk="0" hangingPunct="1">
+              <a:lnSpc>
+                <a:spcPct val="100000"/>
+              </a:lnSpc>
+              <a:spcBef>
+                <a:spcPts val="0"/>
+              </a:spcBef>
+              <a:spcAft>
+                <a:spcPts val="0"/>
+              </a:spcAft>
+              <a:buClrTx/>
+              <a:buSzTx/>
+              <a:buFontTx/>
+              <a:buNone/>
+              <a:tabLst/>
+              <a:defRPr/>
+            </a:pPr>
+            <a:r>
+              <a:rPr kumimoji="0" lang="en-US" sz="1200" b="0" i="0" u="none" strike="noStrike" kern="1200" cap="none" spc="0" normalizeH="0" baseline="0" noProof="0" dirty="0">
+                <a:ln>
+                  <a:noFill/>
+                </a:ln>
+                <a:solidFill>
+                  <a:prstClr val="black"/>
+                </a:solidFill>
+                <a:effectLst/>
+                <a:uLnTx/>
+                <a:uFillTx/>
+                <a:latin typeface="Calibri" panose="020F0502020204030204"/>
+                <a:ea typeface="SimHei" panose="02010609060101010101" pitchFamily="49" charset="-122"/>
+                <a:cs typeface="+mn-cs"/>
+              </a:rPr>
+              <a:t>(80,</a:t>
+            </a:r>
+            <a:r>
+              <a:rPr kumimoji="0" lang="en-US" sz="1200" b="0" i="0" u="none" strike="noStrike" kern="1200" cap="none" spc="0" normalizeH="0" baseline="0" noProof="0" dirty="0">
+                <a:ln>
+                  <a:noFill/>
+                </a:ln>
+                <a:solidFill>
+                  <a:srgbClr val="A5A5A5">
+                    <a:lumMod val="20000"/>
+                    <a:lumOff val="80000"/>
+                  </a:srgbClr>
+                </a:solidFill>
+                <a:effectLst/>
+                <a:uLnTx/>
+                <a:uFillTx/>
+                <a:latin typeface="Calibri" panose="020F0502020204030204"/>
+                <a:ea typeface="SimHei" panose="02010609060101010101" pitchFamily="49" charset="-122"/>
+                <a:cs typeface="+mn-cs"/>
+              </a:rPr>
+              <a:t>aaaaaa</a:t>
+            </a:r>
+            <a:r>
+              <a:rPr kumimoji="0" lang="en-US" sz="1200" b="0" i="0" u="none" strike="noStrike" kern="1200" cap="none" spc="0" normalizeH="0" baseline="0" noProof="0" dirty="0">
+                <a:ln>
+                  <a:noFill/>
+                </a:ln>
+                <a:solidFill>
+                  <a:prstClr val="black"/>
+                </a:solidFill>
+                <a:effectLst/>
+                <a:uLnTx/>
+                <a:uFillTx/>
+                <a:latin typeface="Calibri" panose="020F0502020204030204"/>
+                <a:ea typeface="SimHei" panose="02010609060101010101" pitchFamily="49" charset="-122"/>
+                <a:cs typeface="+mn-cs"/>
+              </a:rPr>
+              <a:t>, P99 &lt; 2ms)         </a:t>
+            </a:r>
+          </a:p>
+        </p:txBody>
+      </p:sp>
+      <p:pic>
+        <p:nvPicPr>
+          <p:cNvPr id="19" name="Graphic 18">
+            <a:extLst>
+              <a:ext uri="{FF2B5EF4-FFF2-40B4-BE49-F238E27FC236}">
+                <a16:creationId xmlns:a16="http://schemas.microsoft.com/office/drawing/2014/main" id="{1AC98077-6F01-C144-8959-A1DA67275B31}"/>
+              </a:ext>
+            </a:extLst>
+          </p:cNvPr>
+          <p:cNvPicPr>
+            <a:picLocks noChangeAspect="1"/>
+          </p:cNvPicPr>
+          <p:nvPr/>
+        </p:nvPicPr>
+        <p:blipFill>
+          <a:blip r:embed="rId12">
+            <a:extLst>
+              <a:ext uri="{28A0092B-C50C-407E-A947-70E740481C1C}">
+                <a14:useLocalDpi xmlns:a14="http://schemas.microsoft.com/office/drawing/2010/main" val="0"/>
+              </a:ext>
+              <a:ext uri="{96DAC541-7B7A-43D3-8B79-37D633B846F1}">
+                <asvg:svgBlip xmlns:asvg="http://schemas.microsoft.com/office/drawing/2016/SVG/main" r:embed="rId13"/>
+              </a:ext>
+            </a:extLst>
+          </a:blip>
+          <a:stretch>
+            <a:fillRect/>
+          </a:stretch>
+        </p:blipFill>
+        <p:spPr>
+          <a:xfrm>
+            <a:off x="1531581" y="5039358"/>
+            <a:ext cx="548640" cy="548640"/>
+          </a:xfrm>
+          <a:prstGeom prst="rect">
+            <a:avLst/>
+          </a:prstGeom>
+        </p:spPr>
+      </p:pic>
+      <p:pic>
+        <p:nvPicPr>
+          <p:cNvPr id="20" name="Graphic 19">
+            <a:extLst>
+              <a:ext uri="{FF2B5EF4-FFF2-40B4-BE49-F238E27FC236}">
+                <a16:creationId xmlns:a16="http://schemas.microsoft.com/office/drawing/2014/main" id="{A2DF3CF7-EFDF-FB4C-8A6D-8B8F02795627}"/>
+              </a:ext>
+            </a:extLst>
+          </p:cNvPr>
+          <p:cNvPicPr>
+            <a:picLocks noChangeAspect="1"/>
+          </p:cNvPicPr>
+          <p:nvPr/>
+        </p:nvPicPr>
+        <p:blipFill>
+          <a:blip r:embed="rId14">
+            <a:extLst>
+              <a:ext uri="{28A0092B-C50C-407E-A947-70E740481C1C}">
+                <a14:useLocalDpi xmlns:a14="http://schemas.microsoft.com/office/drawing/2010/main" val="0"/>
+              </a:ext>
+              <a:ext uri="{96DAC541-7B7A-43D3-8B79-37D633B846F1}">
+                <asvg:svgBlip xmlns:asvg="http://schemas.microsoft.com/office/drawing/2016/SVG/main" r:embed="rId15"/>
+              </a:ext>
+            </a:extLst>
+          </a:blip>
+          <a:stretch>
+            <a:fillRect/>
+          </a:stretch>
+        </p:blipFill>
+        <p:spPr>
+          <a:xfrm>
+            <a:off x="1531581" y="5678924"/>
+            <a:ext cx="548640" cy="548640"/>
+          </a:xfrm>
+          <a:prstGeom prst="rect">
+            <a:avLst/>
+          </a:prstGeom>
+        </p:spPr>
+      </p:pic>
+      <p:sp>
+        <p:nvSpPr>
+          <p:cNvPr id="21" name="Rectangle: Rounded Corners 58">
+            <a:extLst>
+              <a:ext uri="{FF2B5EF4-FFF2-40B4-BE49-F238E27FC236}">
+                <a16:creationId xmlns:a16="http://schemas.microsoft.com/office/drawing/2014/main" id="{7D73351F-7381-BA4E-856B-EB9EB8BBF7F4}"/>
+              </a:ext>
+            </a:extLst>
+          </p:cNvPr>
+          <p:cNvSpPr/>
+          <p:nvPr/>
+        </p:nvSpPr>
+        <p:spPr>
+          <a:xfrm>
+            <a:off x="3005673" y="4397894"/>
+            <a:ext cx="691661" cy="461818"/>
+          </a:xfrm>
+          <a:prstGeom prst="roundRect">
+            <a:avLst/>
+          </a:prstGeom>
+          <a:solidFill>
+            <a:schemeClr val="accent2">
+              <a:lumMod val="40000"/>
+              <a:lumOff val="60000"/>
+            </a:schemeClr>
+          </a:solidFill>
+        </p:spPr>
+        <p:style>
+          <a:lnRef idx="2">
+            <a:schemeClr val="accent1">
+              <a:shade val="50000"/>
+            </a:schemeClr>
+          </a:lnRef>
+          <a:fillRef idx="1">
+            <a:schemeClr val="accent1"/>
+          </a:fillRef>
+          <a:effectRef idx="0">
+            <a:schemeClr val="accent1"/>
+          </a:effectRef>
+          <a:fontRef idx="minor">
+            <a:schemeClr val="lt1"/>
+          </a:fontRef>
+        </p:style>
+        <p:txBody>
+          <a:bodyPr rtlCol="0" anchor="ctr"/>
+          <a:lstStyle/>
+          <a:p>
+            <a:pPr marL="0" marR="0" lvl="0" indent="0" algn="ctr" defTabSz="914400" rtl="0" eaLnBrk="1" fontAlgn="auto" latinLnBrk="0" hangingPunct="1">
+              <a:lnSpc>
+                <a:spcPct val="100000"/>
+              </a:lnSpc>
+              <a:spcBef>
+                <a:spcPts val="0"/>
+              </a:spcBef>
+              <a:spcAft>
+                <a:spcPts val="0"/>
+              </a:spcAft>
+              <a:buClrTx/>
+              <a:buSzTx/>
+              <a:buFontTx/>
+              <a:buNone/>
+              <a:tabLst/>
+              <a:defRPr/>
+            </a:pPr>
+            <a:r>
+              <a:rPr kumimoji="0" lang="zh-CN" altLang="en-US" sz="1200" b="0" i="0" u="none" strike="noStrike" kern="1200" cap="none" spc="0" normalizeH="0" baseline="0" noProof="0" dirty="0">
+                <a:ln>
+                  <a:noFill/>
+                </a:ln>
+                <a:solidFill>
+                  <a:prstClr val="black"/>
+                </a:solidFill>
+                <a:effectLst/>
+                <a:uLnTx/>
+                <a:uFillTx/>
+                <a:latin typeface="SimHei" panose="02010609060101010101" pitchFamily="49" charset="-122"/>
+                <a:ea typeface="SimHei" panose="02010609060101010101" pitchFamily="49" charset="-122"/>
+                <a:cs typeface="+mn-cs"/>
+              </a:rPr>
+              <a:t>客户端</a:t>
+            </a:r>
+            <a:endParaRPr kumimoji="0" lang="en-US" sz="1200" b="0" i="0" u="none" strike="noStrike" kern="1200" cap="none" spc="0" normalizeH="0" baseline="0" noProof="0" dirty="0">
+              <a:ln>
+                <a:noFill/>
+              </a:ln>
+              <a:solidFill>
+                <a:prstClr val="black"/>
+              </a:solidFill>
+              <a:effectLst/>
+              <a:uLnTx/>
+              <a:uFillTx/>
+              <a:latin typeface="SimHei" panose="02010609060101010101" pitchFamily="49" charset="-122"/>
+              <a:ea typeface="SimHei" panose="02010609060101010101" pitchFamily="49" charset="-122"/>
+              <a:cs typeface="+mn-cs"/>
+            </a:endParaRPr>
+          </a:p>
+        </p:txBody>
+      </p:sp>
+      <p:sp>
+        <p:nvSpPr>
+          <p:cNvPr id="22" name="Rectangle: Rounded Corners 60">
+            <a:extLst>
+              <a:ext uri="{FF2B5EF4-FFF2-40B4-BE49-F238E27FC236}">
+                <a16:creationId xmlns:a16="http://schemas.microsoft.com/office/drawing/2014/main" id="{FB30AAE4-D122-F643-937D-9D6F6D197608}"/>
+              </a:ext>
+            </a:extLst>
+          </p:cNvPr>
+          <p:cNvSpPr/>
+          <p:nvPr/>
+        </p:nvSpPr>
+        <p:spPr>
+          <a:xfrm>
+            <a:off x="3015139" y="5074975"/>
+            <a:ext cx="691661" cy="461818"/>
+          </a:xfrm>
+          <a:prstGeom prst="roundRect">
+            <a:avLst/>
+          </a:prstGeom>
+          <a:solidFill>
+            <a:schemeClr val="accent2">
+              <a:lumMod val="40000"/>
+              <a:lumOff val="60000"/>
+            </a:schemeClr>
+          </a:solidFill>
+        </p:spPr>
+        <p:style>
+          <a:lnRef idx="2">
+            <a:schemeClr val="accent1">
+              <a:shade val="50000"/>
+            </a:schemeClr>
+          </a:lnRef>
+          <a:fillRef idx="1">
+            <a:schemeClr val="accent1"/>
+          </a:fillRef>
+          <a:effectRef idx="0">
+            <a:schemeClr val="accent1"/>
+          </a:effectRef>
+          <a:fontRef idx="minor">
+            <a:schemeClr val="lt1"/>
+          </a:fontRef>
+        </p:style>
+        <p:txBody>
+          <a:bodyPr rtlCol="0" anchor="ctr"/>
+          <a:lstStyle/>
+          <a:p>
+            <a:pPr marL="0" marR="0" lvl="0" indent="0" algn="ctr" defTabSz="914400" rtl="0" eaLnBrk="1" fontAlgn="auto" latinLnBrk="0" hangingPunct="1">
+              <a:lnSpc>
+                <a:spcPct val="100000"/>
+              </a:lnSpc>
+              <a:spcBef>
+                <a:spcPts val="0"/>
+              </a:spcBef>
+              <a:spcAft>
+                <a:spcPts val="0"/>
+              </a:spcAft>
+              <a:buClrTx/>
+              <a:buSzTx/>
+              <a:buFontTx/>
+              <a:buNone/>
+              <a:tabLst/>
+              <a:defRPr/>
+            </a:pPr>
+            <a:r>
+              <a:rPr kumimoji="0" lang="zh-CN" altLang="en-US" sz="1200" b="0" i="0" u="none" strike="noStrike" kern="1200" cap="none" spc="0" normalizeH="0" baseline="0" noProof="0" dirty="0">
+                <a:ln>
+                  <a:noFill/>
+                </a:ln>
+                <a:solidFill>
+                  <a:prstClr val="black"/>
+                </a:solidFill>
+                <a:effectLst/>
+                <a:uLnTx/>
+                <a:uFillTx/>
+                <a:latin typeface="SimHei" panose="02010609060101010101" pitchFamily="49" charset="-122"/>
+                <a:ea typeface="SimHei" panose="02010609060101010101" pitchFamily="49" charset="-122"/>
+                <a:cs typeface="+mn-cs"/>
+              </a:rPr>
+              <a:t>客户端</a:t>
+            </a:r>
+            <a:endParaRPr kumimoji="0" lang="en-US" sz="1200" b="0" i="0" u="none" strike="noStrike" kern="1200" cap="none" spc="0" normalizeH="0" baseline="0" noProof="0" dirty="0">
+              <a:ln>
+                <a:noFill/>
+              </a:ln>
+              <a:solidFill>
+                <a:prstClr val="black"/>
+              </a:solidFill>
+              <a:effectLst/>
+              <a:uLnTx/>
+              <a:uFillTx/>
+              <a:latin typeface="SimHei" panose="02010609060101010101" pitchFamily="49" charset="-122"/>
+              <a:ea typeface="SimHei" panose="02010609060101010101" pitchFamily="49" charset="-122"/>
+              <a:cs typeface="+mn-cs"/>
+            </a:endParaRPr>
+          </a:p>
+        </p:txBody>
+      </p:sp>
+      <p:sp>
+        <p:nvSpPr>
+          <p:cNvPr id="23" name="Rectangle: Rounded Corners 62">
+            <a:extLst>
+              <a:ext uri="{FF2B5EF4-FFF2-40B4-BE49-F238E27FC236}">
+                <a16:creationId xmlns:a16="http://schemas.microsoft.com/office/drawing/2014/main" id="{F403610C-7090-D04A-8901-0A5F4E393BDA}"/>
+              </a:ext>
+            </a:extLst>
+          </p:cNvPr>
+          <p:cNvSpPr/>
+          <p:nvPr/>
+        </p:nvSpPr>
+        <p:spPr>
+          <a:xfrm>
+            <a:off x="3015139" y="5714592"/>
+            <a:ext cx="691661" cy="461818"/>
+          </a:xfrm>
+          <a:prstGeom prst="roundRect">
+            <a:avLst/>
+          </a:prstGeom>
+          <a:solidFill>
+            <a:schemeClr val="accent2">
+              <a:lumMod val="40000"/>
+              <a:lumOff val="60000"/>
+            </a:schemeClr>
+          </a:solidFill>
+        </p:spPr>
+        <p:style>
+          <a:lnRef idx="2">
+            <a:schemeClr val="accent1">
+              <a:shade val="50000"/>
+            </a:schemeClr>
+          </a:lnRef>
+          <a:fillRef idx="1">
+            <a:schemeClr val="accent1"/>
+          </a:fillRef>
+          <a:effectRef idx="0">
+            <a:schemeClr val="accent1"/>
+          </a:effectRef>
+          <a:fontRef idx="minor">
+            <a:schemeClr val="lt1"/>
+          </a:fontRef>
+        </p:style>
+        <p:txBody>
+          <a:bodyPr rtlCol="0" anchor="ctr"/>
+          <a:lstStyle/>
+          <a:p>
+            <a:pPr marL="0" marR="0" lvl="0" indent="0" algn="ctr" defTabSz="914400" rtl="0" eaLnBrk="1" fontAlgn="auto" latinLnBrk="0" hangingPunct="1">
+              <a:lnSpc>
+                <a:spcPct val="100000"/>
+              </a:lnSpc>
+              <a:spcBef>
+                <a:spcPts val="0"/>
+              </a:spcBef>
+              <a:spcAft>
+                <a:spcPts val="0"/>
+              </a:spcAft>
+              <a:buClrTx/>
+              <a:buSzTx/>
+              <a:buFontTx/>
+              <a:buNone/>
+              <a:tabLst/>
+              <a:defRPr/>
+            </a:pPr>
+            <a:r>
+              <a:rPr kumimoji="0" lang="zh-CN" altLang="en-US" sz="1200" b="0" i="0" u="none" strike="noStrike" kern="1200" cap="none" spc="0" normalizeH="0" baseline="0" noProof="0" dirty="0">
+                <a:ln>
+                  <a:noFill/>
+                </a:ln>
+                <a:solidFill>
+                  <a:prstClr val="black"/>
+                </a:solidFill>
+                <a:effectLst/>
+                <a:uLnTx/>
+                <a:uFillTx/>
+                <a:latin typeface="SimHei" panose="02010609060101010101" pitchFamily="49" charset="-122"/>
+                <a:ea typeface="SimHei" panose="02010609060101010101" pitchFamily="49" charset="-122"/>
+                <a:cs typeface="+mn-cs"/>
+              </a:rPr>
+              <a:t>客户端</a:t>
+            </a:r>
+            <a:endParaRPr kumimoji="0" lang="en-US" sz="1200" b="0" i="0" u="none" strike="noStrike" kern="1200" cap="none" spc="0" normalizeH="0" baseline="0" noProof="0" dirty="0">
+              <a:ln>
+                <a:noFill/>
+              </a:ln>
+              <a:solidFill>
+                <a:prstClr val="black"/>
+              </a:solidFill>
+              <a:effectLst/>
+              <a:uLnTx/>
+              <a:uFillTx/>
+              <a:latin typeface="SimHei" panose="02010609060101010101" pitchFamily="49" charset="-122"/>
+              <a:ea typeface="SimHei" panose="02010609060101010101" pitchFamily="49" charset="-122"/>
+              <a:cs typeface="+mn-cs"/>
+            </a:endParaRPr>
+          </a:p>
+        </p:txBody>
+      </p:sp>
+      <p:cxnSp>
+        <p:nvCxnSpPr>
+          <p:cNvPr id="24" name="Straight Arrow Connector 23">
+            <a:extLst>
+              <a:ext uri="{FF2B5EF4-FFF2-40B4-BE49-F238E27FC236}">
+                <a16:creationId xmlns:a16="http://schemas.microsoft.com/office/drawing/2014/main" id="{D5276200-7246-1742-A59B-8D1DCD2F369A}"/>
+              </a:ext>
+            </a:extLst>
+          </p:cNvPr>
+          <p:cNvCxnSpPr>
+            <a:cxnSpLocks/>
+          </p:cNvCxnSpPr>
+          <p:nvPr/>
+        </p:nvCxnSpPr>
+        <p:spPr>
+          <a:xfrm flipV="1">
+            <a:off x="3303407" y="3584250"/>
+            <a:ext cx="609101" cy="677081"/>
+          </a:xfrm>
+          <a:prstGeom prst="straightConnector1">
+            <a:avLst/>
+          </a:prstGeom>
+          <a:ln w="25400">
+            <a:prstDash val="sysDash"/>
+            <a:tailEnd type="triangle"/>
+          </a:ln>
+        </p:spPr>
+        <p:style>
+          <a:lnRef idx="1">
+            <a:schemeClr val="accent1"/>
+          </a:lnRef>
+          <a:fillRef idx="0">
+            <a:schemeClr val="accent1"/>
+          </a:fillRef>
+          <a:effectRef idx="0">
+            <a:schemeClr val="accent1"/>
+          </a:effectRef>
+          <a:fontRef idx="minor">
+            <a:schemeClr val="tx1"/>
+          </a:fontRef>
+        </p:style>
+      </p:cxnSp>
+      <p:cxnSp>
+        <p:nvCxnSpPr>
+          <p:cNvPr id="25" name="Straight Arrow Connector 24">
+            <a:extLst>
+              <a:ext uri="{FF2B5EF4-FFF2-40B4-BE49-F238E27FC236}">
+                <a16:creationId xmlns:a16="http://schemas.microsoft.com/office/drawing/2014/main" id="{49DC62F6-69B0-AA4C-BA06-C12321B21766}"/>
+              </a:ext>
+            </a:extLst>
+          </p:cNvPr>
+          <p:cNvCxnSpPr>
+            <a:cxnSpLocks/>
+          </p:cNvCxnSpPr>
+          <p:nvPr/>
+        </p:nvCxnSpPr>
+        <p:spPr>
+          <a:xfrm>
+            <a:off x="5521275" y="3618468"/>
+            <a:ext cx="607052" cy="381125"/>
+          </a:xfrm>
+          <a:prstGeom prst="straightConnector1">
+            <a:avLst/>
+          </a:prstGeom>
+          <a:ln w="25400">
+            <a:prstDash val="sysDash"/>
+            <a:tailEnd type="triangle"/>
+          </a:ln>
+        </p:spPr>
+        <p:style>
+          <a:lnRef idx="1">
+            <a:schemeClr val="accent1"/>
+          </a:lnRef>
+          <a:fillRef idx="0">
+            <a:schemeClr val="accent1"/>
+          </a:fillRef>
+          <a:effectRef idx="0">
+            <a:schemeClr val="accent1"/>
+          </a:effectRef>
+          <a:fontRef idx="minor">
+            <a:schemeClr val="tx1"/>
+          </a:fontRef>
+        </p:style>
+      </p:cxnSp>
+      <p:cxnSp>
+        <p:nvCxnSpPr>
+          <p:cNvPr id="26" name="Straight Arrow Connector 25">
+            <a:extLst>
+              <a:ext uri="{FF2B5EF4-FFF2-40B4-BE49-F238E27FC236}">
+                <a16:creationId xmlns:a16="http://schemas.microsoft.com/office/drawing/2014/main" id="{7BEFF4DE-5E14-8745-A951-D5AEB8C73DAF}"/>
+              </a:ext>
+            </a:extLst>
+          </p:cNvPr>
+          <p:cNvCxnSpPr>
+            <a:cxnSpLocks/>
+          </p:cNvCxnSpPr>
+          <p:nvPr/>
+        </p:nvCxnSpPr>
+        <p:spPr>
+          <a:xfrm flipV="1">
+            <a:off x="3803517" y="4261331"/>
+            <a:ext cx="1943968" cy="357970"/>
+          </a:xfrm>
+          <a:prstGeom prst="straightConnector1">
+            <a:avLst/>
+          </a:prstGeom>
+          <a:ln w="25400">
+            <a:tailEnd type="triangle"/>
+          </a:ln>
+        </p:spPr>
+        <p:style>
+          <a:lnRef idx="1">
+            <a:schemeClr val="accent6"/>
+          </a:lnRef>
+          <a:fillRef idx="0">
+            <a:schemeClr val="accent6"/>
+          </a:fillRef>
+          <a:effectRef idx="0">
+            <a:schemeClr val="accent6"/>
+          </a:effectRef>
+          <a:fontRef idx="minor">
+            <a:schemeClr val="tx1"/>
+          </a:fontRef>
+        </p:style>
+      </p:cxnSp>
+      <p:cxnSp>
+        <p:nvCxnSpPr>
+          <p:cNvPr id="27" name="Straight Arrow Connector 26">
+            <a:extLst>
+              <a:ext uri="{FF2B5EF4-FFF2-40B4-BE49-F238E27FC236}">
+                <a16:creationId xmlns:a16="http://schemas.microsoft.com/office/drawing/2014/main" id="{11BEEFC7-3E03-214B-A552-8915ED7AE0EF}"/>
+              </a:ext>
+            </a:extLst>
+          </p:cNvPr>
+          <p:cNvCxnSpPr>
+            <a:cxnSpLocks/>
+          </p:cNvCxnSpPr>
+          <p:nvPr/>
+        </p:nvCxnSpPr>
+        <p:spPr>
+          <a:xfrm flipH="1">
+            <a:off x="3429008" y="3710584"/>
+            <a:ext cx="586325" cy="644878"/>
+          </a:xfrm>
+          <a:prstGeom prst="straightConnector1">
+            <a:avLst/>
+          </a:prstGeom>
+          <a:ln w="25400">
+            <a:prstDash val="sysDash"/>
+            <a:tailEnd type="triangle"/>
+          </a:ln>
+        </p:spPr>
+        <p:style>
+          <a:lnRef idx="1">
+            <a:schemeClr val="accent1"/>
+          </a:lnRef>
+          <a:fillRef idx="0">
+            <a:schemeClr val="accent1"/>
+          </a:fillRef>
+          <a:effectRef idx="0">
+            <a:schemeClr val="accent1"/>
+          </a:effectRef>
+          <a:fontRef idx="minor">
+            <a:schemeClr val="tx1"/>
+          </a:fontRef>
+        </p:style>
+      </p:cxnSp>
+      <p:sp>
+        <p:nvSpPr>
+          <p:cNvPr id="28" name="TextBox 27">
+            <a:extLst>
+              <a:ext uri="{FF2B5EF4-FFF2-40B4-BE49-F238E27FC236}">
+                <a16:creationId xmlns:a16="http://schemas.microsoft.com/office/drawing/2014/main" id="{BB123E89-DB9D-F749-A8B7-02F9026A7440}"/>
+              </a:ext>
+            </a:extLst>
+          </p:cNvPr>
+          <p:cNvSpPr txBox="1"/>
+          <p:nvPr/>
+        </p:nvSpPr>
+        <p:spPr>
+          <a:xfrm>
+            <a:off x="1743965" y="3987583"/>
+            <a:ext cx="719409" cy="369332"/>
+          </a:xfrm>
+          <a:prstGeom prst="rect">
+            <a:avLst/>
+          </a:prstGeom>
+          <a:noFill/>
+        </p:spPr>
+        <p:txBody>
+          <a:bodyPr wrap="square" rtlCol="0">
+            <a:spAutoFit/>
+          </a:bodyPr>
+          <a:lstStyle/>
+          <a:p>
+            <a:pPr marL="0" marR="0" lvl="0" indent="0" algn="l" defTabSz="914400" rtl="0" eaLnBrk="1" fontAlgn="auto" latinLnBrk="0" hangingPunct="1">
+              <a:lnSpc>
+                <a:spcPct val="100000"/>
+              </a:lnSpc>
+              <a:spcBef>
+                <a:spcPts val="0"/>
+              </a:spcBef>
+              <a:spcAft>
+                <a:spcPts val="0"/>
+              </a:spcAft>
+              <a:buClrTx/>
+              <a:buSzTx/>
+              <a:buFontTx/>
+              <a:buNone/>
+              <a:tabLst/>
+              <a:defRPr/>
+            </a:pPr>
+            <a:r>
+              <a:rPr kumimoji="0" lang="zh-CN" altLang="en-US" sz="1800" b="0" i="0" u="none" strike="noStrike" kern="1200" cap="none" spc="0" normalizeH="0" baseline="0" noProof="0" dirty="0">
+                <a:ln>
+                  <a:noFill/>
+                </a:ln>
+                <a:solidFill>
+                  <a:prstClr val="black"/>
+                </a:solidFill>
+                <a:effectLst/>
+                <a:uLnTx/>
+                <a:uFillTx/>
+                <a:latin typeface="SimHei" panose="02010609060101010101" pitchFamily="49" charset="-122"/>
+                <a:ea typeface="SimHei" panose="02010609060101010101" pitchFamily="49" charset="-122"/>
+                <a:cs typeface="+mn-cs"/>
+              </a:rPr>
+              <a:t>租户</a:t>
+            </a:r>
+            <a:endParaRPr kumimoji="0" lang="en-US" sz="1800" b="0" i="0" u="none" strike="noStrike" kern="1200" cap="none" spc="0" normalizeH="0" baseline="0" noProof="0" dirty="0">
+              <a:ln>
+                <a:noFill/>
+              </a:ln>
+              <a:solidFill>
+                <a:prstClr val="black"/>
+              </a:solidFill>
+              <a:effectLst/>
+              <a:uLnTx/>
+              <a:uFillTx/>
+              <a:latin typeface="SimHei" panose="02010609060101010101" pitchFamily="49" charset="-122"/>
+              <a:ea typeface="SimHei" panose="02010609060101010101" pitchFamily="49" charset="-122"/>
+              <a:cs typeface="+mn-cs"/>
+            </a:endParaRPr>
+          </a:p>
+        </p:txBody>
+      </p:sp>
+      <p:sp>
+        <p:nvSpPr>
+          <p:cNvPr id="29" name="TextBox 28">
+            <a:extLst>
+              <a:ext uri="{FF2B5EF4-FFF2-40B4-BE49-F238E27FC236}">
+                <a16:creationId xmlns:a16="http://schemas.microsoft.com/office/drawing/2014/main" id="{9D84BFF1-72B9-E74E-B9EB-DA9B99FC5D80}"/>
+              </a:ext>
+            </a:extLst>
+          </p:cNvPr>
+          <p:cNvSpPr txBox="1"/>
+          <p:nvPr/>
+        </p:nvSpPr>
+        <p:spPr>
+          <a:xfrm>
+            <a:off x="6382914" y="3710584"/>
+            <a:ext cx="1409204" cy="369332"/>
+          </a:xfrm>
+          <a:prstGeom prst="rect">
+            <a:avLst/>
+          </a:prstGeom>
+          <a:noFill/>
+        </p:spPr>
+        <p:txBody>
+          <a:bodyPr wrap="square" rtlCol="0">
+            <a:spAutoFit/>
+          </a:bodyPr>
+          <a:lstStyle/>
+          <a:p>
+            <a:pPr marL="0" marR="0" lvl="0" indent="0" algn="l" defTabSz="914400" rtl="0" eaLnBrk="1" fontAlgn="auto" latinLnBrk="0" hangingPunct="1">
+              <a:lnSpc>
+                <a:spcPct val="100000"/>
+              </a:lnSpc>
+              <a:spcBef>
+                <a:spcPts val="0"/>
+              </a:spcBef>
+              <a:spcAft>
+                <a:spcPts val="0"/>
+              </a:spcAft>
+              <a:buClrTx/>
+              <a:buSzTx/>
+              <a:buFontTx/>
+              <a:buNone/>
+              <a:tabLst/>
+              <a:defRPr/>
+            </a:pPr>
+            <a:r>
+              <a:rPr kumimoji="0" lang="zh-CN" altLang="en-US" sz="1800" b="0" i="0" u="none" strike="noStrike" kern="1200" cap="none" spc="0" normalizeH="0" baseline="0" noProof="0" dirty="0">
+                <a:ln>
+                  <a:noFill/>
+                </a:ln>
+                <a:solidFill>
+                  <a:prstClr val="black"/>
+                </a:solidFill>
+                <a:effectLst/>
+                <a:uLnTx/>
+                <a:uFillTx/>
+                <a:latin typeface="SimHei" panose="02010609060101010101" pitchFamily="49" charset="-122"/>
+                <a:ea typeface="SimHei" panose="02010609060101010101" pitchFamily="49" charset="-122"/>
+                <a:cs typeface="+mn-cs"/>
+              </a:rPr>
+              <a:t>存储单元</a:t>
+            </a:r>
+            <a:endParaRPr kumimoji="0" lang="en-US" sz="1800" b="0" i="0" u="none" strike="noStrike" kern="1200" cap="none" spc="0" normalizeH="0" baseline="0" noProof="0" dirty="0">
+              <a:ln>
+                <a:noFill/>
+              </a:ln>
+              <a:solidFill>
+                <a:prstClr val="black"/>
+              </a:solidFill>
+              <a:effectLst/>
+              <a:uLnTx/>
+              <a:uFillTx/>
+              <a:latin typeface="SimHei" panose="02010609060101010101" pitchFamily="49" charset="-122"/>
+              <a:ea typeface="SimHei" panose="02010609060101010101" pitchFamily="49" charset="-122"/>
+              <a:cs typeface="+mn-cs"/>
+            </a:endParaRPr>
+          </a:p>
+        </p:txBody>
+      </p:sp>
+      <p:sp>
+        <p:nvSpPr>
+          <p:cNvPr id="30" name="Rectangle 29">
+            <a:extLst>
+              <a:ext uri="{FF2B5EF4-FFF2-40B4-BE49-F238E27FC236}">
+                <a16:creationId xmlns:a16="http://schemas.microsoft.com/office/drawing/2014/main" id="{FF8DEF9D-9A59-CC43-8DA4-29C16A233532}"/>
+              </a:ext>
+            </a:extLst>
+          </p:cNvPr>
+          <p:cNvSpPr/>
+          <p:nvPr/>
+        </p:nvSpPr>
+        <p:spPr>
+          <a:xfrm>
+            <a:off x="1235275" y="4334298"/>
+            <a:ext cx="1746156" cy="1904346"/>
+          </a:xfrm>
+          <a:prstGeom prst="rect">
+            <a:avLst/>
+          </a:prstGeom>
+          <a:noFill/>
+          <a:ln w="25400">
+            <a:solidFill>
+              <a:schemeClr val="accent6">
+                <a:lumMod val="75000"/>
+              </a:schemeClr>
+            </a:solidFill>
+            <a:prstDash val="lgDash"/>
+          </a:ln>
+        </p:spPr>
+        <p:style>
+          <a:lnRef idx="2">
+            <a:schemeClr val="accent1">
+              <a:shade val="50000"/>
+            </a:schemeClr>
+          </a:lnRef>
+          <a:fillRef idx="1">
+            <a:schemeClr val="accent1"/>
+          </a:fillRef>
+          <a:effectRef idx="0">
+            <a:schemeClr val="accent1"/>
+          </a:effectRef>
+          <a:fontRef idx="minor">
+            <a:schemeClr val="lt1"/>
+          </a:fontRef>
+        </p:style>
+        <p:txBody>
+          <a:bodyPr rtlCol="0" anchor="ctr"/>
+          <a:lstStyle/>
+          <a:p>
+            <a:pPr marL="0" marR="0" lvl="0" indent="0" algn="ctr" defTabSz="914400" rtl="0" eaLnBrk="1" fontAlgn="auto" latinLnBrk="0" hangingPunct="1">
+              <a:lnSpc>
+                <a:spcPct val="100000"/>
+              </a:lnSpc>
+              <a:spcBef>
+                <a:spcPts val="0"/>
+              </a:spcBef>
+              <a:spcAft>
+                <a:spcPts val="0"/>
+              </a:spcAft>
+              <a:buClrTx/>
+              <a:buSzTx/>
+              <a:buFontTx/>
+              <a:buNone/>
+              <a:tabLst/>
+              <a:defRPr/>
+            </a:pPr>
+            <a:endParaRPr kumimoji="0" lang="en-US" sz="1800" b="0" i="0" u="none" strike="noStrike" kern="1200" cap="none" spc="0" normalizeH="0" baseline="0" noProof="0">
+              <a:ln>
+                <a:noFill/>
+              </a:ln>
+              <a:solidFill>
+                <a:prstClr val="white"/>
+              </a:solidFill>
+              <a:effectLst/>
+              <a:uLnTx/>
+              <a:uFillTx/>
+              <a:latin typeface="SimHei" panose="02010609060101010101" pitchFamily="49" charset="-122"/>
+              <a:ea typeface="SimHei" panose="02010609060101010101" pitchFamily="49" charset="-122"/>
+              <a:cs typeface="+mn-cs"/>
+            </a:endParaRPr>
+          </a:p>
+        </p:txBody>
+      </p:sp>
+      <p:sp>
+        <p:nvSpPr>
+          <p:cNvPr id="31" name="Rectangle 30">
+            <a:extLst>
+              <a:ext uri="{FF2B5EF4-FFF2-40B4-BE49-F238E27FC236}">
+                <a16:creationId xmlns:a16="http://schemas.microsoft.com/office/drawing/2014/main" id="{A6DD9DDE-C12B-154A-A9CD-EA48A416D946}"/>
+              </a:ext>
+            </a:extLst>
+          </p:cNvPr>
+          <p:cNvSpPr/>
+          <p:nvPr/>
+        </p:nvSpPr>
+        <p:spPr>
+          <a:xfrm>
+            <a:off x="5833522" y="4033023"/>
+            <a:ext cx="2182168" cy="2421811"/>
+          </a:xfrm>
+          <a:prstGeom prst="rect">
+            <a:avLst/>
+          </a:prstGeom>
+          <a:noFill/>
+          <a:ln w="25400">
+            <a:solidFill>
+              <a:schemeClr val="bg2">
+                <a:lumMod val="50000"/>
+              </a:schemeClr>
+            </a:solidFill>
+            <a:prstDash val="lgDash"/>
+          </a:ln>
+        </p:spPr>
+        <p:style>
+          <a:lnRef idx="2">
+            <a:schemeClr val="accent1">
+              <a:shade val="50000"/>
+            </a:schemeClr>
+          </a:lnRef>
+          <a:fillRef idx="1">
+            <a:schemeClr val="accent1"/>
+          </a:fillRef>
+          <a:effectRef idx="0">
+            <a:schemeClr val="accent1"/>
+          </a:effectRef>
+          <a:fontRef idx="minor">
+            <a:schemeClr val="lt1"/>
+          </a:fontRef>
+        </p:style>
+        <p:txBody>
+          <a:bodyPr rtlCol="0" anchor="ctr"/>
+          <a:lstStyle/>
+          <a:p>
+            <a:pPr marL="0" marR="0" lvl="0" indent="0" algn="ctr" defTabSz="914400" rtl="0" eaLnBrk="1" fontAlgn="auto" latinLnBrk="0" hangingPunct="1">
+              <a:lnSpc>
+                <a:spcPct val="100000"/>
+              </a:lnSpc>
+              <a:spcBef>
+                <a:spcPts val="0"/>
+              </a:spcBef>
+              <a:spcAft>
+                <a:spcPts val="0"/>
+              </a:spcAft>
+              <a:buClrTx/>
+              <a:buSzTx/>
+              <a:buFontTx/>
+              <a:buNone/>
+              <a:tabLst/>
+              <a:defRPr/>
+            </a:pPr>
+            <a:endParaRPr kumimoji="0" lang="en-US" sz="1800" b="0" i="0" u="none" strike="noStrike" kern="1200" cap="none" spc="0" normalizeH="0" baseline="0" noProof="0">
+              <a:ln>
+                <a:noFill/>
+              </a:ln>
+              <a:solidFill>
+                <a:prstClr val="white"/>
+              </a:solidFill>
+              <a:effectLst/>
+              <a:uLnTx/>
+              <a:uFillTx/>
+              <a:latin typeface="SimHei" panose="02010609060101010101" pitchFamily="49" charset="-122"/>
+              <a:ea typeface="SimHei" panose="02010609060101010101" pitchFamily="49" charset="-122"/>
+              <a:cs typeface="+mn-cs"/>
+            </a:endParaRPr>
+          </a:p>
+        </p:txBody>
+      </p:sp>
+      <p:sp>
+        <p:nvSpPr>
+          <p:cNvPr id="32" name="TextBox 31">
+            <a:extLst>
+              <a:ext uri="{FF2B5EF4-FFF2-40B4-BE49-F238E27FC236}">
+                <a16:creationId xmlns:a16="http://schemas.microsoft.com/office/drawing/2014/main" id="{E1A51F82-A6A4-6547-ADBC-10453852DF96}"/>
+              </a:ext>
+            </a:extLst>
+          </p:cNvPr>
+          <p:cNvSpPr txBox="1"/>
+          <p:nvPr/>
+        </p:nvSpPr>
+        <p:spPr>
+          <a:xfrm>
+            <a:off x="1882053" y="3629174"/>
+            <a:ext cx="1921464" cy="276999"/>
+          </a:xfrm>
+          <a:prstGeom prst="rect">
+            <a:avLst/>
+          </a:prstGeom>
+          <a:noFill/>
+        </p:spPr>
+        <p:txBody>
+          <a:bodyPr wrap="square" rtlCol="0">
+            <a:spAutoFit/>
+          </a:bodyPr>
+          <a:lstStyle/>
+          <a:p>
+            <a:pPr marL="0" marR="0" lvl="0" indent="0" algn="ctr" defTabSz="914400" rtl="0" eaLnBrk="1" fontAlgn="auto" latinLnBrk="0" hangingPunct="1">
+              <a:lnSpc>
+                <a:spcPct val="100000"/>
+              </a:lnSpc>
+              <a:spcBef>
+                <a:spcPts val="0"/>
+              </a:spcBef>
+              <a:spcAft>
+                <a:spcPts val="0"/>
+              </a:spcAft>
+              <a:buClrTx/>
+              <a:buSzTx/>
+              <a:buFontTx/>
+              <a:buNone/>
+              <a:tabLst/>
+              <a:defRPr/>
+            </a:pPr>
+            <a:r>
+              <a:rPr kumimoji="0" lang="en-US" altLang="zh-CN" sz="1200" b="0" i="0" u="none" strike="noStrike" kern="1200" cap="none" spc="0" normalizeH="0" baseline="0" noProof="0" dirty="0">
+                <a:ln>
+                  <a:noFill/>
+                </a:ln>
+                <a:solidFill>
+                  <a:srgbClr val="4472C4"/>
+                </a:solidFill>
+                <a:effectLst/>
+                <a:uLnTx/>
+                <a:uFillTx/>
+                <a:latin typeface="SimHei" panose="02010609060101010101" pitchFamily="49" charset="-122"/>
+                <a:ea typeface="SimHei" panose="02010609060101010101" pitchFamily="49" charset="-122"/>
+                <a:cs typeface="+mn-cs"/>
+              </a:rPr>
+              <a:t>1. </a:t>
+            </a:r>
+            <a:r>
+              <a:rPr kumimoji="0" lang="zh-CN" altLang="en-US" sz="1200" b="0" i="0" u="none" strike="noStrike" kern="1200" cap="none" spc="0" normalizeH="0" baseline="0" noProof="0" dirty="0">
+                <a:ln>
+                  <a:noFill/>
+                </a:ln>
+                <a:solidFill>
+                  <a:srgbClr val="4472C4"/>
+                </a:solidFill>
+                <a:effectLst/>
+                <a:uLnTx/>
+                <a:uFillTx/>
+                <a:latin typeface="SimHei" panose="02010609060101010101" pitchFamily="49" charset="-122"/>
+                <a:ea typeface="SimHei" panose="02010609060101010101" pitchFamily="49" charset="-122"/>
+                <a:cs typeface="+mn-cs"/>
+              </a:rPr>
+              <a:t>向控制器提出</a:t>
+            </a:r>
+            <a:r>
+              <a:rPr kumimoji="0" lang="en-US" altLang="zh-CN" sz="1200" b="0" i="0" u="none" strike="noStrike" kern="1200" cap="none" spc="0" normalizeH="0" baseline="0" noProof="0" dirty="0">
+                <a:ln>
+                  <a:noFill/>
+                </a:ln>
+                <a:solidFill>
+                  <a:srgbClr val="4472C4"/>
+                </a:solidFill>
+                <a:effectLst/>
+                <a:uLnTx/>
+                <a:uFillTx/>
+                <a:latin typeface="SimHei" panose="02010609060101010101" pitchFamily="49" charset="-122"/>
+                <a:ea typeface="SimHei" panose="02010609060101010101" pitchFamily="49" charset="-122"/>
+                <a:cs typeface="+mn-cs"/>
+              </a:rPr>
+              <a:t>SLA</a:t>
+            </a:r>
+            <a:r>
+              <a:rPr kumimoji="0" lang="zh-CN" altLang="en-US" sz="1200" b="0" i="0" u="none" strike="noStrike" kern="1200" cap="none" spc="0" normalizeH="0" baseline="0" noProof="0" dirty="0">
+                <a:ln>
+                  <a:noFill/>
+                </a:ln>
+                <a:solidFill>
+                  <a:srgbClr val="4472C4"/>
+                </a:solidFill>
+                <a:effectLst/>
+                <a:uLnTx/>
+                <a:uFillTx/>
+                <a:latin typeface="SimHei" panose="02010609060101010101" pitchFamily="49" charset="-122"/>
+                <a:ea typeface="SimHei" panose="02010609060101010101" pitchFamily="49" charset="-122"/>
+                <a:cs typeface="+mn-cs"/>
+              </a:rPr>
+              <a:t>需求</a:t>
+            </a:r>
+            <a:endParaRPr kumimoji="0" lang="en-US" sz="1200" b="0" i="0" u="none" strike="noStrike" kern="1200" cap="none" spc="0" normalizeH="0" baseline="0" noProof="0" dirty="0">
+              <a:ln>
+                <a:noFill/>
+              </a:ln>
+              <a:solidFill>
+                <a:srgbClr val="4472C4"/>
+              </a:solidFill>
+              <a:effectLst/>
+              <a:uLnTx/>
+              <a:uFillTx/>
+              <a:latin typeface="SimHei" panose="02010609060101010101" pitchFamily="49" charset="-122"/>
+              <a:ea typeface="SimHei" panose="02010609060101010101" pitchFamily="49" charset="-122"/>
+              <a:cs typeface="+mn-cs"/>
+            </a:endParaRPr>
+          </a:p>
+        </p:txBody>
+      </p:sp>
+      <p:sp>
+        <p:nvSpPr>
+          <p:cNvPr id="33" name="TextBox 32">
+            <a:extLst>
+              <a:ext uri="{FF2B5EF4-FFF2-40B4-BE49-F238E27FC236}">
+                <a16:creationId xmlns:a16="http://schemas.microsoft.com/office/drawing/2014/main" id="{B1EF4BD8-D770-E94E-936D-1D666E8DD350}"/>
+              </a:ext>
+            </a:extLst>
+          </p:cNvPr>
+          <p:cNvSpPr txBox="1"/>
+          <p:nvPr/>
+        </p:nvSpPr>
+        <p:spPr>
+          <a:xfrm>
+            <a:off x="3746262" y="2620534"/>
+            <a:ext cx="1921464" cy="276999"/>
+          </a:xfrm>
+          <a:prstGeom prst="rect">
+            <a:avLst/>
+          </a:prstGeom>
+          <a:noFill/>
+        </p:spPr>
+        <p:txBody>
+          <a:bodyPr wrap="square" rtlCol="0">
+            <a:spAutoFit/>
+          </a:bodyPr>
+          <a:lstStyle/>
+          <a:p>
+            <a:pPr marL="0" marR="0" lvl="0" indent="0" algn="ctr" defTabSz="914400" rtl="0" eaLnBrk="1" fontAlgn="auto" latinLnBrk="0" hangingPunct="1">
+              <a:lnSpc>
+                <a:spcPct val="100000"/>
+              </a:lnSpc>
+              <a:spcBef>
+                <a:spcPts val="0"/>
+              </a:spcBef>
+              <a:spcAft>
+                <a:spcPts val="0"/>
+              </a:spcAft>
+              <a:buClrTx/>
+              <a:buSzTx/>
+              <a:buFontTx/>
+              <a:buNone/>
+              <a:tabLst/>
+              <a:defRPr/>
+            </a:pPr>
+            <a:r>
+              <a:rPr kumimoji="0" lang="en-US" altLang="zh-CN" sz="1200" b="0" i="0" u="none" strike="noStrike" kern="1200" cap="none" spc="0" normalizeH="0" baseline="0" noProof="0" dirty="0">
+                <a:ln>
+                  <a:noFill/>
+                </a:ln>
+                <a:solidFill>
+                  <a:srgbClr val="4472C4"/>
+                </a:solidFill>
+                <a:effectLst/>
+                <a:uLnTx/>
+                <a:uFillTx/>
+                <a:latin typeface="SimHei" panose="02010609060101010101" pitchFamily="49" charset="-122"/>
+                <a:ea typeface="SimHei" panose="02010609060101010101" pitchFamily="49" charset="-122"/>
+                <a:cs typeface="+mn-cs"/>
+              </a:rPr>
+              <a:t>2. </a:t>
+            </a:r>
+            <a:r>
+              <a:rPr kumimoji="0" lang="zh-CN" altLang="en-US" sz="1200" b="0" i="0" u="none" strike="noStrike" kern="1200" cap="none" spc="0" normalizeH="0" baseline="0" noProof="0" dirty="0">
+                <a:ln>
+                  <a:noFill/>
+                </a:ln>
+                <a:solidFill>
+                  <a:srgbClr val="4472C4"/>
+                </a:solidFill>
+                <a:effectLst/>
+                <a:uLnTx/>
+                <a:uFillTx/>
+                <a:latin typeface="SimHei" panose="02010609060101010101" pitchFamily="49" charset="-122"/>
+                <a:ea typeface="SimHei" panose="02010609060101010101" pitchFamily="49" charset="-122"/>
+                <a:cs typeface="+mn-cs"/>
+              </a:rPr>
+              <a:t>计算数据分布方式</a:t>
+            </a:r>
+            <a:endParaRPr kumimoji="0" lang="en-US" sz="1200" b="0" i="0" u="none" strike="noStrike" kern="1200" cap="none" spc="0" normalizeH="0" baseline="0" noProof="0" dirty="0">
+              <a:ln>
+                <a:noFill/>
+              </a:ln>
+              <a:solidFill>
+                <a:srgbClr val="4472C4"/>
+              </a:solidFill>
+              <a:effectLst/>
+              <a:uLnTx/>
+              <a:uFillTx/>
+              <a:latin typeface="SimHei" panose="02010609060101010101" pitchFamily="49" charset="-122"/>
+              <a:ea typeface="SimHei" panose="02010609060101010101" pitchFamily="49" charset="-122"/>
+              <a:cs typeface="+mn-cs"/>
+            </a:endParaRPr>
+          </a:p>
+        </p:txBody>
+      </p:sp>
+      <p:sp>
+        <p:nvSpPr>
+          <p:cNvPr id="34" name="TextBox 33">
+            <a:extLst>
+              <a:ext uri="{FF2B5EF4-FFF2-40B4-BE49-F238E27FC236}">
+                <a16:creationId xmlns:a16="http://schemas.microsoft.com/office/drawing/2014/main" id="{52B37B27-0286-F54C-A8CE-9EF24784C4CA}"/>
+              </a:ext>
+            </a:extLst>
+          </p:cNvPr>
+          <p:cNvSpPr txBox="1"/>
+          <p:nvPr/>
+        </p:nvSpPr>
+        <p:spPr>
+          <a:xfrm>
+            <a:off x="5545121" y="3494745"/>
+            <a:ext cx="1921464" cy="276999"/>
+          </a:xfrm>
+          <a:prstGeom prst="rect">
+            <a:avLst/>
+          </a:prstGeom>
+          <a:noFill/>
+        </p:spPr>
+        <p:txBody>
+          <a:bodyPr wrap="square" rtlCol="0">
+            <a:spAutoFit/>
+          </a:bodyPr>
+          <a:lstStyle/>
+          <a:p>
+            <a:pPr marL="0" marR="0" lvl="0" indent="0" algn="ctr" defTabSz="914400" rtl="0" eaLnBrk="1" fontAlgn="auto" latinLnBrk="0" hangingPunct="1">
+              <a:lnSpc>
+                <a:spcPct val="100000"/>
+              </a:lnSpc>
+              <a:spcBef>
+                <a:spcPts val="0"/>
+              </a:spcBef>
+              <a:spcAft>
+                <a:spcPts val="0"/>
+              </a:spcAft>
+              <a:buClrTx/>
+              <a:buSzTx/>
+              <a:buFontTx/>
+              <a:buNone/>
+              <a:tabLst/>
+              <a:defRPr/>
+            </a:pPr>
+            <a:r>
+              <a:rPr kumimoji="0" lang="en-US" altLang="zh-CN" sz="1200" b="0" i="0" u="none" strike="noStrike" kern="1200" cap="none" spc="0" normalizeH="0" baseline="0" noProof="0" dirty="0">
+                <a:ln>
+                  <a:noFill/>
+                </a:ln>
+                <a:solidFill>
+                  <a:srgbClr val="4472C4"/>
+                </a:solidFill>
+                <a:effectLst/>
+                <a:uLnTx/>
+                <a:uFillTx/>
+                <a:latin typeface="SimHei" panose="02010609060101010101" pitchFamily="49" charset="-122"/>
+                <a:ea typeface="SimHei" panose="02010609060101010101" pitchFamily="49" charset="-122"/>
+                <a:cs typeface="+mn-cs"/>
+              </a:rPr>
+              <a:t>3. </a:t>
+            </a:r>
+            <a:r>
+              <a:rPr kumimoji="0" lang="zh-CN" altLang="en-US" sz="1200" b="0" i="0" u="none" strike="noStrike" kern="1200" cap="none" spc="0" normalizeH="0" baseline="0" noProof="0" dirty="0">
+                <a:ln>
+                  <a:noFill/>
+                </a:ln>
+                <a:solidFill>
+                  <a:srgbClr val="4472C4"/>
+                </a:solidFill>
+                <a:effectLst/>
+                <a:uLnTx/>
+                <a:uFillTx/>
+                <a:latin typeface="SimHei" panose="02010609060101010101" pitchFamily="49" charset="-122"/>
+                <a:ea typeface="SimHei" panose="02010609060101010101" pitchFamily="49" charset="-122"/>
+                <a:cs typeface="+mn-cs"/>
+              </a:rPr>
+              <a:t>启用新的存储单元</a:t>
+            </a:r>
+            <a:endParaRPr kumimoji="0" lang="en-US" sz="1200" b="0" i="0" u="none" strike="noStrike" kern="1200" cap="none" spc="0" normalizeH="0" baseline="0" noProof="0" dirty="0">
+              <a:ln>
+                <a:noFill/>
+              </a:ln>
+              <a:solidFill>
+                <a:srgbClr val="4472C4"/>
+              </a:solidFill>
+              <a:effectLst/>
+              <a:uLnTx/>
+              <a:uFillTx/>
+              <a:latin typeface="SimHei" panose="02010609060101010101" pitchFamily="49" charset="-122"/>
+              <a:ea typeface="SimHei" panose="02010609060101010101" pitchFamily="49" charset="-122"/>
+              <a:cs typeface="+mn-cs"/>
+            </a:endParaRPr>
+          </a:p>
+        </p:txBody>
+      </p:sp>
+      <p:cxnSp>
+        <p:nvCxnSpPr>
+          <p:cNvPr id="35" name="Straight Arrow Connector 34">
+            <a:extLst>
+              <a:ext uri="{FF2B5EF4-FFF2-40B4-BE49-F238E27FC236}">
+                <a16:creationId xmlns:a16="http://schemas.microsoft.com/office/drawing/2014/main" id="{8C3751AC-43A6-3643-8754-D99E0CF1BFDE}"/>
+              </a:ext>
+            </a:extLst>
+          </p:cNvPr>
+          <p:cNvCxnSpPr>
+            <a:cxnSpLocks/>
+          </p:cNvCxnSpPr>
+          <p:nvPr/>
+        </p:nvCxnSpPr>
+        <p:spPr>
+          <a:xfrm>
+            <a:off x="3872596" y="6026838"/>
+            <a:ext cx="1874889" cy="91254"/>
+          </a:xfrm>
+          <a:prstGeom prst="straightConnector1">
+            <a:avLst/>
+          </a:prstGeom>
+          <a:ln w="25400">
+            <a:tailEnd type="triangle"/>
+          </a:ln>
+        </p:spPr>
+        <p:style>
+          <a:lnRef idx="1">
+            <a:schemeClr val="accent6"/>
+          </a:lnRef>
+          <a:fillRef idx="0">
+            <a:schemeClr val="accent6"/>
+          </a:fillRef>
+          <a:effectRef idx="0">
+            <a:schemeClr val="accent6"/>
+          </a:effectRef>
+          <a:fontRef idx="minor">
+            <a:schemeClr val="tx1"/>
+          </a:fontRef>
+        </p:style>
+      </p:cxnSp>
+      <p:cxnSp>
+        <p:nvCxnSpPr>
+          <p:cNvPr id="36" name="Straight Arrow Connector 35">
+            <a:extLst>
+              <a:ext uri="{FF2B5EF4-FFF2-40B4-BE49-F238E27FC236}">
+                <a16:creationId xmlns:a16="http://schemas.microsoft.com/office/drawing/2014/main" id="{51A43748-41D0-3B44-A1F2-E18BEB208CDA}"/>
+              </a:ext>
+            </a:extLst>
+          </p:cNvPr>
+          <p:cNvCxnSpPr>
+            <a:cxnSpLocks/>
+          </p:cNvCxnSpPr>
+          <p:nvPr/>
+        </p:nvCxnSpPr>
+        <p:spPr>
+          <a:xfrm flipV="1">
+            <a:off x="3872596" y="4992485"/>
+            <a:ext cx="1843775" cy="943179"/>
+          </a:xfrm>
+          <a:prstGeom prst="straightConnector1">
+            <a:avLst/>
+          </a:prstGeom>
+          <a:ln w="25400">
+            <a:tailEnd type="triangle"/>
+          </a:ln>
+        </p:spPr>
+        <p:style>
+          <a:lnRef idx="1">
+            <a:schemeClr val="accent6"/>
+          </a:lnRef>
+          <a:fillRef idx="0">
+            <a:schemeClr val="accent6"/>
+          </a:fillRef>
+          <a:effectRef idx="0">
+            <a:schemeClr val="accent6"/>
+          </a:effectRef>
+          <a:fontRef idx="minor">
+            <a:schemeClr val="tx1"/>
+          </a:fontRef>
+        </p:style>
+      </p:cxnSp>
+      <p:sp>
+        <p:nvSpPr>
+          <p:cNvPr id="37" name="TextBox 36">
+            <a:extLst>
+              <a:ext uri="{FF2B5EF4-FFF2-40B4-BE49-F238E27FC236}">
+                <a16:creationId xmlns:a16="http://schemas.microsoft.com/office/drawing/2014/main" id="{19AFEC8C-5845-F146-A9C4-0E00C4A50924}"/>
+              </a:ext>
+            </a:extLst>
+          </p:cNvPr>
+          <p:cNvSpPr txBox="1"/>
+          <p:nvPr/>
+        </p:nvSpPr>
+        <p:spPr>
+          <a:xfrm>
+            <a:off x="3607957" y="3871670"/>
+            <a:ext cx="1519358" cy="461665"/>
+          </a:xfrm>
+          <a:prstGeom prst="rect">
+            <a:avLst/>
+          </a:prstGeom>
+          <a:noFill/>
+        </p:spPr>
+        <p:txBody>
+          <a:bodyPr wrap="square" rtlCol="0">
+            <a:spAutoFit/>
+          </a:bodyPr>
+          <a:lstStyle/>
+          <a:p>
+            <a:pPr marL="0" marR="0" lvl="0" indent="0" algn="ctr" defTabSz="914400" rtl="0" eaLnBrk="1" fontAlgn="auto" latinLnBrk="0" hangingPunct="1">
+              <a:lnSpc>
+                <a:spcPct val="100000"/>
+              </a:lnSpc>
+              <a:spcBef>
+                <a:spcPts val="0"/>
+              </a:spcBef>
+              <a:spcAft>
+                <a:spcPts val="0"/>
+              </a:spcAft>
+              <a:buClrTx/>
+              <a:buSzTx/>
+              <a:buFontTx/>
+              <a:buNone/>
+              <a:tabLst/>
+              <a:defRPr/>
+            </a:pPr>
+            <a:r>
+              <a:rPr kumimoji="0" lang="en-US" altLang="zh-CN" sz="1200" b="0" i="0" u="none" strike="noStrike" kern="1200" cap="none" spc="0" normalizeH="0" baseline="0" noProof="0" dirty="0">
+                <a:ln>
+                  <a:noFill/>
+                </a:ln>
+                <a:solidFill>
+                  <a:srgbClr val="4472C4"/>
+                </a:solidFill>
+                <a:effectLst/>
+                <a:uLnTx/>
+                <a:uFillTx/>
+                <a:latin typeface="SimHei" panose="02010609060101010101" pitchFamily="49" charset="-122"/>
+                <a:ea typeface="SimHei" panose="02010609060101010101" pitchFamily="49" charset="-122"/>
+                <a:cs typeface="+mn-cs"/>
+              </a:rPr>
+              <a:t>4. </a:t>
+            </a:r>
+            <a:r>
+              <a:rPr kumimoji="0" lang="zh-CN" altLang="en-US" sz="1200" b="0" i="0" u="none" strike="noStrike" kern="1200" cap="none" spc="0" normalizeH="0" baseline="0" noProof="0" dirty="0">
+                <a:ln>
+                  <a:noFill/>
+                </a:ln>
+                <a:solidFill>
+                  <a:srgbClr val="4472C4"/>
+                </a:solidFill>
+                <a:effectLst/>
+                <a:uLnTx/>
+                <a:uFillTx/>
+                <a:latin typeface="SimHei" panose="02010609060101010101" pitchFamily="49" charset="-122"/>
+                <a:ea typeface="SimHei" panose="02010609060101010101" pitchFamily="49" charset="-122"/>
+                <a:cs typeface="+mn-cs"/>
+              </a:rPr>
+              <a:t>将数据块映射</a:t>
+            </a:r>
+            <a:endParaRPr kumimoji="0" lang="en-US" altLang="zh-CN" sz="1200" b="0" i="0" u="none" strike="noStrike" kern="1200" cap="none" spc="0" normalizeH="0" baseline="0" noProof="0" dirty="0">
+              <a:ln>
+                <a:noFill/>
+              </a:ln>
+              <a:solidFill>
+                <a:srgbClr val="4472C4"/>
+              </a:solidFill>
+              <a:effectLst/>
+              <a:uLnTx/>
+              <a:uFillTx/>
+              <a:latin typeface="SimHei" panose="02010609060101010101" pitchFamily="49" charset="-122"/>
+              <a:ea typeface="SimHei" panose="02010609060101010101" pitchFamily="49" charset="-122"/>
+              <a:cs typeface="+mn-cs"/>
+            </a:endParaRPr>
+          </a:p>
+          <a:p>
+            <a:pPr marL="0" marR="0" lvl="0" indent="0" algn="ctr" defTabSz="914400" rtl="0" eaLnBrk="1" fontAlgn="auto" latinLnBrk="0" hangingPunct="1">
+              <a:lnSpc>
+                <a:spcPct val="100000"/>
+              </a:lnSpc>
+              <a:spcBef>
+                <a:spcPts val="0"/>
+              </a:spcBef>
+              <a:spcAft>
+                <a:spcPts val="0"/>
+              </a:spcAft>
+              <a:buClrTx/>
+              <a:buSzTx/>
+              <a:buFontTx/>
+              <a:buNone/>
+              <a:tabLst/>
+              <a:defRPr/>
+            </a:pPr>
+            <a:r>
+              <a:rPr kumimoji="0" lang="zh-CN" altLang="en-US" sz="1200" b="0" i="0" u="none" strike="noStrike" kern="1200" cap="none" spc="0" normalizeH="0" baseline="0" noProof="0" dirty="0">
+                <a:ln>
+                  <a:noFill/>
+                </a:ln>
+                <a:solidFill>
+                  <a:srgbClr val="4472C4"/>
+                </a:solidFill>
+                <a:effectLst/>
+                <a:uLnTx/>
+                <a:uFillTx/>
+                <a:latin typeface="SimHei" panose="02010609060101010101" pitchFamily="49" charset="-122"/>
+                <a:ea typeface="SimHei" panose="02010609060101010101" pitchFamily="49" charset="-122"/>
+                <a:cs typeface="+mn-cs"/>
+              </a:rPr>
+              <a:t>方式返回给客户端</a:t>
+            </a:r>
+            <a:endParaRPr kumimoji="0" lang="en-US" sz="1200" b="0" i="0" u="none" strike="noStrike" kern="1200" cap="none" spc="0" normalizeH="0" baseline="0" noProof="0" dirty="0">
+              <a:ln>
+                <a:noFill/>
+              </a:ln>
+              <a:solidFill>
+                <a:srgbClr val="4472C4"/>
+              </a:solidFill>
+              <a:effectLst/>
+              <a:uLnTx/>
+              <a:uFillTx/>
+              <a:latin typeface="SimHei" panose="02010609060101010101" pitchFamily="49" charset="-122"/>
+              <a:ea typeface="SimHei" panose="02010609060101010101" pitchFamily="49" charset="-122"/>
+              <a:cs typeface="+mn-cs"/>
+            </a:endParaRPr>
+          </a:p>
+        </p:txBody>
+      </p:sp>
+      <p:sp>
+        <p:nvSpPr>
+          <p:cNvPr id="38" name="TextBox 37">
+            <a:extLst>
+              <a:ext uri="{FF2B5EF4-FFF2-40B4-BE49-F238E27FC236}">
+                <a16:creationId xmlns:a16="http://schemas.microsoft.com/office/drawing/2014/main" id="{BD52A7BC-7E6F-724B-835A-8BFA76F4433E}"/>
+              </a:ext>
+            </a:extLst>
+          </p:cNvPr>
+          <p:cNvSpPr txBox="1"/>
+          <p:nvPr/>
+        </p:nvSpPr>
+        <p:spPr>
+          <a:xfrm>
+            <a:off x="3895282" y="4701177"/>
+            <a:ext cx="1519358" cy="461665"/>
+          </a:xfrm>
+          <a:prstGeom prst="rect">
+            <a:avLst/>
+          </a:prstGeom>
+          <a:noFill/>
+        </p:spPr>
+        <p:txBody>
+          <a:bodyPr wrap="square" rtlCol="0">
+            <a:spAutoFit/>
+          </a:bodyPr>
+          <a:lstStyle/>
+          <a:p>
+            <a:pPr marL="0" marR="0" lvl="0" indent="0" algn="ctr" defTabSz="914400" rtl="0" eaLnBrk="1" fontAlgn="auto" latinLnBrk="0" hangingPunct="1">
+              <a:lnSpc>
+                <a:spcPct val="100000"/>
+              </a:lnSpc>
+              <a:spcBef>
+                <a:spcPts val="0"/>
+              </a:spcBef>
+              <a:spcAft>
+                <a:spcPts val="0"/>
+              </a:spcAft>
+              <a:buClrTx/>
+              <a:buSzTx/>
+              <a:buFontTx/>
+              <a:buNone/>
+              <a:tabLst/>
+              <a:defRPr/>
+            </a:pPr>
+            <a:r>
+              <a:rPr kumimoji="0" lang="zh-CN" altLang="en-US" sz="1200" b="0" i="0" u="none" strike="noStrike" kern="1200" cap="none" spc="0" normalizeH="0" baseline="0" noProof="0" dirty="0">
+                <a:ln>
+                  <a:noFill/>
+                </a:ln>
+                <a:solidFill>
+                  <a:srgbClr val="70AD47"/>
+                </a:solidFill>
+                <a:effectLst/>
+                <a:uLnTx/>
+                <a:uFillTx/>
+                <a:latin typeface="SimHei" panose="02010609060101010101" pitchFamily="49" charset="-122"/>
+                <a:ea typeface="SimHei" panose="02010609060101010101" pitchFamily="49" charset="-122"/>
+                <a:cs typeface="+mn-cs"/>
+              </a:rPr>
+              <a:t>根据数据块映射</a:t>
+            </a:r>
+            <a:endParaRPr kumimoji="0" lang="en-US" altLang="zh-CN" sz="1200" b="0" i="0" u="none" strike="noStrike" kern="1200" cap="none" spc="0" normalizeH="0" baseline="0" noProof="0" dirty="0">
+              <a:ln>
+                <a:noFill/>
+              </a:ln>
+              <a:solidFill>
+                <a:srgbClr val="70AD47"/>
+              </a:solidFill>
+              <a:effectLst/>
+              <a:uLnTx/>
+              <a:uFillTx/>
+              <a:latin typeface="SimHei" panose="02010609060101010101" pitchFamily="49" charset="-122"/>
+              <a:ea typeface="SimHei" panose="02010609060101010101" pitchFamily="49" charset="-122"/>
+              <a:cs typeface="+mn-cs"/>
+            </a:endParaRPr>
+          </a:p>
+          <a:p>
+            <a:pPr marL="0" marR="0" lvl="0" indent="0" algn="ctr" defTabSz="914400" rtl="0" eaLnBrk="1" fontAlgn="auto" latinLnBrk="0" hangingPunct="1">
+              <a:lnSpc>
+                <a:spcPct val="100000"/>
+              </a:lnSpc>
+              <a:spcBef>
+                <a:spcPts val="0"/>
+              </a:spcBef>
+              <a:spcAft>
+                <a:spcPts val="0"/>
+              </a:spcAft>
+              <a:buClrTx/>
+              <a:buSzTx/>
+              <a:buFontTx/>
+              <a:buNone/>
+              <a:tabLst/>
+              <a:defRPr/>
+            </a:pPr>
+            <a:r>
+              <a:rPr kumimoji="0" lang="zh-CN" altLang="en-US" sz="1200" b="0" i="0" u="none" strike="noStrike" kern="1200" cap="none" spc="0" normalizeH="0" baseline="0" noProof="0" dirty="0">
+                <a:ln>
+                  <a:noFill/>
+                </a:ln>
+                <a:solidFill>
+                  <a:srgbClr val="70AD47"/>
+                </a:solidFill>
+                <a:effectLst/>
+                <a:uLnTx/>
+                <a:uFillTx/>
+                <a:latin typeface="SimHei" panose="02010609060101010101" pitchFamily="49" charset="-122"/>
+                <a:ea typeface="SimHei" panose="02010609060101010101" pitchFamily="49" charset="-122"/>
+                <a:cs typeface="+mn-cs"/>
+              </a:rPr>
+              <a:t>方式访问存储单元</a:t>
+            </a:r>
+            <a:endParaRPr kumimoji="0" lang="en-US" sz="1200" b="0" i="0" u="none" strike="noStrike" kern="1200" cap="none" spc="0" normalizeH="0" baseline="0" noProof="0" dirty="0">
+              <a:ln>
+                <a:noFill/>
+              </a:ln>
+              <a:solidFill>
+                <a:srgbClr val="70AD47"/>
+              </a:solidFill>
+              <a:effectLst/>
+              <a:uLnTx/>
+              <a:uFillTx/>
+              <a:latin typeface="SimHei" panose="02010609060101010101" pitchFamily="49" charset="-122"/>
+              <a:ea typeface="SimHei" panose="02010609060101010101" pitchFamily="49" charset="-122"/>
+              <a:cs typeface="+mn-cs"/>
             </a:endParaRPr>
           </a:p>
         </p:txBody>
@@ -10836,7 +14829,7 @@
 </p:sld>
 </file>
 
-<file path=ppt/slides/slide7.xml><?xml version="1.0" encoding="utf-8"?>
+<file path=ppt/slides/slide8.xml><?xml version="1.0" encoding="utf-8"?>
 <p:sld xmlns:a="http://schemas.openxmlformats.org/drawingml/2006/main" xmlns:r="http://schemas.openxmlformats.org/officeDocument/2006/relationships" xmlns:p="http://schemas.openxmlformats.org/presentationml/2006/main">
   <p:cSld>
     <p:spTree>
@@ -10931,7 +14924,7 @@
         </p:blipFill>
         <p:spPr>
           <a:xfrm>
-            <a:off x="444999" y="3076720"/>
+            <a:off x="410664" y="3964614"/>
             <a:ext cx="8574088" cy="1171431"/>
           </a:xfrm>
         </p:spPr>
@@ -10952,8 +14945,8 @@
         </p:nvSpPr>
         <p:spPr>
           <a:xfrm>
-            <a:off x="444999" y="1093469"/>
-            <a:ext cx="8330702" cy="1243417"/>
+            <a:off x="444999" y="1506248"/>
+            <a:ext cx="8330702" cy="1729704"/>
           </a:xfrm>
           <a:prstGeom prst="rect">
             <a:avLst/>
@@ -11135,6 +15128,16 @@
                 <a:latin typeface="SimHei" panose="02010609060101010101" pitchFamily="49" charset="-122"/>
                 <a:ea typeface="SimHei" panose="02010609060101010101" pitchFamily="49" charset="-122"/>
               </a:rPr>
+              <a:t>将对SSD的访问划分为独立的纯读和纯写时间窗口</a:t>
+            </a:r>
+          </a:p>
+          <a:p>
+            <a:pPr marL="285750" indent="-285750"/>
+            <a:r>
+              <a:rPr lang="en-CN" sz="2400" b="0" dirty="0">
+                <a:latin typeface="SimHei" panose="02010609060101010101" pitchFamily="49" charset="-122"/>
+                <a:ea typeface="SimHei" panose="02010609060101010101" pitchFamily="49" charset="-122"/>
+              </a:rPr>
               <a:t>读窗口</a:t>
             </a:r>
             <a:r>
@@ -11192,7 +15195,7 @@
 </p:sld>
 </file>
 
-<file path=ppt/slides/slide8.xml><?xml version="1.0" encoding="utf-8"?>
+<file path=ppt/slides/slide9.xml><?xml version="1.0" encoding="utf-8"?>
 <p:sld xmlns:a="http://schemas.openxmlformats.org/drawingml/2006/main" xmlns:r="http://schemas.openxmlformats.org/officeDocument/2006/relationships" xmlns:p="http://schemas.openxmlformats.org/presentationml/2006/main">
   <p:cSld>
     <p:spTree>
@@ -11286,7 +15289,12 @@
             <p:ph idx="1"/>
           </p:nvPr>
         </p:nvSpPr>
-        <p:spPr/>
+        <p:spPr>
+          <a:xfrm>
+            <a:off x="292598" y="1029969"/>
+            <a:ext cx="2987409" cy="5146994"/>
+          </a:xfrm>
+        </p:spPr>
         <p:txBody>
           <a:bodyPr>
             <a:normAutofit/>
@@ -11305,7 +15313,44 @@
                 <a:latin typeface="SimHei" panose="02010609060101010101" pitchFamily="49" charset="-122"/>
                 <a:ea typeface="SimHei" panose="02010609060101010101" pitchFamily="49" charset="-122"/>
               </a:rPr>
-              <a:t>：发生的间隔和持续时长均无明确规律</a:t>
+              <a:t>：异常延迟出现的间隔和持续时长均无明确规律</a:t>
+            </a:r>
+            <a:endParaRPr lang="en-US" altLang="zh-CN" sz="2400" b="0" dirty="0">
+              <a:latin typeface="SimHei" panose="02010609060101010101" pitchFamily="49" charset="-122"/>
+              <a:ea typeface="SimHei" panose="02010609060101010101" pitchFamily="49" charset="-122"/>
+            </a:endParaRPr>
+          </a:p>
+          <a:p>
+            <a:endParaRPr lang="en-US" sz="2400" b="0" dirty="0">
+              <a:latin typeface="SimHei" panose="02010609060101010101" pitchFamily="49" charset="-122"/>
+              <a:ea typeface="SimHei" panose="02010609060101010101" pitchFamily="49" charset="-122"/>
+            </a:endParaRPr>
+          </a:p>
+          <a:p>
+            <a:endParaRPr lang="en-US" sz="2400" b="0" dirty="0">
+              <a:latin typeface="SimHei" panose="02010609060101010101" pitchFamily="49" charset="-122"/>
+              <a:ea typeface="SimHei" panose="02010609060101010101" pitchFamily="49" charset="-122"/>
+            </a:endParaRPr>
+          </a:p>
+          <a:p>
+            <a:endParaRPr lang="en-US" sz="2400" b="0" dirty="0">
+              <a:latin typeface="SimHei" panose="02010609060101010101" pitchFamily="49" charset="-122"/>
+              <a:ea typeface="SimHei" panose="02010609060101010101" pitchFamily="49" charset="-122"/>
+            </a:endParaRPr>
+          </a:p>
+          <a:p>
+            <a:endParaRPr lang="en-US" sz="2400" b="0" dirty="0">
+              <a:latin typeface="SimHei" panose="02010609060101010101" pitchFamily="49" charset="-122"/>
+              <a:ea typeface="SimHei" panose="02010609060101010101" pitchFamily="49" charset="-122"/>
+            </a:endParaRPr>
+          </a:p>
+          <a:p>
+            <a:r>
+              <a:rPr lang="zh-CN" altLang="en-US" sz="2400" b="0" dirty="0">
+                <a:latin typeface="SimHei" panose="02010609060101010101" pitchFamily="49" charset="-122"/>
+                <a:ea typeface="SimHei" panose="02010609060101010101" pitchFamily="49" charset="-122"/>
+              </a:rPr>
+              <a:t>使用后：所有异常延迟均被控制在写窗口内</a:t>
             </a:r>
             <a:endParaRPr lang="en-CN" sz="2400" b="0" dirty="0">
               <a:latin typeface="SimHei" panose="02010609060101010101" pitchFamily="49" charset="-122"/>
@@ -11342,155 +15387,20 @@
         </p:blipFill>
         <p:spPr>
           <a:xfrm>
-            <a:off x="0" y="1968618"/>
-            <a:ext cx="8746994" cy="4298400"/>
+            <a:off x="3280007" y="926553"/>
+            <a:ext cx="5672665" cy="2787630"/>
           </a:xfrm>
           <a:prstGeom prst="rect">
             <a:avLst/>
           </a:prstGeom>
         </p:spPr>
       </p:pic>
-    </p:spTree>
-    <p:extLst>
-      <p:ext uri="{BB962C8B-B14F-4D97-AF65-F5344CB8AC3E}">
-        <p14:creationId xmlns:p14="http://schemas.microsoft.com/office/powerpoint/2010/main" val="2562224375"/>
-      </p:ext>
-    </p:extLst>
-  </p:cSld>
-  <p:clrMapOvr>
-    <a:masterClrMapping/>
-  </p:clrMapOvr>
-</p:sld>
-</file>
-
-<file path=ppt/slides/slide9.xml><?xml version="1.0" encoding="utf-8"?>
-<p:sld xmlns:a="http://schemas.openxmlformats.org/drawingml/2006/main" xmlns:r="http://schemas.openxmlformats.org/officeDocument/2006/relationships" xmlns:p="http://schemas.openxmlformats.org/presentationml/2006/main">
-  <p:cSld>
-    <p:spTree>
-      <p:nvGrpSpPr>
-        <p:cNvPr id="1" name=""/>
-        <p:cNvGrpSpPr/>
-        <p:nvPr/>
-      </p:nvGrpSpPr>
-      <p:grpSpPr>
-        <a:xfrm>
-          <a:off x="0" y="0"/>
-          <a:ext cx="0" cy="0"/>
-          <a:chOff x="0" y="0"/>
-          <a:chExt cx="0" cy="0"/>
-        </a:xfrm>
-      </p:grpSpPr>
-      <p:sp>
-        <p:nvSpPr>
-          <p:cNvPr id="2" name="Footer Placeholder 1">
+      <p:pic>
+        <p:nvPicPr>
+          <p:cNvPr id="6" name="Picture 5" descr="Chart, bar chart, histogram&#10;&#10;Description automatically generated">
             <a:extLst>
               <a:ext uri="{FF2B5EF4-FFF2-40B4-BE49-F238E27FC236}">
-                <a16:creationId xmlns:a16="http://schemas.microsoft.com/office/drawing/2014/main" id="{69BADE0C-A149-9B45-B7B8-D4949B128192}"/>
-              </a:ext>
-            </a:extLst>
-          </p:cNvPr>
-          <p:cNvSpPr>
-            <a:spLocks noGrp="1"/>
-          </p:cNvSpPr>
-          <p:nvPr>
-            <p:ph type="ftr" sz="quarter" idx="11"/>
-          </p:nvPr>
-        </p:nvSpPr>
-        <p:spPr/>
-        <p:txBody>
-          <a:bodyPr/>
-          <a:lstStyle/>
-          <a:p>
-            <a:pPr>
-              <a:defRPr/>
-            </a:pPr>
-            <a:r>
-              <a:rPr lang="zh-CN" altLang="en-US"/>
-              <a:t>云闪存系统中的多租户性能隔离研究</a:t>
-            </a:r>
-            <a:endParaRPr lang="zh-CN" altLang="en-US" dirty="0"/>
-          </a:p>
-        </p:txBody>
-      </p:sp>
-      <p:sp>
-        <p:nvSpPr>
-          <p:cNvPr id="3" name="Title 2">
-            <a:extLst>
-              <a:ext uri="{FF2B5EF4-FFF2-40B4-BE49-F238E27FC236}">
-                <a16:creationId xmlns:a16="http://schemas.microsoft.com/office/drawing/2014/main" id="{814B8150-CB20-374C-8365-2A1D04D06FD6}"/>
-              </a:ext>
-            </a:extLst>
-          </p:cNvPr>
-          <p:cNvSpPr>
-            <a:spLocks noGrp="1"/>
-          </p:cNvSpPr>
-          <p:nvPr>
-            <p:ph type="title"/>
-          </p:nvPr>
-        </p:nvSpPr>
-        <p:spPr/>
-        <p:txBody>
-          <a:bodyPr/>
-          <a:lstStyle/>
-          <a:p>
-            <a:r>
-              <a:rPr lang="zh-CN" altLang="en-US" dirty="0"/>
-              <a:t>分离的读写时间窗口</a:t>
-            </a:r>
-            <a:endParaRPr lang="en-CN" dirty="0"/>
-          </a:p>
-        </p:txBody>
-      </p:sp>
-      <p:sp>
-        <p:nvSpPr>
-          <p:cNvPr id="4" name="Content Placeholder 3">
-            <a:extLst>
-              <a:ext uri="{FF2B5EF4-FFF2-40B4-BE49-F238E27FC236}">
-                <a16:creationId xmlns:a16="http://schemas.microsoft.com/office/drawing/2014/main" id="{29A4C884-FC9D-ED4C-9D2B-D1EC18CC4224}"/>
-              </a:ext>
-            </a:extLst>
-          </p:cNvPr>
-          <p:cNvSpPr>
-            <a:spLocks noGrp="1"/>
-          </p:cNvSpPr>
-          <p:nvPr>
-            <p:ph idx="1"/>
-          </p:nvPr>
-        </p:nvSpPr>
-        <p:spPr/>
-        <p:txBody>
-          <a:bodyPr>
-            <a:normAutofit/>
-          </a:bodyPr>
-          <a:lstStyle/>
-          <a:p>
-            <a:r>
-              <a:rPr lang="en-CN" sz="2400" b="0" dirty="0">
-                <a:latin typeface="SimHei" panose="02010609060101010101" pitchFamily="49" charset="-122"/>
-                <a:ea typeface="SimHei" panose="02010609060101010101" pitchFamily="49" charset="-122"/>
-              </a:rPr>
-              <a:t>使用后</a:t>
-            </a:r>
-            <a:r>
-              <a:rPr lang="zh-CN" altLang="en-US" sz="2400" b="0" dirty="0">
-                <a:latin typeface="SimHei" panose="02010609060101010101" pitchFamily="49" charset="-122"/>
-                <a:ea typeface="SimHei" panose="02010609060101010101" pitchFamily="49" charset="-122"/>
-              </a:rPr>
-              <a:t>：所有的异常延迟都被同步了</a:t>
-            </a:r>
-            <a:endParaRPr lang="en-CN" sz="2400" b="0" dirty="0">
-              <a:latin typeface="SimHei" panose="02010609060101010101" pitchFamily="49" charset="-122"/>
-              <a:ea typeface="SimHei" panose="02010609060101010101" pitchFamily="49" charset="-122"/>
-            </a:endParaRPr>
-          </a:p>
-        </p:txBody>
-      </p:sp>
-      <p:pic>
-        <p:nvPicPr>
-          <p:cNvPr id="8" name="Picture 7" descr="Chart, bar chart, histogram&#10;&#10;Description automatically generated">
-            <a:extLst>
-              <a:ext uri="{FF2B5EF4-FFF2-40B4-BE49-F238E27FC236}">
-                <a16:creationId xmlns:a16="http://schemas.microsoft.com/office/drawing/2014/main" id="{96127BEB-4BB4-A047-A6C3-5849CBE63144}"/>
+                <a16:creationId xmlns:a16="http://schemas.microsoft.com/office/drawing/2014/main" id="{FFACC685-C369-5543-AFF8-F4D99198D010}"/>
               </a:ext>
             </a:extLst>
           </p:cNvPr>
@@ -11500,7 +15410,7 @@
           <p:nvPr/>
         </p:nvPicPr>
         <p:blipFill>
-          <a:blip r:embed="rId2">
+          <a:blip r:embed="rId3">
             <a:extLst>
               <a:ext uri="{28A0092B-C50C-407E-A947-70E740481C1C}">
                 <a14:useLocalDpi xmlns:a14="http://schemas.microsoft.com/office/drawing/2010/main" val="0"/>
@@ -11513,8 +15423,8 @@
         </p:blipFill>
         <p:spPr>
           <a:xfrm>
-            <a:off x="-34933" y="1899345"/>
-            <a:ext cx="8806655" cy="4298400"/>
+            <a:off x="3280008" y="3893571"/>
+            <a:ext cx="5672665" cy="2768745"/>
           </a:xfrm>
           <a:prstGeom prst="rect">
             <a:avLst/>
@@ -11524,7 +15434,7 @@
     </p:spTree>
     <p:extLst>
       <p:ext uri="{BB962C8B-B14F-4D97-AF65-F5344CB8AC3E}">
-        <p14:creationId xmlns:p14="http://schemas.microsoft.com/office/powerpoint/2010/main" val="960169953"/>
+        <p14:creationId xmlns:p14="http://schemas.microsoft.com/office/powerpoint/2010/main" val="2562224375"/>
       </p:ext>
     </p:extLst>
   </p:cSld>

--- a/答辩.pptx
+++ b/答辩.pptx
@@ -5,35 +5,32 @@
     <p:sldMasterId id="2147483753" r:id="rId1"/>
   </p:sldMasterIdLst>
   <p:notesMasterIdLst>
-    <p:notesMasterId r:id="rId20"/>
+    <p:notesMasterId r:id="rId17"/>
   </p:notesMasterIdLst>
   <p:handoutMasterIdLst>
-    <p:handoutMasterId r:id="rId21"/>
+    <p:handoutMasterId r:id="rId18"/>
   </p:handoutMasterIdLst>
   <p:sldIdLst>
     <p:sldId id="766" r:id="rId2"/>
     <p:sldId id="815" r:id="rId3"/>
     <p:sldId id="816" r:id="rId4"/>
     <p:sldId id="804" r:id="rId5"/>
-    <p:sldId id="817" r:id="rId6"/>
-    <p:sldId id="819" r:id="rId7"/>
-    <p:sldId id="810" r:id="rId8"/>
-    <p:sldId id="805" r:id="rId9"/>
-    <p:sldId id="813" r:id="rId10"/>
-    <p:sldId id="806" r:id="rId11"/>
-    <p:sldId id="820" r:id="rId12"/>
-    <p:sldId id="807" r:id="rId13"/>
-    <p:sldId id="808" r:id="rId14"/>
-    <p:sldId id="809" r:id="rId15"/>
-    <p:sldId id="811" r:id="rId16"/>
-    <p:sldId id="818" r:id="rId17"/>
-    <p:sldId id="814" r:id="rId18"/>
-    <p:sldId id="794" r:id="rId19"/>
+    <p:sldId id="819" r:id="rId6"/>
+    <p:sldId id="810" r:id="rId7"/>
+    <p:sldId id="805" r:id="rId8"/>
+    <p:sldId id="813" r:id="rId9"/>
+    <p:sldId id="806" r:id="rId10"/>
+    <p:sldId id="820" r:id="rId11"/>
+    <p:sldId id="807" r:id="rId12"/>
+    <p:sldId id="822" r:id="rId13"/>
+    <p:sldId id="818" r:id="rId14"/>
+    <p:sldId id="814" r:id="rId15"/>
+    <p:sldId id="794" r:id="rId16"/>
   </p:sldIdLst>
   <p:sldSz cx="9144000" cy="6858000" type="screen4x3"/>
   <p:notesSz cx="7099300" cy="10234613"/>
   <p:custDataLst>
-    <p:tags r:id="rId22"/>
+    <p:tags r:id="rId19"/>
   </p:custDataLst>
   <p:defaultTextStyle>
     <a:defPPr>
@@ -4944,545 +4941,6 @@
           <a:p>
             <a:r>
               <a:rPr lang="zh-CN" altLang="en-US" dirty="0"/>
-              <a:t>无读写干扰的</a:t>
-            </a:r>
-            <a:r>
-              <a:rPr lang="en-US" altLang="zh-CN" dirty="0"/>
-              <a:t>SSD</a:t>
-            </a:r>
-            <a:r>
-              <a:rPr lang="zh-CN" altLang="en-US" dirty="0"/>
-              <a:t>阵列</a:t>
-            </a:r>
-          </a:p>
-        </p:txBody>
-      </p:sp>
-      <p:pic>
-        <p:nvPicPr>
-          <p:cNvPr id="33" name="Content Placeholder 32">
-            <a:extLst>
-              <a:ext uri="{FF2B5EF4-FFF2-40B4-BE49-F238E27FC236}">
-                <a16:creationId xmlns:a16="http://schemas.microsoft.com/office/drawing/2014/main" id="{FB5A054F-15B5-F54B-993D-D52A770A49A1}"/>
-              </a:ext>
-            </a:extLst>
-          </p:cNvPr>
-          <p:cNvPicPr>
-            <a:picLocks noGrp="1" noChangeAspect="1"/>
-          </p:cNvPicPr>
-          <p:nvPr>
-            <p:ph idx="1"/>
-          </p:nvPr>
-        </p:nvPicPr>
-        <p:blipFill>
-          <a:blip r:embed="rId2">
-            <a:extLst>
-              <a:ext uri="{28A0092B-C50C-407E-A947-70E740481C1C}">
-                <a14:useLocalDpi xmlns:a14="http://schemas.microsoft.com/office/drawing/2010/main" val="0"/>
-              </a:ext>
-            </a:extLst>
-          </a:blip>
-          <a:stretch>
-            <a:fillRect/>
-          </a:stretch>
-        </p:blipFill>
-        <p:spPr>
-          <a:xfrm>
-            <a:off x="444505" y="2150794"/>
-            <a:ext cx="8574088" cy="2905663"/>
-          </a:xfrm>
-        </p:spPr>
-      </p:pic>
-      <p:sp>
-        <p:nvSpPr>
-          <p:cNvPr id="13" name="TextBox 12">
-            <a:extLst>
-              <a:ext uri="{FF2B5EF4-FFF2-40B4-BE49-F238E27FC236}">
-                <a16:creationId xmlns:a16="http://schemas.microsoft.com/office/drawing/2014/main" id="{AE7B98BA-4C3B-B349-9F4D-809AAC7CC4B9}"/>
-              </a:ext>
-            </a:extLst>
-          </p:cNvPr>
-          <p:cNvSpPr txBox="1"/>
-          <p:nvPr/>
-        </p:nvSpPr>
-        <p:spPr>
-          <a:xfrm>
-            <a:off x="9983512" y="2289293"/>
-            <a:ext cx="1726932" cy="769441"/>
-          </a:xfrm>
-          <a:prstGeom prst="rect">
-            <a:avLst/>
-          </a:prstGeom>
-          <a:noFill/>
-        </p:spPr>
-        <p:txBody>
-          <a:bodyPr wrap="square" rtlCol="0">
-            <a:spAutoFit/>
-          </a:bodyPr>
-          <a:lstStyle/>
-          <a:p>
-            <a:r>
-              <a:rPr lang="en-US" sz="4400" dirty="0"/>
-              <a:t>.  .  .</a:t>
-            </a:r>
-            <a:r>
-              <a:rPr lang="en-CN" sz="4400" dirty="0"/>
-              <a:t> </a:t>
-            </a:r>
-          </a:p>
-        </p:txBody>
-      </p:sp>
-      <p:sp>
-        <p:nvSpPr>
-          <p:cNvPr id="30" name="TextBox 29">
-            <a:extLst>
-              <a:ext uri="{FF2B5EF4-FFF2-40B4-BE49-F238E27FC236}">
-                <a16:creationId xmlns:a16="http://schemas.microsoft.com/office/drawing/2014/main" id="{B05910BD-7F5E-3249-A967-09DAFC50D0B0}"/>
-              </a:ext>
-            </a:extLst>
-          </p:cNvPr>
-          <p:cNvSpPr txBox="1"/>
-          <p:nvPr/>
-        </p:nvSpPr>
-        <p:spPr>
-          <a:xfrm>
-            <a:off x="9977883" y="3416277"/>
-            <a:ext cx="1726932" cy="769441"/>
-          </a:xfrm>
-          <a:prstGeom prst="rect">
-            <a:avLst/>
-          </a:prstGeom>
-          <a:noFill/>
-        </p:spPr>
-        <p:txBody>
-          <a:bodyPr wrap="square" rtlCol="0">
-            <a:spAutoFit/>
-          </a:bodyPr>
-          <a:lstStyle/>
-          <a:p>
-            <a:r>
-              <a:rPr lang="en-US" sz="4400" dirty="0"/>
-              <a:t>.  .  .</a:t>
-            </a:r>
-            <a:r>
-              <a:rPr lang="en-CN" sz="4400" dirty="0"/>
-              <a:t> </a:t>
-            </a:r>
-          </a:p>
-        </p:txBody>
-      </p:sp>
-      <p:sp>
-        <p:nvSpPr>
-          <p:cNvPr id="31" name="TextBox 30">
-            <a:extLst>
-              <a:ext uri="{FF2B5EF4-FFF2-40B4-BE49-F238E27FC236}">
-                <a16:creationId xmlns:a16="http://schemas.microsoft.com/office/drawing/2014/main" id="{7A0254D9-7BD0-F94F-96C2-F5E70A1899A2}"/>
-              </a:ext>
-            </a:extLst>
-          </p:cNvPr>
-          <p:cNvSpPr txBox="1"/>
-          <p:nvPr/>
-        </p:nvSpPr>
-        <p:spPr>
-          <a:xfrm>
-            <a:off x="9977883" y="4632144"/>
-            <a:ext cx="1726932" cy="769441"/>
-          </a:xfrm>
-          <a:prstGeom prst="rect">
-            <a:avLst/>
-          </a:prstGeom>
-          <a:noFill/>
-        </p:spPr>
-        <p:txBody>
-          <a:bodyPr wrap="square" rtlCol="0">
-            <a:spAutoFit/>
-          </a:bodyPr>
-          <a:lstStyle/>
-          <a:p>
-            <a:r>
-              <a:rPr lang="en-US" sz="4400" dirty="0"/>
-              <a:t>.  .  .</a:t>
-            </a:r>
-            <a:r>
-              <a:rPr lang="en-CN" sz="4400" dirty="0"/>
-              <a:t> </a:t>
-            </a:r>
-          </a:p>
-        </p:txBody>
-      </p:sp>
-      <p:sp>
-        <p:nvSpPr>
-          <p:cNvPr id="34" name="Rectangle 33">
-            <a:extLst>
-              <a:ext uri="{FF2B5EF4-FFF2-40B4-BE49-F238E27FC236}">
-                <a16:creationId xmlns:a16="http://schemas.microsoft.com/office/drawing/2014/main" id="{6DBBC88D-37DB-2A42-A856-75203EDBE37E}"/>
-              </a:ext>
-            </a:extLst>
-          </p:cNvPr>
-          <p:cNvSpPr/>
-          <p:nvPr/>
-        </p:nvSpPr>
-        <p:spPr>
-          <a:xfrm>
-            <a:off x="292105" y="2289293"/>
-            <a:ext cx="1270000" cy="2905663"/>
-          </a:xfrm>
-          <a:prstGeom prst="rect">
-            <a:avLst/>
-          </a:prstGeom>
-          <a:noFill/>
-          <a:ln w="38100">
-            <a:solidFill>
-              <a:srgbClr val="00B050"/>
-            </a:solidFill>
-            <a:prstDash val="dash"/>
-          </a:ln>
-        </p:spPr>
-        <p:style>
-          <a:lnRef idx="2">
-            <a:schemeClr val="accent1">
-              <a:shade val="50000"/>
-            </a:schemeClr>
-          </a:lnRef>
-          <a:fillRef idx="1">
-            <a:schemeClr val="accent1"/>
-          </a:fillRef>
-          <a:effectRef idx="0">
-            <a:schemeClr val="accent1"/>
-          </a:effectRef>
-          <a:fontRef idx="minor">
-            <a:schemeClr val="lt1"/>
-          </a:fontRef>
-        </p:style>
-        <p:txBody>
-          <a:bodyPr rtlCol="0" anchor="ctr"/>
-          <a:lstStyle/>
-          <a:p>
-            <a:pPr algn="ctr"/>
-            <a:endParaRPr lang="en-CN"/>
-          </a:p>
-        </p:txBody>
-      </p:sp>
-      <p:sp>
-        <p:nvSpPr>
-          <p:cNvPr id="35" name="TextBox 34">
-            <a:extLst>
-              <a:ext uri="{FF2B5EF4-FFF2-40B4-BE49-F238E27FC236}">
-                <a16:creationId xmlns:a16="http://schemas.microsoft.com/office/drawing/2014/main" id="{3F64C7C1-D326-6A45-9B55-89580122C510}"/>
-              </a:ext>
-            </a:extLst>
-          </p:cNvPr>
-          <p:cNvSpPr txBox="1"/>
-          <p:nvPr/>
-        </p:nvSpPr>
-        <p:spPr>
-          <a:xfrm>
-            <a:off x="404365" y="5244738"/>
-            <a:ext cx="1045479" cy="461665"/>
-          </a:xfrm>
-          <a:prstGeom prst="rect">
-            <a:avLst/>
-          </a:prstGeom>
-          <a:noFill/>
-        </p:spPr>
-        <p:txBody>
-          <a:bodyPr wrap="none" rtlCol="0">
-            <a:spAutoFit/>
-          </a:bodyPr>
-          <a:lstStyle/>
-          <a:p>
-            <a:r>
-              <a:rPr lang="en-CN" sz="2400" dirty="0">
-                <a:solidFill>
-                  <a:srgbClr val="00B050"/>
-                </a:solidFill>
-              </a:rPr>
-              <a:t>RAID</a:t>
-            </a:r>
-            <a:r>
-              <a:rPr lang="en-US" altLang="zh-CN" sz="2400" dirty="0">
-                <a:solidFill>
-                  <a:srgbClr val="00B050"/>
-                </a:solidFill>
-              </a:rPr>
-              <a:t>-5</a:t>
-            </a:r>
-            <a:endParaRPr lang="en-CN" sz="2400" dirty="0">
-              <a:solidFill>
-                <a:srgbClr val="00B050"/>
-              </a:solidFill>
-            </a:endParaRPr>
-          </a:p>
-        </p:txBody>
-      </p:sp>
-      <p:sp>
-        <p:nvSpPr>
-          <p:cNvPr id="38" name="TextBox 37">
-            <a:extLst>
-              <a:ext uri="{FF2B5EF4-FFF2-40B4-BE49-F238E27FC236}">
-                <a16:creationId xmlns:a16="http://schemas.microsoft.com/office/drawing/2014/main" id="{6D10AE76-C5EE-E34A-AF4E-67AA7F1F134B}"/>
-              </a:ext>
-            </a:extLst>
-          </p:cNvPr>
-          <p:cNvSpPr txBox="1"/>
-          <p:nvPr/>
-        </p:nvSpPr>
-        <p:spPr>
-          <a:xfrm>
-            <a:off x="1773917" y="5112507"/>
-            <a:ext cx="6032421" cy="461665"/>
-          </a:xfrm>
-          <a:prstGeom prst="rect">
-            <a:avLst/>
-          </a:prstGeom>
-          <a:noFill/>
-        </p:spPr>
-        <p:txBody>
-          <a:bodyPr wrap="none" rtlCol="0">
-            <a:spAutoFit/>
-          </a:bodyPr>
-          <a:lstStyle/>
-          <a:p>
-            <a:r>
-              <a:rPr lang="en-CN" sz="2400" dirty="0">
-                <a:latin typeface="SimHei" panose="02010609060101010101" pitchFamily="49" charset="-122"/>
-                <a:ea typeface="SimHei" panose="02010609060101010101" pitchFamily="49" charset="-122"/>
-              </a:rPr>
-              <a:t>任意时刻</a:t>
-            </a:r>
-            <a:r>
-              <a:rPr lang="zh-CN" altLang="en-US" sz="2400" dirty="0">
-                <a:latin typeface="SimHei" panose="02010609060101010101" pitchFamily="49" charset="-122"/>
-                <a:ea typeface="SimHei" panose="02010609060101010101" pitchFamily="49" charset="-122"/>
-              </a:rPr>
-              <a:t>，所有数据均可以纯读的性能访问</a:t>
-            </a:r>
-            <a:endParaRPr lang="en-CN" sz="2400" dirty="0">
-              <a:latin typeface="SimHei" panose="02010609060101010101" pitchFamily="49" charset="-122"/>
-              <a:ea typeface="SimHei" panose="02010609060101010101" pitchFamily="49" charset="-122"/>
-            </a:endParaRPr>
-          </a:p>
-        </p:txBody>
-      </p:sp>
-      <p:sp>
-        <p:nvSpPr>
-          <p:cNvPr id="39" name="TextBox 38">
-            <a:extLst>
-              <a:ext uri="{FF2B5EF4-FFF2-40B4-BE49-F238E27FC236}">
-                <a16:creationId xmlns:a16="http://schemas.microsoft.com/office/drawing/2014/main" id="{CEBBD288-6684-7A45-99C5-ADB8362569BB}"/>
-              </a:ext>
-            </a:extLst>
-          </p:cNvPr>
-          <p:cNvSpPr txBox="1"/>
-          <p:nvPr/>
-        </p:nvSpPr>
-        <p:spPr>
-          <a:xfrm>
-            <a:off x="0" y="1283828"/>
-            <a:ext cx="9129422" cy="461665"/>
-          </a:xfrm>
-          <a:prstGeom prst="rect">
-            <a:avLst/>
-          </a:prstGeom>
-          <a:noFill/>
-        </p:spPr>
-        <p:txBody>
-          <a:bodyPr wrap="none" rtlCol="0">
-            <a:spAutoFit/>
-          </a:bodyPr>
-          <a:lstStyle/>
-          <a:p>
-            <a:r>
-              <a:rPr lang="en-CN" sz="2400" dirty="0">
-                <a:latin typeface="SimHei" panose="02010609060101010101" pitchFamily="49" charset="-122"/>
-                <a:ea typeface="SimHei" panose="02010609060101010101" pitchFamily="49" charset="-122"/>
-              </a:rPr>
-              <a:t>用多个SSD组成具有冗余的磁盘阵列</a:t>
-            </a:r>
-            <a:r>
-              <a:rPr lang="zh-CN" altLang="en-US" sz="2400" dirty="0">
-                <a:latin typeface="SimHei" panose="02010609060101010101" pitchFamily="49" charset="-122"/>
-                <a:ea typeface="SimHei" panose="02010609060101010101" pitchFamily="49" charset="-122"/>
-              </a:rPr>
-              <a:t>，协调各个</a:t>
-            </a:r>
-            <a:r>
-              <a:rPr lang="en-US" altLang="zh-CN" sz="2400" dirty="0">
-                <a:latin typeface="SimHei" panose="02010609060101010101" pitchFamily="49" charset="-122"/>
-                <a:ea typeface="SimHei" panose="02010609060101010101" pitchFamily="49" charset="-122"/>
-              </a:rPr>
-              <a:t>SSD</a:t>
-            </a:r>
-            <a:r>
-              <a:rPr lang="zh-CN" altLang="en-US" sz="2400" dirty="0">
-                <a:latin typeface="SimHei" panose="02010609060101010101" pitchFamily="49" charset="-122"/>
-                <a:ea typeface="SimHei" panose="02010609060101010101" pitchFamily="49" charset="-122"/>
-              </a:rPr>
-              <a:t>的读写时间窗口</a:t>
-            </a:r>
-            <a:endParaRPr lang="en-CN" sz="2400" dirty="0">
-              <a:latin typeface="SimHei" panose="02010609060101010101" pitchFamily="49" charset="-122"/>
-              <a:ea typeface="SimHei" panose="02010609060101010101" pitchFamily="49" charset="-122"/>
-            </a:endParaRPr>
-          </a:p>
-        </p:txBody>
-      </p:sp>
-      <p:cxnSp>
-        <p:nvCxnSpPr>
-          <p:cNvPr id="4" name="Straight Connector 3">
-            <a:extLst>
-              <a:ext uri="{FF2B5EF4-FFF2-40B4-BE49-F238E27FC236}">
-                <a16:creationId xmlns:a16="http://schemas.microsoft.com/office/drawing/2014/main" id="{BC547FAD-DED9-A548-86DC-26E997ED12AE}"/>
-              </a:ext>
-            </a:extLst>
-          </p:cNvPr>
-          <p:cNvCxnSpPr/>
-          <p:nvPr/>
-        </p:nvCxnSpPr>
-        <p:spPr>
-          <a:xfrm>
-            <a:off x="3352805" y="2289293"/>
-            <a:ext cx="0" cy="2905663"/>
-          </a:xfrm>
-          <a:prstGeom prst="line">
-            <a:avLst/>
-          </a:prstGeom>
-          <a:ln w="38100">
-            <a:solidFill>
-              <a:srgbClr val="FF0000"/>
-            </a:solidFill>
-            <a:prstDash val="sysDash"/>
-          </a:ln>
-        </p:spPr>
-        <p:style>
-          <a:lnRef idx="1">
-            <a:schemeClr val="accent1"/>
-          </a:lnRef>
-          <a:fillRef idx="0">
-            <a:schemeClr val="accent1"/>
-          </a:fillRef>
-          <a:effectRef idx="0">
-            <a:schemeClr val="accent1"/>
-          </a:effectRef>
-          <a:fontRef idx="minor">
-            <a:schemeClr val="tx1"/>
-          </a:fontRef>
-        </p:style>
-      </p:cxnSp>
-      <p:cxnSp>
-        <p:nvCxnSpPr>
-          <p:cNvPr id="15" name="Straight Connector 14">
-            <a:extLst>
-              <a:ext uri="{FF2B5EF4-FFF2-40B4-BE49-F238E27FC236}">
-                <a16:creationId xmlns:a16="http://schemas.microsoft.com/office/drawing/2014/main" id="{C416B79E-578B-1A4D-B479-D5519064B7B4}"/>
-              </a:ext>
-            </a:extLst>
-          </p:cNvPr>
-          <p:cNvCxnSpPr/>
-          <p:nvPr/>
-        </p:nvCxnSpPr>
-        <p:spPr>
-          <a:xfrm>
-            <a:off x="4205301" y="2284525"/>
-            <a:ext cx="0" cy="2905663"/>
-          </a:xfrm>
-          <a:prstGeom prst="line">
-            <a:avLst/>
-          </a:prstGeom>
-          <a:ln w="38100">
-            <a:solidFill>
-              <a:srgbClr val="FF0000"/>
-            </a:solidFill>
-            <a:prstDash val="sysDash"/>
-          </a:ln>
-        </p:spPr>
-        <p:style>
-          <a:lnRef idx="1">
-            <a:schemeClr val="accent1"/>
-          </a:lnRef>
-          <a:fillRef idx="0">
-            <a:schemeClr val="accent1"/>
-          </a:fillRef>
-          <a:effectRef idx="0">
-            <a:schemeClr val="accent1"/>
-          </a:effectRef>
-          <a:fontRef idx="minor">
-            <a:schemeClr val="tx1"/>
-          </a:fontRef>
-        </p:style>
-      </p:cxnSp>
-    </p:spTree>
-    <p:extLst>
-      <p:ext uri="{BB962C8B-B14F-4D97-AF65-F5344CB8AC3E}">
-        <p14:creationId xmlns:p14="http://schemas.microsoft.com/office/powerpoint/2010/main" val="3662787992"/>
-      </p:ext>
-    </p:extLst>
-  </p:cSld>
-  <p:clrMapOvr>
-    <a:masterClrMapping/>
-  </p:clrMapOvr>
-</p:sld>
-</file>
-
-<file path=ppt/slides/slide11.xml><?xml version="1.0" encoding="utf-8"?>
-<p:sld xmlns:a="http://schemas.openxmlformats.org/drawingml/2006/main" xmlns:r="http://schemas.openxmlformats.org/officeDocument/2006/relationships" xmlns:p="http://schemas.openxmlformats.org/presentationml/2006/main">
-  <p:cSld>
-    <p:spTree>
-      <p:nvGrpSpPr>
-        <p:cNvPr id="1" name=""/>
-        <p:cNvGrpSpPr/>
-        <p:nvPr/>
-      </p:nvGrpSpPr>
-      <p:grpSpPr>
-        <a:xfrm>
-          <a:off x="0" y="0"/>
-          <a:ext cx="0" cy="0"/>
-          <a:chOff x="0" y="0"/>
-          <a:chExt cx="0" cy="0"/>
-        </a:xfrm>
-      </p:grpSpPr>
-      <p:sp>
-        <p:nvSpPr>
-          <p:cNvPr id="3" name="页脚占位符 2"/>
-          <p:cNvSpPr>
-            <a:spLocks noGrp="1"/>
-          </p:cNvSpPr>
-          <p:nvPr>
-            <p:ph type="ftr" sz="quarter" idx="11"/>
-          </p:nvPr>
-        </p:nvSpPr>
-        <p:spPr/>
-        <p:txBody>
-          <a:bodyPr/>
-          <a:lstStyle/>
-          <a:p>
-            <a:pPr>
-              <a:defRPr/>
-            </a:pPr>
-            <a:r>
-              <a:rPr lang="zh-CN" altLang="en-US"/>
-              <a:t>云闪存系统中的多租户性能隔离研究</a:t>
-            </a:r>
-            <a:endParaRPr lang="zh-CN" altLang="en-US" dirty="0"/>
-          </a:p>
-        </p:txBody>
-      </p:sp>
-      <p:sp>
-        <p:nvSpPr>
-          <p:cNvPr id="5" name="标题 4"/>
-          <p:cNvSpPr>
-            <a:spLocks noGrp="1"/>
-          </p:cNvSpPr>
-          <p:nvPr>
-            <p:ph type="title"/>
-          </p:nvPr>
-        </p:nvSpPr>
-        <p:spPr/>
-        <p:txBody>
-          <a:bodyPr/>
-          <a:lstStyle/>
-          <a:p>
-            <a:r>
-              <a:rPr lang="zh-CN" altLang="en-US" dirty="0"/>
               <a:t>基于</a:t>
             </a:r>
             <a:r>
@@ -5513,7 +4971,7 @@
         <p:spPr>
           <a:xfrm>
             <a:off x="444999" y="1093469"/>
-            <a:ext cx="8330702" cy="2548390"/>
+            <a:ext cx="8330702" cy="2898229"/>
           </a:xfrm>
           <a:prstGeom prst="rect">
             <a:avLst/>
@@ -5697,6 +5155,17 @@
               </a:rPr>
               <a:t>无读写干扰的SSD阵列以冗余为代价获得了近似纯读的尾延迟</a:t>
             </a:r>
+            <a:r>
+              <a:rPr lang="zh-CN" altLang="en-US" sz="2400" b="0" dirty="0">
+                <a:latin typeface="SimHei" panose="02010609060101010101" pitchFamily="49" charset="-122"/>
+                <a:ea typeface="SimHei" panose="02010609060101010101" pitchFamily="49" charset="-122"/>
+              </a:rPr>
+              <a:t>，开销较大</a:t>
+            </a:r>
+            <a:endParaRPr lang="en-CN" sz="2400" b="0" dirty="0">
+              <a:latin typeface="SimHei" panose="02010609060101010101" pitchFamily="49" charset="-122"/>
+              <a:ea typeface="SimHei" panose="02010609060101010101" pitchFamily="49" charset="-122"/>
+            </a:endParaRPr>
           </a:p>
           <a:p>
             <a:pPr marL="285750" indent="-285750"/>
@@ -5717,42 +5186,70 @@
               </a:rPr>
               <a:t>给定一个租户的SLA需求</a:t>
             </a:r>
-            <a:r>
-              <a:rPr lang="zh-CN" altLang="en-US" sz="2400" b="0" dirty="0">
-                <a:latin typeface="SimHei" panose="02010609060101010101" pitchFamily="49" charset="-122"/>
-                <a:ea typeface="SimHei" panose="02010609060101010101" pitchFamily="49" charset="-122"/>
-              </a:rPr>
-              <a:t>，如何确定他是否需要无读写干扰的</a:t>
-            </a:r>
-            <a:r>
-              <a:rPr lang="en-US" altLang="zh-CN" sz="2400" b="0" dirty="0">
+            <a:endParaRPr lang="en-US" sz="2400" b="0" dirty="0">
+              <a:latin typeface="SimHei" panose="02010609060101010101" pitchFamily="49" charset="-122"/>
+              <a:ea typeface="SimHei" panose="02010609060101010101" pitchFamily="49" charset="-122"/>
+            </a:endParaRPr>
+          </a:p>
+          <a:p>
+            <a:pPr marL="742950" lvl="1" indent="-285750"/>
+            <a:r>
+              <a:rPr lang="zh-CN" altLang="en-US" sz="2000" b="0" dirty="0">
+                <a:latin typeface="SimHei" panose="02010609060101010101" pitchFamily="49" charset="-122"/>
+                <a:ea typeface="SimHei" panose="02010609060101010101" pitchFamily="49" charset="-122"/>
+              </a:rPr>
+              <a:t>如何确定他是否需要无读写干扰的</a:t>
+            </a:r>
+            <a:r>
+              <a:rPr lang="en-US" altLang="zh-CN" sz="2000" b="0" dirty="0">
                 <a:latin typeface="SimHei" panose="02010609060101010101" pitchFamily="49" charset="-122"/>
                 <a:ea typeface="SimHei" panose="02010609060101010101" pitchFamily="49" charset="-122"/>
               </a:rPr>
               <a:t>SSD</a:t>
             </a:r>
             <a:r>
-              <a:rPr lang="zh-CN" altLang="en-US" sz="2400" b="0" dirty="0">
+              <a:rPr lang="zh-CN" altLang="en-US" sz="2000" b="0" dirty="0">
                 <a:latin typeface="SimHei" panose="02010609060101010101" pitchFamily="49" charset="-122"/>
                 <a:ea typeface="SimHei" panose="02010609060101010101" pitchFamily="49" charset="-122"/>
               </a:rPr>
               <a:t>阵列？需要怎样的</a:t>
             </a:r>
             <a:r>
-              <a:rPr lang="en-US" altLang="zh-CN" sz="2400" b="0" dirty="0">
+              <a:rPr lang="en-US" altLang="zh-CN" sz="2000" b="0" dirty="0">
                 <a:latin typeface="SimHei" panose="02010609060101010101" pitchFamily="49" charset="-122"/>
                 <a:ea typeface="SimHei" panose="02010609060101010101" pitchFamily="49" charset="-122"/>
               </a:rPr>
               <a:t>SSD</a:t>
             </a:r>
             <a:r>
-              <a:rPr lang="zh-CN" altLang="en-US" sz="2400" b="0" dirty="0">
+              <a:rPr lang="zh-CN" altLang="en-US" sz="2000" b="0" dirty="0">
                 <a:latin typeface="SimHei" panose="02010609060101010101" pitchFamily="49" charset="-122"/>
                 <a:ea typeface="SimHei" panose="02010609060101010101" pitchFamily="49" charset="-122"/>
               </a:rPr>
               <a:t>阵列？</a:t>
             </a:r>
-            <a:endParaRPr lang="en-CN" sz="2400" b="0" dirty="0">
+            <a:endParaRPr lang="en-US" altLang="zh-CN" sz="2000" b="0" dirty="0">
+              <a:latin typeface="SimHei" panose="02010609060101010101" pitchFamily="49" charset="-122"/>
+              <a:ea typeface="SimHei" panose="02010609060101010101" pitchFamily="49" charset="-122"/>
+            </a:endParaRPr>
+          </a:p>
+          <a:p>
+            <a:pPr marL="742950" lvl="1" indent="-285750"/>
+            <a:r>
+              <a:rPr lang="en-CN" sz="2000" b="0" dirty="0">
+                <a:latin typeface="SimHei" panose="02010609060101010101" pitchFamily="49" charset="-122"/>
+                <a:ea typeface="SimHei" panose="02010609060101010101" pitchFamily="49" charset="-122"/>
+              </a:rPr>
+              <a:t>如何在运行时保证他的SLA得到满足</a:t>
+            </a:r>
+            <a:r>
+              <a:rPr lang="zh-CN" altLang="en-US" sz="2000" b="0" dirty="0">
+                <a:latin typeface="SimHei" panose="02010609060101010101" pitchFamily="49" charset="-122"/>
+                <a:ea typeface="SimHei" panose="02010609060101010101" pitchFamily="49" charset="-122"/>
+              </a:rPr>
+              <a:t>？</a:t>
+            </a:r>
+            <a:endParaRPr lang="en-CN" sz="2000" b="0" dirty="0">
               <a:latin typeface="SimHei" panose="02010609060101010101" pitchFamily="49" charset="-122"/>
               <a:ea typeface="SimHei" panose="02010609060101010101" pitchFamily="49" charset="-122"/>
             </a:endParaRPr>
@@ -5876,6 +5373,68 @@
                                   </p:childTnLst>
                                 </p:cTn>
                               </p:par>
+                              <p:par>
+                                <p:cTn id="11" presetID="1" presetClass="entr" presetSubtype="0" fill="hold" nodeType="withEffect">
+                                  <p:stCondLst>
+                                    <p:cond delay="0"/>
+                                  </p:stCondLst>
+                                  <p:childTnLst>
+                                    <p:set>
+                                      <p:cBhvr>
+                                        <p:cTn id="12" dur="1" fill="hold">
+                                          <p:stCondLst>
+                                            <p:cond delay="0"/>
+                                          </p:stCondLst>
+                                        </p:cTn>
+                                        <p:tgtEl>
+                                          <p:spTgt spid="15">
+                                            <p:txEl>
+                                              <p:pRg st="3" end="3"/>
+                                            </p:txEl>
+                                          </p:spTgt>
+                                        </p:tgtEl>
+                                        <p:attrNameLst>
+                                          <p:attrName>style.visibility</p:attrName>
+                                        </p:attrNameLst>
+                                      </p:cBhvr>
+                                      <p:to>
+                                        <p:strVal val="visible"/>
+                                      </p:to>
+                                    </p:set>
+                                  </p:childTnLst>
+                                </p:cTn>
+                              </p:par>
+                              <p:par>
+                                <p:cTn id="13" presetID="1" presetClass="entr" presetSubtype="0" fill="hold" nodeType="withEffect">
+                                  <p:stCondLst>
+                                    <p:cond delay="0"/>
+                                  </p:stCondLst>
+                                  <p:childTnLst>
+                                    <p:set>
+                                      <p:cBhvr>
+                                        <p:cTn id="14" dur="1" fill="hold">
+                                          <p:stCondLst>
+                                            <p:cond delay="0"/>
+                                          </p:stCondLst>
+                                        </p:cTn>
+                                        <p:tgtEl>
+                                          <p:spTgt spid="15">
+                                            <p:txEl>
+                                              <p:pRg st="4" end="4"/>
+                                            </p:txEl>
+                                          </p:spTgt>
+                                        </p:tgtEl>
+                                        <p:attrNameLst>
+                                          <p:attrName>style.visibility</p:attrName>
+                                        </p:attrNameLst>
+                                      </p:cBhvr>
+                                      <p:to>
+                                        <p:strVal val="visible"/>
+                                      </p:to>
+                                    </p:set>
+                                  </p:childTnLst>
+                                </p:cTn>
+                              </p:par>
                             </p:childTnLst>
                           </p:cTn>
                         </p:par>
@@ -5907,7 +5466,7 @@
 </p:sld>
 </file>
 
-<file path=ppt/slides/slide12.xml><?xml version="1.0" encoding="utf-8"?>
+<file path=ppt/slides/slide11.xml><?xml version="1.0" encoding="utf-8"?>
 <p:sld xmlns:a="http://schemas.openxmlformats.org/drawingml/2006/main" xmlns:r="http://schemas.openxmlformats.org/officeDocument/2006/relationships" xmlns:p="http://schemas.openxmlformats.org/presentationml/2006/main">
   <p:cSld>
     <p:spTree>
@@ -6068,7 +5627,7 @@
         <p:spPr>
           <a:xfrm>
             <a:off x="444999" y="1093469"/>
-            <a:ext cx="8330702" cy="1243417"/>
+            <a:ext cx="8330702" cy="1575816"/>
           </a:xfrm>
           <a:prstGeom prst="rect">
             <a:avLst/>
@@ -6247,10 +5806,16 @@
             <a:pPr marL="285750" indent="-285750"/>
             <a:r>
               <a:rPr lang="en-CN" sz="2400" dirty="0">
-                <a:latin typeface="SimHei" panose="02010609060101010101" pitchFamily="49" charset="-122"/>
-                <a:ea typeface="SimHei" panose="02010609060101010101" pitchFamily="49" charset="-122"/>
-              </a:rPr>
-              <a:t>SLA曲线</a:t>
+                <a:ea typeface="SimHei" panose="02010609060101010101" pitchFamily="49" charset="-122"/>
+              </a:rPr>
+              <a:t>SLA</a:t>
+            </a:r>
+            <a:r>
+              <a:rPr lang="en-CN" sz="2400" dirty="0">
+                <a:latin typeface="SimHei" panose="02010609060101010101" pitchFamily="49" charset="-122"/>
+                <a:ea typeface="SimHei" panose="02010609060101010101" pitchFamily="49" charset="-122"/>
+              </a:rPr>
+              <a:t>曲线</a:t>
             </a:r>
             <a:r>
               <a:rPr lang="zh-CN" altLang="en-US" sz="2400" b="0" dirty="0">
@@ -6267,11 +5832,17 @@
           <a:p>
             <a:pPr marL="285750" indent="-285750"/>
             <a:r>
+              <a:rPr lang="en-US" altLang="zh-CN" sz="2400" b="0" dirty="0">
+                <a:ea typeface="SimHei" panose="02010609060101010101" pitchFamily="49" charset="-122"/>
+              </a:rPr>
+              <a:t>SLA</a:t>
+            </a:r>
+            <a:r>
               <a:rPr lang="zh-CN" altLang="en-US" sz="2400" b="0" dirty="0">
                 <a:latin typeface="SimHei" panose="02010609060101010101" pitchFamily="49" charset="-122"/>
                 <a:ea typeface="SimHei" panose="02010609060101010101" pitchFamily="49" charset="-122"/>
               </a:rPr>
-              <a:t>租户的需求和</a:t>
+              <a:t>曲线可以准确描述租户的需求和</a:t>
             </a:r>
             <a:r>
               <a:rPr lang="en-US" altLang="zh-CN" sz="2400" b="0" dirty="0">
@@ -6284,20 +5855,14 @@
                 <a:latin typeface="SimHei" panose="02010609060101010101" pitchFamily="49" charset="-122"/>
                 <a:ea typeface="SimHei" panose="02010609060101010101" pitchFamily="49" charset="-122"/>
               </a:rPr>
-              <a:t>的服务能力均可以用</a:t>
-            </a:r>
-            <a:r>
-              <a:rPr lang="en-US" altLang="zh-CN" sz="2400" b="0" dirty="0">
-                <a:ea typeface="SimHei" panose="02010609060101010101" pitchFamily="49" charset="-122"/>
-              </a:rPr>
-              <a:t>SLA</a:t>
-            </a:r>
-            <a:r>
-              <a:rPr lang="zh-CN" altLang="en-US" sz="2400" b="0" dirty="0">
-                <a:latin typeface="SimHei" panose="02010609060101010101" pitchFamily="49" charset="-122"/>
-                <a:ea typeface="SimHei" panose="02010609060101010101" pitchFamily="49" charset="-122"/>
-              </a:rPr>
-              <a:t>曲线描述</a:t>
+              <a:t>的服务</a:t>
+            </a:r>
+            <a:r>
+              <a:rPr lang="zh-CN" altLang="en-US" sz="2400" b="0">
+                <a:latin typeface="SimHei" panose="02010609060101010101" pitchFamily="49" charset="-122"/>
+                <a:ea typeface="SimHei" panose="02010609060101010101" pitchFamily="49" charset="-122"/>
+              </a:rPr>
+              <a:t>能力，便于资源分配</a:t>
             </a:r>
             <a:endParaRPr lang="en-CN" sz="2400" b="0" dirty="0">
               <a:latin typeface="SimHei" panose="02010609060101010101" pitchFamily="49" charset="-122"/>
@@ -6417,198 +5982,10 @@
   <p:clrMapOvr>
     <a:masterClrMapping/>
   </p:clrMapOvr>
-  <p:timing>
-    <p:tnLst>
-      <p:par>
-        <p:cTn id="1" dur="indefinite" restart="never" nodeType="tmRoot">
-          <p:childTnLst>
-            <p:seq concurrent="1" nextAc="seek">
-              <p:cTn id="2" dur="indefinite" nodeType="mainSeq">
-                <p:childTnLst>
-                  <p:par>
-                    <p:cTn id="3" fill="hold">
-                      <p:stCondLst>
-                        <p:cond delay="indefinite"/>
-                      </p:stCondLst>
-                      <p:childTnLst>
-                        <p:par>
-                          <p:cTn id="4" fill="hold">
-                            <p:stCondLst>
-                              <p:cond delay="0"/>
-                            </p:stCondLst>
-                            <p:childTnLst>
-                              <p:par>
-                                <p:cTn id="5" presetID="1" presetClass="entr" presetSubtype="0" fill="hold" grpId="0" nodeType="clickEffect">
-                                  <p:stCondLst>
-                                    <p:cond delay="0"/>
-                                  </p:stCondLst>
-                                  <p:childTnLst>
-                                    <p:set>
-                                      <p:cBhvr>
-                                        <p:cTn id="6" dur="1" fill="hold">
-                                          <p:stCondLst>
-                                            <p:cond delay="0"/>
-                                          </p:stCondLst>
-                                        </p:cTn>
-                                        <p:tgtEl>
-                                          <p:spTgt spid="3"/>
-                                        </p:tgtEl>
-                                        <p:attrNameLst>
-                                          <p:attrName>style.visibility</p:attrName>
-                                        </p:attrNameLst>
-                                      </p:cBhvr>
-                                      <p:to>
-                                        <p:strVal val="visible"/>
-                                      </p:to>
-                                    </p:set>
-                                  </p:childTnLst>
-                                </p:cTn>
-                              </p:par>
-                              <p:par>
-                                <p:cTn id="7" presetID="1" presetClass="entr" presetSubtype="0" fill="hold" nodeType="withEffect">
-                                  <p:stCondLst>
-                                    <p:cond delay="0"/>
-                                  </p:stCondLst>
-                                  <p:childTnLst>
-                                    <p:set>
-                                      <p:cBhvr>
-                                        <p:cTn id="8" dur="1" fill="hold">
-                                          <p:stCondLst>
-                                            <p:cond delay="0"/>
-                                          </p:stCondLst>
-                                        </p:cTn>
-                                        <p:tgtEl>
-                                          <p:spTgt spid="10"/>
-                                        </p:tgtEl>
-                                        <p:attrNameLst>
-                                          <p:attrName>style.visibility</p:attrName>
-                                        </p:attrNameLst>
-                                      </p:cBhvr>
-                                      <p:to>
-                                        <p:strVal val="visible"/>
-                                      </p:to>
-                                    </p:set>
-                                  </p:childTnLst>
-                                </p:cTn>
-                              </p:par>
-                              <p:par>
-                                <p:cTn id="9" presetID="1" presetClass="entr" presetSubtype="0" fill="hold" nodeType="withEffect">
-                                  <p:stCondLst>
-                                    <p:cond delay="0"/>
-                                  </p:stCondLst>
-                                  <p:childTnLst>
-                                    <p:set>
-                                      <p:cBhvr>
-                                        <p:cTn id="10" dur="1" fill="hold">
-                                          <p:stCondLst>
-                                            <p:cond delay="0"/>
-                                          </p:stCondLst>
-                                        </p:cTn>
-                                        <p:tgtEl>
-                                          <p:spTgt spid="14"/>
-                                        </p:tgtEl>
-                                        <p:attrNameLst>
-                                          <p:attrName>style.visibility</p:attrName>
-                                        </p:attrNameLst>
-                                      </p:cBhvr>
-                                      <p:to>
-                                        <p:strVal val="visible"/>
-                                      </p:to>
-                                    </p:set>
-                                  </p:childTnLst>
-                                </p:cTn>
-                              </p:par>
-                              <p:par>
-                                <p:cTn id="11" presetID="1" presetClass="entr" presetSubtype="0" fill="hold" grpId="0" nodeType="withEffect">
-                                  <p:stCondLst>
-                                    <p:cond delay="0"/>
-                                  </p:stCondLst>
-                                  <p:childTnLst>
-                                    <p:set>
-                                      <p:cBhvr>
-                                        <p:cTn id="12" dur="1" fill="hold">
-                                          <p:stCondLst>
-                                            <p:cond delay="0"/>
-                                          </p:stCondLst>
-                                        </p:cTn>
-                                        <p:tgtEl>
-                                          <p:spTgt spid="16"/>
-                                        </p:tgtEl>
-                                        <p:attrNameLst>
-                                          <p:attrName>style.visibility</p:attrName>
-                                        </p:attrNameLst>
-                                      </p:cBhvr>
-                                      <p:to>
-                                        <p:strVal val="visible"/>
-                                      </p:to>
-                                    </p:set>
-                                  </p:childTnLst>
-                                </p:cTn>
-                              </p:par>
-                              <p:par>
-                                <p:cTn id="13" presetID="1" presetClass="entr" presetSubtype="0" fill="hold" grpId="0" nodeType="withEffect">
-                                  <p:stCondLst>
-                                    <p:cond delay="0"/>
-                                  </p:stCondLst>
-                                  <p:childTnLst>
-                                    <p:set>
-                                      <p:cBhvr>
-                                        <p:cTn id="14" dur="1" fill="hold">
-                                          <p:stCondLst>
-                                            <p:cond delay="0"/>
-                                          </p:stCondLst>
-                                        </p:cTn>
-                                        <p:tgtEl>
-                                          <p:spTgt spid="17"/>
-                                        </p:tgtEl>
-                                        <p:attrNameLst>
-                                          <p:attrName>style.visibility</p:attrName>
-                                        </p:attrNameLst>
-                                      </p:cBhvr>
-                                      <p:to>
-                                        <p:strVal val="visible"/>
-                                      </p:to>
-                                    </p:set>
-                                  </p:childTnLst>
-                                </p:cTn>
-                              </p:par>
-                            </p:childTnLst>
-                          </p:cTn>
-                        </p:par>
-                      </p:childTnLst>
-                    </p:cTn>
-                  </p:par>
-                </p:childTnLst>
-              </p:cTn>
-              <p:prevCondLst>
-                <p:cond evt="onPrev" delay="0">
-                  <p:tgtEl>
-                    <p:sldTgt/>
-                  </p:tgtEl>
-                </p:cond>
-              </p:prevCondLst>
-              <p:nextCondLst>
-                <p:cond evt="onNext" delay="0">
-                  <p:tgtEl>
-                    <p:sldTgt/>
-                  </p:tgtEl>
-                </p:cond>
-              </p:nextCondLst>
-            </p:seq>
-          </p:childTnLst>
-        </p:cTn>
-      </p:par>
-    </p:tnLst>
-    <p:bldLst>
-      <p:bldP spid="3" grpId="0"/>
-      <p:bldP spid="16" grpId="0"/>
-      <p:bldP spid="17" grpId="0"/>
-    </p:bldLst>
-  </p:timing>
 </p:sld>
 </file>
 
-<file path=ppt/slides/slide13.xml><?xml version="1.0" encoding="utf-8"?>
+<file path=ppt/slides/slide12.xml><?xml version="1.0" encoding="utf-8"?>
 <p:sld xmlns:a="http://schemas.openxmlformats.org/drawingml/2006/main" xmlns:r="http://schemas.openxmlformats.org/officeDocument/2006/relationships" xmlns:p="http://schemas.openxmlformats.org/presentationml/2006/main">
   <p:cSld>
     <p:spTree>
@@ -6665,13 +6042,19 @@
             <p:ph idx="1"/>
           </p:nvPr>
         </p:nvSpPr>
-        <p:spPr/>
+        <p:spPr>
+          <a:xfrm>
+            <a:off x="292598" y="1257299"/>
+            <a:ext cx="8573849" cy="4919663"/>
+          </a:xfrm>
+        </p:spPr>
         <p:txBody>
           <a:bodyPr>
             <a:normAutofit/>
           </a:bodyPr>
           <a:lstStyle/>
           <a:p>
+            <a:pPr marL="342900" indent="-342900"/>
             <a:r>
               <a:rPr lang="zh-CN" altLang="en-CN" sz="2400" b="0" dirty="0">
                 <a:latin typeface="SimHei" panose="02010609060101010101" pitchFamily="49" charset="-122"/>
@@ -6699,70 +6082,6 @@
             </a:endParaRPr>
           </a:p>
           <a:p>
-            <a:r>
-              <a:rPr lang="zh-CN" altLang="en-US" sz="2400" b="0" dirty="0">
-                <a:latin typeface="SimHei" panose="02010609060101010101" pitchFamily="49" charset="-122"/>
-                <a:ea typeface="SimHei" panose="02010609060101010101" pitchFamily="49" charset="-122"/>
-              </a:rPr>
-              <a:t>建模为装箱问题（</a:t>
-            </a:r>
-            <a:r>
-              <a:rPr lang="en-US" altLang="zh-CN" sz="2400" b="0" dirty="0">
-                <a:ea typeface="SimHei" panose="02010609060101010101" pitchFamily="49" charset="-122"/>
-              </a:rPr>
-              <a:t>Bin</a:t>
-            </a:r>
-            <a:r>
-              <a:rPr lang="zh-CN" altLang="en-US" sz="2400" b="0" dirty="0">
-                <a:ea typeface="SimHei" panose="02010609060101010101" pitchFamily="49" charset="-122"/>
-              </a:rPr>
-              <a:t> </a:t>
-            </a:r>
-            <a:r>
-              <a:rPr lang="en-US" altLang="zh-CN" sz="2400" b="0" dirty="0">
-                <a:ea typeface="SimHei" panose="02010609060101010101" pitchFamily="49" charset="-122"/>
-              </a:rPr>
-              <a:t>Packing</a:t>
-            </a:r>
-            <a:r>
-              <a:rPr lang="zh-CN" altLang="en-US" sz="2400" b="0" dirty="0">
-                <a:latin typeface="SimHei" panose="02010609060101010101" pitchFamily="49" charset="-122"/>
-                <a:ea typeface="SimHei" panose="02010609060101010101" pitchFamily="49" charset="-122"/>
-              </a:rPr>
-              <a:t>）</a:t>
-            </a:r>
-            <a:endParaRPr lang="en-US" altLang="zh-CN" sz="2400" b="0" dirty="0">
-              <a:latin typeface="SimHei" panose="02010609060101010101" pitchFamily="49" charset="-122"/>
-              <a:ea typeface="SimHei" panose="02010609060101010101" pitchFamily="49" charset="-122"/>
-            </a:endParaRPr>
-          </a:p>
-          <a:p>
-            <a:r>
-              <a:rPr lang="zh-CN" altLang="en-US" sz="2400" b="0" dirty="0">
-                <a:latin typeface="SimHei" panose="02010609060101010101" pitchFamily="49" charset="-122"/>
-                <a:ea typeface="SimHei" panose="02010609060101010101" pitchFamily="49" charset="-122"/>
-              </a:rPr>
-              <a:t>装箱问题的</a:t>
-            </a:r>
-            <a:r>
-              <a:rPr lang="en-US" altLang="zh-CN" sz="2400" b="0" dirty="0">
-                <a:ea typeface="SimHei" panose="02010609060101010101" pitchFamily="49" charset="-122"/>
-              </a:rPr>
-              <a:t>Best-fit</a:t>
-            </a:r>
-            <a:r>
-              <a:rPr lang="zh-CN" altLang="en-US" sz="2400" b="0" dirty="0">
-                <a:latin typeface="SimHei" panose="02010609060101010101" pitchFamily="49" charset="-122"/>
-                <a:ea typeface="SimHei" panose="02010609060101010101" pitchFamily="49" charset="-122"/>
-              </a:rPr>
-              <a:t>算法</a:t>
-            </a:r>
-            <a:endParaRPr lang="en-US" altLang="zh-CN" sz="2400" b="0" dirty="0">
-              <a:latin typeface="SimHei" panose="02010609060101010101" pitchFamily="49" charset="-122"/>
-              <a:ea typeface="SimHei" panose="02010609060101010101" pitchFamily="49" charset="-122"/>
-            </a:endParaRPr>
-          </a:p>
-          <a:p>
             <a:pPr lvl="1">
               <a:buFont typeface="Wingdings" pitchFamily="2" charset="2"/>
               <a:buChar char="q"/>
@@ -6772,7 +6091,21 @@
                 <a:latin typeface="SimHei" panose="02010609060101010101" pitchFamily="49" charset="-122"/>
                 <a:ea typeface="SimHei" panose="02010609060101010101" pitchFamily="49" charset="-122"/>
               </a:rPr>
-              <a:t>新物体进入时，优先选择放入最适合的已打开的箱子中</a:t>
+              <a:t>如何用最经济的方式满足租户的</a:t>
+            </a:r>
+            <a:r>
+              <a:rPr lang="en-US" altLang="zh-CN" sz="2000" b="0" dirty="0">
+                <a:latin typeface="SimHei" panose="02010609060101010101" pitchFamily="49" charset="-122"/>
+                <a:ea typeface="SimHei" panose="02010609060101010101" pitchFamily="49" charset="-122"/>
+              </a:rPr>
+              <a:t>SLA</a:t>
+            </a:r>
+            <a:r>
+              <a:rPr lang="zh-CN" altLang="en-US" sz="2000" b="0" dirty="0">
+                <a:latin typeface="SimHei" panose="02010609060101010101" pitchFamily="49" charset="-122"/>
+                <a:ea typeface="SimHei" panose="02010609060101010101" pitchFamily="49" charset="-122"/>
+              </a:rPr>
+              <a:t>需求？</a:t>
             </a:r>
             <a:endParaRPr lang="en-US" altLang="zh-CN" sz="2000" b="0" dirty="0">
               <a:latin typeface="SimHei" panose="02010609060101010101" pitchFamily="49" charset="-122"/>
@@ -6789,203 +6122,265 @@
                 <a:latin typeface="SimHei" panose="02010609060101010101" pitchFamily="49" charset="-122"/>
                 <a:ea typeface="SimHei" panose="02010609060101010101" pitchFamily="49" charset="-122"/>
               </a:rPr>
-              <a:t>如果已打开的箱子都不能放下该物体，则打开一个新的箱子</a:t>
-            </a:r>
-          </a:p>
-        </p:txBody>
-      </p:sp>
-      <p:sp>
-        <p:nvSpPr>
-          <p:cNvPr id="2" name="Down Arrow 1">
-            <a:extLst>
-              <a:ext uri="{FF2B5EF4-FFF2-40B4-BE49-F238E27FC236}">
-                <a16:creationId xmlns:a16="http://schemas.microsoft.com/office/drawing/2014/main" id="{B6B62B98-A00C-1443-B2B2-25238764410C}"/>
-              </a:ext>
-            </a:extLst>
-          </p:cNvPr>
-          <p:cNvSpPr/>
-          <p:nvPr/>
-        </p:nvSpPr>
-        <p:spPr>
-          <a:xfrm rot="1540796">
-            <a:off x="1968500" y="2667000"/>
-            <a:ext cx="228600" cy="1041400"/>
-          </a:xfrm>
-          <a:prstGeom prst="downArrow">
-            <a:avLst/>
-          </a:prstGeom>
-          <a:solidFill>
-            <a:schemeClr val="accent1">
-              <a:lumMod val="60000"/>
-              <a:lumOff val="40000"/>
-            </a:schemeClr>
-          </a:solidFill>
-        </p:spPr>
-        <p:style>
-          <a:lnRef idx="2">
-            <a:schemeClr val="accent1">
-              <a:shade val="50000"/>
-            </a:schemeClr>
-          </a:lnRef>
-          <a:fillRef idx="1">
-            <a:schemeClr val="accent1"/>
-          </a:fillRef>
-          <a:effectRef idx="0">
-            <a:schemeClr val="accent1"/>
-          </a:effectRef>
-          <a:fontRef idx="minor">
-            <a:schemeClr val="lt1"/>
-          </a:fontRef>
-        </p:style>
-        <p:txBody>
-          <a:bodyPr rtlCol="0" anchor="ctr"/>
-          <a:lstStyle/>
-          <a:p>
-            <a:pPr algn="ctr"/>
-            <a:endParaRPr lang="en-CN"/>
-          </a:p>
-        </p:txBody>
-      </p:sp>
-      <p:sp>
-        <p:nvSpPr>
-          <p:cNvPr id="7" name="Down Arrow 6">
-            <a:extLst>
-              <a:ext uri="{FF2B5EF4-FFF2-40B4-BE49-F238E27FC236}">
-                <a16:creationId xmlns:a16="http://schemas.microsoft.com/office/drawing/2014/main" id="{37FD4EE9-B973-CF4A-98A2-8C00F203F8F3}"/>
-              </a:ext>
-            </a:extLst>
-          </p:cNvPr>
-          <p:cNvSpPr/>
-          <p:nvPr/>
-        </p:nvSpPr>
-        <p:spPr>
-          <a:xfrm rot="19754833" flipH="1">
-            <a:off x="5957681" y="3097096"/>
-            <a:ext cx="208335" cy="1427520"/>
-          </a:xfrm>
-          <a:prstGeom prst="downArrow">
-            <a:avLst/>
-          </a:prstGeom>
-          <a:solidFill>
-            <a:schemeClr val="accent4">
-              <a:lumMod val="60000"/>
-              <a:lumOff val="40000"/>
-            </a:schemeClr>
-          </a:solidFill>
-        </p:spPr>
-        <p:style>
-          <a:lnRef idx="2">
-            <a:schemeClr val="accent1">
-              <a:shade val="50000"/>
-            </a:schemeClr>
-          </a:lnRef>
-          <a:fillRef idx="1">
-            <a:schemeClr val="accent1"/>
-          </a:fillRef>
-          <a:effectRef idx="0">
-            <a:schemeClr val="accent1"/>
-          </a:effectRef>
-          <a:fontRef idx="minor">
-            <a:schemeClr val="lt1"/>
-          </a:fontRef>
-        </p:style>
-        <p:txBody>
-          <a:bodyPr rtlCol="0" anchor="ctr"/>
-          <a:lstStyle/>
-          <a:p>
-            <a:pPr algn="ctr"/>
-            <a:endParaRPr lang="en-CN"/>
-          </a:p>
-        </p:txBody>
-      </p:sp>
-      <p:sp>
-        <p:nvSpPr>
-          <p:cNvPr id="4" name="TextBox 3">
-            <a:extLst>
-              <a:ext uri="{FF2B5EF4-FFF2-40B4-BE49-F238E27FC236}">
-                <a16:creationId xmlns:a16="http://schemas.microsoft.com/office/drawing/2014/main" id="{B40C3785-AC43-E04A-893C-CA88E19D92E6}"/>
-              </a:ext>
-            </a:extLst>
-          </p:cNvPr>
-          <p:cNvSpPr txBox="1"/>
-          <p:nvPr/>
-        </p:nvSpPr>
-        <p:spPr>
-          <a:xfrm>
-            <a:off x="0" y="3706502"/>
-            <a:ext cx="4051300" cy="923330"/>
-          </a:xfrm>
-          <a:prstGeom prst="rect">
-            <a:avLst/>
-          </a:prstGeom>
-          <a:noFill/>
-        </p:spPr>
-        <p:txBody>
-          <a:bodyPr wrap="square" rtlCol="0">
-            <a:spAutoFit/>
-          </a:bodyPr>
-          <a:lstStyle/>
-          <a:p>
-            <a:r>
-              <a:rPr lang="en-CN" dirty="0">
-                <a:latin typeface="SimHei" panose="02010609060101010101" pitchFamily="49" charset="-122"/>
-                <a:ea typeface="SimHei" panose="02010609060101010101" pitchFamily="49" charset="-122"/>
-              </a:rPr>
-              <a:t>对于SLA曲线来说</a:t>
-            </a:r>
-            <a:r>
-              <a:rPr lang="zh-CN" altLang="en-US" dirty="0">
-                <a:latin typeface="SimHei" panose="02010609060101010101" pitchFamily="49" charset="-122"/>
-                <a:ea typeface="SimHei" panose="02010609060101010101" pitchFamily="49" charset="-122"/>
-              </a:rPr>
-              <a:t>，什么是“最合适”？</a:t>
-            </a:r>
-            <a:endParaRPr lang="en-US" altLang="zh-CN" dirty="0">
+              <a:t>根据</a:t>
+            </a:r>
+            <a:r>
+              <a:rPr lang="en-US" altLang="zh-CN" sz="2000" b="0" dirty="0">
+                <a:latin typeface="SimHei" panose="02010609060101010101" pitchFamily="49" charset="-122"/>
+                <a:ea typeface="SimHei" panose="02010609060101010101" pitchFamily="49" charset="-122"/>
+              </a:rPr>
+              <a:t>SLA</a:t>
+            </a:r>
+            <a:r>
+              <a:rPr lang="zh-CN" altLang="en-US" sz="2000" b="0" dirty="0">
+                <a:latin typeface="SimHei" panose="02010609060101010101" pitchFamily="49" charset="-122"/>
+                <a:ea typeface="SimHei" panose="02010609060101010101" pitchFamily="49" charset="-122"/>
+              </a:rPr>
+              <a:t>曲线的特点，改进装箱问题的</a:t>
+            </a:r>
+            <a:r>
+              <a:rPr lang="en-US" altLang="zh-CN" sz="2000" b="0" dirty="0">
+                <a:latin typeface="SimHei" panose="02010609060101010101" pitchFamily="49" charset="-122"/>
+                <a:ea typeface="SimHei" panose="02010609060101010101" pitchFamily="49" charset="-122"/>
+              </a:rPr>
+              <a:t>Best-Fit</a:t>
+            </a:r>
+            <a:r>
+              <a:rPr lang="zh-CN" altLang="en-US" sz="2000" b="0" dirty="0">
+                <a:latin typeface="SimHei" panose="02010609060101010101" pitchFamily="49" charset="-122"/>
+                <a:ea typeface="SimHei" panose="02010609060101010101" pitchFamily="49" charset="-122"/>
+              </a:rPr>
+              <a:t>算法</a:t>
+            </a:r>
+            <a:endParaRPr lang="en-US" altLang="zh-CN" sz="2000" b="0" dirty="0">
               <a:latin typeface="SimHei" panose="02010609060101010101" pitchFamily="49" charset="-122"/>
               <a:ea typeface="SimHei" panose="02010609060101010101" pitchFamily="49" charset="-122"/>
             </a:endParaRPr>
           </a:p>
           <a:p>
-            <a:pPr marL="285750" indent="-285750">
-              <a:buFont typeface="Arial" panose="020B0604020202020204" pitchFamily="34" charset="0"/>
-              <a:buChar char="•"/>
+            <a:pPr lvl="2">
+              <a:buFont typeface="Wingdings" pitchFamily="2" charset="2"/>
+              <a:buChar char="q"/>
             </a:pPr>
             <a:r>
-              <a:rPr lang="zh-CN" altLang="en-US" dirty="0">
+              <a:rPr lang="zh-CN" altLang="en-US" sz="1800" b="0" dirty="0">
                 <a:latin typeface="SimHei" panose="02010609060101010101" pitchFamily="49" charset="-122"/>
                 <a:ea typeface="SimHei" panose="02010609060101010101" pitchFamily="49" charset="-122"/>
               </a:rPr>
               <a:t>参考向量装箱问题，利用</a:t>
             </a:r>
             <a:r>
-              <a:rPr lang="en-US" altLang="zh-CN" dirty="0">
+              <a:rPr lang="en-US" altLang="zh-CN" sz="1800" b="0" dirty="0">
                 <a:latin typeface="SimHei" panose="02010609060101010101" pitchFamily="49" charset="-122"/>
                 <a:ea typeface="SimHei" panose="02010609060101010101" pitchFamily="49" charset="-122"/>
               </a:rPr>
               <a:t>L2-Norm</a:t>
             </a:r>
             <a:r>
-              <a:rPr lang="zh-CN" altLang="en-US" dirty="0">
-                <a:latin typeface="SimHei" panose="02010609060101010101" pitchFamily="49" charset="-122"/>
-                <a:ea typeface="SimHei" panose="02010609060101010101" pitchFamily="49" charset="-122"/>
-              </a:rPr>
-              <a:t>或</a:t>
-            </a:r>
-            <a:r>
-              <a:rPr lang="zh-CN" altLang="en-CN" dirty="0">
-                <a:latin typeface="SimHei" panose="02010609060101010101" pitchFamily="49" charset="-122"/>
-                <a:ea typeface="SimHei" panose="02010609060101010101" pitchFamily="49" charset="-122"/>
-              </a:rPr>
-              <a:t>点积</a:t>
-            </a:r>
-            <a:r>
-              <a:rPr lang="zh-CN" altLang="en-US" dirty="0">
-                <a:latin typeface="SimHei" panose="02010609060101010101" pitchFamily="49" charset="-122"/>
-                <a:ea typeface="SimHei" panose="02010609060101010101" pitchFamily="49" charset="-122"/>
-              </a:rPr>
-              <a:t>判断曲线相似性</a:t>
-            </a:r>
-            <a:endParaRPr lang="en-CN" dirty="0">
+              <a:rPr lang="zh-CN" altLang="en-US" sz="1800" b="0" dirty="0">
+                <a:latin typeface="SimHei" panose="02010609060101010101" pitchFamily="49" charset="-122"/>
+                <a:ea typeface="SimHei" panose="02010609060101010101" pitchFamily="49" charset="-122"/>
+              </a:rPr>
+              <a:t>或点积判断</a:t>
+            </a:r>
+            <a:r>
+              <a:rPr lang="en-US" altLang="zh-CN" sz="1800" b="0" dirty="0">
+                <a:latin typeface="SimHei" panose="02010609060101010101" pitchFamily="49" charset="-122"/>
+                <a:ea typeface="SimHei" panose="02010609060101010101" pitchFamily="49" charset="-122"/>
+              </a:rPr>
+              <a:t>SLA</a:t>
+            </a:r>
+            <a:r>
+              <a:rPr lang="zh-CN" altLang="en-US" sz="1800" b="0" dirty="0">
+                <a:latin typeface="SimHei" panose="02010609060101010101" pitchFamily="49" charset="-122"/>
+                <a:ea typeface="SimHei" panose="02010609060101010101" pitchFamily="49" charset="-122"/>
+              </a:rPr>
+              <a:t>曲线的</a:t>
+            </a:r>
+            <a:r>
+              <a:rPr lang="zh-CN" altLang="en-CN" sz="1800" b="0" dirty="0">
+                <a:latin typeface="SimHei" panose="02010609060101010101" pitchFamily="49" charset="-122"/>
+                <a:ea typeface="SimHei" panose="02010609060101010101" pitchFamily="49" charset="-122"/>
+              </a:rPr>
+              <a:t>近似性</a:t>
+            </a:r>
+            <a:r>
+              <a:rPr lang="en-US" altLang="zh-CN" sz="1800" b="0" baseline="30000" dirty="0">
+                <a:latin typeface="SimHei" panose="02010609060101010101" pitchFamily="49" charset="-122"/>
+                <a:ea typeface="SimHei" panose="02010609060101010101" pitchFamily="49" charset="-122"/>
+              </a:rPr>
+              <a:t>[1,2]</a:t>
+            </a:r>
+          </a:p>
+          <a:p>
+            <a:pPr lvl="2">
+              <a:buFont typeface="Wingdings" pitchFamily="2" charset="2"/>
+              <a:buChar char="q"/>
+            </a:pPr>
+            <a:r>
+              <a:rPr lang="zh-CN" altLang="en-US" sz="1800" b="0" dirty="0">
+                <a:latin typeface="SimHei" panose="02010609060101010101" pitchFamily="49" charset="-122"/>
+                <a:ea typeface="SimHei" panose="02010609060101010101" pitchFamily="49" charset="-122"/>
+              </a:rPr>
+              <a:t>启用新硬盘时，贪心选择对当前租户最经济的</a:t>
+            </a:r>
+            <a:endParaRPr lang="en-US" altLang="zh-CN" sz="1800" b="0" dirty="0">
+              <a:latin typeface="SimHei" panose="02010609060101010101" pitchFamily="49" charset="-122"/>
+              <a:ea typeface="SimHei" panose="02010609060101010101" pitchFamily="49" charset="-122"/>
+            </a:endParaRPr>
+          </a:p>
+          <a:p>
+            <a:pPr lvl="2">
+              <a:buFont typeface="Wingdings" pitchFamily="2" charset="2"/>
+              <a:buChar char="q"/>
+            </a:pPr>
+            <a:endParaRPr lang="en-US" altLang="zh-CN" sz="1800" b="0" dirty="0">
+              <a:latin typeface="SimHei" panose="02010609060101010101" pitchFamily="49" charset="-122"/>
+              <a:ea typeface="SimHei" panose="02010609060101010101" pitchFamily="49" charset="-122"/>
+            </a:endParaRPr>
+          </a:p>
+          <a:p>
+            <a:pPr marL="914400" lvl="2" indent="0">
+              <a:buNone/>
+            </a:pPr>
+            <a:endParaRPr lang="en-US" altLang="zh-CN" sz="1800" b="0" dirty="0">
+              <a:latin typeface="SimHei" panose="02010609060101010101" pitchFamily="49" charset="-122"/>
+              <a:ea typeface="SimHei" panose="02010609060101010101" pitchFamily="49" charset="-122"/>
+            </a:endParaRPr>
+          </a:p>
+          <a:p>
+            <a:r>
+              <a:rPr lang="zh-CN" altLang="en-US" sz="2600" b="0" dirty="0">
+                <a:latin typeface="SimHei" panose="02010609060101010101" pitchFamily="49" charset="-122"/>
+                <a:ea typeface="SimHei" panose="02010609060101010101" pitchFamily="49" charset="-122"/>
+              </a:rPr>
+              <a:t>基于</a:t>
+            </a:r>
+            <a:r>
+              <a:rPr lang="en-US" altLang="zh-CN" sz="2600" b="0" dirty="0">
+                <a:latin typeface="SimHei" panose="02010609060101010101" pitchFamily="49" charset="-122"/>
+                <a:ea typeface="SimHei" panose="02010609060101010101" pitchFamily="49" charset="-122"/>
+              </a:rPr>
+              <a:t>SLA</a:t>
+            </a:r>
+            <a:r>
+              <a:rPr lang="zh-CN" altLang="en-US" sz="2600" b="0" dirty="0">
+                <a:latin typeface="SimHei" panose="02010609060101010101" pitchFamily="49" charset="-122"/>
+                <a:ea typeface="SimHei" panose="02010609060101010101" pitchFamily="49" charset="-122"/>
+              </a:rPr>
+              <a:t>曲线的</a:t>
+            </a:r>
+            <a:r>
+              <a:rPr lang="en-US" altLang="zh-CN" sz="2600" b="0" dirty="0">
+                <a:latin typeface="SimHei" panose="02010609060101010101" pitchFamily="49" charset="-122"/>
+                <a:ea typeface="SimHei" panose="02010609060101010101" pitchFamily="49" charset="-122"/>
+              </a:rPr>
+              <a:t>I/O</a:t>
+            </a:r>
+            <a:r>
+              <a:rPr lang="zh-CN" altLang="en-US" sz="2600" b="0" dirty="0">
+                <a:latin typeface="SimHei" panose="02010609060101010101" pitchFamily="49" charset="-122"/>
+                <a:ea typeface="SimHei" panose="02010609060101010101" pitchFamily="49" charset="-122"/>
+              </a:rPr>
+              <a:t>调度器</a:t>
+            </a:r>
+            <a:endParaRPr lang="en-US" altLang="zh-CN" sz="2600" b="0" dirty="0">
+              <a:latin typeface="SimHei" panose="02010609060101010101" pitchFamily="49" charset="-122"/>
+              <a:ea typeface="SimHei" panose="02010609060101010101" pitchFamily="49" charset="-122"/>
+            </a:endParaRPr>
+          </a:p>
+          <a:p>
+            <a:pPr lvl="1">
+              <a:buFont typeface="Wingdings" pitchFamily="2" charset="2"/>
+              <a:buChar char="q"/>
+            </a:pPr>
+            <a:r>
+              <a:rPr lang="zh-CN" altLang="en-US" sz="2000" b="0" dirty="0">
+                <a:latin typeface="SimHei" panose="02010609060101010101" pitchFamily="49" charset="-122"/>
+                <a:ea typeface="SimHei" panose="02010609060101010101" pitchFamily="49" charset="-122"/>
+              </a:rPr>
+              <a:t>如何在运行时确保租户的</a:t>
+            </a:r>
+            <a:r>
+              <a:rPr lang="en-US" altLang="zh-CN" sz="2000" b="0" dirty="0">
+                <a:latin typeface="SimHei" panose="02010609060101010101" pitchFamily="49" charset="-122"/>
+                <a:ea typeface="SimHei" panose="02010609060101010101" pitchFamily="49" charset="-122"/>
+              </a:rPr>
+              <a:t>SLA</a:t>
+            </a:r>
+            <a:r>
+              <a:rPr lang="zh-CN" altLang="en-US" sz="2000" b="0" dirty="0">
+                <a:latin typeface="SimHei" panose="02010609060101010101" pitchFamily="49" charset="-122"/>
+                <a:ea typeface="SimHei" panose="02010609060101010101" pitchFamily="49" charset="-122"/>
+              </a:rPr>
+              <a:t>得到满足？</a:t>
+            </a:r>
+            <a:endParaRPr lang="en-US" altLang="zh-CN" sz="2000" b="0" dirty="0">
+              <a:latin typeface="SimHei" panose="02010609060101010101" pitchFamily="49" charset="-122"/>
+              <a:ea typeface="SimHei" panose="02010609060101010101" pitchFamily="49" charset="-122"/>
+            </a:endParaRPr>
+          </a:p>
+          <a:p>
+            <a:pPr lvl="1">
+              <a:buFont typeface="Wingdings" pitchFamily="2" charset="2"/>
+              <a:buChar char="q"/>
+            </a:pPr>
+            <a:r>
+              <a:rPr lang="zh-CN" altLang="en-US" sz="2000" b="0" dirty="0">
+                <a:latin typeface="SimHei" panose="02010609060101010101" pitchFamily="49" charset="-122"/>
+                <a:ea typeface="SimHei" panose="02010609060101010101" pitchFamily="49" charset="-122"/>
+              </a:rPr>
+              <a:t>根据</a:t>
+            </a:r>
+            <a:r>
+              <a:rPr lang="en-US" altLang="zh-CN" sz="2000" b="0" dirty="0">
+                <a:latin typeface="SimHei" panose="02010609060101010101" pitchFamily="49" charset="-122"/>
+                <a:ea typeface="SimHei" panose="02010609060101010101" pitchFamily="49" charset="-122"/>
+              </a:rPr>
+              <a:t>SLA</a:t>
+            </a:r>
+            <a:r>
+              <a:rPr lang="zh-CN" altLang="en-US" sz="2000" b="0" dirty="0">
+                <a:latin typeface="SimHei" panose="02010609060101010101" pitchFamily="49" charset="-122"/>
+                <a:ea typeface="SimHei" panose="02010609060101010101" pitchFamily="49" charset="-122"/>
+              </a:rPr>
+              <a:t>曲线给租户进行流量限制，并确保</a:t>
+            </a:r>
+            <a:r>
+              <a:rPr lang="en-US" altLang="zh-CN" sz="2000" b="0" dirty="0">
+                <a:latin typeface="SimHei" panose="02010609060101010101" pitchFamily="49" charset="-122"/>
+                <a:ea typeface="SimHei" panose="02010609060101010101" pitchFamily="49" charset="-122"/>
+              </a:rPr>
+              <a:t>SSD</a:t>
+            </a:r>
+            <a:r>
+              <a:rPr lang="zh-CN" altLang="en-US" sz="2000" b="0" dirty="0">
+                <a:latin typeface="SimHei" panose="02010609060101010101" pitchFamily="49" charset="-122"/>
+                <a:ea typeface="SimHei" panose="02010609060101010101" pitchFamily="49" charset="-122"/>
+              </a:rPr>
+              <a:t>整体运行在其</a:t>
+            </a:r>
+            <a:r>
+              <a:rPr lang="en-US" altLang="zh-CN" sz="2000" b="0" dirty="0">
+                <a:latin typeface="SimHei" panose="02010609060101010101" pitchFamily="49" charset="-122"/>
+                <a:ea typeface="SimHei" panose="02010609060101010101" pitchFamily="49" charset="-122"/>
+              </a:rPr>
+              <a:t>SLA</a:t>
+            </a:r>
+            <a:r>
+              <a:rPr lang="zh-CN" altLang="en-US" sz="2000" b="0" dirty="0">
+                <a:latin typeface="SimHei" panose="02010609060101010101" pitchFamily="49" charset="-122"/>
+                <a:ea typeface="SimHei" panose="02010609060101010101" pitchFamily="49" charset="-122"/>
+              </a:rPr>
+              <a:t>曲线下方，从而满足尾延迟要求</a:t>
+            </a:r>
+            <a:endParaRPr lang="en-US" altLang="zh-CN" sz="2200" b="0" dirty="0">
+              <a:latin typeface="SimHei" panose="02010609060101010101" pitchFamily="49" charset="-122"/>
+              <a:ea typeface="SimHei" panose="02010609060101010101" pitchFamily="49" charset="-122"/>
+            </a:endParaRPr>
+          </a:p>
+          <a:p>
+            <a:endParaRPr lang="zh-CN" altLang="en-US" sz="2600" b="0" dirty="0">
               <a:latin typeface="SimHei" panose="02010609060101010101" pitchFamily="49" charset="-122"/>
               <a:ea typeface="SimHei" panose="02010609060101010101" pitchFamily="49" charset="-122"/>
             </a:endParaRPr>
@@ -7167,93 +6562,161 @@
           </a:p>
         </p:txBody>
       </p:sp>
-      <p:sp>
-        <p:nvSpPr>
-          <p:cNvPr id="9" name="TextBox 8">
-            <a:extLst>
-              <a:ext uri="{FF2B5EF4-FFF2-40B4-BE49-F238E27FC236}">
-                <a16:creationId xmlns:a16="http://schemas.microsoft.com/office/drawing/2014/main" id="{E14DCCAC-DC67-C44D-837C-328CBDECD9CF}"/>
-              </a:ext>
-            </a:extLst>
-          </p:cNvPr>
-          <p:cNvSpPr txBox="1"/>
-          <p:nvPr/>
-        </p:nvSpPr>
-        <p:spPr>
-          <a:xfrm>
-            <a:off x="3771900" y="4635460"/>
-            <a:ext cx="5039557" cy="646331"/>
-          </a:xfrm>
-          <a:prstGeom prst="rect">
-            <a:avLst/>
-          </a:prstGeom>
-          <a:noFill/>
-        </p:spPr>
-        <p:txBody>
-          <a:bodyPr wrap="square" rtlCol="0">
-            <a:spAutoFit/>
-          </a:bodyPr>
-          <a:lstStyle/>
-          <a:p>
-            <a:r>
-              <a:rPr lang="en-CN" dirty="0">
-                <a:latin typeface="SimHei" panose="02010609060101010101" pitchFamily="49" charset="-122"/>
-                <a:ea typeface="SimHei" panose="02010609060101010101" pitchFamily="49" charset="-122"/>
-              </a:rPr>
-              <a:t>云存储系统中的硬盘高度异构</a:t>
-            </a:r>
-            <a:r>
-              <a:rPr lang="zh-CN" altLang="en-US" dirty="0">
-                <a:latin typeface="SimHei" panose="02010609060101010101" pitchFamily="49" charset="-122"/>
-                <a:ea typeface="SimHei" panose="02010609060101010101" pitchFamily="49" charset="-122"/>
-              </a:rPr>
-              <a:t>，该启用哪种硬盘？</a:t>
-            </a:r>
-            <a:endParaRPr lang="en-US" altLang="zh-CN" dirty="0">
-              <a:latin typeface="SimHei" panose="02010609060101010101" pitchFamily="49" charset="-122"/>
-              <a:ea typeface="SimHei" panose="02010609060101010101" pitchFamily="49" charset="-122"/>
-            </a:endParaRPr>
-          </a:p>
-          <a:p>
-            <a:pPr marL="285750" indent="-285750">
-              <a:buFont typeface="Arial" panose="020B0604020202020204" pitchFamily="34" charset="0"/>
-              <a:buChar char="•"/>
-            </a:pPr>
-            <a:r>
-              <a:rPr lang="zh-CN" altLang="en-CN" dirty="0">
-                <a:latin typeface="SimHei" panose="02010609060101010101" pitchFamily="49" charset="-122"/>
-                <a:ea typeface="SimHei" panose="02010609060101010101" pitchFamily="49" charset="-122"/>
-              </a:rPr>
-              <a:t>贪心</a:t>
-            </a:r>
-            <a:r>
-              <a:rPr lang="zh-CN" altLang="en-US" dirty="0">
-                <a:latin typeface="SimHei" panose="02010609060101010101" pitchFamily="49" charset="-122"/>
-                <a:ea typeface="SimHei" panose="02010609060101010101" pitchFamily="49" charset="-122"/>
-              </a:rPr>
-              <a:t>选择对当前租户需求最经济的</a:t>
-            </a:r>
-            <a:endParaRPr lang="en-CN" dirty="0">
-              <a:latin typeface="SimHei" panose="02010609060101010101" pitchFamily="49" charset="-122"/>
-              <a:ea typeface="SimHei" panose="02010609060101010101" pitchFamily="49" charset="-122"/>
-            </a:endParaRPr>
-          </a:p>
-        </p:txBody>
-      </p:sp>
     </p:spTree>
     <p:extLst>
       <p:ext uri="{BB962C8B-B14F-4D97-AF65-F5344CB8AC3E}">
-        <p14:creationId xmlns:p14="http://schemas.microsoft.com/office/powerpoint/2010/main" val="2948827370"/>
+        <p14:creationId xmlns:p14="http://schemas.microsoft.com/office/powerpoint/2010/main" val="3244491146"/>
       </p:ext>
     </p:extLst>
   </p:cSld>
   <p:clrMapOvr>
     <a:masterClrMapping/>
   </p:clrMapOvr>
+  <p:timing>
+    <p:tnLst>
+      <p:par>
+        <p:cTn id="1" dur="indefinite" restart="never" nodeType="tmRoot">
+          <p:childTnLst>
+            <p:seq concurrent="1" nextAc="seek">
+              <p:cTn id="2" dur="indefinite" nodeType="mainSeq">
+                <p:childTnLst>
+                  <p:par>
+                    <p:cTn id="3" fill="hold">
+                      <p:stCondLst>
+                        <p:cond delay="indefinite"/>
+                      </p:stCondLst>
+                      <p:childTnLst>
+                        <p:par>
+                          <p:cTn id="4" fill="hold">
+                            <p:stCondLst>
+                              <p:cond delay="0"/>
+                            </p:stCondLst>
+                            <p:childTnLst>
+                              <p:par>
+                                <p:cTn id="5" presetID="1" presetClass="entr" presetSubtype="0" fill="hold" nodeType="clickEffect">
+                                  <p:stCondLst>
+                                    <p:cond delay="0"/>
+                                  </p:stCondLst>
+                                  <p:childTnLst>
+                                    <p:set>
+                                      <p:cBhvr>
+                                        <p:cTn id="6" dur="1" fill="hold">
+                                          <p:stCondLst>
+                                            <p:cond delay="0"/>
+                                          </p:stCondLst>
+                                        </p:cTn>
+                                        <p:tgtEl>
+                                          <p:spTgt spid="6">
+                                            <p:txEl>
+                                              <p:pRg st="7" end="7"/>
+                                            </p:txEl>
+                                          </p:spTgt>
+                                        </p:tgtEl>
+                                        <p:attrNameLst>
+                                          <p:attrName>style.visibility</p:attrName>
+                                        </p:attrNameLst>
+                                      </p:cBhvr>
+                                      <p:to>
+                                        <p:strVal val="visible"/>
+                                      </p:to>
+                                    </p:set>
+                                  </p:childTnLst>
+                                </p:cTn>
+                              </p:par>
+                              <p:par>
+                                <p:cTn id="7" presetID="1" presetClass="entr" presetSubtype="0" fill="hold" nodeType="withEffect">
+                                  <p:stCondLst>
+                                    <p:cond delay="0"/>
+                                  </p:stCondLst>
+                                  <p:childTnLst>
+                                    <p:set>
+                                      <p:cBhvr>
+                                        <p:cTn id="8" dur="1" fill="hold">
+                                          <p:stCondLst>
+                                            <p:cond delay="0"/>
+                                          </p:stCondLst>
+                                        </p:cTn>
+                                        <p:tgtEl>
+                                          <p:spTgt spid="6">
+                                            <p:txEl>
+                                              <p:pRg st="8" end="8"/>
+                                            </p:txEl>
+                                          </p:spTgt>
+                                        </p:tgtEl>
+                                        <p:attrNameLst>
+                                          <p:attrName>style.visibility</p:attrName>
+                                        </p:attrNameLst>
+                                      </p:cBhvr>
+                                      <p:to>
+                                        <p:strVal val="visible"/>
+                                      </p:to>
+                                    </p:set>
+                                  </p:childTnLst>
+                                </p:cTn>
+                              </p:par>
+                              <p:par>
+                                <p:cTn id="9" presetID="1" presetClass="entr" presetSubtype="0" fill="hold" nodeType="withEffect">
+                                  <p:stCondLst>
+                                    <p:cond delay="0"/>
+                                  </p:stCondLst>
+                                  <p:childTnLst>
+                                    <p:set>
+                                      <p:cBhvr>
+                                        <p:cTn id="10" dur="1" fill="hold">
+                                          <p:stCondLst>
+                                            <p:cond delay="0"/>
+                                          </p:stCondLst>
+                                        </p:cTn>
+                                        <p:tgtEl>
+                                          <p:spTgt spid="6">
+                                            <p:txEl>
+                                              <p:pRg st="9" end="9"/>
+                                            </p:txEl>
+                                          </p:spTgt>
+                                        </p:tgtEl>
+                                        <p:attrNameLst>
+                                          <p:attrName>style.visibility</p:attrName>
+                                        </p:attrNameLst>
+                                      </p:cBhvr>
+                                      <p:to>
+                                        <p:strVal val="visible"/>
+                                      </p:to>
+                                    </p:set>
+                                  </p:childTnLst>
+                                </p:cTn>
+                              </p:par>
+                            </p:childTnLst>
+                          </p:cTn>
+                        </p:par>
+                      </p:childTnLst>
+                    </p:cTn>
+                  </p:par>
+                </p:childTnLst>
+              </p:cTn>
+              <p:prevCondLst>
+                <p:cond evt="onPrev" delay="0">
+                  <p:tgtEl>
+                    <p:sldTgt/>
+                  </p:tgtEl>
+                </p:cond>
+              </p:prevCondLst>
+              <p:nextCondLst>
+                <p:cond evt="onNext" delay="0">
+                  <p:tgtEl>
+                    <p:sldTgt/>
+                  </p:tgtEl>
+                </p:cond>
+              </p:nextCondLst>
+            </p:seq>
+          </p:childTnLst>
+        </p:cTn>
+      </p:par>
+    </p:tnLst>
+  </p:timing>
 </p:sld>
 </file>
 
-<file path=ppt/slides/slide14.xml><?xml version="1.0" encoding="utf-8"?>
+<file path=ppt/slides/slide13.xml><?xml version="1.0" encoding="utf-8"?>
 <p:sld xmlns:a="http://schemas.openxmlformats.org/drawingml/2006/main" xmlns:r="http://schemas.openxmlformats.org/officeDocument/2006/relationships" xmlns:p="http://schemas.openxmlformats.org/presentationml/2006/main">
   <p:cSld>
     <p:spTree>
@@ -7272,942 +6735,6 @@
       </p:grpSpPr>
       <p:sp>
         <p:nvSpPr>
-          <p:cNvPr id="3" name="页脚占位符 2"/>
-          <p:cNvSpPr>
-            <a:spLocks noGrp="1"/>
-          </p:cNvSpPr>
-          <p:nvPr>
-            <p:ph type="ftr" sz="quarter" idx="11"/>
-          </p:nvPr>
-        </p:nvSpPr>
-        <p:spPr/>
-        <p:txBody>
-          <a:bodyPr/>
-          <a:lstStyle/>
-          <a:p>
-            <a:pPr>
-              <a:defRPr/>
-            </a:pPr>
-            <a:r>
-              <a:rPr lang="zh-CN" altLang="en-US"/>
-              <a:t>云闪存系统中的多租户性能隔离研究</a:t>
-            </a:r>
-            <a:endParaRPr lang="zh-CN" altLang="en-US" dirty="0"/>
-          </a:p>
-        </p:txBody>
-      </p:sp>
-      <p:sp>
-        <p:nvSpPr>
-          <p:cNvPr id="5" name="标题 4"/>
-          <p:cNvSpPr>
-            <a:spLocks noGrp="1"/>
-          </p:cNvSpPr>
-          <p:nvPr>
-            <p:ph type="title"/>
-          </p:nvPr>
-        </p:nvSpPr>
-        <p:spPr/>
-        <p:txBody>
-          <a:bodyPr/>
-          <a:lstStyle/>
-          <a:p>
-            <a:r>
-              <a:rPr lang="zh-CN" altLang="en-US" dirty="0"/>
-              <a:t>基于</a:t>
-            </a:r>
-            <a:r>
-              <a:rPr lang="en-US" altLang="zh-CN" dirty="0"/>
-              <a:t>SLA</a:t>
-            </a:r>
-            <a:r>
-              <a:rPr lang="zh-CN" altLang="en-US" dirty="0"/>
-              <a:t>曲线的</a:t>
-            </a:r>
-            <a:r>
-              <a:rPr lang="en-US" altLang="zh-CN" dirty="0"/>
-              <a:t>I/O</a:t>
-            </a:r>
-            <a:r>
-              <a:rPr lang="zh-CN" altLang="en-US" dirty="0"/>
-              <a:t>调度器</a:t>
-            </a:r>
-          </a:p>
-        </p:txBody>
-      </p:sp>
-      <p:sp>
-        <p:nvSpPr>
-          <p:cNvPr id="6" name="内容占位符 5"/>
-          <p:cNvSpPr>
-            <a:spLocks noGrp="1"/>
-          </p:cNvSpPr>
-          <p:nvPr>
-            <p:ph idx="1"/>
-          </p:nvPr>
-        </p:nvSpPr>
-        <p:spPr>
-          <a:xfrm>
-            <a:off x="292598" y="1029969"/>
-            <a:ext cx="8573849" cy="1751331"/>
-          </a:xfrm>
-        </p:spPr>
-        <p:txBody>
-          <a:bodyPr>
-            <a:normAutofit/>
-          </a:bodyPr>
-          <a:lstStyle/>
-          <a:p>
-            <a:r>
-              <a:rPr lang="zh-CN" altLang="en-US" sz="2400" b="0" dirty="0">
-                <a:latin typeface="SimHei" panose="02010609060101010101" pitchFamily="49" charset="-122"/>
-                <a:ea typeface="SimHei" panose="02010609060101010101" pitchFamily="49" charset="-122"/>
-              </a:rPr>
-              <a:t>给定了租户的数据分布，如何在运行时确保各个租户的</a:t>
-            </a:r>
-            <a:r>
-              <a:rPr lang="en-US" altLang="zh-CN" sz="2400" b="0" dirty="0">
-                <a:latin typeface="SimHei" panose="02010609060101010101" pitchFamily="49" charset="-122"/>
-                <a:ea typeface="SimHei" panose="02010609060101010101" pitchFamily="49" charset="-122"/>
-              </a:rPr>
-              <a:t>SLA</a:t>
-            </a:r>
-            <a:r>
-              <a:rPr lang="zh-CN" altLang="en-US" sz="2400" b="0" dirty="0">
-                <a:latin typeface="SimHei" panose="02010609060101010101" pitchFamily="49" charset="-122"/>
-                <a:ea typeface="SimHei" panose="02010609060101010101" pitchFamily="49" charset="-122"/>
-              </a:rPr>
-              <a:t>都得到满足？</a:t>
-            </a:r>
-            <a:endParaRPr lang="en-US" altLang="zh-CN" sz="2400" b="0" dirty="0">
-              <a:latin typeface="SimHei" panose="02010609060101010101" pitchFamily="49" charset="-122"/>
-              <a:ea typeface="SimHei" panose="02010609060101010101" pitchFamily="49" charset="-122"/>
-            </a:endParaRPr>
-          </a:p>
-          <a:p>
-            <a:r>
-              <a:rPr lang="zh-CN" altLang="en-US" sz="2400" b="0" dirty="0">
-                <a:latin typeface="SimHei" panose="02010609060101010101" pitchFamily="49" charset="-122"/>
-                <a:ea typeface="SimHei" panose="02010609060101010101" pitchFamily="49" charset="-122"/>
-              </a:rPr>
-              <a:t>基于</a:t>
-            </a:r>
-            <a:r>
-              <a:rPr lang="en-US" altLang="zh-CN" sz="2400" b="0" dirty="0">
-                <a:latin typeface="SimHei" panose="02010609060101010101" pitchFamily="49" charset="-122"/>
-                <a:ea typeface="SimHei" panose="02010609060101010101" pitchFamily="49" charset="-122"/>
-              </a:rPr>
-              <a:t>SLA</a:t>
-            </a:r>
-            <a:r>
-              <a:rPr lang="zh-CN" altLang="en-US" sz="2400" b="0" dirty="0">
-                <a:latin typeface="SimHei" panose="02010609060101010101" pitchFamily="49" charset="-122"/>
-                <a:ea typeface="SimHei" panose="02010609060101010101" pitchFamily="49" charset="-122"/>
-              </a:rPr>
-              <a:t>曲线的</a:t>
-            </a:r>
-            <a:r>
-              <a:rPr lang="en-US" altLang="zh-CN" sz="2400" b="0" dirty="0">
-                <a:latin typeface="SimHei" panose="02010609060101010101" pitchFamily="49" charset="-122"/>
-                <a:ea typeface="SimHei" panose="02010609060101010101" pitchFamily="49" charset="-122"/>
-              </a:rPr>
-              <a:t>I/O</a:t>
-            </a:r>
-            <a:r>
-              <a:rPr lang="zh-CN" altLang="en-US" sz="2400" b="0" dirty="0">
-                <a:latin typeface="SimHei" panose="02010609060101010101" pitchFamily="49" charset="-122"/>
-                <a:ea typeface="SimHei" panose="02010609060101010101" pitchFamily="49" charset="-122"/>
-              </a:rPr>
-              <a:t>调度器：根据</a:t>
-            </a:r>
-            <a:r>
-              <a:rPr lang="en-US" altLang="zh-CN" sz="2400" b="0" dirty="0">
-                <a:latin typeface="SimHei" panose="02010609060101010101" pitchFamily="49" charset="-122"/>
-                <a:ea typeface="SimHei" panose="02010609060101010101" pitchFamily="49" charset="-122"/>
-              </a:rPr>
-              <a:t>SLA</a:t>
-            </a:r>
-            <a:r>
-              <a:rPr lang="zh-CN" altLang="en-US" sz="2400" b="0" dirty="0">
-                <a:latin typeface="SimHei" panose="02010609060101010101" pitchFamily="49" charset="-122"/>
-                <a:ea typeface="SimHei" panose="02010609060101010101" pitchFamily="49" charset="-122"/>
-              </a:rPr>
-              <a:t>曲线给租户限速，确保</a:t>
-            </a:r>
-            <a:r>
-              <a:rPr lang="en-US" altLang="zh-CN" sz="2400" b="0" dirty="0">
-                <a:latin typeface="SimHei" panose="02010609060101010101" pitchFamily="49" charset="-122"/>
-                <a:ea typeface="SimHei" panose="02010609060101010101" pitchFamily="49" charset="-122"/>
-              </a:rPr>
-              <a:t>SSD</a:t>
-            </a:r>
-            <a:r>
-              <a:rPr lang="zh-CN" altLang="en-US" sz="2400" b="0" dirty="0">
-                <a:latin typeface="SimHei" panose="02010609060101010101" pitchFamily="49" charset="-122"/>
-                <a:ea typeface="SimHei" panose="02010609060101010101" pitchFamily="49" charset="-122"/>
-              </a:rPr>
-              <a:t>整体运行在其</a:t>
-            </a:r>
-            <a:r>
-              <a:rPr lang="en-US" altLang="zh-CN" sz="2400" b="0" dirty="0">
-                <a:latin typeface="SimHei" panose="02010609060101010101" pitchFamily="49" charset="-122"/>
-                <a:ea typeface="SimHei" panose="02010609060101010101" pitchFamily="49" charset="-122"/>
-              </a:rPr>
-              <a:t>SLA</a:t>
-            </a:r>
-            <a:r>
-              <a:rPr lang="zh-CN" altLang="en-US" sz="2400" b="0" dirty="0">
-                <a:latin typeface="SimHei" panose="02010609060101010101" pitchFamily="49" charset="-122"/>
-                <a:ea typeface="SimHei" panose="02010609060101010101" pitchFamily="49" charset="-122"/>
-              </a:rPr>
-              <a:t>曲线下方，从而满足尾延迟要求</a:t>
-            </a:r>
-          </a:p>
-        </p:txBody>
-      </p:sp>
-      <p:sp>
-        <p:nvSpPr>
-          <p:cNvPr id="16" name="Freeform 15">
-            <a:extLst>
-              <a:ext uri="{FF2B5EF4-FFF2-40B4-BE49-F238E27FC236}">
-                <a16:creationId xmlns:a16="http://schemas.microsoft.com/office/drawing/2014/main" id="{16318C96-F78A-6D4A-9BEF-949B611AEE97}"/>
-              </a:ext>
-            </a:extLst>
-          </p:cNvPr>
-          <p:cNvSpPr/>
-          <p:nvPr/>
-        </p:nvSpPr>
-        <p:spPr>
-          <a:xfrm>
-            <a:off x="1485901" y="3222433"/>
-            <a:ext cx="228600" cy="1943100"/>
-          </a:xfrm>
-          <a:custGeom>
-            <a:avLst/>
-            <a:gdLst>
-              <a:gd name="connsiteX0" fmla="*/ 622300 w 622351"/>
-              <a:gd name="connsiteY0" fmla="*/ 0 h 2413000"/>
-              <a:gd name="connsiteX1" fmla="*/ 0 w 622351"/>
-              <a:gd name="connsiteY1" fmla="*/ 1041400 h 2413000"/>
-              <a:gd name="connsiteX2" fmla="*/ 622300 w 622351"/>
-              <a:gd name="connsiteY2" fmla="*/ 1460500 h 2413000"/>
-              <a:gd name="connsiteX3" fmla="*/ 38100 w 622351"/>
-              <a:gd name="connsiteY3" fmla="*/ 1993900 h 2413000"/>
-              <a:gd name="connsiteX4" fmla="*/ 571500 w 622351"/>
-              <a:gd name="connsiteY4" fmla="*/ 2413000 h 2413000"/>
-            </a:gdLst>
-            <a:ahLst/>
-            <a:cxnLst>
-              <a:cxn ang="0">
-                <a:pos x="connsiteX0" y="connsiteY0"/>
-              </a:cxn>
-              <a:cxn ang="0">
-                <a:pos x="connsiteX1" y="connsiteY1"/>
-              </a:cxn>
-              <a:cxn ang="0">
-                <a:pos x="connsiteX2" y="connsiteY2"/>
-              </a:cxn>
-              <a:cxn ang="0">
-                <a:pos x="connsiteX3" y="connsiteY3"/>
-              </a:cxn>
-              <a:cxn ang="0">
-                <a:pos x="connsiteX4" y="connsiteY4"/>
-              </a:cxn>
-            </a:cxnLst>
-            <a:rect l="l" t="t" r="r" b="b"/>
-            <a:pathLst>
-              <a:path w="622351" h="2413000">
-                <a:moveTo>
-                  <a:pt x="622300" y="0"/>
-                </a:moveTo>
-                <a:cubicBezTo>
-                  <a:pt x="311150" y="398991"/>
-                  <a:pt x="0" y="797983"/>
-                  <a:pt x="0" y="1041400"/>
-                </a:cubicBezTo>
-                <a:cubicBezTo>
-                  <a:pt x="0" y="1284817"/>
-                  <a:pt x="615950" y="1301750"/>
-                  <a:pt x="622300" y="1460500"/>
-                </a:cubicBezTo>
-                <a:cubicBezTo>
-                  <a:pt x="628650" y="1619250"/>
-                  <a:pt x="46567" y="1835150"/>
-                  <a:pt x="38100" y="1993900"/>
-                </a:cubicBezTo>
-                <a:cubicBezTo>
-                  <a:pt x="29633" y="2152650"/>
-                  <a:pt x="421217" y="2347383"/>
-                  <a:pt x="571500" y="2413000"/>
-                </a:cubicBezTo>
-              </a:path>
-            </a:pathLst>
-          </a:custGeom>
-          <a:noFill/>
-          <a:ln w="31750"/>
-        </p:spPr>
-        <p:style>
-          <a:lnRef idx="2">
-            <a:schemeClr val="accent1">
-              <a:shade val="50000"/>
-            </a:schemeClr>
-          </a:lnRef>
-          <a:fillRef idx="1">
-            <a:schemeClr val="accent1"/>
-          </a:fillRef>
-          <a:effectRef idx="0">
-            <a:schemeClr val="accent1"/>
-          </a:effectRef>
-          <a:fontRef idx="minor">
-            <a:schemeClr val="lt1"/>
-          </a:fontRef>
-        </p:style>
-        <p:txBody>
-          <a:bodyPr rtlCol="0" anchor="ctr"/>
-          <a:lstStyle/>
-          <a:p>
-            <a:pPr algn="ctr"/>
-            <a:endParaRPr lang="en-CN"/>
-          </a:p>
-        </p:txBody>
-      </p:sp>
-      <p:sp>
-        <p:nvSpPr>
-          <p:cNvPr id="18" name="Freeform 17">
-            <a:extLst>
-              <a:ext uri="{FF2B5EF4-FFF2-40B4-BE49-F238E27FC236}">
-                <a16:creationId xmlns:a16="http://schemas.microsoft.com/office/drawing/2014/main" id="{CB798D7F-ECDC-8D48-AB09-34A8C4908958}"/>
-              </a:ext>
-            </a:extLst>
-          </p:cNvPr>
-          <p:cNvSpPr/>
-          <p:nvPr/>
-        </p:nvSpPr>
-        <p:spPr>
-          <a:xfrm>
-            <a:off x="4305301" y="3222433"/>
-            <a:ext cx="228600" cy="1943100"/>
-          </a:xfrm>
-          <a:custGeom>
-            <a:avLst/>
-            <a:gdLst>
-              <a:gd name="connsiteX0" fmla="*/ 622300 w 622351"/>
-              <a:gd name="connsiteY0" fmla="*/ 0 h 2413000"/>
-              <a:gd name="connsiteX1" fmla="*/ 0 w 622351"/>
-              <a:gd name="connsiteY1" fmla="*/ 1041400 h 2413000"/>
-              <a:gd name="connsiteX2" fmla="*/ 622300 w 622351"/>
-              <a:gd name="connsiteY2" fmla="*/ 1460500 h 2413000"/>
-              <a:gd name="connsiteX3" fmla="*/ 38100 w 622351"/>
-              <a:gd name="connsiteY3" fmla="*/ 1993900 h 2413000"/>
-              <a:gd name="connsiteX4" fmla="*/ 571500 w 622351"/>
-              <a:gd name="connsiteY4" fmla="*/ 2413000 h 2413000"/>
-            </a:gdLst>
-            <a:ahLst/>
-            <a:cxnLst>
-              <a:cxn ang="0">
-                <a:pos x="connsiteX0" y="connsiteY0"/>
-              </a:cxn>
-              <a:cxn ang="0">
-                <a:pos x="connsiteX1" y="connsiteY1"/>
-              </a:cxn>
-              <a:cxn ang="0">
-                <a:pos x="connsiteX2" y="connsiteY2"/>
-              </a:cxn>
-              <a:cxn ang="0">
-                <a:pos x="connsiteX3" y="connsiteY3"/>
-              </a:cxn>
-              <a:cxn ang="0">
-                <a:pos x="connsiteX4" y="connsiteY4"/>
-              </a:cxn>
-            </a:cxnLst>
-            <a:rect l="l" t="t" r="r" b="b"/>
-            <a:pathLst>
-              <a:path w="622351" h="2413000">
-                <a:moveTo>
-                  <a:pt x="622300" y="0"/>
-                </a:moveTo>
-                <a:cubicBezTo>
-                  <a:pt x="311150" y="398991"/>
-                  <a:pt x="0" y="797983"/>
-                  <a:pt x="0" y="1041400"/>
-                </a:cubicBezTo>
-                <a:cubicBezTo>
-                  <a:pt x="0" y="1284817"/>
-                  <a:pt x="615950" y="1301750"/>
-                  <a:pt x="622300" y="1460500"/>
-                </a:cubicBezTo>
-                <a:cubicBezTo>
-                  <a:pt x="628650" y="1619250"/>
-                  <a:pt x="46567" y="1835150"/>
-                  <a:pt x="38100" y="1993900"/>
-                </a:cubicBezTo>
-                <a:cubicBezTo>
-                  <a:pt x="29633" y="2152650"/>
-                  <a:pt x="421217" y="2347383"/>
-                  <a:pt x="571500" y="2413000"/>
-                </a:cubicBezTo>
-              </a:path>
-            </a:pathLst>
-          </a:custGeom>
-          <a:noFill/>
-          <a:ln w="31750">
-            <a:solidFill>
-              <a:schemeClr val="accent2">
-                <a:lumMod val="75000"/>
-              </a:schemeClr>
-            </a:solidFill>
-          </a:ln>
-        </p:spPr>
-        <p:style>
-          <a:lnRef idx="2">
-            <a:schemeClr val="accent1">
-              <a:shade val="50000"/>
-            </a:schemeClr>
-          </a:lnRef>
-          <a:fillRef idx="1">
-            <a:schemeClr val="accent1"/>
-          </a:fillRef>
-          <a:effectRef idx="0">
-            <a:schemeClr val="accent1"/>
-          </a:effectRef>
-          <a:fontRef idx="minor">
-            <a:schemeClr val="lt1"/>
-          </a:fontRef>
-        </p:style>
-        <p:txBody>
-          <a:bodyPr rtlCol="0" anchor="ctr"/>
-          <a:lstStyle/>
-          <a:p>
-            <a:pPr algn="ctr"/>
-            <a:endParaRPr lang="en-CN"/>
-          </a:p>
-        </p:txBody>
-      </p:sp>
-      <p:sp>
-        <p:nvSpPr>
-          <p:cNvPr id="19" name="Freeform 18">
-            <a:extLst>
-              <a:ext uri="{FF2B5EF4-FFF2-40B4-BE49-F238E27FC236}">
-                <a16:creationId xmlns:a16="http://schemas.microsoft.com/office/drawing/2014/main" id="{DD493777-AB83-464E-91EF-BAF4F8C8CCE0}"/>
-              </a:ext>
-            </a:extLst>
-          </p:cNvPr>
-          <p:cNvSpPr/>
-          <p:nvPr/>
-        </p:nvSpPr>
-        <p:spPr>
-          <a:xfrm>
-            <a:off x="7124701" y="3222433"/>
-            <a:ext cx="228600" cy="1943100"/>
-          </a:xfrm>
-          <a:custGeom>
-            <a:avLst/>
-            <a:gdLst>
-              <a:gd name="connsiteX0" fmla="*/ 622300 w 622351"/>
-              <a:gd name="connsiteY0" fmla="*/ 0 h 2413000"/>
-              <a:gd name="connsiteX1" fmla="*/ 0 w 622351"/>
-              <a:gd name="connsiteY1" fmla="*/ 1041400 h 2413000"/>
-              <a:gd name="connsiteX2" fmla="*/ 622300 w 622351"/>
-              <a:gd name="connsiteY2" fmla="*/ 1460500 h 2413000"/>
-              <a:gd name="connsiteX3" fmla="*/ 38100 w 622351"/>
-              <a:gd name="connsiteY3" fmla="*/ 1993900 h 2413000"/>
-              <a:gd name="connsiteX4" fmla="*/ 571500 w 622351"/>
-              <a:gd name="connsiteY4" fmla="*/ 2413000 h 2413000"/>
-            </a:gdLst>
-            <a:ahLst/>
-            <a:cxnLst>
-              <a:cxn ang="0">
-                <a:pos x="connsiteX0" y="connsiteY0"/>
-              </a:cxn>
-              <a:cxn ang="0">
-                <a:pos x="connsiteX1" y="connsiteY1"/>
-              </a:cxn>
-              <a:cxn ang="0">
-                <a:pos x="connsiteX2" y="connsiteY2"/>
-              </a:cxn>
-              <a:cxn ang="0">
-                <a:pos x="connsiteX3" y="connsiteY3"/>
-              </a:cxn>
-              <a:cxn ang="0">
-                <a:pos x="connsiteX4" y="connsiteY4"/>
-              </a:cxn>
-            </a:cxnLst>
-            <a:rect l="l" t="t" r="r" b="b"/>
-            <a:pathLst>
-              <a:path w="622351" h="2413000">
-                <a:moveTo>
-                  <a:pt x="622300" y="0"/>
-                </a:moveTo>
-                <a:cubicBezTo>
-                  <a:pt x="311150" y="398991"/>
-                  <a:pt x="0" y="797983"/>
-                  <a:pt x="0" y="1041400"/>
-                </a:cubicBezTo>
-                <a:cubicBezTo>
-                  <a:pt x="0" y="1284817"/>
-                  <a:pt x="615950" y="1301750"/>
-                  <a:pt x="622300" y="1460500"/>
-                </a:cubicBezTo>
-                <a:cubicBezTo>
-                  <a:pt x="628650" y="1619250"/>
-                  <a:pt x="46567" y="1835150"/>
-                  <a:pt x="38100" y="1993900"/>
-                </a:cubicBezTo>
-                <a:cubicBezTo>
-                  <a:pt x="29633" y="2152650"/>
-                  <a:pt x="421217" y="2347383"/>
-                  <a:pt x="571500" y="2413000"/>
-                </a:cubicBezTo>
-              </a:path>
-            </a:pathLst>
-          </a:custGeom>
-          <a:noFill/>
-          <a:ln w="31750"/>
-        </p:spPr>
-        <p:style>
-          <a:lnRef idx="2">
-            <a:schemeClr val="accent1">
-              <a:shade val="50000"/>
-            </a:schemeClr>
-          </a:lnRef>
-          <a:fillRef idx="1">
-            <a:schemeClr val="accent1"/>
-          </a:fillRef>
-          <a:effectRef idx="0">
-            <a:schemeClr val="accent1"/>
-          </a:effectRef>
-          <a:fontRef idx="minor">
-            <a:schemeClr val="lt1"/>
-          </a:fontRef>
-        </p:style>
-        <p:txBody>
-          <a:bodyPr rtlCol="0" anchor="ctr"/>
-          <a:lstStyle/>
-          <a:p>
-            <a:pPr algn="ctr"/>
-            <a:endParaRPr lang="en-CN"/>
-          </a:p>
-        </p:txBody>
-      </p:sp>
-      <p:sp>
-        <p:nvSpPr>
-          <p:cNvPr id="20" name="TextBox 19">
-            <a:extLst>
-              <a:ext uri="{FF2B5EF4-FFF2-40B4-BE49-F238E27FC236}">
-                <a16:creationId xmlns:a16="http://schemas.microsoft.com/office/drawing/2014/main" id="{4C0BD4A4-9948-A646-9FA5-3CE8D3888FAA}"/>
-              </a:ext>
-            </a:extLst>
-          </p:cNvPr>
-          <p:cNvSpPr txBox="1"/>
-          <p:nvPr/>
-        </p:nvSpPr>
-        <p:spPr>
-          <a:xfrm>
-            <a:off x="1049849" y="5262132"/>
-            <a:ext cx="1241045" cy="369332"/>
-          </a:xfrm>
-          <a:prstGeom prst="rect">
-            <a:avLst/>
-          </a:prstGeom>
-          <a:noFill/>
-        </p:spPr>
-        <p:txBody>
-          <a:bodyPr wrap="none" rtlCol="0">
-            <a:spAutoFit/>
-          </a:bodyPr>
-          <a:lstStyle/>
-          <a:p>
-            <a:r>
-              <a:rPr lang="en-CN" dirty="0"/>
-              <a:t>租户线程A</a:t>
-            </a:r>
-          </a:p>
-        </p:txBody>
-      </p:sp>
-      <p:sp>
-        <p:nvSpPr>
-          <p:cNvPr id="21" name="TextBox 20">
-            <a:extLst>
-              <a:ext uri="{FF2B5EF4-FFF2-40B4-BE49-F238E27FC236}">
-                <a16:creationId xmlns:a16="http://schemas.microsoft.com/office/drawing/2014/main" id="{5B6E9E59-322F-8143-B90D-9B26AD98299B}"/>
-              </a:ext>
-            </a:extLst>
-          </p:cNvPr>
-          <p:cNvSpPr txBox="1"/>
-          <p:nvPr/>
-        </p:nvSpPr>
-        <p:spPr>
-          <a:xfrm>
-            <a:off x="6732778" y="5262132"/>
-            <a:ext cx="1233030" cy="369332"/>
-          </a:xfrm>
-          <a:prstGeom prst="rect">
-            <a:avLst/>
-          </a:prstGeom>
-          <a:noFill/>
-        </p:spPr>
-        <p:txBody>
-          <a:bodyPr wrap="none" rtlCol="0">
-            <a:spAutoFit/>
-          </a:bodyPr>
-          <a:lstStyle/>
-          <a:p>
-            <a:r>
-              <a:rPr lang="en-CN" dirty="0"/>
-              <a:t>租户线程B</a:t>
-            </a:r>
-          </a:p>
-        </p:txBody>
-      </p:sp>
-      <p:sp>
-        <p:nvSpPr>
-          <p:cNvPr id="22" name="TextBox 21">
-            <a:extLst>
-              <a:ext uri="{FF2B5EF4-FFF2-40B4-BE49-F238E27FC236}">
-                <a16:creationId xmlns:a16="http://schemas.microsoft.com/office/drawing/2014/main" id="{BD8A717B-0D10-CA43-AFD7-BDB33E3A9FC7}"/>
-              </a:ext>
-            </a:extLst>
-          </p:cNvPr>
-          <p:cNvSpPr txBox="1"/>
-          <p:nvPr/>
-        </p:nvSpPr>
-        <p:spPr>
-          <a:xfrm>
-            <a:off x="3979903" y="5262132"/>
-            <a:ext cx="1107996" cy="369332"/>
-          </a:xfrm>
-          <a:prstGeom prst="rect">
-            <a:avLst/>
-          </a:prstGeom>
-          <a:noFill/>
-        </p:spPr>
-        <p:txBody>
-          <a:bodyPr wrap="none" rtlCol="0">
-            <a:spAutoFit/>
-          </a:bodyPr>
-          <a:lstStyle/>
-          <a:p>
-            <a:r>
-              <a:rPr lang="en-CN" dirty="0"/>
-              <a:t>调度线程</a:t>
-            </a:r>
-          </a:p>
-        </p:txBody>
-      </p:sp>
-      <p:sp>
-        <p:nvSpPr>
-          <p:cNvPr id="23" name="Right Arrow 22">
-            <a:extLst>
-              <a:ext uri="{FF2B5EF4-FFF2-40B4-BE49-F238E27FC236}">
-                <a16:creationId xmlns:a16="http://schemas.microsoft.com/office/drawing/2014/main" id="{7BAE3680-F7D9-C449-8998-4FE88BB1759A}"/>
-              </a:ext>
-            </a:extLst>
-          </p:cNvPr>
-          <p:cNvSpPr/>
-          <p:nvPr/>
-        </p:nvSpPr>
-        <p:spPr>
-          <a:xfrm>
-            <a:off x="2290894" y="4193983"/>
-            <a:ext cx="1087306" cy="133350"/>
-          </a:xfrm>
-          <a:prstGeom prst="rightArrow">
-            <a:avLst/>
-          </a:prstGeom>
-          <a:solidFill>
-            <a:schemeClr val="accent6">
-              <a:lumMod val="40000"/>
-              <a:lumOff val="60000"/>
-            </a:schemeClr>
-          </a:solidFill>
-          <a:ln>
-            <a:solidFill>
-              <a:schemeClr val="accent6">
-                <a:lumMod val="50000"/>
-              </a:schemeClr>
-            </a:solidFill>
-          </a:ln>
-        </p:spPr>
-        <p:style>
-          <a:lnRef idx="2">
-            <a:schemeClr val="accent1">
-              <a:shade val="50000"/>
-            </a:schemeClr>
-          </a:lnRef>
-          <a:fillRef idx="1">
-            <a:schemeClr val="accent1"/>
-          </a:fillRef>
-          <a:effectRef idx="0">
-            <a:schemeClr val="accent1"/>
-          </a:effectRef>
-          <a:fontRef idx="minor">
-            <a:schemeClr val="lt1"/>
-          </a:fontRef>
-        </p:style>
-        <p:txBody>
-          <a:bodyPr rtlCol="0" anchor="ctr"/>
-          <a:lstStyle/>
-          <a:p>
-            <a:pPr algn="ctr"/>
-            <a:endParaRPr lang="en-CN"/>
-          </a:p>
-        </p:txBody>
-      </p:sp>
-      <p:sp>
-        <p:nvSpPr>
-          <p:cNvPr id="24" name="Right Arrow 23">
-            <a:extLst>
-              <a:ext uri="{FF2B5EF4-FFF2-40B4-BE49-F238E27FC236}">
-                <a16:creationId xmlns:a16="http://schemas.microsoft.com/office/drawing/2014/main" id="{3FF9734E-F7AF-0847-AB97-A3AC83F45A21}"/>
-              </a:ext>
-            </a:extLst>
-          </p:cNvPr>
-          <p:cNvSpPr/>
-          <p:nvPr/>
-        </p:nvSpPr>
-        <p:spPr>
-          <a:xfrm rot="10800000">
-            <a:off x="5285648" y="4193983"/>
-            <a:ext cx="1087306" cy="133350"/>
-          </a:xfrm>
-          <a:prstGeom prst="rightArrow">
-            <a:avLst/>
-          </a:prstGeom>
-          <a:solidFill>
-            <a:schemeClr val="accent6">
-              <a:lumMod val="40000"/>
-              <a:lumOff val="60000"/>
-            </a:schemeClr>
-          </a:solidFill>
-          <a:ln>
-            <a:solidFill>
-              <a:schemeClr val="accent6">
-                <a:lumMod val="50000"/>
-              </a:schemeClr>
-            </a:solidFill>
-          </a:ln>
-        </p:spPr>
-        <p:style>
-          <a:lnRef idx="2">
-            <a:schemeClr val="accent1">
-              <a:shade val="50000"/>
-            </a:schemeClr>
-          </a:lnRef>
-          <a:fillRef idx="1">
-            <a:schemeClr val="accent1"/>
-          </a:fillRef>
-          <a:effectRef idx="0">
-            <a:schemeClr val="accent1"/>
-          </a:effectRef>
-          <a:fontRef idx="minor">
-            <a:schemeClr val="lt1"/>
-          </a:fontRef>
-        </p:style>
-        <p:txBody>
-          <a:bodyPr rtlCol="0" anchor="ctr"/>
-          <a:lstStyle/>
-          <a:p>
-            <a:pPr algn="ctr"/>
-            <a:endParaRPr lang="en-CN"/>
-          </a:p>
-        </p:txBody>
-      </p:sp>
-      <p:sp>
-        <p:nvSpPr>
-          <p:cNvPr id="25" name="TextBox 24">
-            <a:extLst>
-              <a:ext uri="{FF2B5EF4-FFF2-40B4-BE49-F238E27FC236}">
-                <a16:creationId xmlns:a16="http://schemas.microsoft.com/office/drawing/2014/main" id="{ABCAE33F-4269-9546-9527-4DC542B765BC}"/>
-              </a:ext>
-            </a:extLst>
-          </p:cNvPr>
-          <p:cNvSpPr txBox="1"/>
-          <p:nvPr/>
-        </p:nvSpPr>
-        <p:spPr>
-          <a:xfrm>
-            <a:off x="2353984" y="3878626"/>
-            <a:ext cx="946093" cy="369332"/>
-          </a:xfrm>
-          <a:prstGeom prst="rect">
-            <a:avLst/>
-          </a:prstGeom>
-          <a:noFill/>
-        </p:spPr>
-        <p:txBody>
-          <a:bodyPr wrap="none" rtlCol="0">
-            <a:spAutoFit/>
-          </a:bodyPr>
-          <a:lstStyle/>
-          <a:p>
-            <a:r>
-              <a:rPr lang="en-CN" dirty="0"/>
-              <a:t>I</a:t>
-            </a:r>
-            <a:r>
-              <a:rPr lang="en-US" altLang="zh-CN" dirty="0"/>
-              <a:t>/O</a:t>
-            </a:r>
-            <a:r>
-              <a:rPr lang="zh-CN" altLang="en-US" dirty="0"/>
-              <a:t>请求</a:t>
-            </a:r>
-            <a:endParaRPr lang="en-CN" dirty="0"/>
-          </a:p>
-        </p:txBody>
-      </p:sp>
-      <p:sp>
-        <p:nvSpPr>
-          <p:cNvPr id="26" name="TextBox 25">
-            <a:extLst>
-              <a:ext uri="{FF2B5EF4-FFF2-40B4-BE49-F238E27FC236}">
-                <a16:creationId xmlns:a16="http://schemas.microsoft.com/office/drawing/2014/main" id="{3B13A82C-6574-7946-95CD-2B8BB209681B}"/>
-              </a:ext>
-            </a:extLst>
-          </p:cNvPr>
-          <p:cNvSpPr txBox="1"/>
-          <p:nvPr/>
-        </p:nvSpPr>
-        <p:spPr>
-          <a:xfrm>
-            <a:off x="5384857" y="3878626"/>
-            <a:ext cx="946093" cy="369332"/>
-          </a:xfrm>
-          <a:prstGeom prst="rect">
-            <a:avLst/>
-          </a:prstGeom>
-          <a:noFill/>
-        </p:spPr>
-        <p:txBody>
-          <a:bodyPr wrap="none" rtlCol="0">
-            <a:spAutoFit/>
-          </a:bodyPr>
-          <a:lstStyle/>
-          <a:p>
-            <a:r>
-              <a:rPr lang="en-CN" dirty="0"/>
-              <a:t>I</a:t>
-            </a:r>
-            <a:r>
-              <a:rPr lang="en-US" altLang="zh-CN" dirty="0"/>
-              <a:t>/O</a:t>
-            </a:r>
-            <a:r>
-              <a:rPr lang="zh-CN" altLang="en-US" dirty="0"/>
-              <a:t>请求</a:t>
-            </a:r>
-            <a:endParaRPr lang="en-CN" dirty="0"/>
-          </a:p>
-        </p:txBody>
-      </p:sp>
-      <p:pic>
-        <p:nvPicPr>
-          <p:cNvPr id="27" name="Graphic 26">
-            <a:extLst>
-              <a:ext uri="{FF2B5EF4-FFF2-40B4-BE49-F238E27FC236}">
-                <a16:creationId xmlns:a16="http://schemas.microsoft.com/office/drawing/2014/main" id="{C1FE41FB-A0C1-9B40-B7E5-FD2CB8C99CDD}"/>
-              </a:ext>
-            </a:extLst>
-          </p:cNvPr>
-          <p:cNvPicPr>
-            <a:picLocks noChangeAspect="1"/>
-          </p:cNvPicPr>
-          <p:nvPr/>
-        </p:nvPicPr>
-        <p:blipFill>
-          <a:blip r:embed="rId2">
-            <a:extLst>
-              <a:ext uri="{28A0092B-C50C-407E-A947-70E740481C1C}">
-                <a14:useLocalDpi xmlns:a14="http://schemas.microsoft.com/office/drawing/2010/main" val="0"/>
-              </a:ext>
-              <a:ext uri="{96DAC541-7B7A-43D3-8B79-37D633B846F1}">
-                <asvg:svgBlip xmlns:asvg="http://schemas.microsoft.com/office/drawing/2016/SVG/main" r:embed="rId3"/>
-              </a:ext>
-            </a:extLst>
-          </a:blip>
-          <a:stretch>
-            <a:fillRect/>
-          </a:stretch>
-        </p:blipFill>
-        <p:spPr>
-          <a:xfrm>
-            <a:off x="2353984" y="4213075"/>
-            <a:ext cx="859229" cy="859229"/>
-          </a:xfrm>
-          <a:prstGeom prst="rect">
-            <a:avLst/>
-          </a:prstGeom>
-        </p:spPr>
-      </p:pic>
-      <p:pic>
-        <p:nvPicPr>
-          <p:cNvPr id="28" name="Graphic 27">
-            <a:extLst>
-              <a:ext uri="{FF2B5EF4-FFF2-40B4-BE49-F238E27FC236}">
-                <a16:creationId xmlns:a16="http://schemas.microsoft.com/office/drawing/2014/main" id="{012D2E88-ED4C-0F45-A0A8-890C240CFA97}"/>
-              </a:ext>
-            </a:extLst>
-          </p:cNvPr>
-          <p:cNvPicPr>
-            <a:picLocks noChangeAspect="1"/>
-          </p:cNvPicPr>
-          <p:nvPr/>
-        </p:nvPicPr>
-        <p:blipFill>
-          <a:blip r:embed="rId4">
-            <a:extLst>
-              <a:ext uri="{28A0092B-C50C-407E-A947-70E740481C1C}">
-                <a14:useLocalDpi xmlns:a14="http://schemas.microsoft.com/office/drawing/2010/main" val="0"/>
-              </a:ext>
-              <a:ext uri="{96DAC541-7B7A-43D3-8B79-37D633B846F1}">
-                <asvg:svgBlip xmlns:asvg="http://schemas.microsoft.com/office/drawing/2016/SVG/main" r:embed="rId5"/>
-              </a:ext>
-            </a:extLst>
-          </a:blip>
-          <a:stretch>
-            <a:fillRect/>
-          </a:stretch>
-        </p:blipFill>
-        <p:spPr>
-          <a:xfrm>
-            <a:off x="5422929" y="4201365"/>
-            <a:ext cx="869948" cy="869948"/>
-          </a:xfrm>
-          <a:prstGeom prst="rect">
-            <a:avLst/>
-          </a:prstGeom>
-        </p:spPr>
-      </p:pic>
-    </p:spTree>
-    <p:extLst>
-      <p:ext uri="{BB962C8B-B14F-4D97-AF65-F5344CB8AC3E}">
-        <p14:creationId xmlns:p14="http://schemas.microsoft.com/office/powerpoint/2010/main" val="631209654"/>
-      </p:ext>
-    </p:extLst>
-  </p:cSld>
-  <p:clrMapOvr>
-    <a:masterClrMapping/>
-  </p:clrMapOvr>
-</p:sld>
-</file>
-
-<file path=ppt/slides/slide15.xml><?xml version="1.0" encoding="utf-8"?>
-<p:sld xmlns:a="http://schemas.openxmlformats.org/drawingml/2006/main" xmlns:r="http://schemas.openxmlformats.org/officeDocument/2006/relationships" xmlns:p="http://schemas.openxmlformats.org/presentationml/2006/main">
-  <p:cSld>
-    <p:spTree>
-      <p:nvGrpSpPr>
-        <p:cNvPr id="1" name=""/>
-        <p:cNvGrpSpPr/>
-        <p:nvPr/>
-      </p:nvGrpSpPr>
-      <p:grpSpPr>
-        <a:xfrm>
-          <a:off x="0" y="0"/>
-          <a:ext cx="0" cy="0"/>
-          <a:chOff x="0" y="0"/>
-          <a:chExt cx="0" cy="0"/>
-        </a:xfrm>
-      </p:grpSpPr>
-      <p:sp>
-        <p:nvSpPr>
           <p:cNvPr id="2" name="Footer Placeholder 1">
             <a:extLst>
               <a:ext uri="{FF2B5EF4-FFF2-40B4-BE49-F238E27FC236}">
@@ -8271,7 +6798,7 @@
           <p:cNvPr id="6" name="Content Placeholder 5">
             <a:extLst>
               <a:ext uri="{FF2B5EF4-FFF2-40B4-BE49-F238E27FC236}">
-                <a16:creationId xmlns:a16="http://schemas.microsoft.com/office/drawing/2014/main" id="{E4BB17B2-3CDD-0240-92F1-C4247444C957}"/>
+                <a16:creationId xmlns:a16="http://schemas.microsoft.com/office/drawing/2014/main" id="{DB3DD7C9-D65A-E840-9E05-7BE22674A8A5}"/>
               </a:ext>
             </a:extLst>
           </p:cNvPr>
@@ -8296,8 +6823,8 @@
         </p:blipFill>
         <p:spPr>
           <a:xfrm>
-            <a:off x="1258382" y="1622424"/>
-            <a:ext cx="6627236" cy="4418157"/>
+            <a:off x="1124895" y="2030754"/>
+            <a:ext cx="6488395" cy="4325597"/>
           </a:xfrm>
         </p:spPr>
       </p:pic>
@@ -8306,7 +6833,7 @@
           <p:cNvPr id="7" name="内容占位符 5">
             <a:extLst>
               <a:ext uri="{FF2B5EF4-FFF2-40B4-BE49-F238E27FC236}">
-                <a16:creationId xmlns:a16="http://schemas.microsoft.com/office/drawing/2014/main" id="{533E3A32-07C7-0D4D-86B3-73F9101317D1}"/>
+                <a16:creationId xmlns:a16="http://schemas.microsoft.com/office/drawing/2014/main" id="{B0E2741A-E1B8-8A41-9D27-7E4AB8663F7C}"/>
               </a:ext>
             </a:extLst>
           </p:cNvPr>
@@ -8498,15 +7025,40 @@
                 <a:latin typeface="SimHei" panose="02010609060101010101" pitchFamily="49" charset="-122"/>
                 <a:ea typeface="SimHei" panose="02010609060101010101" pitchFamily="49" charset="-122"/>
               </a:rPr>
-              <a:t>使用分离的读写时间窗口可以将尾延迟降至近似纯读</a:t>
-            </a:r>
+              <a:t>综合使用以上两种方法，可以在满足租户</a:t>
+            </a:r>
+            <a:r>
+              <a:rPr lang="en-US" altLang="zh-CN" sz="2400" b="0" dirty="0">
+                <a:latin typeface="SimHei" panose="02010609060101010101" pitchFamily="49" charset="-122"/>
+                <a:ea typeface="SimHei" panose="02010609060101010101" pitchFamily="49" charset="-122"/>
+              </a:rPr>
+              <a:t>SLA</a:t>
+            </a:r>
+            <a:r>
+              <a:rPr lang="zh-CN" altLang="en-US" sz="2400" b="0" dirty="0">
+                <a:latin typeface="SimHei" panose="02010609060101010101" pitchFamily="49" charset="-122"/>
+                <a:ea typeface="SimHei" panose="02010609060101010101" pitchFamily="49" charset="-122"/>
+              </a:rPr>
+              <a:t>的情况下，将云闪存系统的开销降至租户独占存储系统的</a:t>
+            </a:r>
+            <a:r>
+              <a:rPr lang="en-US" altLang="zh-CN" sz="2400" b="0" dirty="0">
+                <a:latin typeface="SimHei" panose="02010609060101010101" pitchFamily="49" charset="-122"/>
+                <a:ea typeface="SimHei" panose="02010609060101010101" pitchFamily="49" charset="-122"/>
+              </a:rPr>
+              <a:t>50%</a:t>
+            </a:r>
+            <a:endParaRPr lang="zh-CN" altLang="en-US" sz="2400" b="0" dirty="0">
+              <a:latin typeface="SimHei" panose="02010609060101010101" pitchFamily="49" charset="-122"/>
+              <a:ea typeface="SimHei" panose="02010609060101010101" pitchFamily="49" charset="-122"/>
+            </a:endParaRPr>
           </a:p>
         </p:txBody>
       </p:sp>
     </p:spTree>
     <p:extLst>
       <p:ext uri="{BB962C8B-B14F-4D97-AF65-F5344CB8AC3E}">
-        <p14:creationId xmlns:p14="http://schemas.microsoft.com/office/powerpoint/2010/main" val="1649800690"/>
+        <p14:creationId xmlns:p14="http://schemas.microsoft.com/office/powerpoint/2010/main" val="2927291448"/>
       </p:ext>
     </p:extLst>
   </p:cSld>
@@ -8516,7 +7068,7 @@
 </p:sld>
 </file>
 
-<file path=ppt/slides/slide16.xml><?xml version="1.0" encoding="utf-8"?>
+<file path=ppt/slides/slide14.xml><?xml version="1.0" encoding="utf-8"?>
 <p:sld xmlns:a="http://schemas.openxmlformats.org/drawingml/2006/main" xmlns:r="http://schemas.openxmlformats.org/officeDocument/2006/relationships" xmlns:p="http://schemas.openxmlformats.org/presentationml/2006/main">
   <p:cSld>
     <p:spTree>
@@ -8588,333 +7140,6 @@
           <a:p>
             <a:r>
               <a:rPr lang="en-CN" dirty="0"/>
-              <a:t>性能评估</a:t>
-            </a:r>
-          </a:p>
-        </p:txBody>
-      </p:sp>
-      <p:pic>
-        <p:nvPicPr>
-          <p:cNvPr id="6" name="Content Placeholder 5">
-            <a:extLst>
-              <a:ext uri="{FF2B5EF4-FFF2-40B4-BE49-F238E27FC236}">
-                <a16:creationId xmlns:a16="http://schemas.microsoft.com/office/drawing/2014/main" id="{DB3DD7C9-D65A-E840-9E05-7BE22674A8A5}"/>
-              </a:ext>
-            </a:extLst>
-          </p:cNvPr>
-          <p:cNvPicPr>
-            <a:picLocks noGrp="1" noChangeAspect="1"/>
-          </p:cNvPicPr>
-          <p:nvPr>
-            <p:ph idx="1"/>
-          </p:nvPr>
-        </p:nvPicPr>
-        <p:blipFill>
-          <a:blip r:embed="rId2">
-            <a:extLst>
-              <a:ext uri="{28A0092B-C50C-407E-A947-70E740481C1C}">
-                <a14:useLocalDpi xmlns:a14="http://schemas.microsoft.com/office/drawing/2010/main" val="0"/>
-              </a:ext>
-            </a:extLst>
-          </a:blip>
-          <a:stretch>
-            <a:fillRect/>
-          </a:stretch>
-        </p:blipFill>
-        <p:spPr>
-          <a:xfrm>
-            <a:off x="1124895" y="2030754"/>
-            <a:ext cx="6488395" cy="4325597"/>
-          </a:xfrm>
-        </p:spPr>
-      </p:pic>
-      <p:sp>
-        <p:nvSpPr>
-          <p:cNvPr id="7" name="内容占位符 5">
-            <a:extLst>
-              <a:ext uri="{FF2B5EF4-FFF2-40B4-BE49-F238E27FC236}">
-                <a16:creationId xmlns:a16="http://schemas.microsoft.com/office/drawing/2014/main" id="{B0E2741A-E1B8-8A41-9D27-7E4AB8663F7C}"/>
-              </a:ext>
-            </a:extLst>
-          </p:cNvPr>
-          <p:cNvSpPr txBox="1">
-            <a:spLocks/>
-          </p:cNvSpPr>
-          <p:nvPr/>
-        </p:nvSpPr>
-        <p:spPr>
-          <a:xfrm>
-            <a:off x="292598" y="1066800"/>
-            <a:ext cx="8573849" cy="1714500"/>
-          </a:xfrm>
-          <a:prstGeom prst="rect">
-            <a:avLst/>
-          </a:prstGeom>
-        </p:spPr>
-        <p:txBody>
-          <a:bodyPr vert="horz" lIns="91440" tIns="45720" rIns="91440" bIns="45720" rtlCol="0">
-            <a:normAutofit/>
-          </a:bodyPr>
-          <a:lstStyle>
-            <a:lvl1pPr marL="228600" indent="-230400" algn="l" defTabSz="914400" rtl="0" eaLnBrk="1" latinLnBrk="0" hangingPunct="1">
-              <a:lnSpc>
-                <a:spcPct val="90000"/>
-              </a:lnSpc>
-              <a:spcBef>
-                <a:spcPts val="1200"/>
-              </a:spcBef>
-              <a:buFont typeface="Wingdings" panose="05000000000000000000" pitchFamily="2" charset="2"/>
-              <a:buChar char="q"/>
-              <a:defRPr sz="3200" b="1" kern="1200">
-                <a:solidFill>
-                  <a:schemeClr val="tx1"/>
-                </a:solidFill>
-                <a:latin typeface="+mn-lt"/>
-                <a:ea typeface="微软雅黑" panose="020B0503020204020204" pitchFamily="34" charset="-122"/>
-                <a:cs typeface="+mn-cs"/>
-              </a:defRPr>
-            </a:lvl1pPr>
-            <a:lvl2pPr marL="685800" indent="-228600" algn="l" defTabSz="914400" rtl="0" eaLnBrk="1" latinLnBrk="0" hangingPunct="1">
-              <a:lnSpc>
-                <a:spcPct val="90000"/>
-              </a:lnSpc>
-              <a:spcBef>
-                <a:spcPts val="500"/>
-              </a:spcBef>
-              <a:buFont typeface="Wingdings" panose="05000000000000000000" pitchFamily="2" charset="2"/>
-              <a:buChar char="v"/>
-              <a:defRPr sz="2800" b="1" kern="1200">
-                <a:solidFill>
-                  <a:schemeClr val="tx1"/>
-                </a:solidFill>
-                <a:latin typeface="+mn-lt"/>
-                <a:ea typeface="楷体" panose="02010609060101010101" pitchFamily="49" charset="-122"/>
-                <a:cs typeface="+mn-cs"/>
-              </a:defRPr>
-            </a:lvl2pPr>
-            <a:lvl3pPr marL="1143000" indent="-228600" algn="l" defTabSz="914400" rtl="0" eaLnBrk="1" latinLnBrk="0" hangingPunct="1">
-              <a:lnSpc>
-                <a:spcPct val="90000"/>
-              </a:lnSpc>
-              <a:spcBef>
-                <a:spcPts val="500"/>
-              </a:spcBef>
-              <a:buFont typeface="Wingdings" panose="05000000000000000000" pitchFamily="2" charset="2"/>
-              <a:buChar char="Ø"/>
-              <a:defRPr sz="2400" b="1" kern="1200">
-                <a:solidFill>
-                  <a:schemeClr val="tx1"/>
-                </a:solidFill>
-                <a:latin typeface="+mn-lt"/>
-                <a:ea typeface="楷体" panose="02010609060101010101" pitchFamily="49" charset="-122"/>
-                <a:cs typeface="+mn-cs"/>
-              </a:defRPr>
-            </a:lvl3pPr>
-            <a:lvl4pPr marL="1600200" indent="-228600" algn="l" defTabSz="914400" rtl="0" eaLnBrk="1" latinLnBrk="0" hangingPunct="1">
-              <a:lnSpc>
-                <a:spcPct val="90000"/>
-              </a:lnSpc>
-              <a:spcBef>
-                <a:spcPts val="500"/>
-              </a:spcBef>
-              <a:buFont typeface="Arial" panose="020B0604020202020204" pitchFamily="34" charset="0"/>
-              <a:buChar char="•"/>
-              <a:defRPr sz="2000" b="1" kern="1200">
-                <a:solidFill>
-                  <a:schemeClr val="tx1"/>
-                </a:solidFill>
-                <a:latin typeface="+mn-lt"/>
-                <a:ea typeface="楷体" panose="02010609060101010101" pitchFamily="49" charset="-122"/>
-                <a:cs typeface="+mn-cs"/>
-              </a:defRPr>
-            </a:lvl4pPr>
-            <a:lvl5pPr marL="2057400" indent="-228600" algn="l" defTabSz="914400" rtl="0" eaLnBrk="1" latinLnBrk="0" hangingPunct="1">
-              <a:lnSpc>
-                <a:spcPct val="90000"/>
-              </a:lnSpc>
-              <a:spcBef>
-                <a:spcPts val="500"/>
-              </a:spcBef>
-              <a:buFont typeface="Arial" panose="020B0604020202020204" pitchFamily="34" charset="0"/>
-              <a:buChar char="•"/>
-              <a:defRPr sz="2000" b="1" kern="1200">
-                <a:solidFill>
-                  <a:schemeClr val="tx1"/>
-                </a:solidFill>
-                <a:latin typeface="+mn-lt"/>
-                <a:ea typeface="楷体" panose="02010609060101010101" pitchFamily="49" charset="-122"/>
-                <a:cs typeface="+mn-cs"/>
-              </a:defRPr>
-            </a:lvl5pPr>
-            <a:lvl6pPr marL="2514600" indent="-228600" algn="l" defTabSz="914400" rtl="0" eaLnBrk="1" latinLnBrk="0" hangingPunct="1">
-              <a:lnSpc>
-                <a:spcPct val="90000"/>
-              </a:lnSpc>
-              <a:spcBef>
-                <a:spcPts val="500"/>
-              </a:spcBef>
-              <a:buFont typeface="Arial" panose="020B0604020202020204" pitchFamily="34" charset="0"/>
-              <a:buChar char="•"/>
-              <a:defRPr sz="1800" kern="1200">
-                <a:solidFill>
-                  <a:schemeClr val="tx1"/>
-                </a:solidFill>
-                <a:latin typeface="+mn-lt"/>
-                <a:ea typeface="+mn-ea"/>
-                <a:cs typeface="+mn-cs"/>
-              </a:defRPr>
-            </a:lvl6pPr>
-            <a:lvl7pPr marL="2971800" indent="-228600" algn="l" defTabSz="914400" rtl="0" eaLnBrk="1" latinLnBrk="0" hangingPunct="1">
-              <a:lnSpc>
-                <a:spcPct val="90000"/>
-              </a:lnSpc>
-              <a:spcBef>
-                <a:spcPts val="500"/>
-              </a:spcBef>
-              <a:buFont typeface="Arial" panose="020B0604020202020204" pitchFamily="34" charset="0"/>
-              <a:buChar char="•"/>
-              <a:defRPr sz="1800" kern="1200">
-                <a:solidFill>
-                  <a:schemeClr val="tx1"/>
-                </a:solidFill>
-                <a:latin typeface="+mn-lt"/>
-                <a:ea typeface="+mn-ea"/>
-                <a:cs typeface="+mn-cs"/>
-              </a:defRPr>
-            </a:lvl7pPr>
-            <a:lvl8pPr marL="3429000" indent="-228600" algn="l" defTabSz="914400" rtl="0" eaLnBrk="1" latinLnBrk="0" hangingPunct="1">
-              <a:lnSpc>
-                <a:spcPct val="90000"/>
-              </a:lnSpc>
-              <a:spcBef>
-                <a:spcPts val="500"/>
-              </a:spcBef>
-              <a:buFont typeface="Arial" panose="020B0604020202020204" pitchFamily="34" charset="0"/>
-              <a:buChar char="•"/>
-              <a:defRPr sz="1800" kern="1200">
-                <a:solidFill>
-                  <a:schemeClr val="tx1"/>
-                </a:solidFill>
-                <a:latin typeface="+mn-lt"/>
-                <a:ea typeface="+mn-ea"/>
-                <a:cs typeface="+mn-cs"/>
-              </a:defRPr>
-            </a:lvl8pPr>
-            <a:lvl9pPr marL="3886200" indent="-228600" algn="l" defTabSz="914400" rtl="0" eaLnBrk="1" latinLnBrk="0" hangingPunct="1">
-              <a:lnSpc>
-                <a:spcPct val="90000"/>
-              </a:lnSpc>
-              <a:spcBef>
-                <a:spcPts val="500"/>
-              </a:spcBef>
-              <a:buFont typeface="Arial" panose="020B0604020202020204" pitchFamily="34" charset="0"/>
-              <a:buChar char="•"/>
-              <a:defRPr sz="1800" kern="1200">
-                <a:solidFill>
-                  <a:schemeClr val="tx1"/>
-                </a:solidFill>
-                <a:latin typeface="+mn-lt"/>
-                <a:ea typeface="+mn-ea"/>
-                <a:cs typeface="+mn-cs"/>
-              </a:defRPr>
-            </a:lvl9pPr>
-          </a:lstStyle>
-          <a:p>
-            <a:r>
-              <a:rPr lang="zh-CN" altLang="en-US" sz="2400" b="0" dirty="0">
-                <a:latin typeface="SimHei" panose="02010609060101010101" pitchFamily="49" charset="-122"/>
-                <a:ea typeface="SimHei" panose="02010609060101010101" pitchFamily="49" charset="-122"/>
-              </a:rPr>
-              <a:t>综合使用</a:t>
-            </a:r>
-          </a:p>
-        </p:txBody>
-      </p:sp>
-    </p:spTree>
-    <p:extLst>
-      <p:ext uri="{BB962C8B-B14F-4D97-AF65-F5344CB8AC3E}">
-        <p14:creationId xmlns:p14="http://schemas.microsoft.com/office/powerpoint/2010/main" val="2927291448"/>
-      </p:ext>
-    </p:extLst>
-  </p:cSld>
-  <p:clrMapOvr>
-    <a:masterClrMapping/>
-  </p:clrMapOvr>
-</p:sld>
-</file>
-
-<file path=ppt/slides/slide17.xml><?xml version="1.0" encoding="utf-8"?>
-<p:sld xmlns:a="http://schemas.openxmlformats.org/drawingml/2006/main" xmlns:r="http://schemas.openxmlformats.org/officeDocument/2006/relationships" xmlns:p="http://schemas.openxmlformats.org/presentationml/2006/main">
-  <p:cSld>
-    <p:spTree>
-      <p:nvGrpSpPr>
-        <p:cNvPr id="1" name=""/>
-        <p:cNvGrpSpPr/>
-        <p:nvPr/>
-      </p:nvGrpSpPr>
-      <p:grpSpPr>
-        <a:xfrm>
-          <a:off x="0" y="0"/>
-          <a:ext cx="0" cy="0"/>
-          <a:chOff x="0" y="0"/>
-          <a:chExt cx="0" cy="0"/>
-        </a:xfrm>
-      </p:grpSpPr>
-      <p:sp>
-        <p:nvSpPr>
-          <p:cNvPr id="2" name="Footer Placeholder 1">
-            <a:extLst>
-              <a:ext uri="{FF2B5EF4-FFF2-40B4-BE49-F238E27FC236}">
-                <a16:creationId xmlns:a16="http://schemas.microsoft.com/office/drawing/2014/main" id="{F44DF7F8-02C9-9241-A9C4-B6EB3D042470}"/>
-              </a:ext>
-            </a:extLst>
-          </p:cNvPr>
-          <p:cNvSpPr>
-            <a:spLocks noGrp="1"/>
-          </p:cNvSpPr>
-          <p:nvPr>
-            <p:ph type="ftr" sz="quarter" idx="11"/>
-          </p:nvPr>
-        </p:nvSpPr>
-        <p:spPr/>
-        <p:txBody>
-          <a:bodyPr/>
-          <a:lstStyle/>
-          <a:p>
-            <a:pPr>
-              <a:defRPr/>
-            </a:pPr>
-            <a:r>
-              <a:rPr lang="zh-CN" altLang="en-US"/>
-              <a:t>云闪存系统中的多租户性能隔离研究</a:t>
-            </a:r>
-            <a:endParaRPr lang="zh-CN" altLang="en-US" dirty="0"/>
-          </a:p>
-        </p:txBody>
-      </p:sp>
-      <p:sp>
-        <p:nvSpPr>
-          <p:cNvPr id="3" name="Title 2">
-            <a:extLst>
-              <a:ext uri="{FF2B5EF4-FFF2-40B4-BE49-F238E27FC236}">
-                <a16:creationId xmlns:a16="http://schemas.microsoft.com/office/drawing/2014/main" id="{C6AE3D73-4E49-2D4F-8DF2-E2F674F39130}"/>
-              </a:ext>
-            </a:extLst>
-          </p:cNvPr>
-          <p:cNvSpPr>
-            <a:spLocks noGrp="1"/>
-          </p:cNvSpPr>
-          <p:nvPr>
-            <p:ph type="title"/>
-          </p:nvPr>
-        </p:nvSpPr>
-        <p:spPr/>
-        <p:txBody>
-          <a:bodyPr/>
-          <a:lstStyle/>
-          <a:p>
-            <a:r>
-              <a:rPr lang="en-CN" dirty="0"/>
               <a:t>总结</a:t>
             </a:r>
           </a:p>
@@ -8936,7 +7161,12 @@
             <p:ph idx="1"/>
           </p:nvPr>
         </p:nvSpPr>
-        <p:spPr/>
+        <p:spPr>
+          <a:xfrm>
+            <a:off x="292598" y="1233055"/>
+            <a:ext cx="8573849" cy="4943908"/>
+          </a:xfrm>
+        </p:spPr>
         <p:txBody>
           <a:bodyPr>
             <a:normAutofit/>
@@ -8957,7 +7187,21 @@
                 <a:latin typeface="SimHei" panose="02010609060101010101" pitchFamily="49" charset="-122"/>
                 <a:ea typeface="SimHei" panose="02010609060101010101" pitchFamily="49" charset="-122"/>
               </a:rPr>
-              <a:t>为了消除读写干扰</a:t>
+              <a:t>为了</a:t>
+            </a:r>
+            <a:r>
+              <a:rPr lang="en-CN" sz="2400" dirty="0">
+                <a:latin typeface="SimHei" panose="02010609060101010101" pitchFamily="49" charset="-122"/>
+                <a:ea typeface="SimHei" panose="02010609060101010101" pitchFamily="49" charset="-122"/>
+              </a:rPr>
+              <a:t>避免</a:t>
+            </a:r>
+            <a:r>
+              <a:rPr lang="en-CN" sz="2400" b="0" dirty="0">
+                <a:latin typeface="SimHei" panose="02010609060101010101" pitchFamily="49" charset="-122"/>
+                <a:ea typeface="SimHei" panose="02010609060101010101" pitchFamily="49" charset="-122"/>
+              </a:rPr>
+              <a:t>读写干扰</a:t>
             </a:r>
             <a:r>
               <a:rPr lang="zh-CN" altLang="en-US" sz="2400" b="0" dirty="0">
@@ -8991,7 +7235,21 @@
                 <a:latin typeface="SimHei" panose="02010609060101010101" pitchFamily="49" charset="-122"/>
                 <a:ea typeface="SimHei" panose="02010609060101010101" pitchFamily="49" charset="-122"/>
               </a:rPr>
-              <a:t>为了减轻读写干扰，本研究通过基于</a:t>
+              <a:t>为了</a:t>
+            </a:r>
+            <a:r>
+              <a:rPr lang="zh-CN" altLang="en-US" sz="2400" dirty="0">
+                <a:latin typeface="SimHei" panose="02010609060101010101" pitchFamily="49" charset="-122"/>
+                <a:ea typeface="SimHei" panose="02010609060101010101" pitchFamily="49" charset="-122"/>
+              </a:rPr>
+              <a:t>减轻</a:t>
+            </a:r>
+            <a:r>
+              <a:rPr lang="zh-CN" altLang="en-US" sz="2400" b="0" dirty="0">
+                <a:latin typeface="SimHei" panose="02010609060101010101" pitchFamily="49" charset="-122"/>
+                <a:ea typeface="SimHei" panose="02010609060101010101" pitchFamily="49" charset="-122"/>
+              </a:rPr>
+              <a:t>读写干扰，本研究通过基于</a:t>
             </a:r>
             <a:r>
               <a:rPr lang="en-US" altLang="zh-CN" sz="2400" b="0" dirty="0">
@@ -9089,7 +7347,7 @@
 </p:sld>
 </file>
 
-<file path=ppt/slides/slide18.xml><?xml version="1.0" encoding="utf-8"?>
+<file path=ppt/slides/slide15.xml><?xml version="1.0" encoding="utf-8"?>
 <p:sld xmlns:a="http://schemas.openxmlformats.org/drawingml/2006/main" xmlns:r="http://schemas.openxmlformats.org/officeDocument/2006/relationships" xmlns:p="http://schemas.openxmlformats.org/presentationml/2006/main">
   <p:cSld>
     <p:spTree>
@@ -9459,7 +7717,7 @@
                 <a:latin typeface="SimHei" panose="02010609060101010101" pitchFamily="49" charset="-122"/>
                 <a:ea typeface="SimHei" panose="02010609060101010101" pitchFamily="49" charset="-122"/>
               </a:rPr>
-              <a:t>基于云的数据应用对存储设备的吞吐和尾延迟有极高的要求</a:t>
+              <a:t>基于云的数据应用对存储服务的吞吐和尾延迟有极高的要求</a:t>
             </a:r>
           </a:p>
         </p:txBody>
@@ -9474,139 +7732,6 @@
   <p:clrMapOvr>
     <a:masterClrMapping/>
   </p:clrMapOvr>
-  <p:timing>
-    <p:tnLst>
-      <p:par>
-        <p:cTn id="1" dur="indefinite" restart="never" nodeType="tmRoot">
-          <p:childTnLst>
-            <p:seq concurrent="1" nextAc="seek">
-              <p:cTn id="2" dur="indefinite" nodeType="mainSeq">
-                <p:childTnLst>
-                  <p:par>
-                    <p:cTn id="3" fill="hold">
-                      <p:stCondLst>
-                        <p:cond delay="indefinite"/>
-                      </p:stCondLst>
-                      <p:childTnLst>
-                        <p:par>
-                          <p:cTn id="4" fill="hold">
-                            <p:stCondLst>
-                              <p:cond delay="0"/>
-                            </p:stCondLst>
-                            <p:childTnLst>
-                              <p:par>
-                                <p:cTn id="5" presetID="1" presetClass="entr" presetSubtype="0" fill="hold" nodeType="clickEffect">
-                                  <p:stCondLst>
-                                    <p:cond delay="0"/>
-                                  </p:stCondLst>
-                                  <p:childTnLst>
-                                    <p:set>
-                                      <p:cBhvr>
-                                        <p:cTn id="6" dur="1" fill="hold">
-                                          <p:stCondLst>
-                                            <p:cond delay="0"/>
-                                          </p:stCondLst>
-                                        </p:cTn>
-                                        <p:tgtEl>
-                                          <p:spTgt spid="7"/>
-                                        </p:tgtEl>
-                                        <p:attrNameLst>
-                                          <p:attrName>style.visibility</p:attrName>
-                                        </p:attrNameLst>
-                                      </p:cBhvr>
-                                      <p:to>
-                                        <p:strVal val="visible"/>
-                                      </p:to>
-                                    </p:set>
-                                  </p:childTnLst>
-                                </p:cTn>
-                              </p:par>
-                              <p:par>
-                                <p:cTn id="7" presetID="1" presetClass="entr" presetSubtype="0" fill="hold" grpId="0" nodeType="withEffect">
-                                  <p:stCondLst>
-                                    <p:cond delay="0"/>
-                                  </p:stCondLst>
-                                  <p:childTnLst>
-                                    <p:set>
-                                      <p:cBhvr>
-                                        <p:cTn id="8" dur="1" fill="hold">
-                                          <p:stCondLst>
-                                            <p:cond delay="0"/>
-                                          </p:stCondLst>
-                                        </p:cTn>
-                                        <p:tgtEl>
-                                          <p:spTgt spid="12"/>
-                                        </p:tgtEl>
-                                        <p:attrNameLst>
-                                          <p:attrName>style.visibility</p:attrName>
-                                        </p:attrNameLst>
-                                      </p:cBhvr>
-                                      <p:to>
-                                        <p:strVal val="visible"/>
-                                      </p:to>
-                                    </p:set>
-                                  </p:childTnLst>
-                                </p:cTn>
-                              </p:par>
-                              <p:par>
-                                <p:cTn id="9" presetID="1" presetClass="entr" presetSubtype="0" fill="hold" grpId="0" nodeType="withEffect">
-                                  <p:stCondLst>
-                                    <p:cond delay="0"/>
-                                  </p:stCondLst>
-                                  <p:childTnLst>
-                                    <p:set>
-                                      <p:cBhvr>
-                                        <p:cTn id="10" dur="1" fill="hold">
-                                          <p:stCondLst>
-                                            <p:cond delay="0"/>
-                                          </p:stCondLst>
-                                        </p:cTn>
-                                        <p:tgtEl>
-                                          <p:spTgt spid="14"/>
-                                        </p:tgtEl>
-                                        <p:attrNameLst>
-                                          <p:attrName>style.visibility</p:attrName>
-                                        </p:attrNameLst>
-                                      </p:cBhvr>
-                                      <p:to>
-                                        <p:strVal val="visible"/>
-                                      </p:to>
-                                    </p:set>
-                                  </p:childTnLst>
-                                </p:cTn>
-                              </p:par>
-                            </p:childTnLst>
-                          </p:cTn>
-                        </p:par>
-                      </p:childTnLst>
-                    </p:cTn>
-                  </p:par>
-                </p:childTnLst>
-              </p:cTn>
-              <p:prevCondLst>
-                <p:cond evt="onPrev" delay="0">
-                  <p:tgtEl>
-                    <p:sldTgt/>
-                  </p:tgtEl>
-                </p:cond>
-              </p:prevCondLst>
-              <p:nextCondLst>
-                <p:cond evt="onNext" delay="0">
-                  <p:tgtEl>
-                    <p:sldTgt/>
-                  </p:tgtEl>
-                </p:cond>
-              </p:nextCondLst>
-            </p:seq>
-          </p:childTnLst>
-        </p:cTn>
-      </p:par>
-    </p:tnLst>
-    <p:bldLst>
-      <p:bldP spid="12" grpId="0" animBg="1"/>
-      <p:bldP spid="14" grpId="0" animBg="1"/>
-    </p:bldLst>
-  </p:timing>
 </p:sld>
 </file>
 
@@ -9690,7 +7815,7 @@
                 <a:latin typeface="SimHei" panose="02010609060101010101" pitchFamily="49" charset="-122"/>
                 <a:ea typeface="SimHei" panose="02010609060101010101" pitchFamily="49" charset="-122"/>
               </a:rPr>
-              <a:t>基于云的数据应用对存储设备的吞吐和尾延迟有极高的要求</a:t>
+              <a:t>基于云的数据应用对存储服务的吞吐和尾延迟有极高的要求</a:t>
             </a:r>
           </a:p>
           <a:p>
@@ -10666,12 +8791,221 @@
           </a:p>
         </p:txBody>
       </p:sp>
+      <p:sp>
+        <p:nvSpPr>
+          <p:cNvPr id="19" name="TextBox 18">
+            <a:extLst>
+              <a:ext uri="{FF2B5EF4-FFF2-40B4-BE49-F238E27FC236}">
+                <a16:creationId xmlns:a16="http://schemas.microsoft.com/office/drawing/2014/main" id="{11A5D244-0D7D-084C-B814-CBDB8C35D872}"/>
+              </a:ext>
+            </a:extLst>
+          </p:cNvPr>
+          <p:cNvSpPr txBox="1"/>
+          <p:nvPr/>
+        </p:nvSpPr>
+        <p:spPr>
+          <a:xfrm>
+            <a:off x="450850" y="1091148"/>
+            <a:ext cx="8470900" cy="3416320"/>
+          </a:xfrm>
+          <a:prstGeom prst="rect">
+            <a:avLst/>
+          </a:prstGeom>
+          <a:noFill/>
+        </p:spPr>
+        <p:txBody>
+          <a:bodyPr wrap="square" rtlCol="0">
+            <a:spAutoFit/>
+          </a:bodyPr>
+          <a:lstStyle/>
+          <a:p>
+            <a:pPr marL="285750" indent="-285750">
+              <a:buFont typeface="Wingdings" pitchFamily="2" charset="2"/>
+              <a:buChar char="q"/>
+            </a:pPr>
+            <a:r>
+              <a:rPr lang="en-CN" sz="2400" dirty="0">
+                <a:latin typeface="SimHei" panose="02010609060101010101" pitchFamily="49" charset="-122"/>
+                <a:ea typeface="SimHei" panose="02010609060101010101" pitchFamily="49" charset="-122"/>
+              </a:rPr>
+              <a:t>由于NAND</a:t>
+            </a:r>
+            <a:r>
+              <a:rPr lang="zh-CN" altLang="en-US" sz="2400" dirty="0">
+                <a:latin typeface="SimHei" panose="02010609060101010101" pitchFamily="49" charset="-122"/>
+                <a:ea typeface="SimHei" panose="02010609060101010101" pitchFamily="49" charset="-122"/>
+              </a:rPr>
+              <a:t> </a:t>
+            </a:r>
+            <a:r>
+              <a:rPr lang="en-CN" sz="2400" dirty="0">
+                <a:latin typeface="SimHei" panose="02010609060101010101" pitchFamily="49" charset="-122"/>
+                <a:ea typeface="SimHei" panose="02010609060101010101" pitchFamily="49" charset="-122"/>
+              </a:rPr>
+              <a:t>SSD的</a:t>
+            </a:r>
+            <a:r>
+              <a:rPr lang="en-CN" sz="2400" b="1" dirty="0">
+                <a:latin typeface="SimHei" panose="02010609060101010101" pitchFamily="49" charset="-122"/>
+                <a:ea typeface="SimHei" panose="02010609060101010101" pitchFamily="49" charset="-122"/>
+              </a:rPr>
+              <a:t>读写干扰</a:t>
+            </a:r>
+            <a:r>
+              <a:rPr lang="en-CN" sz="2400" dirty="0">
+                <a:latin typeface="SimHei" panose="02010609060101010101" pitchFamily="49" charset="-122"/>
+                <a:ea typeface="SimHei" panose="02010609060101010101" pitchFamily="49" charset="-122"/>
+              </a:rPr>
+              <a:t>问题</a:t>
+            </a:r>
+            <a:r>
+              <a:rPr lang="zh-CN" altLang="en-US" sz="2400" dirty="0">
+                <a:latin typeface="SimHei" panose="02010609060101010101" pitchFamily="49" charset="-122"/>
+                <a:ea typeface="SimHei" panose="02010609060101010101" pitchFamily="49" charset="-122"/>
+              </a:rPr>
+              <a:t>，多租户性能隔离在</a:t>
+            </a:r>
+            <a:r>
+              <a:rPr lang="en-US" altLang="zh-CN" sz="2400" dirty="0">
+                <a:latin typeface="SimHei" panose="02010609060101010101" pitchFamily="49" charset="-122"/>
+                <a:ea typeface="SimHei" panose="02010609060101010101" pitchFamily="49" charset="-122"/>
+              </a:rPr>
+              <a:t>SSD</a:t>
+            </a:r>
+            <a:r>
+              <a:rPr lang="zh-CN" altLang="en-US" sz="2400" dirty="0">
+                <a:latin typeface="SimHei" panose="02010609060101010101" pitchFamily="49" charset="-122"/>
+                <a:ea typeface="SimHei" panose="02010609060101010101" pitchFamily="49" charset="-122"/>
+              </a:rPr>
+              <a:t>上难以实现</a:t>
+            </a:r>
+            <a:endParaRPr lang="en-US" altLang="zh-CN" sz="2400" dirty="0">
+              <a:latin typeface="SimHei" panose="02010609060101010101" pitchFamily="49" charset="-122"/>
+              <a:ea typeface="SimHei" panose="02010609060101010101" pitchFamily="49" charset="-122"/>
+            </a:endParaRPr>
+          </a:p>
+          <a:p>
+            <a:pPr marL="285750" indent="-285750">
+              <a:buFont typeface="Wingdings" pitchFamily="2" charset="2"/>
+              <a:buChar char="q"/>
+            </a:pPr>
+            <a:r>
+              <a:rPr lang="zh-CN" altLang="en-US" sz="2400" dirty="0">
+                <a:latin typeface="SimHei" panose="02010609060101010101" pitchFamily="49" charset="-122"/>
+                <a:ea typeface="SimHei" panose="02010609060101010101" pitchFamily="49" charset="-122"/>
+              </a:rPr>
+              <a:t>在</a:t>
+            </a:r>
+            <a:r>
+              <a:rPr lang="en-US" altLang="zh-CN" sz="2400" dirty="0">
+                <a:ea typeface="SimHei" panose="02010609060101010101" pitchFamily="49" charset="-122"/>
+              </a:rPr>
+              <a:t>Samsung</a:t>
+            </a:r>
+            <a:r>
+              <a:rPr lang="zh-CN" altLang="en-US" sz="2400" dirty="0">
+                <a:ea typeface="SimHei" panose="02010609060101010101" pitchFamily="49" charset="-122"/>
+              </a:rPr>
+              <a:t> </a:t>
+            </a:r>
+            <a:r>
+              <a:rPr lang="en-US" altLang="zh-CN" sz="2400" dirty="0">
+                <a:ea typeface="SimHei" panose="02010609060101010101" pitchFamily="49" charset="-122"/>
+              </a:rPr>
+              <a:t>PM963</a:t>
+            </a:r>
+            <a:r>
+              <a:rPr lang="zh-CN" altLang="en-US" sz="2400" dirty="0">
+                <a:latin typeface="SimHei" panose="02010609060101010101" pitchFamily="49" charset="-122"/>
+                <a:ea typeface="SimHei" panose="02010609060101010101" pitchFamily="49" charset="-122"/>
+              </a:rPr>
+              <a:t>上，很小的写流量就会使读的尾延迟增大十倍</a:t>
+            </a:r>
+            <a:endParaRPr lang="en-US" altLang="zh-CN" sz="2400" dirty="0">
+              <a:latin typeface="SimHei" panose="02010609060101010101" pitchFamily="49" charset="-122"/>
+              <a:ea typeface="SimHei" panose="02010609060101010101" pitchFamily="49" charset="-122"/>
+            </a:endParaRPr>
+          </a:p>
+          <a:p>
+            <a:pPr marL="285750" indent="-285750">
+              <a:buFont typeface="Wingdings" pitchFamily="2" charset="2"/>
+              <a:buChar char="q"/>
+            </a:pPr>
+            <a:r>
+              <a:rPr lang="en-CN" sz="2400" dirty="0">
+                <a:latin typeface="SimHei" panose="02010609060101010101" pitchFamily="49" charset="-122"/>
+                <a:ea typeface="SimHei" panose="02010609060101010101" pitchFamily="49" charset="-122"/>
+              </a:rPr>
+              <a:t>这是由于一个租户的写操作可能触发SSD内部的垃圾回收</a:t>
+            </a:r>
+            <a:r>
+              <a:rPr lang="zh-CN" altLang="en-US" sz="2400" dirty="0">
+                <a:latin typeface="SimHei" panose="02010609060101010101" pitchFamily="49" charset="-122"/>
+                <a:ea typeface="SimHei" panose="02010609060101010101" pitchFamily="49" charset="-122"/>
+              </a:rPr>
+              <a:t>、缓冲区刷新等操作，进而影响其他租户的访问性能</a:t>
+            </a:r>
+            <a:endParaRPr lang="en-US" altLang="zh-CN" sz="2400" dirty="0">
+              <a:latin typeface="SimHei" panose="02010609060101010101" pitchFamily="49" charset="-122"/>
+              <a:ea typeface="SimHei" panose="02010609060101010101" pitchFamily="49" charset="-122"/>
+            </a:endParaRPr>
+          </a:p>
+          <a:p>
+            <a:pPr marL="285750" indent="-285750">
+              <a:buFont typeface="Wingdings" pitchFamily="2" charset="2"/>
+              <a:buChar char="q"/>
+            </a:pPr>
+            <a:r>
+              <a:rPr lang="en-US" sz="2400" dirty="0" err="1">
+                <a:latin typeface="SimHei" panose="02010609060101010101" pitchFamily="49" charset="-122"/>
+                <a:ea typeface="SimHei" panose="02010609060101010101" pitchFamily="49" charset="-122"/>
+              </a:rPr>
+              <a:t>因此</a:t>
+            </a:r>
+            <a:r>
+              <a:rPr lang="zh-CN" altLang="en-US" sz="2400" dirty="0">
+                <a:latin typeface="SimHei" panose="02010609060101010101" pitchFamily="49" charset="-122"/>
+                <a:ea typeface="SimHei" panose="02010609060101010101" pitchFamily="49" charset="-122"/>
+              </a:rPr>
+              <a:t>，高性能的云应用仍倾向于采用租户独占的</a:t>
+            </a:r>
+            <a:r>
+              <a:rPr lang="en-US" altLang="zh-CN" sz="2400" dirty="0">
+                <a:latin typeface="SimHei" panose="02010609060101010101" pitchFamily="49" charset="-122"/>
+                <a:ea typeface="SimHei" panose="02010609060101010101" pitchFamily="49" charset="-122"/>
+              </a:rPr>
+              <a:t>SSD</a:t>
+            </a:r>
+            <a:r>
+              <a:rPr lang="zh-CN" altLang="en-US" sz="2400" dirty="0">
+                <a:latin typeface="SimHei" panose="02010609060101010101" pitchFamily="49" charset="-122"/>
+                <a:ea typeface="SimHei" panose="02010609060101010101" pitchFamily="49" charset="-122"/>
+              </a:rPr>
+              <a:t>存储，这会造成资源的浪费</a:t>
+            </a:r>
+            <a:endParaRPr lang="en-CN" sz="2400" dirty="0">
+              <a:latin typeface="SimHei" panose="02010609060101010101" pitchFamily="49" charset="-122"/>
+              <a:ea typeface="SimHei" panose="02010609060101010101" pitchFamily="49" charset="-122"/>
+            </a:endParaRPr>
+          </a:p>
+          <a:p>
+            <a:pPr marL="285750" indent="-285750">
+              <a:buFont typeface="Wingdings" pitchFamily="2" charset="2"/>
+              <a:buChar char="q"/>
+            </a:pPr>
+            <a:endParaRPr lang="en-CN" sz="2400" dirty="0">
+              <a:latin typeface="SimHei" panose="02010609060101010101" pitchFamily="49" charset="-122"/>
+              <a:ea typeface="SimHei" panose="02010609060101010101" pitchFamily="49" charset="-122"/>
+            </a:endParaRPr>
+          </a:p>
+        </p:txBody>
+      </p:sp>
       <p:pic>
         <p:nvPicPr>
-          <p:cNvPr id="13" name="Graphic 12">
+          <p:cNvPr id="6" name="Graphic 5">
             <a:extLst>
               <a:ext uri="{FF2B5EF4-FFF2-40B4-BE49-F238E27FC236}">
-                <a16:creationId xmlns:a16="http://schemas.microsoft.com/office/drawing/2014/main" id="{7B84F04B-50D0-C140-BA39-FA22FC32E203}"/>
+                <a16:creationId xmlns:a16="http://schemas.microsoft.com/office/drawing/2014/main" id="{8C796F85-FBA2-8542-80A3-E146E7AD26B6}"/>
               </a:ext>
             </a:extLst>
           </p:cNvPr>
@@ -10697,7 +9031,7 @@
         </p:blipFill>
         <p:spPr>
           <a:xfrm>
-            <a:off x="833949" y="3860800"/>
+            <a:off x="833949" y="4366579"/>
             <a:ext cx="1139770" cy="1606708"/>
           </a:xfrm>
           <a:prstGeom prst="rect">
@@ -10707,10 +9041,10 @@
       </p:pic>
       <p:pic>
         <p:nvPicPr>
-          <p:cNvPr id="15" name="Graphic 14">
+          <p:cNvPr id="7" name="Graphic 6">
             <a:extLst>
               <a:ext uri="{FF2B5EF4-FFF2-40B4-BE49-F238E27FC236}">
-                <a16:creationId xmlns:a16="http://schemas.microsoft.com/office/drawing/2014/main" id="{C5511267-9345-E94F-A36E-3A2A1393AEC7}"/>
+                <a16:creationId xmlns:a16="http://schemas.microsoft.com/office/drawing/2014/main" id="{18657893-4525-1846-8F04-3939488C595F}"/>
               </a:ext>
             </a:extLst>
           </p:cNvPr>
@@ -10736,7 +9070,7 @@
         </p:blipFill>
         <p:spPr>
           <a:xfrm>
-            <a:off x="7347982" y="3860800"/>
+            <a:off x="7347982" y="4366579"/>
             <a:ext cx="1129268" cy="1606708"/>
           </a:xfrm>
           <a:prstGeom prst="rect">
@@ -10746,10 +9080,10 @@
       </p:pic>
       <p:sp>
         <p:nvSpPr>
-          <p:cNvPr id="16" name="Can 15">
+          <p:cNvPr id="8" name="Can 7">
             <a:extLst>
               <a:ext uri="{FF2B5EF4-FFF2-40B4-BE49-F238E27FC236}">
-                <a16:creationId xmlns:a16="http://schemas.microsoft.com/office/drawing/2014/main" id="{48BFAFAC-E144-F84F-916A-5EB7A29F12AB}"/>
+                <a16:creationId xmlns:a16="http://schemas.microsoft.com/office/drawing/2014/main" id="{C97F55F0-4FF8-3942-A9AD-EC1EF8C1D118}"/>
               </a:ext>
             </a:extLst>
           </p:cNvPr>
@@ -10758,7 +9092,7 @@
         </p:nvSpPr>
         <p:spPr>
           <a:xfrm>
-            <a:off x="4002115" y="4401843"/>
+            <a:off x="4002115" y="4907622"/>
             <a:ext cx="1139770" cy="841963"/>
           </a:xfrm>
           <a:prstGeom prst="can">
@@ -10805,10 +9139,10 @@
       </p:sp>
       <p:sp>
         <p:nvSpPr>
-          <p:cNvPr id="17" name="Right Arrow 16">
+          <p:cNvPr id="9" name="Right Arrow 8">
             <a:extLst>
               <a:ext uri="{FF2B5EF4-FFF2-40B4-BE49-F238E27FC236}">
-                <a16:creationId xmlns:a16="http://schemas.microsoft.com/office/drawing/2014/main" id="{44A0F6B0-002A-FC4E-9F12-359E4167B501}"/>
+                <a16:creationId xmlns:a16="http://schemas.microsoft.com/office/drawing/2014/main" id="{0BEA3947-ECCE-4F42-A744-055B45A5A873}"/>
               </a:ext>
             </a:extLst>
           </p:cNvPr>
@@ -10817,7 +9151,7 @@
         </p:nvSpPr>
         <p:spPr>
           <a:xfrm>
-            <a:off x="2418123" y="4764920"/>
+            <a:off x="2418123" y="5270699"/>
             <a:ext cx="854439" cy="323166"/>
           </a:xfrm>
           <a:prstGeom prst="rightArrow">
@@ -10854,10 +9188,10 @@
       </p:sp>
       <p:sp>
         <p:nvSpPr>
-          <p:cNvPr id="18" name="TextBox 17">
+          <p:cNvPr id="10" name="TextBox 9">
             <a:extLst>
               <a:ext uri="{FF2B5EF4-FFF2-40B4-BE49-F238E27FC236}">
-                <a16:creationId xmlns:a16="http://schemas.microsoft.com/office/drawing/2014/main" id="{0D0A8338-5079-9648-8F0A-8FED813A8751}"/>
+                <a16:creationId xmlns:a16="http://schemas.microsoft.com/office/drawing/2014/main" id="{4E3968C9-9AB0-0649-A3DC-B8747432083B}"/>
               </a:ext>
             </a:extLst>
           </p:cNvPr>
@@ -10866,7 +9200,7 @@
         </p:nvSpPr>
         <p:spPr>
           <a:xfrm>
-            <a:off x="2238942" y="4512017"/>
+            <a:off x="2238942" y="5017796"/>
             <a:ext cx="1063288" cy="369332"/>
           </a:xfrm>
           <a:prstGeom prst="rect">
@@ -10893,10 +9227,10 @@
       </p:sp>
       <p:sp>
         <p:nvSpPr>
-          <p:cNvPr id="19" name="TextBox 18">
+          <p:cNvPr id="11" name="TextBox 10">
             <a:extLst>
               <a:ext uri="{FF2B5EF4-FFF2-40B4-BE49-F238E27FC236}">
-                <a16:creationId xmlns:a16="http://schemas.microsoft.com/office/drawing/2014/main" id="{11A5D244-0D7D-084C-B814-CBDB8C35D872}"/>
+                <a16:creationId xmlns:a16="http://schemas.microsoft.com/office/drawing/2014/main" id="{EC10D216-20A2-4F4D-8AA8-E31A5374A062}"/>
               </a:ext>
             </a:extLst>
           </p:cNvPr>
@@ -10905,178 +9239,7 @@
         </p:nvSpPr>
         <p:spPr>
           <a:xfrm>
-            <a:off x="450850" y="1091148"/>
-            <a:ext cx="8470900" cy="2677656"/>
-          </a:xfrm>
-          <a:prstGeom prst="rect">
-            <a:avLst/>
-          </a:prstGeom>
-          <a:noFill/>
-        </p:spPr>
-        <p:txBody>
-          <a:bodyPr wrap="square" rtlCol="0">
-            <a:spAutoFit/>
-          </a:bodyPr>
-          <a:lstStyle/>
-          <a:p>
-            <a:pPr marL="285750" indent="-285750">
-              <a:buFont typeface="Wingdings" pitchFamily="2" charset="2"/>
-              <a:buChar char="q"/>
-            </a:pPr>
-            <a:r>
-              <a:rPr lang="en-CN" sz="2400" dirty="0">
-                <a:latin typeface="SimHei" panose="02010609060101010101" pitchFamily="49" charset="-122"/>
-                <a:ea typeface="SimHei" panose="02010609060101010101" pitchFamily="49" charset="-122"/>
-              </a:rPr>
-              <a:t>由于NAND</a:t>
-            </a:r>
-            <a:r>
-              <a:rPr lang="zh-CN" altLang="en-US" sz="2400" dirty="0">
-                <a:latin typeface="SimHei" panose="02010609060101010101" pitchFamily="49" charset="-122"/>
-                <a:ea typeface="SimHei" panose="02010609060101010101" pitchFamily="49" charset="-122"/>
-              </a:rPr>
-              <a:t> </a:t>
-            </a:r>
-            <a:r>
-              <a:rPr lang="en-CN" sz="2400" dirty="0">
-                <a:latin typeface="SimHei" panose="02010609060101010101" pitchFamily="49" charset="-122"/>
-                <a:ea typeface="SimHei" panose="02010609060101010101" pitchFamily="49" charset="-122"/>
-              </a:rPr>
-              <a:t>SSD的</a:t>
-            </a:r>
-            <a:r>
-              <a:rPr lang="en-CN" sz="2400" b="1" dirty="0">
-                <a:latin typeface="SimHei" panose="02010609060101010101" pitchFamily="49" charset="-122"/>
-                <a:ea typeface="SimHei" panose="02010609060101010101" pitchFamily="49" charset="-122"/>
-              </a:rPr>
-              <a:t>读写干扰</a:t>
-            </a:r>
-            <a:r>
-              <a:rPr lang="en-CN" sz="2400" dirty="0">
-                <a:latin typeface="SimHei" panose="02010609060101010101" pitchFamily="49" charset="-122"/>
-                <a:ea typeface="SimHei" panose="02010609060101010101" pitchFamily="49" charset="-122"/>
-              </a:rPr>
-              <a:t>问题</a:t>
-            </a:r>
-            <a:r>
-              <a:rPr lang="zh-CN" altLang="en-US" sz="2400" dirty="0">
-                <a:latin typeface="SimHei" panose="02010609060101010101" pitchFamily="49" charset="-122"/>
-                <a:ea typeface="SimHei" panose="02010609060101010101" pitchFamily="49" charset="-122"/>
-              </a:rPr>
-              <a:t>，多租户性能隔离在</a:t>
-            </a:r>
-            <a:r>
-              <a:rPr lang="en-US" altLang="zh-CN" sz="2400" dirty="0">
-                <a:latin typeface="SimHei" panose="02010609060101010101" pitchFamily="49" charset="-122"/>
-                <a:ea typeface="SimHei" panose="02010609060101010101" pitchFamily="49" charset="-122"/>
-              </a:rPr>
-              <a:t>SSD</a:t>
-            </a:r>
-            <a:r>
-              <a:rPr lang="zh-CN" altLang="en-US" sz="2400" dirty="0">
-                <a:latin typeface="SimHei" panose="02010609060101010101" pitchFamily="49" charset="-122"/>
-                <a:ea typeface="SimHei" panose="02010609060101010101" pitchFamily="49" charset="-122"/>
-              </a:rPr>
-              <a:t>上难以实现</a:t>
-            </a:r>
-            <a:endParaRPr lang="en-US" altLang="zh-CN" sz="2400" dirty="0">
-              <a:latin typeface="SimHei" panose="02010609060101010101" pitchFamily="49" charset="-122"/>
-              <a:ea typeface="SimHei" panose="02010609060101010101" pitchFamily="49" charset="-122"/>
-            </a:endParaRPr>
-          </a:p>
-          <a:p>
-            <a:pPr marL="285750" indent="-285750">
-              <a:buFont typeface="Wingdings" pitchFamily="2" charset="2"/>
-              <a:buChar char="q"/>
-            </a:pPr>
-            <a:r>
-              <a:rPr lang="zh-CN" altLang="en-US" sz="2400" dirty="0">
-                <a:latin typeface="SimHei" panose="02010609060101010101" pitchFamily="49" charset="-122"/>
-                <a:ea typeface="SimHei" panose="02010609060101010101" pitchFamily="49" charset="-122"/>
-              </a:rPr>
-              <a:t>在</a:t>
-            </a:r>
-            <a:r>
-              <a:rPr lang="en-US" altLang="zh-CN" sz="2400" dirty="0">
-                <a:ea typeface="SimHei" panose="02010609060101010101" pitchFamily="49" charset="-122"/>
-              </a:rPr>
-              <a:t>Samsung</a:t>
-            </a:r>
-            <a:r>
-              <a:rPr lang="zh-CN" altLang="en-US" sz="2400" dirty="0">
-                <a:ea typeface="SimHei" panose="02010609060101010101" pitchFamily="49" charset="-122"/>
-              </a:rPr>
-              <a:t> </a:t>
-            </a:r>
-            <a:r>
-              <a:rPr lang="en-US" altLang="zh-CN" sz="2400" dirty="0">
-                <a:ea typeface="SimHei" panose="02010609060101010101" pitchFamily="49" charset="-122"/>
-              </a:rPr>
-              <a:t>PM963</a:t>
-            </a:r>
-            <a:r>
-              <a:rPr lang="zh-CN" altLang="en-US" sz="2400" dirty="0">
-                <a:latin typeface="SimHei" panose="02010609060101010101" pitchFamily="49" charset="-122"/>
-                <a:ea typeface="SimHei" panose="02010609060101010101" pitchFamily="49" charset="-122"/>
-              </a:rPr>
-              <a:t>上，很小的写流量就会使读的尾延迟增大十倍</a:t>
-            </a:r>
-            <a:endParaRPr lang="en-US" altLang="zh-CN" sz="2400" dirty="0">
-              <a:latin typeface="SimHei" panose="02010609060101010101" pitchFamily="49" charset="-122"/>
-              <a:ea typeface="SimHei" panose="02010609060101010101" pitchFamily="49" charset="-122"/>
-            </a:endParaRPr>
-          </a:p>
-          <a:p>
-            <a:pPr marL="285750" indent="-285750">
-              <a:buFont typeface="Wingdings" pitchFamily="2" charset="2"/>
-              <a:buChar char="q"/>
-            </a:pPr>
-            <a:r>
-              <a:rPr lang="en-CN" sz="2400" dirty="0">
-                <a:latin typeface="SimHei" panose="02010609060101010101" pitchFamily="49" charset="-122"/>
-                <a:ea typeface="SimHei" panose="02010609060101010101" pitchFamily="49" charset="-122"/>
-              </a:rPr>
-              <a:t>这是由于一个租户的写操作可能触发SSD内部的垃圾回收</a:t>
-            </a:r>
-            <a:r>
-              <a:rPr lang="zh-CN" altLang="en-US" sz="2400" dirty="0">
-                <a:latin typeface="SimHei" panose="02010609060101010101" pitchFamily="49" charset="-122"/>
-                <a:ea typeface="SimHei" panose="02010609060101010101" pitchFamily="49" charset="-122"/>
-              </a:rPr>
-              <a:t>、缓冲区刷新等操作，进而影响其他租户的访问性能</a:t>
-            </a:r>
-            <a:endParaRPr lang="en-CN" sz="2400" dirty="0">
-              <a:latin typeface="SimHei" panose="02010609060101010101" pitchFamily="49" charset="-122"/>
-              <a:ea typeface="SimHei" panose="02010609060101010101" pitchFamily="49" charset="-122"/>
-            </a:endParaRPr>
-          </a:p>
-          <a:p>
-            <a:pPr marL="285750" indent="-285750">
-              <a:buFont typeface="Wingdings" pitchFamily="2" charset="2"/>
-              <a:buChar char="q"/>
-            </a:pPr>
-            <a:endParaRPr lang="en-CN" sz="2400" dirty="0">
-              <a:latin typeface="SimHei" panose="02010609060101010101" pitchFamily="49" charset="-122"/>
-              <a:ea typeface="SimHei" panose="02010609060101010101" pitchFamily="49" charset="-122"/>
-            </a:endParaRPr>
-          </a:p>
-        </p:txBody>
-      </p:sp>
-      <p:sp>
-        <p:nvSpPr>
-          <p:cNvPr id="14" name="TextBox 13">
-            <a:extLst>
-              <a:ext uri="{FF2B5EF4-FFF2-40B4-BE49-F238E27FC236}">
-                <a16:creationId xmlns:a16="http://schemas.microsoft.com/office/drawing/2014/main" id="{D4F8472C-C660-6E44-BBFC-FACB39EFC0C6}"/>
-              </a:ext>
-            </a:extLst>
-          </p:cNvPr>
-          <p:cNvSpPr txBox="1"/>
-          <p:nvPr/>
-        </p:nvSpPr>
-        <p:spPr>
-          <a:xfrm>
-            <a:off x="3158834" y="3955744"/>
+            <a:off x="3158834" y="4461523"/>
             <a:ext cx="3086099" cy="369332"/>
           </a:xfrm>
           <a:prstGeom prst="rect">
@@ -11121,10 +9284,10 @@
       </p:sp>
       <p:sp>
         <p:nvSpPr>
-          <p:cNvPr id="20" name="Right Arrow 19">
+          <p:cNvPr id="12" name="Right Arrow 11">
             <a:extLst>
               <a:ext uri="{FF2B5EF4-FFF2-40B4-BE49-F238E27FC236}">
-                <a16:creationId xmlns:a16="http://schemas.microsoft.com/office/drawing/2014/main" id="{808FDFA0-6F66-C343-8911-A7B5A4CDC426}"/>
+                <a16:creationId xmlns:a16="http://schemas.microsoft.com/office/drawing/2014/main" id="{D0147C06-58E0-0C45-B37F-427D2E03AE6E}"/>
               </a:ext>
             </a:extLst>
           </p:cNvPr>
@@ -11133,7 +9296,7 @@
         </p:nvSpPr>
         <p:spPr>
           <a:xfrm>
-            <a:off x="5871438" y="4764920"/>
+            <a:off x="5871438" y="5270699"/>
             <a:ext cx="854439" cy="323166"/>
           </a:xfrm>
           <a:prstGeom prst="rightArrow">
@@ -11170,10 +9333,10 @@
       </p:sp>
       <p:sp>
         <p:nvSpPr>
-          <p:cNvPr id="21" name="TextBox 20">
+          <p:cNvPr id="13" name="TextBox 12">
             <a:extLst>
               <a:ext uri="{FF2B5EF4-FFF2-40B4-BE49-F238E27FC236}">
-                <a16:creationId xmlns:a16="http://schemas.microsoft.com/office/drawing/2014/main" id="{53882A49-8553-9E49-B538-E9E0006F35B4}"/>
+                <a16:creationId xmlns:a16="http://schemas.microsoft.com/office/drawing/2014/main" id="{37BFF5D6-38B9-A14F-BA16-388D880DBE6E}"/>
               </a:ext>
             </a:extLst>
           </p:cNvPr>
@@ -11182,7 +9345,7 @@
         </p:nvSpPr>
         <p:spPr>
           <a:xfrm>
-            <a:off x="5692257" y="4512017"/>
+            <a:off x="5692257" y="5017796"/>
             <a:ext cx="1063288" cy="369332"/>
           </a:xfrm>
           <a:prstGeom prst="rect">
@@ -11209,10 +9372,10 @@
       </p:sp>
       <p:sp>
         <p:nvSpPr>
-          <p:cNvPr id="6" name="TextBox 5">
+          <p:cNvPr id="14" name="TextBox 13">
             <a:extLst>
               <a:ext uri="{FF2B5EF4-FFF2-40B4-BE49-F238E27FC236}">
-                <a16:creationId xmlns:a16="http://schemas.microsoft.com/office/drawing/2014/main" id="{53D78E31-7620-0D46-BAEE-D32FCAA05BE2}"/>
+                <a16:creationId xmlns:a16="http://schemas.microsoft.com/office/drawing/2014/main" id="{720EFC17-950E-504D-B06A-ABA988B9ED4F}"/>
               </a:ext>
             </a:extLst>
           </p:cNvPr>
@@ -11221,7 +9384,7 @@
         </p:nvSpPr>
         <p:spPr>
           <a:xfrm>
-            <a:off x="1014143" y="5481240"/>
+            <a:off x="1014143" y="5987019"/>
             <a:ext cx="779381" cy="369332"/>
           </a:xfrm>
           <a:prstGeom prst="rect">
@@ -11247,10 +9410,10 @@
       </p:sp>
       <p:sp>
         <p:nvSpPr>
-          <p:cNvPr id="22" name="TextBox 21">
+          <p:cNvPr id="15" name="TextBox 14">
             <a:extLst>
               <a:ext uri="{FF2B5EF4-FFF2-40B4-BE49-F238E27FC236}">
-                <a16:creationId xmlns:a16="http://schemas.microsoft.com/office/drawing/2014/main" id="{53A7767A-62B8-3549-99CE-EE6F7D9A2F1C}"/>
+                <a16:creationId xmlns:a16="http://schemas.microsoft.com/office/drawing/2014/main" id="{0AE47CC8-6769-0149-8934-4A02C9526B59}"/>
               </a:ext>
             </a:extLst>
           </p:cNvPr>
@@ -11259,7 +9422,7 @@
         </p:nvSpPr>
         <p:spPr>
           <a:xfrm>
-            <a:off x="7522925" y="5481240"/>
+            <a:off x="7522925" y="5987019"/>
             <a:ext cx="761747" cy="369332"/>
           </a:xfrm>
           <a:prstGeom prst="rect">
@@ -11285,10 +9448,10 @@
       </p:sp>
       <p:sp>
         <p:nvSpPr>
-          <p:cNvPr id="2" name="TextBox 1">
+          <p:cNvPr id="16" name="TextBox 15">
             <a:extLst>
               <a:ext uri="{FF2B5EF4-FFF2-40B4-BE49-F238E27FC236}">
-                <a16:creationId xmlns:a16="http://schemas.microsoft.com/office/drawing/2014/main" id="{7F62BA38-81BA-464A-BB0C-9F76B46167CA}"/>
+                <a16:creationId xmlns:a16="http://schemas.microsoft.com/office/drawing/2014/main" id="{B6912D4A-FFD1-D044-B98E-71611B2BC07B}"/>
               </a:ext>
             </a:extLst>
           </p:cNvPr>
@@ -11297,7 +9460,7 @@
         </p:nvSpPr>
         <p:spPr>
           <a:xfrm>
-            <a:off x="1869273" y="4771477"/>
+            <a:off x="1869273" y="5277256"/>
             <a:ext cx="415498" cy="369332"/>
           </a:xfrm>
           <a:prstGeom prst="rect">
@@ -11320,10 +9483,10 @@
       </p:sp>
       <p:sp>
         <p:nvSpPr>
-          <p:cNvPr id="4" name="TextBox 3">
+          <p:cNvPr id="17" name="TextBox 16">
             <a:extLst>
               <a:ext uri="{FF2B5EF4-FFF2-40B4-BE49-F238E27FC236}">
-                <a16:creationId xmlns:a16="http://schemas.microsoft.com/office/drawing/2014/main" id="{AF383A8C-1AC1-FD48-9AE5-D9D83563A55D}"/>
+                <a16:creationId xmlns:a16="http://schemas.microsoft.com/office/drawing/2014/main" id="{B14452AF-24EF-B046-A23D-CFC92DD6B76D}"/>
               </a:ext>
             </a:extLst>
           </p:cNvPr>
@@ -11332,7 +9495,7 @@
         </p:nvSpPr>
         <p:spPr>
           <a:xfrm>
-            <a:off x="6949328" y="4771477"/>
+            <a:off x="6949328" y="5277256"/>
             <a:ext cx="428322" cy="369332"/>
           </a:xfrm>
           <a:prstGeom prst="rect">
@@ -11356,7 +9519,472 @@
     </p:spTree>
     <p:extLst>
       <p:ext uri="{BB962C8B-B14F-4D97-AF65-F5344CB8AC3E}">
-        <p14:creationId xmlns:p14="http://schemas.microsoft.com/office/powerpoint/2010/main" val="1714944204"/>
+        <p14:creationId xmlns:p14="http://schemas.microsoft.com/office/powerpoint/2010/main" val="3222393928"/>
+      </p:ext>
+    </p:extLst>
+  </p:cSld>
+  <p:clrMapOvr>
+    <a:masterClrMapping/>
+  </p:clrMapOvr>
+  <p:timing>
+    <p:tnLst>
+      <p:par>
+        <p:cTn id="1" dur="indefinite" restart="never" nodeType="tmRoot">
+          <p:childTnLst>
+            <p:seq concurrent="1" nextAc="seek">
+              <p:cTn id="2" dur="indefinite" nodeType="mainSeq">
+                <p:childTnLst>
+                  <p:par>
+                    <p:cTn id="3" fill="hold">
+                      <p:stCondLst>
+                        <p:cond delay="indefinite"/>
+                      </p:stCondLst>
+                      <p:childTnLst>
+                        <p:par>
+                          <p:cTn id="4" fill="hold">
+                            <p:stCondLst>
+                              <p:cond delay="0"/>
+                            </p:stCondLst>
+                            <p:childTnLst>
+                              <p:par>
+                                <p:cTn id="5" presetID="1" presetClass="entr" presetSubtype="0" fill="hold" nodeType="clickEffect">
+                                  <p:stCondLst>
+                                    <p:cond delay="0"/>
+                                  </p:stCondLst>
+                                  <p:childTnLst>
+                                    <p:set>
+                                      <p:cBhvr>
+                                        <p:cTn id="6" dur="1" fill="hold">
+                                          <p:stCondLst>
+                                            <p:cond delay="0"/>
+                                          </p:stCondLst>
+                                        </p:cTn>
+                                        <p:tgtEl>
+                                          <p:spTgt spid="19">
+                                            <p:txEl>
+                                              <p:pRg st="3" end="3"/>
+                                            </p:txEl>
+                                          </p:spTgt>
+                                        </p:tgtEl>
+                                        <p:attrNameLst>
+                                          <p:attrName>style.visibility</p:attrName>
+                                        </p:attrNameLst>
+                                      </p:cBhvr>
+                                      <p:to>
+                                        <p:strVal val="visible"/>
+                                      </p:to>
+                                    </p:set>
+                                  </p:childTnLst>
+                                </p:cTn>
+                              </p:par>
+                            </p:childTnLst>
+                          </p:cTn>
+                        </p:par>
+                      </p:childTnLst>
+                    </p:cTn>
+                  </p:par>
+                </p:childTnLst>
+              </p:cTn>
+              <p:prevCondLst>
+                <p:cond evt="onPrev" delay="0">
+                  <p:tgtEl>
+                    <p:sldTgt/>
+                  </p:tgtEl>
+                </p:cond>
+              </p:prevCondLst>
+              <p:nextCondLst>
+                <p:cond evt="onNext" delay="0">
+                  <p:tgtEl>
+                    <p:sldTgt/>
+                  </p:tgtEl>
+                </p:cond>
+              </p:nextCondLst>
+            </p:seq>
+          </p:childTnLst>
+        </p:cTn>
+      </p:par>
+    </p:tnLst>
+  </p:timing>
+</p:sld>
+</file>
+
+<file path=ppt/slides/slide6.xml><?xml version="1.0" encoding="utf-8"?>
+<p:sld xmlns:a="http://schemas.openxmlformats.org/drawingml/2006/main" xmlns:r="http://schemas.openxmlformats.org/officeDocument/2006/relationships" xmlns:p="http://schemas.openxmlformats.org/presentationml/2006/main">
+  <p:cSld>
+    <p:spTree>
+      <p:nvGrpSpPr>
+        <p:cNvPr id="1" name=""/>
+        <p:cNvGrpSpPr/>
+        <p:nvPr/>
+      </p:nvGrpSpPr>
+      <p:grpSpPr>
+        <a:xfrm>
+          <a:off x="0" y="0"/>
+          <a:ext cx="0" cy="0"/>
+          <a:chOff x="0" y="0"/>
+          <a:chExt cx="0" cy="0"/>
+        </a:xfrm>
+      </p:grpSpPr>
+      <p:sp>
+        <p:nvSpPr>
+          <p:cNvPr id="2" name="Footer Placeholder 1">
+            <a:extLst>
+              <a:ext uri="{FF2B5EF4-FFF2-40B4-BE49-F238E27FC236}">
+                <a16:creationId xmlns:a16="http://schemas.microsoft.com/office/drawing/2014/main" id="{E16FE007-56DB-D241-B94C-375DF5975654}"/>
+              </a:ext>
+            </a:extLst>
+          </p:cNvPr>
+          <p:cNvSpPr>
+            <a:spLocks noGrp="1"/>
+          </p:cNvSpPr>
+          <p:nvPr>
+            <p:ph type="ftr" sz="quarter" idx="11"/>
+          </p:nvPr>
+        </p:nvSpPr>
+        <p:spPr/>
+        <p:txBody>
+          <a:bodyPr/>
+          <a:lstStyle/>
+          <a:p>
+            <a:pPr>
+              <a:defRPr/>
+            </a:pPr>
+            <a:r>
+              <a:rPr lang="zh-CN" altLang="en-US"/>
+              <a:t>云闪存系统中的多租户性能隔离研究</a:t>
+            </a:r>
+            <a:endParaRPr lang="zh-CN" altLang="en-US" dirty="0"/>
+          </a:p>
+        </p:txBody>
+      </p:sp>
+      <p:sp>
+        <p:nvSpPr>
+          <p:cNvPr id="3" name="Title 2">
+            <a:extLst>
+              <a:ext uri="{FF2B5EF4-FFF2-40B4-BE49-F238E27FC236}">
+                <a16:creationId xmlns:a16="http://schemas.microsoft.com/office/drawing/2014/main" id="{01C58E26-0C8B-BF45-A33F-964AD69A3821}"/>
+              </a:ext>
+            </a:extLst>
+          </p:cNvPr>
+          <p:cNvSpPr>
+            <a:spLocks noGrp="1"/>
+          </p:cNvSpPr>
+          <p:nvPr>
+            <p:ph type="title"/>
+          </p:nvPr>
+        </p:nvSpPr>
+        <p:spPr/>
+        <p:txBody>
+          <a:bodyPr/>
+          <a:lstStyle/>
+          <a:p>
+            <a:r>
+              <a:rPr lang="en-CN" dirty="0"/>
+              <a:t>我的工作</a:t>
+            </a:r>
+          </a:p>
+        </p:txBody>
+      </p:sp>
+      <p:sp>
+        <p:nvSpPr>
+          <p:cNvPr id="4" name="Left Brace 3">
+            <a:extLst>
+              <a:ext uri="{FF2B5EF4-FFF2-40B4-BE49-F238E27FC236}">
+                <a16:creationId xmlns:a16="http://schemas.microsoft.com/office/drawing/2014/main" id="{E77CF0E5-ED21-9943-BB61-AF9CA516907C}"/>
+              </a:ext>
+            </a:extLst>
+          </p:cNvPr>
+          <p:cNvSpPr/>
+          <p:nvPr/>
+        </p:nvSpPr>
+        <p:spPr>
+          <a:xfrm>
+            <a:off x="2758354" y="2088302"/>
+            <a:ext cx="770659" cy="3273136"/>
+          </a:xfrm>
+          <a:prstGeom prst="leftBrace">
+            <a:avLst/>
+          </a:prstGeom>
+          <a:ln w="38100">
+            <a:solidFill>
+              <a:schemeClr val="accent1">
+                <a:lumMod val="60000"/>
+                <a:lumOff val="40000"/>
+              </a:schemeClr>
+            </a:solidFill>
+          </a:ln>
+        </p:spPr>
+        <p:style>
+          <a:lnRef idx="1">
+            <a:schemeClr val="accent1"/>
+          </a:lnRef>
+          <a:fillRef idx="0">
+            <a:schemeClr val="accent1"/>
+          </a:fillRef>
+          <a:effectRef idx="0">
+            <a:schemeClr val="accent1"/>
+          </a:effectRef>
+          <a:fontRef idx="minor">
+            <a:schemeClr val="tx1"/>
+          </a:fontRef>
+        </p:style>
+        <p:txBody>
+          <a:bodyPr rtlCol="0" anchor="ctr"/>
+          <a:lstStyle/>
+          <a:p>
+            <a:pPr algn="ctr"/>
+            <a:endParaRPr lang="en-CN"/>
+          </a:p>
+        </p:txBody>
+      </p:sp>
+      <p:sp>
+        <p:nvSpPr>
+          <p:cNvPr id="39" name="TextBox 38">
+            <a:extLst>
+              <a:ext uri="{FF2B5EF4-FFF2-40B4-BE49-F238E27FC236}">
+                <a16:creationId xmlns:a16="http://schemas.microsoft.com/office/drawing/2014/main" id="{DD0692F4-2A58-A849-931C-AC991B33E693}"/>
+              </a:ext>
+            </a:extLst>
+          </p:cNvPr>
+          <p:cNvSpPr txBox="1"/>
+          <p:nvPr/>
+        </p:nvSpPr>
+        <p:spPr>
+          <a:xfrm>
+            <a:off x="111476" y="3349422"/>
+            <a:ext cx="2646878" cy="830997"/>
+          </a:xfrm>
+          <a:prstGeom prst="rect">
+            <a:avLst/>
+          </a:prstGeom>
+          <a:noFill/>
+        </p:spPr>
+        <p:txBody>
+          <a:bodyPr wrap="none" rtlCol="0">
+            <a:spAutoFit/>
+          </a:bodyPr>
+          <a:lstStyle/>
+          <a:p>
+            <a:pPr algn="ctr"/>
+            <a:r>
+              <a:rPr lang="zh-CN" altLang="en-US" sz="2400" dirty="0">
+                <a:latin typeface="SimHei" panose="02010609060101010101" pitchFamily="49" charset="-122"/>
+                <a:ea typeface="SimHei" panose="02010609060101010101" pitchFamily="49" charset="-122"/>
+              </a:rPr>
+              <a:t>多租户性能隔离的</a:t>
+            </a:r>
+            <a:endParaRPr lang="en-US" altLang="zh-CN" sz="2400" dirty="0">
+              <a:latin typeface="SimHei" panose="02010609060101010101" pitchFamily="49" charset="-122"/>
+              <a:ea typeface="SimHei" panose="02010609060101010101" pitchFamily="49" charset="-122"/>
+            </a:endParaRPr>
+          </a:p>
+          <a:p>
+            <a:pPr algn="ctr"/>
+            <a:r>
+              <a:rPr lang="zh-CN" altLang="en-US" sz="2400" dirty="0">
+                <a:latin typeface="SimHei" panose="02010609060101010101" pitchFamily="49" charset="-122"/>
+                <a:ea typeface="SimHei" panose="02010609060101010101" pitchFamily="49" charset="-122"/>
+              </a:rPr>
+              <a:t>闪存系统</a:t>
+            </a:r>
+          </a:p>
+        </p:txBody>
+      </p:sp>
+      <p:sp>
+        <p:nvSpPr>
+          <p:cNvPr id="42" name="TextBox 41">
+            <a:extLst>
+              <a:ext uri="{FF2B5EF4-FFF2-40B4-BE49-F238E27FC236}">
+                <a16:creationId xmlns:a16="http://schemas.microsoft.com/office/drawing/2014/main" id="{846E8D86-C971-454D-8E80-AF0CAE823FCC}"/>
+              </a:ext>
+            </a:extLst>
+          </p:cNvPr>
+          <p:cNvSpPr txBox="1"/>
+          <p:nvPr/>
+        </p:nvSpPr>
+        <p:spPr>
+          <a:xfrm>
+            <a:off x="3163382" y="1780099"/>
+            <a:ext cx="5903335" cy="830997"/>
+          </a:xfrm>
+          <a:prstGeom prst="rect">
+            <a:avLst/>
+          </a:prstGeom>
+          <a:noFill/>
+        </p:spPr>
+        <p:txBody>
+          <a:bodyPr wrap="square" rtlCol="0">
+            <a:spAutoFit/>
+          </a:bodyPr>
+          <a:lstStyle/>
+          <a:p>
+            <a:pPr algn="ctr"/>
+            <a:r>
+              <a:rPr lang="en-CN" sz="2400" dirty="0">
+                <a:latin typeface="SimHei" panose="02010609060101010101" pitchFamily="49" charset="-122"/>
+                <a:ea typeface="SimHei" panose="02010609060101010101" pitchFamily="49" charset="-122"/>
+              </a:rPr>
+              <a:t>为了</a:t>
+            </a:r>
+            <a:r>
+              <a:rPr lang="en-CN" sz="2400" b="1" dirty="0">
+                <a:latin typeface="SimHei" panose="02010609060101010101" pitchFamily="49" charset="-122"/>
+                <a:ea typeface="SimHei" panose="02010609060101010101" pitchFamily="49" charset="-122"/>
+              </a:rPr>
+              <a:t>避免</a:t>
+            </a:r>
+            <a:r>
+              <a:rPr lang="en-CN" sz="2400" dirty="0">
+                <a:latin typeface="SimHei" panose="02010609060101010101" pitchFamily="49" charset="-122"/>
+                <a:ea typeface="SimHei" panose="02010609060101010101" pitchFamily="49" charset="-122"/>
+              </a:rPr>
+              <a:t>读写干扰</a:t>
+            </a:r>
+            <a:r>
+              <a:rPr lang="zh-CN" altLang="en-US" sz="2400" dirty="0">
+                <a:latin typeface="SimHei" panose="02010609060101010101" pitchFamily="49" charset="-122"/>
+                <a:ea typeface="SimHei" panose="02010609060101010101" pitchFamily="49" charset="-122"/>
+              </a:rPr>
+              <a:t>，</a:t>
+            </a:r>
+            <a:endParaRPr lang="en-US" altLang="zh-CN" sz="2400" dirty="0">
+              <a:latin typeface="SimHei" panose="02010609060101010101" pitchFamily="49" charset="-122"/>
+              <a:ea typeface="SimHei" panose="02010609060101010101" pitchFamily="49" charset="-122"/>
+            </a:endParaRPr>
+          </a:p>
+          <a:p>
+            <a:pPr algn="ctr"/>
+            <a:r>
+              <a:rPr lang="zh-CN" altLang="en-US" sz="2400" dirty="0">
+                <a:latin typeface="SimHei" panose="02010609060101010101" pitchFamily="49" charset="-122"/>
+                <a:ea typeface="SimHei" panose="02010609060101010101" pitchFamily="49" charset="-122"/>
+              </a:rPr>
+              <a:t>利用</a:t>
+            </a:r>
+            <a:r>
+              <a:rPr lang="zh-CN" altLang="en-US" sz="2400" b="1" dirty="0">
+                <a:latin typeface="SimHei" panose="02010609060101010101" pitchFamily="49" charset="-122"/>
+                <a:ea typeface="SimHei" panose="02010609060101010101" pitchFamily="49" charset="-122"/>
+              </a:rPr>
+              <a:t>分离的读写时间窗口</a:t>
+            </a:r>
+            <a:r>
+              <a:rPr lang="zh-CN" altLang="en-US" sz="2400" dirty="0">
+                <a:latin typeface="SimHei" panose="02010609060101010101" pitchFamily="49" charset="-122"/>
+                <a:ea typeface="SimHei" panose="02010609060101010101" pitchFamily="49" charset="-122"/>
+              </a:rPr>
+              <a:t>隔离读写请求</a:t>
+            </a:r>
+            <a:endParaRPr lang="en-CN" sz="2400" dirty="0">
+              <a:latin typeface="SimHei" panose="02010609060101010101" pitchFamily="49" charset="-122"/>
+              <a:ea typeface="SimHei" panose="02010609060101010101" pitchFamily="49" charset="-122"/>
+            </a:endParaRPr>
+          </a:p>
+        </p:txBody>
+      </p:sp>
+      <p:sp>
+        <p:nvSpPr>
+          <p:cNvPr id="43" name="TextBox 42">
+            <a:extLst>
+              <a:ext uri="{FF2B5EF4-FFF2-40B4-BE49-F238E27FC236}">
+                <a16:creationId xmlns:a16="http://schemas.microsoft.com/office/drawing/2014/main" id="{B3964F37-90F2-3543-B357-7861614D2992}"/>
+              </a:ext>
+            </a:extLst>
+          </p:cNvPr>
+          <p:cNvSpPr txBox="1"/>
+          <p:nvPr/>
+        </p:nvSpPr>
+        <p:spPr>
+          <a:xfrm>
+            <a:off x="3224223" y="4945939"/>
+            <a:ext cx="5903335" cy="830997"/>
+          </a:xfrm>
+          <a:prstGeom prst="rect">
+            <a:avLst/>
+          </a:prstGeom>
+          <a:noFill/>
+        </p:spPr>
+        <p:txBody>
+          <a:bodyPr wrap="square" rtlCol="0">
+            <a:spAutoFit/>
+          </a:bodyPr>
+          <a:lstStyle/>
+          <a:p>
+            <a:pPr algn="ctr"/>
+            <a:r>
+              <a:rPr lang="en-CN" sz="2400" dirty="0">
+                <a:latin typeface="SimHei" panose="02010609060101010101" pitchFamily="49" charset="-122"/>
+                <a:ea typeface="SimHei" panose="02010609060101010101" pitchFamily="49" charset="-122"/>
+              </a:rPr>
+              <a:t>为了</a:t>
+            </a:r>
+            <a:r>
+              <a:rPr lang="en-CN" sz="2400" b="1" dirty="0">
+                <a:latin typeface="SimHei" panose="02010609060101010101" pitchFamily="49" charset="-122"/>
+                <a:ea typeface="SimHei" panose="02010609060101010101" pitchFamily="49" charset="-122"/>
+              </a:rPr>
+              <a:t>减轻</a:t>
+            </a:r>
+            <a:r>
+              <a:rPr lang="en-CN" sz="2400" dirty="0">
+                <a:latin typeface="SimHei" panose="02010609060101010101" pitchFamily="49" charset="-122"/>
+                <a:ea typeface="SimHei" panose="02010609060101010101" pitchFamily="49" charset="-122"/>
+              </a:rPr>
+              <a:t>读写干扰</a:t>
+            </a:r>
+            <a:r>
+              <a:rPr lang="zh-CN" altLang="en-US" sz="2400" dirty="0">
+                <a:latin typeface="SimHei" panose="02010609060101010101" pitchFamily="49" charset="-122"/>
+                <a:ea typeface="SimHei" panose="02010609060101010101" pitchFamily="49" charset="-122"/>
+              </a:rPr>
+              <a:t>，</a:t>
+            </a:r>
+            <a:endParaRPr lang="en-US" altLang="zh-CN" sz="2400" dirty="0">
+              <a:latin typeface="SimHei" panose="02010609060101010101" pitchFamily="49" charset="-122"/>
+              <a:ea typeface="SimHei" panose="02010609060101010101" pitchFamily="49" charset="-122"/>
+            </a:endParaRPr>
+          </a:p>
+          <a:p>
+            <a:pPr algn="ctr"/>
+            <a:r>
+              <a:rPr lang="zh-CN" altLang="en-US" sz="2400" dirty="0">
+                <a:latin typeface="SimHei" panose="02010609060101010101" pitchFamily="49" charset="-122"/>
+                <a:ea typeface="SimHei" panose="02010609060101010101" pitchFamily="49" charset="-122"/>
+              </a:rPr>
+              <a:t>基于</a:t>
+            </a:r>
+            <a:r>
+              <a:rPr lang="en-US" altLang="zh-CN" sz="2400" b="1" dirty="0">
+                <a:latin typeface="SimHei" panose="02010609060101010101" pitchFamily="49" charset="-122"/>
+                <a:ea typeface="SimHei" panose="02010609060101010101" pitchFamily="49" charset="-122"/>
+              </a:rPr>
+              <a:t>SLA</a:t>
+            </a:r>
+            <a:r>
+              <a:rPr lang="zh-CN" altLang="en-US" sz="2400" b="1" dirty="0">
+                <a:latin typeface="SimHei" panose="02010609060101010101" pitchFamily="49" charset="-122"/>
+                <a:ea typeface="SimHei" panose="02010609060101010101" pitchFamily="49" charset="-122"/>
+              </a:rPr>
+              <a:t>曲线</a:t>
+            </a:r>
+            <a:r>
+              <a:rPr lang="zh-CN" altLang="en-US" sz="2400" dirty="0">
+                <a:latin typeface="SimHei" panose="02010609060101010101" pitchFamily="49" charset="-122"/>
+                <a:ea typeface="SimHei" panose="02010609060101010101" pitchFamily="49" charset="-122"/>
+              </a:rPr>
+              <a:t>进行存储空间和带宽的分配</a:t>
+            </a:r>
+            <a:endParaRPr lang="en-CN" sz="2400" dirty="0">
+              <a:latin typeface="SimHei" panose="02010609060101010101" pitchFamily="49" charset="-122"/>
+              <a:ea typeface="SimHei" panose="02010609060101010101" pitchFamily="49" charset="-122"/>
+            </a:endParaRPr>
+          </a:p>
+        </p:txBody>
+      </p:sp>
+    </p:spTree>
+    <p:extLst>
+      <p:ext uri="{BB962C8B-B14F-4D97-AF65-F5344CB8AC3E}">
+        <p14:creationId xmlns:p14="http://schemas.microsoft.com/office/powerpoint/2010/main" val="1514851070"/>
       </p:ext>
     </p:extLst>
   </p:cSld>
@@ -11397,34 +10025,7 @@
                                           </p:stCondLst>
                                         </p:cTn>
                                         <p:tgtEl>
-                                          <p:spTgt spid="17"/>
-                                        </p:tgtEl>
-                                        <p:attrNameLst>
-                                          <p:attrName>style.visibility</p:attrName>
-                                        </p:attrNameLst>
-                                      </p:cBhvr>
-                                      <p:to>
-                                        <p:strVal val="visible"/>
-                                      </p:to>
-                                    </p:set>
-                                  </p:childTnLst>
-                                </p:cTn>
-                              </p:par>
-                              <p:par>
-                                <p:cTn id="7" presetID="1" presetClass="entr" presetSubtype="0" fill="hold" grpId="0" nodeType="withEffect">
-                                  <p:stCondLst>
-                                    <p:cond delay="0"/>
-                                  </p:stCondLst>
-                                  <p:childTnLst>
-                                    <p:set>
-                                      <p:cBhvr>
-                                        <p:cTn id="8" dur="1" fill="hold">
-                                          <p:stCondLst>
-                                            <p:cond delay="0"/>
-                                          </p:stCondLst>
-                                        </p:cTn>
-                                        <p:tgtEl>
-                                          <p:spTgt spid="18"/>
+                                          <p:spTgt spid="42"/>
                                         </p:tgtEl>
                                         <p:attrNameLst>
                                           <p:attrName>style.visibility</p:attrName>
@@ -11444,104 +10045,32 @@
                     </p:cTn>
                   </p:par>
                   <p:par>
-                    <p:cTn id="9" fill="hold">
+                    <p:cTn id="7" fill="hold">
                       <p:stCondLst>
                         <p:cond delay="indefinite"/>
                       </p:stCondLst>
                       <p:childTnLst>
                         <p:par>
-                          <p:cTn id="10" fill="hold">
+                          <p:cTn id="8" fill="hold">
                             <p:stCondLst>
                               <p:cond delay="0"/>
                             </p:stCondLst>
                             <p:childTnLst>
                               <p:par>
-                                <p:cTn id="11" presetID="1" presetClass="entr" presetSubtype="0" fill="hold" grpId="0" nodeType="clickEffect">
+                                <p:cTn id="9" presetID="1" presetClass="entr" presetSubtype="0" fill="hold" grpId="0" nodeType="clickEffect">
                                   <p:stCondLst>
                                     <p:cond delay="0"/>
                                   </p:stCondLst>
                                   <p:childTnLst>
                                     <p:set>
                                       <p:cBhvr>
-                                        <p:cTn id="12" dur="1" fill="hold">
+                                        <p:cTn id="10" dur="1" fill="hold">
                                           <p:stCondLst>
                                             <p:cond delay="0"/>
                                           </p:stCondLst>
                                         </p:cTn>
                                         <p:tgtEl>
-                                          <p:spTgt spid="14"/>
-                                        </p:tgtEl>
-                                        <p:attrNameLst>
-                                          <p:attrName>style.visibility</p:attrName>
-                                        </p:attrNameLst>
-                                      </p:cBhvr>
-                                      <p:to>
-                                        <p:strVal val="visible"/>
-                                      </p:to>
-                                    </p:set>
-                                  </p:childTnLst>
-                                </p:cTn>
-                              </p:par>
-                            </p:childTnLst>
-                          </p:cTn>
-                        </p:par>
-                      </p:childTnLst>
-                    </p:cTn>
-                  </p:par>
-                  <p:par>
-                    <p:cTn id="13" fill="hold">
-                      <p:stCondLst>
-                        <p:cond delay="indefinite"/>
-                      </p:stCondLst>
-                      <p:childTnLst>
-                        <p:par>
-                          <p:cTn id="14" fill="hold">
-                            <p:stCondLst>
-                              <p:cond delay="0"/>
-                            </p:stCondLst>
-                            <p:childTnLst>
-                              <p:par>
-                                <p:cTn id="15" presetID="1" presetClass="entr" presetSubtype="0" fill="hold" grpId="0" nodeType="clickEffect">
-                                  <p:stCondLst>
-                                    <p:cond delay="0"/>
-                                  </p:stCondLst>
-                                  <p:childTnLst>
-                                    <p:set>
-                                      <p:cBhvr>
-                                        <p:cTn id="16" dur="1" fill="hold">
-                                          <p:stCondLst>
-                                            <p:cond delay="0"/>
-                                          </p:stCondLst>
-                                        </p:cTn>
-                                        <p:tgtEl>
-                                          <p:spTgt spid="20"/>
-                                        </p:tgtEl>
-                                        <p:attrNameLst>
-                                          <p:attrName>style.visibility</p:attrName>
-                                        </p:attrNameLst>
-                                      </p:cBhvr>
-                                      <p:to>
-                                        <p:strVal val="visible"/>
-                                      </p:to>
-                                    </p:set>
-                                  </p:childTnLst>
-                                </p:cTn>
-                              </p:par>
-                              <p:par>
-                                <p:cTn id="17" presetID="1" presetClass="entr" presetSubtype="0" fill="hold" grpId="0" nodeType="withEffect">
-                                  <p:stCondLst>
-                                    <p:cond delay="0"/>
-                                  </p:stCondLst>
-                                  <p:childTnLst>
-                                    <p:set>
-                                      <p:cBhvr>
-                                        <p:cTn id="18" dur="1" fill="hold">
-                                          <p:stCondLst>
-                                            <p:cond delay="0"/>
-                                          </p:stCondLst>
-                                        </p:cTn>
-                                        <p:tgtEl>
-                                          <p:spTgt spid="21"/>
+                                          <p:spTgt spid="43"/>
                                         </p:tgtEl>
                                         <p:attrNameLst>
                                           <p:attrName>style.visibility</p:attrName>
@@ -11582,3254 +10111,14 @@
       </p:par>
     </p:tnLst>
     <p:bldLst>
-      <p:bldP spid="17" grpId="0" animBg="1"/>
-      <p:bldP spid="18" grpId="0"/>
-      <p:bldP spid="14" grpId="0"/>
-      <p:bldP spid="20" grpId="0" animBg="1"/>
-      <p:bldP spid="21" grpId="0"/>
+      <p:bldP spid="42" grpId="0"/>
+      <p:bldP spid="43" grpId="0"/>
     </p:bldLst>
   </p:timing>
 </p:sld>
 </file>
 
-<file path=ppt/slides/slide6.xml><?xml version="1.0" encoding="utf-8"?>
-<p:sld xmlns:a="http://schemas.openxmlformats.org/drawingml/2006/main" xmlns:r="http://schemas.openxmlformats.org/officeDocument/2006/relationships" xmlns:p="http://schemas.openxmlformats.org/presentationml/2006/main">
-  <p:cSld>
-    <p:spTree>
-      <p:nvGrpSpPr>
-        <p:cNvPr id="1" name=""/>
-        <p:cNvGrpSpPr/>
-        <p:nvPr/>
-      </p:nvGrpSpPr>
-      <p:grpSpPr>
-        <a:xfrm>
-          <a:off x="0" y="0"/>
-          <a:ext cx="0" cy="0"/>
-          <a:chOff x="0" y="0"/>
-          <a:chExt cx="0" cy="0"/>
-        </a:xfrm>
-      </p:grpSpPr>
-      <p:sp>
-        <p:nvSpPr>
-          <p:cNvPr id="3" name="页脚占位符 2"/>
-          <p:cNvSpPr>
-            <a:spLocks noGrp="1"/>
-          </p:cNvSpPr>
-          <p:nvPr>
-            <p:ph type="ftr" sz="quarter" idx="11"/>
-          </p:nvPr>
-        </p:nvSpPr>
-        <p:spPr/>
-        <p:txBody>
-          <a:bodyPr/>
-          <a:lstStyle/>
-          <a:p>
-            <a:pPr>
-              <a:defRPr/>
-            </a:pPr>
-            <a:r>
-              <a:rPr lang="zh-CN" altLang="en-US"/>
-              <a:t>云闪存系统中的多租户性能隔离研究</a:t>
-            </a:r>
-            <a:endParaRPr lang="zh-CN" altLang="en-US" dirty="0"/>
-          </a:p>
-        </p:txBody>
-      </p:sp>
-      <p:sp>
-        <p:nvSpPr>
-          <p:cNvPr id="5" name="标题 4"/>
-          <p:cNvSpPr>
-            <a:spLocks noGrp="1"/>
-          </p:cNvSpPr>
-          <p:nvPr>
-            <p:ph type="title"/>
-          </p:nvPr>
-        </p:nvSpPr>
-        <p:spPr/>
-        <p:txBody>
-          <a:bodyPr/>
-          <a:lstStyle/>
-          <a:p>
-            <a:r>
-              <a:rPr lang="zh-CN" altLang="en-CN" dirty="0"/>
-              <a:t>背景</a:t>
-            </a:r>
-            <a:r>
-              <a:rPr lang="zh-CN" altLang="en-US" dirty="0"/>
-              <a:t>介绍</a:t>
-            </a:r>
-          </a:p>
-        </p:txBody>
-      </p:sp>
-      <p:sp>
-        <p:nvSpPr>
-          <p:cNvPr id="19" name="TextBox 18">
-            <a:extLst>
-              <a:ext uri="{FF2B5EF4-FFF2-40B4-BE49-F238E27FC236}">
-                <a16:creationId xmlns:a16="http://schemas.microsoft.com/office/drawing/2014/main" id="{11A5D244-0D7D-084C-B814-CBDB8C35D872}"/>
-              </a:ext>
-            </a:extLst>
-          </p:cNvPr>
-          <p:cNvSpPr txBox="1"/>
-          <p:nvPr/>
-        </p:nvSpPr>
-        <p:spPr>
-          <a:xfrm>
-            <a:off x="450850" y="1091148"/>
-            <a:ext cx="8470900" cy="3416320"/>
-          </a:xfrm>
-          <a:prstGeom prst="rect">
-            <a:avLst/>
-          </a:prstGeom>
-          <a:noFill/>
-        </p:spPr>
-        <p:txBody>
-          <a:bodyPr wrap="square" rtlCol="0">
-            <a:spAutoFit/>
-          </a:bodyPr>
-          <a:lstStyle/>
-          <a:p>
-            <a:pPr marL="285750" indent="-285750">
-              <a:buFont typeface="Wingdings" pitchFamily="2" charset="2"/>
-              <a:buChar char="q"/>
-            </a:pPr>
-            <a:r>
-              <a:rPr lang="en-CN" sz="2400" dirty="0">
-                <a:latin typeface="SimHei" panose="02010609060101010101" pitchFamily="49" charset="-122"/>
-                <a:ea typeface="SimHei" panose="02010609060101010101" pitchFamily="49" charset="-122"/>
-              </a:rPr>
-              <a:t>由于NAND</a:t>
-            </a:r>
-            <a:r>
-              <a:rPr lang="zh-CN" altLang="en-US" sz="2400" dirty="0">
-                <a:latin typeface="SimHei" panose="02010609060101010101" pitchFamily="49" charset="-122"/>
-                <a:ea typeface="SimHei" panose="02010609060101010101" pitchFamily="49" charset="-122"/>
-              </a:rPr>
-              <a:t> </a:t>
-            </a:r>
-            <a:r>
-              <a:rPr lang="en-CN" sz="2400" dirty="0">
-                <a:latin typeface="SimHei" panose="02010609060101010101" pitchFamily="49" charset="-122"/>
-                <a:ea typeface="SimHei" panose="02010609060101010101" pitchFamily="49" charset="-122"/>
-              </a:rPr>
-              <a:t>SSD的</a:t>
-            </a:r>
-            <a:r>
-              <a:rPr lang="en-CN" sz="2400" b="1" dirty="0">
-                <a:latin typeface="SimHei" panose="02010609060101010101" pitchFamily="49" charset="-122"/>
-                <a:ea typeface="SimHei" panose="02010609060101010101" pitchFamily="49" charset="-122"/>
-              </a:rPr>
-              <a:t>读写干扰</a:t>
-            </a:r>
-            <a:r>
-              <a:rPr lang="en-CN" sz="2400" dirty="0">
-                <a:latin typeface="SimHei" panose="02010609060101010101" pitchFamily="49" charset="-122"/>
-                <a:ea typeface="SimHei" panose="02010609060101010101" pitchFamily="49" charset="-122"/>
-              </a:rPr>
-              <a:t>问题</a:t>
-            </a:r>
-            <a:r>
-              <a:rPr lang="zh-CN" altLang="en-US" sz="2400" dirty="0">
-                <a:latin typeface="SimHei" panose="02010609060101010101" pitchFamily="49" charset="-122"/>
-                <a:ea typeface="SimHei" panose="02010609060101010101" pitchFamily="49" charset="-122"/>
-              </a:rPr>
-              <a:t>，多租户性能隔离在</a:t>
-            </a:r>
-            <a:r>
-              <a:rPr lang="en-US" altLang="zh-CN" sz="2400" dirty="0">
-                <a:latin typeface="SimHei" panose="02010609060101010101" pitchFamily="49" charset="-122"/>
-                <a:ea typeface="SimHei" panose="02010609060101010101" pitchFamily="49" charset="-122"/>
-              </a:rPr>
-              <a:t>SSD</a:t>
-            </a:r>
-            <a:r>
-              <a:rPr lang="zh-CN" altLang="en-US" sz="2400" dirty="0">
-                <a:latin typeface="SimHei" panose="02010609060101010101" pitchFamily="49" charset="-122"/>
-                <a:ea typeface="SimHei" panose="02010609060101010101" pitchFamily="49" charset="-122"/>
-              </a:rPr>
-              <a:t>上难以实现</a:t>
-            </a:r>
-            <a:endParaRPr lang="en-US" altLang="zh-CN" sz="2400" dirty="0">
-              <a:latin typeface="SimHei" panose="02010609060101010101" pitchFamily="49" charset="-122"/>
-              <a:ea typeface="SimHei" panose="02010609060101010101" pitchFamily="49" charset="-122"/>
-            </a:endParaRPr>
-          </a:p>
-          <a:p>
-            <a:pPr marL="285750" indent="-285750">
-              <a:buFont typeface="Wingdings" pitchFamily="2" charset="2"/>
-              <a:buChar char="q"/>
-            </a:pPr>
-            <a:r>
-              <a:rPr lang="zh-CN" altLang="en-US" sz="2400" dirty="0">
-                <a:latin typeface="SimHei" panose="02010609060101010101" pitchFamily="49" charset="-122"/>
-                <a:ea typeface="SimHei" panose="02010609060101010101" pitchFamily="49" charset="-122"/>
-              </a:rPr>
-              <a:t>在</a:t>
-            </a:r>
-            <a:r>
-              <a:rPr lang="en-US" altLang="zh-CN" sz="2400" dirty="0">
-                <a:ea typeface="SimHei" panose="02010609060101010101" pitchFamily="49" charset="-122"/>
-              </a:rPr>
-              <a:t>Samsung</a:t>
-            </a:r>
-            <a:r>
-              <a:rPr lang="zh-CN" altLang="en-US" sz="2400" dirty="0">
-                <a:ea typeface="SimHei" panose="02010609060101010101" pitchFamily="49" charset="-122"/>
-              </a:rPr>
-              <a:t> </a:t>
-            </a:r>
-            <a:r>
-              <a:rPr lang="en-US" altLang="zh-CN" sz="2400" dirty="0">
-                <a:ea typeface="SimHei" panose="02010609060101010101" pitchFamily="49" charset="-122"/>
-              </a:rPr>
-              <a:t>PM963</a:t>
-            </a:r>
-            <a:r>
-              <a:rPr lang="zh-CN" altLang="en-US" sz="2400" dirty="0">
-                <a:latin typeface="SimHei" panose="02010609060101010101" pitchFamily="49" charset="-122"/>
-                <a:ea typeface="SimHei" panose="02010609060101010101" pitchFamily="49" charset="-122"/>
-              </a:rPr>
-              <a:t>上，很小的写流量就会使读的尾延迟增大十倍</a:t>
-            </a:r>
-            <a:endParaRPr lang="en-US" altLang="zh-CN" sz="2400" dirty="0">
-              <a:latin typeface="SimHei" panose="02010609060101010101" pitchFamily="49" charset="-122"/>
-              <a:ea typeface="SimHei" panose="02010609060101010101" pitchFamily="49" charset="-122"/>
-            </a:endParaRPr>
-          </a:p>
-          <a:p>
-            <a:pPr marL="285750" indent="-285750">
-              <a:buFont typeface="Wingdings" pitchFamily="2" charset="2"/>
-              <a:buChar char="q"/>
-            </a:pPr>
-            <a:r>
-              <a:rPr lang="en-CN" sz="2400" dirty="0">
-                <a:latin typeface="SimHei" panose="02010609060101010101" pitchFamily="49" charset="-122"/>
-                <a:ea typeface="SimHei" panose="02010609060101010101" pitchFamily="49" charset="-122"/>
-              </a:rPr>
-              <a:t>这是由于一个租户的写操作可能触发SSD内部的垃圾回收</a:t>
-            </a:r>
-            <a:r>
-              <a:rPr lang="zh-CN" altLang="en-US" sz="2400" dirty="0">
-                <a:latin typeface="SimHei" panose="02010609060101010101" pitchFamily="49" charset="-122"/>
-                <a:ea typeface="SimHei" panose="02010609060101010101" pitchFamily="49" charset="-122"/>
-              </a:rPr>
-              <a:t>、缓冲区刷新等操作，进而影响其他租户的访问性能</a:t>
-            </a:r>
-            <a:endParaRPr lang="en-US" altLang="zh-CN" sz="2400" dirty="0">
-              <a:latin typeface="SimHei" panose="02010609060101010101" pitchFamily="49" charset="-122"/>
-              <a:ea typeface="SimHei" panose="02010609060101010101" pitchFamily="49" charset="-122"/>
-            </a:endParaRPr>
-          </a:p>
-          <a:p>
-            <a:pPr marL="285750" indent="-285750">
-              <a:buFont typeface="Wingdings" pitchFamily="2" charset="2"/>
-              <a:buChar char="q"/>
-            </a:pPr>
-            <a:r>
-              <a:rPr lang="en-US" sz="2400" dirty="0" err="1">
-                <a:latin typeface="SimHei" panose="02010609060101010101" pitchFamily="49" charset="-122"/>
-                <a:ea typeface="SimHei" panose="02010609060101010101" pitchFamily="49" charset="-122"/>
-              </a:rPr>
-              <a:t>因此</a:t>
-            </a:r>
-            <a:r>
-              <a:rPr lang="zh-CN" altLang="en-US" sz="2400" dirty="0">
-                <a:latin typeface="SimHei" panose="02010609060101010101" pitchFamily="49" charset="-122"/>
-                <a:ea typeface="SimHei" panose="02010609060101010101" pitchFamily="49" charset="-122"/>
-              </a:rPr>
-              <a:t>，高性能的云应用仍倾向于采用租户独占的</a:t>
-            </a:r>
-            <a:r>
-              <a:rPr lang="en-US" altLang="zh-CN" sz="2400" dirty="0">
-                <a:latin typeface="SimHei" panose="02010609060101010101" pitchFamily="49" charset="-122"/>
-                <a:ea typeface="SimHei" panose="02010609060101010101" pitchFamily="49" charset="-122"/>
-              </a:rPr>
-              <a:t>SSD</a:t>
-            </a:r>
-            <a:r>
-              <a:rPr lang="zh-CN" altLang="en-US" sz="2400" dirty="0">
-                <a:latin typeface="SimHei" panose="02010609060101010101" pitchFamily="49" charset="-122"/>
-                <a:ea typeface="SimHei" panose="02010609060101010101" pitchFamily="49" charset="-122"/>
-              </a:rPr>
-              <a:t>存储，这会造成资源的浪费</a:t>
-            </a:r>
-            <a:endParaRPr lang="en-CN" sz="2400" dirty="0">
-              <a:latin typeface="SimHei" panose="02010609060101010101" pitchFamily="49" charset="-122"/>
-              <a:ea typeface="SimHei" panose="02010609060101010101" pitchFamily="49" charset="-122"/>
-            </a:endParaRPr>
-          </a:p>
-          <a:p>
-            <a:pPr marL="285750" indent="-285750">
-              <a:buFont typeface="Wingdings" pitchFamily="2" charset="2"/>
-              <a:buChar char="q"/>
-            </a:pPr>
-            <a:endParaRPr lang="en-CN" sz="2400" dirty="0">
-              <a:latin typeface="SimHei" panose="02010609060101010101" pitchFamily="49" charset="-122"/>
-              <a:ea typeface="SimHei" panose="02010609060101010101" pitchFamily="49" charset="-122"/>
-            </a:endParaRPr>
-          </a:p>
-        </p:txBody>
-      </p:sp>
-    </p:spTree>
-    <p:extLst>
-      <p:ext uri="{BB962C8B-B14F-4D97-AF65-F5344CB8AC3E}">
-        <p14:creationId xmlns:p14="http://schemas.microsoft.com/office/powerpoint/2010/main" val="3222393928"/>
-      </p:ext>
-    </p:extLst>
-  </p:cSld>
-  <p:clrMapOvr>
-    <a:masterClrMapping/>
-  </p:clrMapOvr>
-</p:sld>
-</file>
-
 <file path=ppt/slides/slide7.xml><?xml version="1.0" encoding="utf-8"?>
-<p:sld xmlns:a="http://schemas.openxmlformats.org/drawingml/2006/main" xmlns:r="http://schemas.openxmlformats.org/officeDocument/2006/relationships" xmlns:p="http://schemas.openxmlformats.org/presentationml/2006/main">
-  <p:cSld>
-    <p:spTree>
-      <p:nvGrpSpPr>
-        <p:cNvPr id="1" name=""/>
-        <p:cNvGrpSpPr/>
-        <p:nvPr/>
-      </p:nvGrpSpPr>
-      <p:grpSpPr>
-        <a:xfrm>
-          <a:off x="0" y="0"/>
-          <a:ext cx="0" cy="0"/>
-          <a:chOff x="0" y="0"/>
-          <a:chExt cx="0" cy="0"/>
-        </a:xfrm>
-      </p:grpSpPr>
-      <p:sp>
-        <p:nvSpPr>
-          <p:cNvPr id="2" name="Footer Placeholder 1">
-            <a:extLst>
-              <a:ext uri="{FF2B5EF4-FFF2-40B4-BE49-F238E27FC236}">
-                <a16:creationId xmlns:a16="http://schemas.microsoft.com/office/drawing/2014/main" id="{E16FE007-56DB-D241-B94C-375DF5975654}"/>
-              </a:ext>
-            </a:extLst>
-          </p:cNvPr>
-          <p:cNvSpPr>
-            <a:spLocks noGrp="1"/>
-          </p:cNvSpPr>
-          <p:nvPr>
-            <p:ph type="ftr" sz="quarter" idx="11"/>
-          </p:nvPr>
-        </p:nvSpPr>
-        <p:spPr/>
-        <p:txBody>
-          <a:bodyPr/>
-          <a:lstStyle/>
-          <a:p>
-            <a:pPr>
-              <a:defRPr/>
-            </a:pPr>
-            <a:r>
-              <a:rPr lang="zh-CN" altLang="en-US"/>
-              <a:t>云闪存系统中的多租户性能隔离研究</a:t>
-            </a:r>
-            <a:endParaRPr lang="zh-CN" altLang="en-US" dirty="0"/>
-          </a:p>
-        </p:txBody>
-      </p:sp>
-      <p:sp>
-        <p:nvSpPr>
-          <p:cNvPr id="3" name="Title 2">
-            <a:extLst>
-              <a:ext uri="{FF2B5EF4-FFF2-40B4-BE49-F238E27FC236}">
-                <a16:creationId xmlns:a16="http://schemas.microsoft.com/office/drawing/2014/main" id="{01C58E26-0C8B-BF45-A33F-964AD69A3821}"/>
-              </a:ext>
-            </a:extLst>
-          </p:cNvPr>
-          <p:cNvSpPr>
-            <a:spLocks noGrp="1"/>
-          </p:cNvSpPr>
-          <p:nvPr>
-            <p:ph type="title"/>
-          </p:nvPr>
-        </p:nvSpPr>
-        <p:spPr/>
-        <p:txBody>
-          <a:bodyPr/>
-          <a:lstStyle/>
-          <a:p>
-            <a:r>
-              <a:rPr lang="en-CN" dirty="0"/>
-              <a:t>我的工作</a:t>
-            </a:r>
-          </a:p>
-        </p:txBody>
-      </p:sp>
-      <p:sp>
-        <p:nvSpPr>
-          <p:cNvPr id="5" name="Content Placeholder 4">
-            <a:extLst>
-              <a:ext uri="{FF2B5EF4-FFF2-40B4-BE49-F238E27FC236}">
-                <a16:creationId xmlns:a16="http://schemas.microsoft.com/office/drawing/2014/main" id="{9A7F38F3-5FFA-E84A-B206-229B70403B17}"/>
-              </a:ext>
-            </a:extLst>
-          </p:cNvPr>
-          <p:cNvSpPr txBox="1">
-            <a:spLocks noGrp="1"/>
-          </p:cNvSpPr>
-          <p:nvPr>
-            <p:ph idx="1"/>
-          </p:nvPr>
-        </p:nvSpPr>
-        <p:spPr>
-          <a:xfrm>
-            <a:off x="444999" y="1093469"/>
-            <a:ext cx="8330702" cy="2557110"/>
-          </a:xfrm>
-          <a:prstGeom prst="rect">
-            <a:avLst/>
-          </a:prstGeom>
-          <a:noFill/>
-        </p:spPr>
-        <p:txBody>
-          <a:bodyPr wrap="square" rtlCol="0">
-            <a:spAutoFit/>
-          </a:bodyPr>
-          <a:lstStyle/>
-          <a:p>
-            <a:pPr marL="285750" indent="-285750">
-              <a:buFont typeface="Wingdings" pitchFamily="2" charset="2"/>
-              <a:buChar char="q"/>
-            </a:pPr>
-            <a:r>
-              <a:rPr lang="en-CN" sz="2400" b="0" dirty="0">
-                <a:latin typeface="SimHei" panose="02010609060101010101" pitchFamily="49" charset="-122"/>
-                <a:ea typeface="SimHei" panose="02010609060101010101" pitchFamily="49" charset="-122"/>
-              </a:rPr>
-              <a:t>本研究设计了一个多租户性能隔离的闪存系统</a:t>
-            </a:r>
-          </a:p>
-          <a:p>
-            <a:pPr marL="285750" indent="-285750">
-              <a:buFont typeface="Wingdings" pitchFamily="2" charset="2"/>
-              <a:buChar char="q"/>
-            </a:pPr>
-            <a:r>
-              <a:rPr lang="en-CN" sz="2400" b="0" dirty="0">
-                <a:latin typeface="SimHei" panose="02010609060101010101" pitchFamily="49" charset="-122"/>
-                <a:ea typeface="SimHei" panose="02010609060101010101" pitchFamily="49" charset="-122"/>
-              </a:rPr>
-              <a:t>租户指定其吞吐和尾延迟需求</a:t>
-            </a:r>
-            <a:r>
-              <a:rPr lang="zh-CN" altLang="en-US" sz="2400" b="0" dirty="0">
-                <a:latin typeface="SimHei" panose="02010609060101010101" pitchFamily="49" charset="-122"/>
-                <a:ea typeface="SimHei" panose="02010609060101010101" pitchFamily="49" charset="-122"/>
-              </a:rPr>
-              <a:t>，本系统负责资源的分配和调度，从而满足租户的</a:t>
-            </a:r>
-            <a:r>
-              <a:rPr lang="en-US" altLang="zh-CN" sz="2400" b="0" dirty="0">
-                <a:ea typeface="SimHei" panose="02010609060101010101" pitchFamily="49" charset="-122"/>
-              </a:rPr>
-              <a:t>SLA</a:t>
-            </a:r>
-            <a:r>
-              <a:rPr lang="zh-CN" altLang="en-US" sz="2400" b="0" dirty="0">
-                <a:latin typeface="SimHei" panose="02010609060101010101" pitchFamily="49" charset="-122"/>
-                <a:ea typeface="SimHei" panose="02010609060101010101" pitchFamily="49" charset="-122"/>
-              </a:rPr>
-              <a:t>（</a:t>
-            </a:r>
-            <a:r>
-              <a:rPr lang="en-US" altLang="zh-CN" sz="2400" b="0" dirty="0">
-                <a:ea typeface="SimHei" panose="02010609060101010101" pitchFamily="49" charset="-122"/>
-              </a:rPr>
-              <a:t>Service</a:t>
-            </a:r>
-            <a:r>
-              <a:rPr lang="zh-CN" altLang="en-US" sz="2400" b="0" dirty="0">
-                <a:ea typeface="SimHei" panose="02010609060101010101" pitchFamily="49" charset="-122"/>
-              </a:rPr>
-              <a:t> </a:t>
-            </a:r>
-            <a:r>
-              <a:rPr lang="en-US" altLang="zh-CN" sz="2400" b="0" dirty="0">
-                <a:ea typeface="SimHei" panose="02010609060101010101" pitchFamily="49" charset="-122"/>
-              </a:rPr>
-              <a:t>Level</a:t>
-            </a:r>
-            <a:r>
-              <a:rPr lang="zh-CN" altLang="en-US" sz="2400" b="0" dirty="0">
-                <a:ea typeface="SimHei" panose="02010609060101010101" pitchFamily="49" charset="-122"/>
-              </a:rPr>
-              <a:t> </a:t>
-            </a:r>
-            <a:r>
-              <a:rPr lang="en-US" altLang="zh-CN" sz="2400" b="0" dirty="0">
-                <a:ea typeface="SimHei" panose="02010609060101010101" pitchFamily="49" charset="-122"/>
-              </a:rPr>
-              <a:t>Agreement</a:t>
-            </a:r>
-            <a:r>
-              <a:rPr lang="zh-CN" altLang="en-US" sz="2400" b="0" dirty="0">
-                <a:latin typeface="SimHei" panose="02010609060101010101" pitchFamily="49" charset="-122"/>
-                <a:ea typeface="SimHei" panose="02010609060101010101" pitchFamily="49" charset="-122"/>
-              </a:rPr>
-              <a:t>）</a:t>
-            </a:r>
-            <a:endParaRPr lang="en-US" altLang="zh-CN" sz="2400" b="0" dirty="0">
-              <a:latin typeface="SimHei" panose="02010609060101010101" pitchFamily="49" charset="-122"/>
-              <a:ea typeface="SimHei" panose="02010609060101010101" pitchFamily="49" charset="-122"/>
-            </a:endParaRPr>
-          </a:p>
-          <a:p>
-            <a:pPr marL="742950" lvl="1" indent="-285750">
-              <a:buFont typeface="Wingdings" pitchFamily="2" charset="2"/>
-              <a:buChar char="q"/>
-            </a:pPr>
-            <a:r>
-              <a:rPr lang="en-CN" sz="2000" b="0" dirty="0">
-                <a:latin typeface="SimHei" panose="02010609060101010101" pitchFamily="49" charset="-122"/>
-                <a:ea typeface="SimHei" panose="02010609060101010101" pitchFamily="49" charset="-122"/>
-              </a:rPr>
-              <a:t>多租户共享时</a:t>
-            </a:r>
-            <a:r>
-              <a:rPr lang="zh-CN" altLang="en-US" sz="2000" b="0" dirty="0">
-                <a:latin typeface="SimHei" panose="02010609060101010101" pitchFamily="49" charset="-122"/>
-                <a:ea typeface="SimHei" panose="02010609060101010101" pitchFamily="49" charset="-122"/>
-              </a:rPr>
-              <a:t>，各个租户的</a:t>
-            </a:r>
-            <a:r>
-              <a:rPr lang="en-US" altLang="zh-CN" sz="2000" b="0" dirty="0">
-                <a:latin typeface="SimHei" panose="02010609060101010101" pitchFamily="49" charset="-122"/>
-                <a:ea typeface="SimHei" panose="02010609060101010101" pitchFamily="49" charset="-122"/>
-              </a:rPr>
-              <a:t>SLA</a:t>
-            </a:r>
-            <a:r>
-              <a:rPr lang="zh-CN" altLang="en-US" sz="2000" b="0" dirty="0">
-                <a:latin typeface="SimHei" panose="02010609060101010101" pitchFamily="49" charset="-122"/>
-                <a:ea typeface="SimHei" panose="02010609060101010101" pitchFamily="49" charset="-122"/>
-              </a:rPr>
-              <a:t>仍能得到保证</a:t>
-            </a:r>
-            <a:endParaRPr lang="en-US" altLang="zh-CN" sz="2000" b="0" dirty="0">
-              <a:latin typeface="SimHei" panose="02010609060101010101" pitchFamily="49" charset="-122"/>
-              <a:ea typeface="SimHei" panose="02010609060101010101" pitchFamily="49" charset="-122"/>
-            </a:endParaRPr>
-          </a:p>
-          <a:p>
-            <a:pPr marL="285750" indent="-285750"/>
-            <a:endParaRPr lang="en-US" altLang="zh-CN" sz="2400" b="0" dirty="0">
-              <a:latin typeface="SimHei" panose="02010609060101010101" pitchFamily="49" charset="-122"/>
-              <a:ea typeface="SimHei" panose="02010609060101010101" pitchFamily="49" charset="-122"/>
-            </a:endParaRPr>
-          </a:p>
-          <a:p>
-            <a:pPr marL="285750" indent="-285750"/>
-            <a:endParaRPr lang="en-CN" sz="2400" b="0" dirty="0">
-              <a:latin typeface="SimHei" panose="02010609060101010101" pitchFamily="49" charset="-122"/>
-              <a:ea typeface="SimHei" panose="02010609060101010101" pitchFamily="49" charset="-122"/>
-            </a:endParaRPr>
-          </a:p>
-        </p:txBody>
-      </p:sp>
-      <p:sp>
-        <p:nvSpPr>
-          <p:cNvPr id="6" name="Rectangle 5">
-            <a:extLst>
-              <a:ext uri="{FF2B5EF4-FFF2-40B4-BE49-F238E27FC236}">
-                <a16:creationId xmlns:a16="http://schemas.microsoft.com/office/drawing/2014/main" id="{60226327-A124-4840-9E93-86C18DF6A265}"/>
-              </a:ext>
-            </a:extLst>
-          </p:cNvPr>
-          <p:cNvSpPr/>
-          <p:nvPr/>
-        </p:nvSpPr>
-        <p:spPr>
-          <a:xfrm>
-            <a:off x="4015333" y="2893824"/>
-            <a:ext cx="1383322" cy="708357"/>
-          </a:xfrm>
-          <a:prstGeom prst="rect">
-            <a:avLst/>
-          </a:prstGeom>
-          <a:solidFill>
-            <a:schemeClr val="accent1">
-              <a:lumMod val="40000"/>
-              <a:lumOff val="60000"/>
-            </a:schemeClr>
-          </a:solidFill>
-        </p:spPr>
-        <p:style>
-          <a:lnRef idx="2">
-            <a:schemeClr val="accent1">
-              <a:shade val="50000"/>
-            </a:schemeClr>
-          </a:lnRef>
-          <a:fillRef idx="1">
-            <a:schemeClr val="accent1"/>
-          </a:fillRef>
-          <a:effectRef idx="0">
-            <a:schemeClr val="accent1"/>
-          </a:effectRef>
-          <a:fontRef idx="minor">
-            <a:schemeClr val="lt1"/>
-          </a:fontRef>
-        </p:style>
-        <p:txBody>
-          <a:bodyPr rtlCol="0" anchor="ctr"/>
-          <a:lstStyle/>
-          <a:p>
-            <a:pPr marL="0" marR="0" lvl="0" indent="0" algn="ctr" defTabSz="914400" rtl="0" eaLnBrk="1" fontAlgn="auto" latinLnBrk="0" hangingPunct="1">
-              <a:lnSpc>
-                <a:spcPct val="100000"/>
-              </a:lnSpc>
-              <a:spcBef>
-                <a:spcPts val="0"/>
-              </a:spcBef>
-              <a:spcAft>
-                <a:spcPts val="0"/>
-              </a:spcAft>
-              <a:buClrTx/>
-              <a:buSzTx/>
-              <a:buFontTx/>
-              <a:buNone/>
-              <a:tabLst/>
-              <a:defRPr/>
-            </a:pPr>
-            <a:r>
-              <a:rPr kumimoji="0" lang="zh-CN" altLang="en-US" sz="1600" b="0" i="0" u="none" strike="noStrike" kern="1200" cap="none" spc="0" normalizeH="0" baseline="0" noProof="0" dirty="0">
-                <a:ln>
-                  <a:noFill/>
-                </a:ln>
-                <a:solidFill>
-                  <a:prstClr val="black"/>
-                </a:solidFill>
-                <a:effectLst/>
-                <a:uLnTx/>
-                <a:uFillTx/>
-                <a:latin typeface="SimHei" panose="02010609060101010101" pitchFamily="49" charset="-122"/>
-                <a:ea typeface="SimHei" panose="02010609060101010101" pitchFamily="49" charset="-122"/>
-                <a:cs typeface="+mn-cs"/>
-              </a:rPr>
-              <a:t>控制器</a:t>
-            </a:r>
-            <a:endParaRPr kumimoji="0" lang="en-US" altLang="zh-CN" sz="1600" b="0" i="0" u="none" strike="noStrike" kern="1200" cap="none" spc="0" normalizeH="0" baseline="0" noProof="0" dirty="0">
-              <a:ln>
-                <a:noFill/>
-              </a:ln>
-              <a:solidFill>
-                <a:prstClr val="black"/>
-              </a:solidFill>
-              <a:effectLst/>
-              <a:uLnTx/>
-              <a:uFillTx/>
-              <a:latin typeface="SimHei" panose="02010609060101010101" pitchFamily="49" charset="-122"/>
-              <a:ea typeface="SimHei" panose="02010609060101010101" pitchFamily="49" charset="-122"/>
-              <a:cs typeface="+mn-cs"/>
-            </a:endParaRPr>
-          </a:p>
-        </p:txBody>
-      </p:sp>
-      <p:sp>
-        <p:nvSpPr>
-          <p:cNvPr id="7" name="Rectangle: Rounded Corners 4">
-            <a:extLst>
-              <a:ext uri="{FF2B5EF4-FFF2-40B4-BE49-F238E27FC236}">
-                <a16:creationId xmlns:a16="http://schemas.microsoft.com/office/drawing/2014/main" id="{A604DC71-FE32-B943-B194-0DB2D6D9B737}"/>
-              </a:ext>
-            </a:extLst>
-          </p:cNvPr>
-          <p:cNvSpPr/>
-          <p:nvPr/>
-        </p:nvSpPr>
-        <p:spPr>
-          <a:xfrm>
-            <a:off x="5913281" y="4706444"/>
-            <a:ext cx="2041236" cy="461818"/>
-          </a:xfrm>
-          <a:prstGeom prst="roundRect">
-            <a:avLst/>
-          </a:prstGeom>
-          <a:solidFill>
-            <a:schemeClr val="accent3">
-              <a:lumMod val="20000"/>
-              <a:lumOff val="80000"/>
-            </a:schemeClr>
-          </a:solidFill>
-        </p:spPr>
-        <p:style>
-          <a:lnRef idx="2">
-            <a:schemeClr val="accent1">
-              <a:shade val="50000"/>
-            </a:schemeClr>
-          </a:lnRef>
-          <a:fillRef idx="1">
-            <a:schemeClr val="accent1"/>
-          </a:fillRef>
-          <a:effectRef idx="0">
-            <a:schemeClr val="accent1"/>
-          </a:effectRef>
-          <a:fontRef idx="minor">
-            <a:schemeClr val="lt1"/>
-          </a:fontRef>
-        </p:style>
-        <p:txBody>
-          <a:bodyPr rtlCol="0" anchor="ctr"/>
-          <a:lstStyle/>
-          <a:p>
-            <a:pPr marL="0" marR="0" lvl="0" indent="0" algn="ctr" defTabSz="914400" rtl="0" eaLnBrk="1" fontAlgn="auto" latinLnBrk="0" hangingPunct="1">
-              <a:lnSpc>
-                <a:spcPct val="100000"/>
-              </a:lnSpc>
-              <a:spcBef>
-                <a:spcPts val="0"/>
-              </a:spcBef>
-              <a:spcAft>
-                <a:spcPts val="0"/>
-              </a:spcAft>
-              <a:buClrTx/>
-              <a:buSzTx/>
-              <a:buFontTx/>
-              <a:buNone/>
-              <a:tabLst/>
-              <a:defRPr/>
-            </a:pPr>
-            <a:r>
-              <a:rPr kumimoji="0" lang="en-US" sz="1200" b="0" i="0" u="none" strike="noStrike" kern="1200" cap="none" spc="0" normalizeH="0" baseline="0" noProof="0" dirty="0">
-                <a:ln>
-                  <a:noFill/>
-                </a:ln>
-                <a:solidFill>
-                  <a:prstClr val="black"/>
-                </a:solidFill>
-                <a:effectLst/>
-                <a:uLnTx/>
-                <a:uFillTx/>
-                <a:latin typeface="Calibri" panose="020F0502020204030204"/>
-                <a:ea typeface="SimHei" panose="02010609060101010101" pitchFamily="49" charset="-122"/>
-                <a:cs typeface="+mn-cs"/>
-              </a:rPr>
-              <a:t>(80,</a:t>
-            </a:r>
-            <a:r>
-              <a:rPr kumimoji="0" lang="en-US" sz="1200" b="0" i="0" u="none" strike="noStrike" kern="1200" cap="none" spc="0" normalizeH="0" baseline="0" noProof="0" dirty="0">
-                <a:ln>
-                  <a:noFill/>
-                </a:ln>
-                <a:solidFill>
-                  <a:srgbClr val="A5A5A5">
-                    <a:lumMod val="20000"/>
-                    <a:lumOff val="80000"/>
-                  </a:srgbClr>
-                </a:solidFill>
-                <a:effectLst/>
-                <a:uLnTx/>
-                <a:uFillTx/>
-                <a:latin typeface="Calibri" panose="020F0502020204030204"/>
-                <a:ea typeface="SimHei" panose="02010609060101010101" pitchFamily="49" charset="-122"/>
-                <a:cs typeface="+mn-cs"/>
-              </a:rPr>
-              <a:t>aaaaaa</a:t>
-            </a:r>
-            <a:r>
-              <a:rPr kumimoji="0" lang="en-US" sz="1200" b="0" i="0" u="none" strike="noStrike" kern="1200" cap="none" spc="0" normalizeH="0" baseline="0" noProof="0" dirty="0">
-                <a:ln>
-                  <a:noFill/>
-                </a:ln>
-                <a:solidFill>
-                  <a:prstClr val="black"/>
-                </a:solidFill>
-                <a:effectLst/>
-                <a:uLnTx/>
-                <a:uFillTx/>
-                <a:latin typeface="Calibri" panose="020F0502020204030204"/>
-                <a:ea typeface="SimHei" panose="02010609060101010101" pitchFamily="49" charset="-122"/>
-                <a:cs typeface="+mn-cs"/>
-              </a:rPr>
-              <a:t>, P99 &lt; 2ms), P=2         </a:t>
-            </a:r>
-          </a:p>
-        </p:txBody>
-      </p:sp>
-      <p:sp>
-        <p:nvSpPr>
-          <p:cNvPr id="8" name="Rectangle: Rounded Corners 28">
-            <a:extLst>
-              <a:ext uri="{FF2B5EF4-FFF2-40B4-BE49-F238E27FC236}">
-                <a16:creationId xmlns:a16="http://schemas.microsoft.com/office/drawing/2014/main" id="{DE5CC00C-1332-494A-9566-C594E32756CD}"/>
-              </a:ext>
-            </a:extLst>
-          </p:cNvPr>
-          <p:cNvSpPr/>
-          <p:nvPr/>
-        </p:nvSpPr>
-        <p:spPr>
-          <a:xfrm>
-            <a:off x="5913281" y="5318352"/>
-            <a:ext cx="2041236" cy="461818"/>
-          </a:xfrm>
-          <a:prstGeom prst="roundRect">
-            <a:avLst/>
-          </a:prstGeom>
-          <a:solidFill>
-            <a:schemeClr val="accent3">
-              <a:lumMod val="20000"/>
-              <a:lumOff val="80000"/>
-            </a:schemeClr>
-          </a:solidFill>
-        </p:spPr>
-        <p:style>
-          <a:lnRef idx="2">
-            <a:schemeClr val="accent1">
-              <a:shade val="50000"/>
-            </a:schemeClr>
-          </a:lnRef>
-          <a:fillRef idx="1">
-            <a:schemeClr val="accent1"/>
-          </a:fillRef>
-          <a:effectRef idx="0">
-            <a:schemeClr val="accent1"/>
-          </a:effectRef>
-          <a:fontRef idx="minor">
-            <a:schemeClr val="lt1"/>
-          </a:fontRef>
-        </p:style>
-        <p:txBody>
-          <a:bodyPr rtlCol="0" anchor="ctr"/>
-          <a:lstStyle/>
-          <a:p>
-            <a:pPr marL="0" marR="0" lvl="0" indent="0" algn="ctr" defTabSz="914400" rtl="0" eaLnBrk="1" fontAlgn="auto" latinLnBrk="0" hangingPunct="1">
-              <a:lnSpc>
-                <a:spcPct val="100000"/>
-              </a:lnSpc>
-              <a:spcBef>
-                <a:spcPts val="0"/>
-              </a:spcBef>
-              <a:spcAft>
-                <a:spcPts val="0"/>
-              </a:spcAft>
-              <a:buClrTx/>
-              <a:buSzTx/>
-              <a:buFontTx/>
-              <a:buNone/>
-              <a:tabLst/>
-              <a:defRPr/>
-            </a:pPr>
-            <a:r>
-              <a:rPr kumimoji="0" lang="en-US" sz="1200" b="0" i="0" u="none" strike="noStrike" kern="1200" cap="none" spc="0" normalizeH="0" baseline="0" noProof="0" dirty="0">
-                <a:ln>
-                  <a:noFill/>
-                </a:ln>
-                <a:solidFill>
-                  <a:prstClr val="black"/>
-                </a:solidFill>
-                <a:effectLst/>
-                <a:uLnTx/>
-                <a:uFillTx/>
-                <a:latin typeface="Calibri" panose="020F0502020204030204"/>
-                <a:ea typeface="SimHei" panose="02010609060101010101" pitchFamily="49" charset="-122"/>
-                <a:cs typeface="+mn-cs"/>
-              </a:rPr>
-              <a:t>(48,</a:t>
-            </a:r>
-            <a:r>
-              <a:rPr kumimoji="0" lang="en-US" sz="1200" b="0" i="0" u="none" strike="noStrike" kern="1200" cap="none" spc="0" normalizeH="0" baseline="0" noProof="0" dirty="0">
-                <a:ln>
-                  <a:noFill/>
-                </a:ln>
-                <a:solidFill>
-                  <a:srgbClr val="A5A5A5">
-                    <a:lumMod val="20000"/>
-                    <a:lumOff val="80000"/>
-                  </a:srgbClr>
-                </a:solidFill>
-                <a:effectLst/>
-                <a:uLnTx/>
-                <a:uFillTx/>
-                <a:latin typeface="Calibri" panose="020F0502020204030204"/>
-                <a:ea typeface="SimHei" panose="02010609060101010101" pitchFamily="49" charset="-122"/>
-                <a:cs typeface="+mn-cs"/>
-              </a:rPr>
-              <a:t>aaaaaa</a:t>
-            </a:r>
-            <a:r>
-              <a:rPr kumimoji="0" lang="en-US" sz="1200" b="0" i="0" u="none" strike="noStrike" kern="1200" cap="none" spc="0" normalizeH="0" baseline="0" noProof="0" dirty="0">
-                <a:ln>
-                  <a:noFill/>
-                </a:ln>
-                <a:solidFill>
-                  <a:prstClr val="black"/>
-                </a:solidFill>
-                <a:effectLst/>
-                <a:uLnTx/>
-                <a:uFillTx/>
-                <a:latin typeface="Calibri" panose="020F0502020204030204"/>
-                <a:ea typeface="SimHei" panose="02010609060101010101" pitchFamily="49" charset="-122"/>
-                <a:cs typeface="+mn-cs"/>
-              </a:rPr>
-              <a:t>, P90 &lt; 2ms), P=1         </a:t>
-            </a:r>
-          </a:p>
-        </p:txBody>
-      </p:sp>
-      <p:pic>
-        <p:nvPicPr>
-          <p:cNvPr id="9" name="Graphic 8">
-            <a:extLst>
-              <a:ext uri="{FF2B5EF4-FFF2-40B4-BE49-F238E27FC236}">
-                <a16:creationId xmlns:a16="http://schemas.microsoft.com/office/drawing/2014/main" id="{F992D5F4-31ED-E94E-9357-71F85BAAD85E}"/>
-              </a:ext>
-            </a:extLst>
-          </p:cNvPr>
-          <p:cNvPicPr>
-            <a:picLocks noChangeAspect="1"/>
-          </p:cNvPicPr>
-          <p:nvPr/>
-        </p:nvPicPr>
-        <p:blipFill>
-          <a:blip r:embed="rId2">
-            <a:extLst>
-              <a:ext uri="{28A0092B-C50C-407E-A947-70E740481C1C}">
-                <a14:useLocalDpi xmlns:a14="http://schemas.microsoft.com/office/drawing/2010/main" val="0"/>
-              </a:ext>
-              <a:ext uri="{96DAC541-7B7A-43D3-8B79-37D633B846F1}">
-                <asvg:svgBlip xmlns:asvg="http://schemas.microsoft.com/office/drawing/2016/SVG/main" r:embed="rId3"/>
-              </a:ext>
-            </a:extLst>
-          </a:blip>
-          <a:stretch>
-            <a:fillRect/>
-          </a:stretch>
-        </p:blipFill>
-        <p:spPr>
-          <a:xfrm>
-            <a:off x="6227316" y="4701177"/>
-            <a:ext cx="548640" cy="511029"/>
-          </a:xfrm>
-          <a:prstGeom prst="rect">
-            <a:avLst/>
-          </a:prstGeom>
-        </p:spPr>
-      </p:pic>
-      <p:sp>
-        <p:nvSpPr>
-          <p:cNvPr id="10" name="Rectangle: Rounded Corners 38">
-            <a:extLst>
-              <a:ext uri="{FF2B5EF4-FFF2-40B4-BE49-F238E27FC236}">
-                <a16:creationId xmlns:a16="http://schemas.microsoft.com/office/drawing/2014/main" id="{0CB6FAFB-E0B6-454B-8E07-5D42C7637426}"/>
-              </a:ext>
-            </a:extLst>
-          </p:cNvPr>
-          <p:cNvSpPr/>
-          <p:nvPr/>
-        </p:nvSpPr>
-        <p:spPr>
-          <a:xfrm>
-            <a:off x="5913281" y="5930260"/>
-            <a:ext cx="2041236" cy="461818"/>
-          </a:xfrm>
-          <a:prstGeom prst="roundRect">
-            <a:avLst/>
-          </a:prstGeom>
-          <a:solidFill>
-            <a:schemeClr val="accent3">
-              <a:lumMod val="20000"/>
-              <a:lumOff val="80000"/>
-            </a:schemeClr>
-          </a:solidFill>
-        </p:spPr>
-        <p:style>
-          <a:lnRef idx="2">
-            <a:schemeClr val="accent1">
-              <a:shade val="50000"/>
-            </a:schemeClr>
-          </a:lnRef>
-          <a:fillRef idx="1">
-            <a:schemeClr val="accent1"/>
-          </a:fillRef>
-          <a:effectRef idx="0">
-            <a:schemeClr val="accent1"/>
-          </a:effectRef>
-          <a:fontRef idx="minor">
-            <a:schemeClr val="lt1"/>
-          </a:fontRef>
-        </p:style>
-        <p:txBody>
-          <a:bodyPr rtlCol="0" anchor="ctr"/>
-          <a:lstStyle/>
-          <a:p>
-            <a:pPr marL="0" marR="0" lvl="0" indent="0" algn="ctr" defTabSz="914400" rtl="0" eaLnBrk="1" fontAlgn="auto" latinLnBrk="0" hangingPunct="1">
-              <a:lnSpc>
-                <a:spcPct val="100000"/>
-              </a:lnSpc>
-              <a:spcBef>
-                <a:spcPts val="0"/>
-              </a:spcBef>
-              <a:spcAft>
-                <a:spcPts val="0"/>
-              </a:spcAft>
-              <a:buClrTx/>
-              <a:buSzTx/>
-              <a:buFontTx/>
-              <a:buNone/>
-              <a:tabLst/>
-              <a:defRPr/>
-            </a:pPr>
-            <a:r>
-              <a:rPr kumimoji="0" lang="en-US" sz="1200" b="0" i="0" u="none" strike="noStrike" kern="1200" cap="none" spc="0" normalizeH="0" baseline="0" noProof="0" dirty="0">
-                <a:ln>
-                  <a:noFill/>
-                </a:ln>
-                <a:solidFill>
-                  <a:prstClr val="black"/>
-                </a:solidFill>
-                <a:effectLst/>
-                <a:uLnTx/>
-                <a:uFillTx/>
-                <a:latin typeface="Calibri" panose="020F0502020204030204"/>
-                <a:ea typeface="SimHei" panose="02010609060101010101" pitchFamily="49" charset="-122"/>
-                <a:cs typeface="+mn-cs"/>
-              </a:rPr>
-              <a:t>(64,</a:t>
-            </a:r>
-            <a:r>
-              <a:rPr kumimoji="0" lang="en-US" sz="1200" b="0" i="0" u="none" strike="noStrike" kern="1200" cap="none" spc="0" normalizeH="0" baseline="0" noProof="0" dirty="0">
-                <a:ln>
-                  <a:noFill/>
-                </a:ln>
-                <a:solidFill>
-                  <a:srgbClr val="A5A5A5">
-                    <a:lumMod val="20000"/>
-                    <a:lumOff val="80000"/>
-                  </a:srgbClr>
-                </a:solidFill>
-                <a:effectLst/>
-                <a:uLnTx/>
-                <a:uFillTx/>
-                <a:latin typeface="Calibri" panose="020F0502020204030204"/>
-                <a:ea typeface="SimHei" panose="02010609060101010101" pitchFamily="49" charset="-122"/>
-                <a:cs typeface="+mn-cs"/>
-              </a:rPr>
-              <a:t>aaaaaa</a:t>
-            </a:r>
-            <a:r>
-              <a:rPr kumimoji="0" lang="en-US" sz="1200" b="0" i="0" u="none" strike="noStrike" kern="1200" cap="none" spc="0" normalizeH="0" baseline="0" noProof="0" dirty="0">
-                <a:ln>
-                  <a:noFill/>
-                </a:ln>
-                <a:solidFill>
-                  <a:prstClr val="black"/>
-                </a:solidFill>
-                <a:effectLst/>
-                <a:uLnTx/>
-                <a:uFillTx/>
-                <a:latin typeface="Calibri" panose="020F0502020204030204"/>
-                <a:ea typeface="SimHei" panose="02010609060101010101" pitchFamily="49" charset="-122"/>
-                <a:cs typeface="+mn-cs"/>
-              </a:rPr>
-              <a:t>, P99 &lt; 2ms), P=3         </a:t>
-            </a:r>
-          </a:p>
-        </p:txBody>
-      </p:sp>
-      <p:sp>
-        <p:nvSpPr>
-          <p:cNvPr id="11" name="Rectangle: Rounded Corners 40">
-            <a:extLst>
-              <a:ext uri="{FF2B5EF4-FFF2-40B4-BE49-F238E27FC236}">
-                <a16:creationId xmlns:a16="http://schemas.microsoft.com/office/drawing/2014/main" id="{44AD3BD1-1F26-C34B-8587-FC3E20C9C20F}"/>
-              </a:ext>
-            </a:extLst>
-          </p:cNvPr>
-          <p:cNvSpPr/>
-          <p:nvPr/>
-        </p:nvSpPr>
-        <p:spPr>
-          <a:xfrm>
-            <a:off x="5913281" y="4102426"/>
-            <a:ext cx="2041236" cy="461818"/>
-          </a:xfrm>
-          <a:prstGeom prst="roundRect">
-            <a:avLst/>
-          </a:prstGeom>
-          <a:solidFill>
-            <a:schemeClr val="accent3">
-              <a:lumMod val="20000"/>
-              <a:lumOff val="80000"/>
-            </a:schemeClr>
-          </a:solidFill>
-        </p:spPr>
-        <p:style>
-          <a:lnRef idx="2">
-            <a:schemeClr val="accent1">
-              <a:shade val="50000"/>
-            </a:schemeClr>
-          </a:lnRef>
-          <a:fillRef idx="1">
-            <a:schemeClr val="accent1"/>
-          </a:fillRef>
-          <a:effectRef idx="0">
-            <a:schemeClr val="accent1"/>
-          </a:effectRef>
-          <a:fontRef idx="minor">
-            <a:schemeClr val="lt1"/>
-          </a:fontRef>
-        </p:style>
-        <p:txBody>
-          <a:bodyPr rtlCol="0" anchor="ctr"/>
-          <a:lstStyle/>
-          <a:p>
-            <a:pPr marL="0" marR="0" lvl="0" indent="0" algn="ctr" defTabSz="914400" rtl="0" eaLnBrk="1" fontAlgn="auto" latinLnBrk="0" hangingPunct="1">
-              <a:lnSpc>
-                <a:spcPct val="100000"/>
-              </a:lnSpc>
-              <a:spcBef>
-                <a:spcPts val="0"/>
-              </a:spcBef>
-              <a:spcAft>
-                <a:spcPts val="0"/>
-              </a:spcAft>
-              <a:buClrTx/>
-              <a:buSzTx/>
-              <a:buFontTx/>
-              <a:buNone/>
-              <a:tabLst/>
-              <a:defRPr/>
-            </a:pPr>
-            <a:r>
-              <a:rPr kumimoji="0" lang="en-US" sz="1200" b="0" i="0" u="none" strike="noStrike" kern="1200" cap="none" spc="0" normalizeH="0" baseline="0" noProof="0" dirty="0">
-                <a:ln>
-                  <a:noFill/>
-                </a:ln>
-                <a:solidFill>
-                  <a:prstClr val="black"/>
-                </a:solidFill>
-                <a:effectLst/>
-                <a:uLnTx/>
-                <a:uFillTx/>
-                <a:latin typeface="Calibri" panose="020F0502020204030204"/>
-                <a:ea typeface="SimHei" panose="02010609060101010101" pitchFamily="49" charset="-122"/>
-                <a:cs typeface="+mn-cs"/>
-              </a:rPr>
-              <a:t>(16,</a:t>
-            </a:r>
-            <a:r>
-              <a:rPr kumimoji="0" lang="en-US" sz="1200" b="0" i="0" u="none" strike="noStrike" kern="1200" cap="none" spc="0" normalizeH="0" baseline="0" noProof="0" dirty="0">
-                <a:ln>
-                  <a:noFill/>
-                </a:ln>
-                <a:solidFill>
-                  <a:srgbClr val="A5A5A5">
-                    <a:lumMod val="20000"/>
-                    <a:lumOff val="80000"/>
-                  </a:srgbClr>
-                </a:solidFill>
-                <a:effectLst/>
-                <a:uLnTx/>
-                <a:uFillTx/>
-                <a:latin typeface="Calibri" panose="020F0502020204030204"/>
-                <a:ea typeface="SimHei" panose="02010609060101010101" pitchFamily="49" charset="-122"/>
-                <a:cs typeface="+mn-cs"/>
-              </a:rPr>
-              <a:t>aaaaaa</a:t>
-            </a:r>
-            <a:r>
-              <a:rPr kumimoji="0" lang="en-US" sz="1200" b="0" i="0" u="none" strike="noStrike" kern="1200" cap="none" spc="0" normalizeH="0" baseline="0" noProof="0" dirty="0">
-                <a:ln>
-                  <a:noFill/>
-                </a:ln>
-                <a:solidFill>
-                  <a:prstClr val="black"/>
-                </a:solidFill>
-                <a:effectLst/>
-                <a:uLnTx/>
-                <a:uFillTx/>
-                <a:latin typeface="Calibri" panose="020F0502020204030204"/>
-                <a:ea typeface="SimHei" panose="02010609060101010101" pitchFamily="49" charset="-122"/>
-                <a:cs typeface="+mn-cs"/>
-              </a:rPr>
-              <a:t>, P95 &lt; 2ms), P=1         </a:t>
-            </a:r>
-          </a:p>
-        </p:txBody>
-      </p:sp>
-      <p:sp>
-        <p:nvSpPr>
-          <p:cNvPr id="12" name="Rectangle: Rounded Corners 42">
-            <a:extLst>
-              <a:ext uri="{FF2B5EF4-FFF2-40B4-BE49-F238E27FC236}">
-                <a16:creationId xmlns:a16="http://schemas.microsoft.com/office/drawing/2014/main" id="{177C2383-29A9-904E-B9FD-CE052E5304E9}"/>
-              </a:ext>
-            </a:extLst>
-          </p:cNvPr>
-          <p:cNvSpPr/>
-          <p:nvPr/>
-        </p:nvSpPr>
-        <p:spPr>
-          <a:xfrm>
-            <a:off x="1265470" y="4397894"/>
-            <a:ext cx="1676400" cy="461818"/>
-          </a:xfrm>
-          <a:prstGeom prst="roundRect">
-            <a:avLst/>
-          </a:prstGeom>
-          <a:solidFill>
-            <a:schemeClr val="accent6">
-              <a:lumMod val="20000"/>
-              <a:lumOff val="80000"/>
-            </a:schemeClr>
-          </a:solidFill>
-        </p:spPr>
-        <p:style>
-          <a:lnRef idx="2">
-            <a:schemeClr val="accent1">
-              <a:shade val="50000"/>
-            </a:schemeClr>
-          </a:lnRef>
-          <a:fillRef idx="1">
-            <a:schemeClr val="accent1"/>
-          </a:fillRef>
-          <a:effectRef idx="0">
-            <a:schemeClr val="accent1"/>
-          </a:effectRef>
-          <a:fontRef idx="minor">
-            <a:schemeClr val="lt1"/>
-          </a:fontRef>
-        </p:style>
-        <p:txBody>
-          <a:bodyPr rtlCol="0" anchor="ctr"/>
-          <a:lstStyle/>
-          <a:p>
-            <a:pPr marL="0" marR="0" lvl="0" indent="0" algn="ctr" defTabSz="914400" rtl="0" eaLnBrk="1" fontAlgn="auto" latinLnBrk="0" hangingPunct="1">
-              <a:lnSpc>
-                <a:spcPct val="100000"/>
-              </a:lnSpc>
-              <a:spcBef>
-                <a:spcPts val="0"/>
-              </a:spcBef>
-              <a:spcAft>
-                <a:spcPts val="0"/>
-              </a:spcAft>
-              <a:buClrTx/>
-              <a:buSzTx/>
-              <a:buFontTx/>
-              <a:buNone/>
-              <a:tabLst/>
-              <a:defRPr/>
-            </a:pPr>
-            <a:r>
-              <a:rPr kumimoji="0" lang="en-US" sz="1200" b="0" i="0" u="none" strike="noStrike" kern="1200" cap="none" spc="0" normalizeH="0" baseline="0" noProof="0" dirty="0">
-                <a:ln>
-                  <a:noFill/>
-                </a:ln>
-                <a:solidFill>
-                  <a:prstClr val="black"/>
-                </a:solidFill>
-                <a:effectLst/>
-                <a:uLnTx/>
-                <a:uFillTx/>
-                <a:latin typeface="Calibri" panose="020F0502020204030204"/>
-                <a:ea typeface="SimHei" panose="02010609060101010101" pitchFamily="49" charset="-122"/>
-                <a:cs typeface="+mn-cs"/>
-              </a:rPr>
-              <a:t>(40,</a:t>
-            </a:r>
-            <a:r>
-              <a:rPr kumimoji="0" lang="en-US" sz="1200" b="0" i="0" u="none" strike="noStrike" kern="1200" cap="none" spc="0" normalizeH="0" baseline="0" noProof="0" dirty="0">
-                <a:ln>
-                  <a:noFill/>
-                </a:ln>
-                <a:solidFill>
-                  <a:srgbClr val="A5A5A5">
-                    <a:lumMod val="20000"/>
-                    <a:lumOff val="80000"/>
-                  </a:srgbClr>
-                </a:solidFill>
-                <a:effectLst/>
-                <a:uLnTx/>
-                <a:uFillTx/>
-                <a:latin typeface="Calibri" panose="020F0502020204030204"/>
-                <a:ea typeface="SimHei" panose="02010609060101010101" pitchFamily="49" charset="-122"/>
-                <a:cs typeface="+mn-cs"/>
-              </a:rPr>
-              <a:t>aaaaaa</a:t>
-            </a:r>
-            <a:r>
-              <a:rPr kumimoji="0" lang="en-US" sz="1200" b="0" i="0" u="none" strike="noStrike" kern="1200" cap="none" spc="0" normalizeH="0" baseline="0" noProof="0" dirty="0">
-                <a:ln>
-                  <a:noFill/>
-                </a:ln>
-                <a:solidFill>
-                  <a:prstClr val="black"/>
-                </a:solidFill>
-                <a:effectLst/>
-                <a:uLnTx/>
-                <a:uFillTx/>
-                <a:latin typeface="Calibri" panose="020F0502020204030204"/>
-                <a:ea typeface="SimHei" panose="02010609060101010101" pitchFamily="49" charset="-122"/>
-                <a:cs typeface="+mn-cs"/>
-              </a:rPr>
-              <a:t>, P95 &lt; 2ms)         </a:t>
-            </a:r>
-          </a:p>
-        </p:txBody>
-      </p:sp>
-      <p:pic>
-        <p:nvPicPr>
-          <p:cNvPr id="13" name="Graphic 12">
-            <a:extLst>
-              <a:ext uri="{FF2B5EF4-FFF2-40B4-BE49-F238E27FC236}">
-                <a16:creationId xmlns:a16="http://schemas.microsoft.com/office/drawing/2014/main" id="{54164E26-0BB3-3946-B32A-8B08C4646ABD}"/>
-              </a:ext>
-            </a:extLst>
-          </p:cNvPr>
-          <p:cNvPicPr>
-            <a:picLocks noChangeAspect="1"/>
-          </p:cNvPicPr>
-          <p:nvPr/>
-        </p:nvPicPr>
-        <p:blipFill>
-          <a:blip r:embed="rId4">
-            <a:extLst>
-              <a:ext uri="{28A0092B-C50C-407E-A947-70E740481C1C}">
-                <a14:useLocalDpi xmlns:a14="http://schemas.microsoft.com/office/drawing/2010/main" val="0"/>
-              </a:ext>
-              <a:ext uri="{96DAC541-7B7A-43D3-8B79-37D633B846F1}">
-                <asvg:svgBlip xmlns:asvg="http://schemas.microsoft.com/office/drawing/2016/SVG/main" r:embed="rId5"/>
-              </a:ext>
-            </a:extLst>
-          </a:blip>
-          <a:stretch>
-            <a:fillRect/>
-          </a:stretch>
-        </p:blipFill>
-        <p:spPr>
-          <a:xfrm>
-            <a:off x="6247164" y="5880744"/>
-            <a:ext cx="548640" cy="548640"/>
-          </a:xfrm>
-          <a:prstGeom prst="rect">
-            <a:avLst/>
-          </a:prstGeom>
-        </p:spPr>
-      </p:pic>
-      <p:pic>
-        <p:nvPicPr>
-          <p:cNvPr id="14" name="Graphic 13">
-            <a:extLst>
-              <a:ext uri="{FF2B5EF4-FFF2-40B4-BE49-F238E27FC236}">
-                <a16:creationId xmlns:a16="http://schemas.microsoft.com/office/drawing/2014/main" id="{7BB94B26-73A0-1D40-87C1-8D0B39DD336F}"/>
-              </a:ext>
-            </a:extLst>
-          </p:cNvPr>
-          <p:cNvPicPr>
-            <a:picLocks noChangeAspect="1"/>
-          </p:cNvPicPr>
-          <p:nvPr/>
-        </p:nvPicPr>
-        <p:blipFill>
-          <a:blip r:embed="rId6">
-            <a:extLst>
-              <a:ext uri="{28A0092B-C50C-407E-A947-70E740481C1C}">
-                <a14:useLocalDpi xmlns:a14="http://schemas.microsoft.com/office/drawing/2010/main" val="0"/>
-              </a:ext>
-              <a:ext uri="{96DAC541-7B7A-43D3-8B79-37D633B846F1}">
-                <asvg:svgBlip xmlns:asvg="http://schemas.microsoft.com/office/drawing/2016/SVG/main" r:embed="rId7"/>
-              </a:ext>
-            </a:extLst>
-          </a:blip>
-          <a:stretch>
-            <a:fillRect/>
-          </a:stretch>
-        </p:blipFill>
-        <p:spPr>
-          <a:xfrm>
-            <a:off x="6247164" y="5291757"/>
-            <a:ext cx="548640" cy="548640"/>
-          </a:xfrm>
-          <a:prstGeom prst="rect">
-            <a:avLst/>
-          </a:prstGeom>
-        </p:spPr>
-      </p:pic>
-      <p:pic>
-        <p:nvPicPr>
-          <p:cNvPr id="15" name="Graphic 14">
-            <a:extLst>
-              <a:ext uri="{FF2B5EF4-FFF2-40B4-BE49-F238E27FC236}">
-                <a16:creationId xmlns:a16="http://schemas.microsoft.com/office/drawing/2014/main" id="{2DF430E2-1199-0F4E-B7AA-1DACE10320DA}"/>
-              </a:ext>
-            </a:extLst>
-          </p:cNvPr>
-          <p:cNvPicPr>
-            <a:picLocks noChangeAspect="1"/>
-          </p:cNvPicPr>
-          <p:nvPr/>
-        </p:nvPicPr>
-        <p:blipFill>
-          <a:blip r:embed="rId8">
-            <a:extLst>
-              <a:ext uri="{28A0092B-C50C-407E-A947-70E740481C1C}">
-                <a14:useLocalDpi xmlns:a14="http://schemas.microsoft.com/office/drawing/2010/main" val="0"/>
-              </a:ext>
-              <a:ext uri="{96DAC541-7B7A-43D3-8B79-37D633B846F1}">
-                <asvg:svgBlip xmlns:asvg="http://schemas.microsoft.com/office/drawing/2016/SVG/main" r:embed="rId9"/>
-              </a:ext>
-            </a:extLst>
-          </a:blip>
-          <a:stretch>
-            <a:fillRect/>
-          </a:stretch>
-        </p:blipFill>
-        <p:spPr>
-          <a:xfrm>
-            <a:off x="1531581" y="4388713"/>
-            <a:ext cx="548640" cy="548640"/>
-          </a:xfrm>
-          <a:prstGeom prst="rect">
-            <a:avLst/>
-          </a:prstGeom>
-        </p:spPr>
-      </p:pic>
-      <p:pic>
-        <p:nvPicPr>
-          <p:cNvPr id="16" name="Graphic 15">
-            <a:extLst>
-              <a:ext uri="{FF2B5EF4-FFF2-40B4-BE49-F238E27FC236}">
-                <a16:creationId xmlns:a16="http://schemas.microsoft.com/office/drawing/2014/main" id="{71D7F5C3-5B2B-134E-87E9-8E6FB05B8E76}"/>
-              </a:ext>
-            </a:extLst>
-          </p:cNvPr>
-          <p:cNvPicPr>
-            <a:picLocks noChangeAspect="1"/>
-          </p:cNvPicPr>
-          <p:nvPr/>
-        </p:nvPicPr>
-        <p:blipFill>
-          <a:blip r:embed="rId10">
-            <a:extLst>
-              <a:ext uri="{28A0092B-C50C-407E-A947-70E740481C1C}">
-                <a14:useLocalDpi xmlns:a14="http://schemas.microsoft.com/office/drawing/2010/main" val="0"/>
-              </a:ext>
-              <a:ext uri="{96DAC541-7B7A-43D3-8B79-37D633B846F1}">
-                <asvg:svgBlip xmlns:asvg="http://schemas.microsoft.com/office/drawing/2016/SVG/main" r:embed="rId11"/>
-              </a:ext>
-            </a:extLst>
-          </a:blip>
-          <a:stretch>
-            <a:fillRect/>
-          </a:stretch>
-        </p:blipFill>
-        <p:spPr>
-          <a:xfrm>
-            <a:off x="6247164" y="4078744"/>
-            <a:ext cx="548640" cy="548640"/>
-          </a:xfrm>
-          <a:prstGeom prst="rect">
-            <a:avLst/>
-          </a:prstGeom>
-        </p:spPr>
-      </p:pic>
-      <p:sp>
-        <p:nvSpPr>
-          <p:cNvPr id="17" name="Rectangle: Rounded Corners 54">
-            <a:extLst>
-              <a:ext uri="{FF2B5EF4-FFF2-40B4-BE49-F238E27FC236}">
-                <a16:creationId xmlns:a16="http://schemas.microsoft.com/office/drawing/2014/main" id="{9F54DD4E-7683-7D4B-BC6C-F29B9D92956A}"/>
-              </a:ext>
-            </a:extLst>
-          </p:cNvPr>
-          <p:cNvSpPr/>
-          <p:nvPr/>
-        </p:nvSpPr>
-        <p:spPr>
-          <a:xfrm>
-            <a:off x="1265470" y="5056243"/>
-            <a:ext cx="1676400" cy="461818"/>
-          </a:xfrm>
-          <a:prstGeom prst="roundRect">
-            <a:avLst/>
-          </a:prstGeom>
-          <a:solidFill>
-            <a:schemeClr val="accent6">
-              <a:lumMod val="20000"/>
-              <a:lumOff val="80000"/>
-            </a:schemeClr>
-          </a:solidFill>
-        </p:spPr>
-        <p:style>
-          <a:lnRef idx="2">
-            <a:schemeClr val="accent1">
-              <a:shade val="50000"/>
-            </a:schemeClr>
-          </a:lnRef>
-          <a:fillRef idx="1">
-            <a:schemeClr val="accent1"/>
-          </a:fillRef>
-          <a:effectRef idx="0">
-            <a:schemeClr val="accent1"/>
-          </a:effectRef>
-          <a:fontRef idx="minor">
-            <a:schemeClr val="lt1"/>
-          </a:fontRef>
-        </p:style>
-        <p:txBody>
-          <a:bodyPr rtlCol="0" anchor="ctr"/>
-          <a:lstStyle/>
-          <a:p>
-            <a:pPr marL="0" marR="0" lvl="0" indent="0" algn="ctr" defTabSz="914400" rtl="0" eaLnBrk="1" fontAlgn="auto" latinLnBrk="0" hangingPunct="1">
-              <a:lnSpc>
-                <a:spcPct val="100000"/>
-              </a:lnSpc>
-              <a:spcBef>
-                <a:spcPts val="0"/>
-              </a:spcBef>
-              <a:spcAft>
-                <a:spcPts val="0"/>
-              </a:spcAft>
-              <a:buClrTx/>
-              <a:buSzTx/>
-              <a:buFontTx/>
-              <a:buNone/>
-              <a:tabLst/>
-              <a:defRPr/>
-            </a:pPr>
-            <a:r>
-              <a:rPr kumimoji="0" lang="en-US" sz="1200" b="0" i="0" u="none" strike="noStrike" kern="1200" cap="none" spc="0" normalizeH="0" baseline="0" noProof="0" dirty="0">
-                <a:ln>
-                  <a:noFill/>
-                </a:ln>
-                <a:solidFill>
-                  <a:prstClr val="black"/>
-                </a:solidFill>
-                <a:effectLst/>
-                <a:uLnTx/>
-                <a:uFillTx/>
-                <a:latin typeface="Calibri" panose="020F0502020204030204"/>
-                <a:ea typeface="SimHei" panose="02010609060101010101" pitchFamily="49" charset="-122"/>
-                <a:cs typeface="+mn-cs"/>
-              </a:rPr>
-              <a:t>(32,</a:t>
-            </a:r>
-            <a:r>
-              <a:rPr kumimoji="0" lang="en-US" sz="1200" b="0" i="0" u="none" strike="noStrike" kern="1200" cap="none" spc="0" normalizeH="0" baseline="0" noProof="0" dirty="0">
-                <a:ln>
-                  <a:noFill/>
-                </a:ln>
-                <a:solidFill>
-                  <a:srgbClr val="70AD47">
-                    <a:lumMod val="20000"/>
-                    <a:lumOff val="80000"/>
-                  </a:srgbClr>
-                </a:solidFill>
-                <a:effectLst/>
-                <a:uLnTx/>
-                <a:uFillTx/>
-                <a:latin typeface="Calibri" panose="020F0502020204030204"/>
-                <a:ea typeface="SimHei" panose="02010609060101010101" pitchFamily="49" charset="-122"/>
-                <a:cs typeface="+mn-cs"/>
-              </a:rPr>
-              <a:t>aaaaaa</a:t>
-            </a:r>
-            <a:r>
-              <a:rPr kumimoji="0" lang="en-US" sz="1200" b="0" i="0" u="none" strike="noStrike" kern="1200" cap="none" spc="0" normalizeH="0" baseline="0" noProof="0" dirty="0">
-                <a:ln>
-                  <a:noFill/>
-                </a:ln>
-                <a:solidFill>
-                  <a:prstClr val="black"/>
-                </a:solidFill>
-                <a:effectLst/>
-                <a:uLnTx/>
-                <a:uFillTx/>
-                <a:latin typeface="Calibri" panose="020F0502020204030204"/>
-                <a:ea typeface="SimHei" panose="02010609060101010101" pitchFamily="49" charset="-122"/>
-                <a:cs typeface="+mn-cs"/>
-              </a:rPr>
-              <a:t>, P90 &lt; 2ms)         </a:t>
-            </a:r>
-          </a:p>
-        </p:txBody>
-      </p:sp>
-      <p:sp>
-        <p:nvSpPr>
-          <p:cNvPr id="18" name="Rectangle: Rounded Corners 56">
-            <a:extLst>
-              <a:ext uri="{FF2B5EF4-FFF2-40B4-BE49-F238E27FC236}">
-                <a16:creationId xmlns:a16="http://schemas.microsoft.com/office/drawing/2014/main" id="{EEBEFF28-400F-084B-B37C-7B48FD2ABD63}"/>
-              </a:ext>
-            </a:extLst>
-          </p:cNvPr>
-          <p:cNvSpPr/>
-          <p:nvPr/>
-        </p:nvSpPr>
-        <p:spPr>
-          <a:xfrm>
-            <a:off x="1259930" y="5714592"/>
-            <a:ext cx="1676400" cy="461818"/>
-          </a:xfrm>
-          <a:prstGeom prst="roundRect">
-            <a:avLst/>
-          </a:prstGeom>
-          <a:solidFill>
-            <a:schemeClr val="accent6">
-              <a:lumMod val="20000"/>
-              <a:lumOff val="80000"/>
-            </a:schemeClr>
-          </a:solidFill>
-        </p:spPr>
-        <p:style>
-          <a:lnRef idx="2">
-            <a:schemeClr val="accent1">
-              <a:shade val="50000"/>
-            </a:schemeClr>
-          </a:lnRef>
-          <a:fillRef idx="1">
-            <a:schemeClr val="accent1"/>
-          </a:fillRef>
-          <a:effectRef idx="0">
-            <a:schemeClr val="accent1"/>
-          </a:effectRef>
-          <a:fontRef idx="minor">
-            <a:schemeClr val="lt1"/>
-          </a:fontRef>
-        </p:style>
-        <p:txBody>
-          <a:bodyPr rtlCol="0" anchor="ctr"/>
-          <a:lstStyle/>
-          <a:p>
-            <a:pPr marL="0" marR="0" lvl="0" indent="0" algn="ctr" defTabSz="914400" rtl="0" eaLnBrk="1" fontAlgn="auto" latinLnBrk="0" hangingPunct="1">
-              <a:lnSpc>
-                <a:spcPct val="100000"/>
-              </a:lnSpc>
-              <a:spcBef>
-                <a:spcPts val="0"/>
-              </a:spcBef>
-              <a:spcAft>
-                <a:spcPts val="0"/>
-              </a:spcAft>
-              <a:buClrTx/>
-              <a:buSzTx/>
-              <a:buFontTx/>
-              <a:buNone/>
-              <a:tabLst/>
-              <a:defRPr/>
-            </a:pPr>
-            <a:r>
-              <a:rPr kumimoji="0" lang="en-US" sz="1200" b="0" i="0" u="none" strike="noStrike" kern="1200" cap="none" spc="0" normalizeH="0" baseline="0" noProof="0" dirty="0">
-                <a:ln>
-                  <a:noFill/>
-                </a:ln>
-                <a:solidFill>
-                  <a:prstClr val="black"/>
-                </a:solidFill>
-                <a:effectLst/>
-                <a:uLnTx/>
-                <a:uFillTx/>
-                <a:latin typeface="Calibri" panose="020F0502020204030204"/>
-                <a:ea typeface="SimHei" panose="02010609060101010101" pitchFamily="49" charset="-122"/>
-                <a:cs typeface="+mn-cs"/>
-              </a:rPr>
-              <a:t>(80,</a:t>
-            </a:r>
-            <a:r>
-              <a:rPr kumimoji="0" lang="en-US" sz="1200" b="0" i="0" u="none" strike="noStrike" kern="1200" cap="none" spc="0" normalizeH="0" baseline="0" noProof="0" dirty="0">
-                <a:ln>
-                  <a:noFill/>
-                </a:ln>
-                <a:solidFill>
-                  <a:srgbClr val="A5A5A5">
-                    <a:lumMod val="20000"/>
-                    <a:lumOff val="80000"/>
-                  </a:srgbClr>
-                </a:solidFill>
-                <a:effectLst/>
-                <a:uLnTx/>
-                <a:uFillTx/>
-                <a:latin typeface="Calibri" panose="020F0502020204030204"/>
-                <a:ea typeface="SimHei" panose="02010609060101010101" pitchFamily="49" charset="-122"/>
-                <a:cs typeface="+mn-cs"/>
-              </a:rPr>
-              <a:t>aaaaaa</a:t>
-            </a:r>
-            <a:r>
-              <a:rPr kumimoji="0" lang="en-US" sz="1200" b="0" i="0" u="none" strike="noStrike" kern="1200" cap="none" spc="0" normalizeH="0" baseline="0" noProof="0" dirty="0">
-                <a:ln>
-                  <a:noFill/>
-                </a:ln>
-                <a:solidFill>
-                  <a:prstClr val="black"/>
-                </a:solidFill>
-                <a:effectLst/>
-                <a:uLnTx/>
-                <a:uFillTx/>
-                <a:latin typeface="Calibri" panose="020F0502020204030204"/>
-                <a:ea typeface="SimHei" panose="02010609060101010101" pitchFamily="49" charset="-122"/>
-                <a:cs typeface="+mn-cs"/>
-              </a:rPr>
-              <a:t>, P99 &lt; 2ms)         </a:t>
-            </a:r>
-          </a:p>
-        </p:txBody>
-      </p:sp>
-      <p:pic>
-        <p:nvPicPr>
-          <p:cNvPr id="19" name="Graphic 18">
-            <a:extLst>
-              <a:ext uri="{FF2B5EF4-FFF2-40B4-BE49-F238E27FC236}">
-                <a16:creationId xmlns:a16="http://schemas.microsoft.com/office/drawing/2014/main" id="{1AC98077-6F01-C144-8959-A1DA67275B31}"/>
-              </a:ext>
-            </a:extLst>
-          </p:cNvPr>
-          <p:cNvPicPr>
-            <a:picLocks noChangeAspect="1"/>
-          </p:cNvPicPr>
-          <p:nvPr/>
-        </p:nvPicPr>
-        <p:blipFill>
-          <a:blip r:embed="rId12">
-            <a:extLst>
-              <a:ext uri="{28A0092B-C50C-407E-A947-70E740481C1C}">
-                <a14:useLocalDpi xmlns:a14="http://schemas.microsoft.com/office/drawing/2010/main" val="0"/>
-              </a:ext>
-              <a:ext uri="{96DAC541-7B7A-43D3-8B79-37D633B846F1}">
-                <asvg:svgBlip xmlns:asvg="http://schemas.microsoft.com/office/drawing/2016/SVG/main" r:embed="rId13"/>
-              </a:ext>
-            </a:extLst>
-          </a:blip>
-          <a:stretch>
-            <a:fillRect/>
-          </a:stretch>
-        </p:blipFill>
-        <p:spPr>
-          <a:xfrm>
-            <a:off x="1531581" y="5039358"/>
-            <a:ext cx="548640" cy="548640"/>
-          </a:xfrm>
-          <a:prstGeom prst="rect">
-            <a:avLst/>
-          </a:prstGeom>
-        </p:spPr>
-      </p:pic>
-      <p:pic>
-        <p:nvPicPr>
-          <p:cNvPr id="20" name="Graphic 19">
-            <a:extLst>
-              <a:ext uri="{FF2B5EF4-FFF2-40B4-BE49-F238E27FC236}">
-                <a16:creationId xmlns:a16="http://schemas.microsoft.com/office/drawing/2014/main" id="{A2DF3CF7-EFDF-FB4C-8A6D-8B8F02795627}"/>
-              </a:ext>
-            </a:extLst>
-          </p:cNvPr>
-          <p:cNvPicPr>
-            <a:picLocks noChangeAspect="1"/>
-          </p:cNvPicPr>
-          <p:nvPr/>
-        </p:nvPicPr>
-        <p:blipFill>
-          <a:blip r:embed="rId14">
-            <a:extLst>
-              <a:ext uri="{28A0092B-C50C-407E-A947-70E740481C1C}">
-                <a14:useLocalDpi xmlns:a14="http://schemas.microsoft.com/office/drawing/2010/main" val="0"/>
-              </a:ext>
-              <a:ext uri="{96DAC541-7B7A-43D3-8B79-37D633B846F1}">
-                <asvg:svgBlip xmlns:asvg="http://schemas.microsoft.com/office/drawing/2016/SVG/main" r:embed="rId15"/>
-              </a:ext>
-            </a:extLst>
-          </a:blip>
-          <a:stretch>
-            <a:fillRect/>
-          </a:stretch>
-        </p:blipFill>
-        <p:spPr>
-          <a:xfrm>
-            <a:off x="1531581" y="5678924"/>
-            <a:ext cx="548640" cy="548640"/>
-          </a:xfrm>
-          <a:prstGeom prst="rect">
-            <a:avLst/>
-          </a:prstGeom>
-        </p:spPr>
-      </p:pic>
-      <p:sp>
-        <p:nvSpPr>
-          <p:cNvPr id="21" name="Rectangle: Rounded Corners 58">
-            <a:extLst>
-              <a:ext uri="{FF2B5EF4-FFF2-40B4-BE49-F238E27FC236}">
-                <a16:creationId xmlns:a16="http://schemas.microsoft.com/office/drawing/2014/main" id="{7D73351F-7381-BA4E-856B-EB9EB8BBF7F4}"/>
-              </a:ext>
-            </a:extLst>
-          </p:cNvPr>
-          <p:cNvSpPr/>
-          <p:nvPr/>
-        </p:nvSpPr>
-        <p:spPr>
-          <a:xfrm>
-            <a:off x="3005673" y="4397894"/>
-            <a:ext cx="691661" cy="461818"/>
-          </a:xfrm>
-          <a:prstGeom prst="roundRect">
-            <a:avLst/>
-          </a:prstGeom>
-          <a:solidFill>
-            <a:schemeClr val="accent2">
-              <a:lumMod val="40000"/>
-              <a:lumOff val="60000"/>
-            </a:schemeClr>
-          </a:solidFill>
-        </p:spPr>
-        <p:style>
-          <a:lnRef idx="2">
-            <a:schemeClr val="accent1">
-              <a:shade val="50000"/>
-            </a:schemeClr>
-          </a:lnRef>
-          <a:fillRef idx="1">
-            <a:schemeClr val="accent1"/>
-          </a:fillRef>
-          <a:effectRef idx="0">
-            <a:schemeClr val="accent1"/>
-          </a:effectRef>
-          <a:fontRef idx="minor">
-            <a:schemeClr val="lt1"/>
-          </a:fontRef>
-        </p:style>
-        <p:txBody>
-          <a:bodyPr rtlCol="0" anchor="ctr"/>
-          <a:lstStyle/>
-          <a:p>
-            <a:pPr marL="0" marR="0" lvl="0" indent="0" algn="ctr" defTabSz="914400" rtl="0" eaLnBrk="1" fontAlgn="auto" latinLnBrk="0" hangingPunct="1">
-              <a:lnSpc>
-                <a:spcPct val="100000"/>
-              </a:lnSpc>
-              <a:spcBef>
-                <a:spcPts val="0"/>
-              </a:spcBef>
-              <a:spcAft>
-                <a:spcPts val="0"/>
-              </a:spcAft>
-              <a:buClrTx/>
-              <a:buSzTx/>
-              <a:buFontTx/>
-              <a:buNone/>
-              <a:tabLst/>
-              <a:defRPr/>
-            </a:pPr>
-            <a:r>
-              <a:rPr kumimoji="0" lang="zh-CN" altLang="en-US" sz="1200" b="0" i="0" u="none" strike="noStrike" kern="1200" cap="none" spc="0" normalizeH="0" baseline="0" noProof="0" dirty="0">
-                <a:ln>
-                  <a:noFill/>
-                </a:ln>
-                <a:solidFill>
-                  <a:prstClr val="black"/>
-                </a:solidFill>
-                <a:effectLst/>
-                <a:uLnTx/>
-                <a:uFillTx/>
-                <a:latin typeface="SimHei" panose="02010609060101010101" pitchFamily="49" charset="-122"/>
-                <a:ea typeface="SimHei" panose="02010609060101010101" pitchFamily="49" charset="-122"/>
-                <a:cs typeface="+mn-cs"/>
-              </a:rPr>
-              <a:t>客户端</a:t>
-            </a:r>
-            <a:endParaRPr kumimoji="0" lang="en-US" sz="1200" b="0" i="0" u="none" strike="noStrike" kern="1200" cap="none" spc="0" normalizeH="0" baseline="0" noProof="0" dirty="0">
-              <a:ln>
-                <a:noFill/>
-              </a:ln>
-              <a:solidFill>
-                <a:prstClr val="black"/>
-              </a:solidFill>
-              <a:effectLst/>
-              <a:uLnTx/>
-              <a:uFillTx/>
-              <a:latin typeface="SimHei" panose="02010609060101010101" pitchFamily="49" charset="-122"/>
-              <a:ea typeface="SimHei" panose="02010609060101010101" pitchFamily="49" charset="-122"/>
-              <a:cs typeface="+mn-cs"/>
-            </a:endParaRPr>
-          </a:p>
-        </p:txBody>
-      </p:sp>
-      <p:sp>
-        <p:nvSpPr>
-          <p:cNvPr id="22" name="Rectangle: Rounded Corners 60">
-            <a:extLst>
-              <a:ext uri="{FF2B5EF4-FFF2-40B4-BE49-F238E27FC236}">
-                <a16:creationId xmlns:a16="http://schemas.microsoft.com/office/drawing/2014/main" id="{FB30AAE4-D122-F643-937D-9D6F6D197608}"/>
-              </a:ext>
-            </a:extLst>
-          </p:cNvPr>
-          <p:cNvSpPr/>
-          <p:nvPr/>
-        </p:nvSpPr>
-        <p:spPr>
-          <a:xfrm>
-            <a:off x="3015139" y="5074975"/>
-            <a:ext cx="691661" cy="461818"/>
-          </a:xfrm>
-          <a:prstGeom prst="roundRect">
-            <a:avLst/>
-          </a:prstGeom>
-          <a:solidFill>
-            <a:schemeClr val="accent2">
-              <a:lumMod val="40000"/>
-              <a:lumOff val="60000"/>
-            </a:schemeClr>
-          </a:solidFill>
-        </p:spPr>
-        <p:style>
-          <a:lnRef idx="2">
-            <a:schemeClr val="accent1">
-              <a:shade val="50000"/>
-            </a:schemeClr>
-          </a:lnRef>
-          <a:fillRef idx="1">
-            <a:schemeClr val="accent1"/>
-          </a:fillRef>
-          <a:effectRef idx="0">
-            <a:schemeClr val="accent1"/>
-          </a:effectRef>
-          <a:fontRef idx="minor">
-            <a:schemeClr val="lt1"/>
-          </a:fontRef>
-        </p:style>
-        <p:txBody>
-          <a:bodyPr rtlCol="0" anchor="ctr"/>
-          <a:lstStyle/>
-          <a:p>
-            <a:pPr marL="0" marR="0" lvl="0" indent="0" algn="ctr" defTabSz="914400" rtl="0" eaLnBrk="1" fontAlgn="auto" latinLnBrk="0" hangingPunct="1">
-              <a:lnSpc>
-                <a:spcPct val="100000"/>
-              </a:lnSpc>
-              <a:spcBef>
-                <a:spcPts val="0"/>
-              </a:spcBef>
-              <a:spcAft>
-                <a:spcPts val="0"/>
-              </a:spcAft>
-              <a:buClrTx/>
-              <a:buSzTx/>
-              <a:buFontTx/>
-              <a:buNone/>
-              <a:tabLst/>
-              <a:defRPr/>
-            </a:pPr>
-            <a:r>
-              <a:rPr kumimoji="0" lang="zh-CN" altLang="en-US" sz="1200" b="0" i="0" u="none" strike="noStrike" kern="1200" cap="none" spc="0" normalizeH="0" baseline="0" noProof="0" dirty="0">
-                <a:ln>
-                  <a:noFill/>
-                </a:ln>
-                <a:solidFill>
-                  <a:prstClr val="black"/>
-                </a:solidFill>
-                <a:effectLst/>
-                <a:uLnTx/>
-                <a:uFillTx/>
-                <a:latin typeface="SimHei" panose="02010609060101010101" pitchFamily="49" charset="-122"/>
-                <a:ea typeface="SimHei" panose="02010609060101010101" pitchFamily="49" charset="-122"/>
-                <a:cs typeface="+mn-cs"/>
-              </a:rPr>
-              <a:t>客户端</a:t>
-            </a:r>
-            <a:endParaRPr kumimoji="0" lang="en-US" sz="1200" b="0" i="0" u="none" strike="noStrike" kern="1200" cap="none" spc="0" normalizeH="0" baseline="0" noProof="0" dirty="0">
-              <a:ln>
-                <a:noFill/>
-              </a:ln>
-              <a:solidFill>
-                <a:prstClr val="black"/>
-              </a:solidFill>
-              <a:effectLst/>
-              <a:uLnTx/>
-              <a:uFillTx/>
-              <a:latin typeface="SimHei" panose="02010609060101010101" pitchFamily="49" charset="-122"/>
-              <a:ea typeface="SimHei" panose="02010609060101010101" pitchFamily="49" charset="-122"/>
-              <a:cs typeface="+mn-cs"/>
-            </a:endParaRPr>
-          </a:p>
-        </p:txBody>
-      </p:sp>
-      <p:sp>
-        <p:nvSpPr>
-          <p:cNvPr id="23" name="Rectangle: Rounded Corners 62">
-            <a:extLst>
-              <a:ext uri="{FF2B5EF4-FFF2-40B4-BE49-F238E27FC236}">
-                <a16:creationId xmlns:a16="http://schemas.microsoft.com/office/drawing/2014/main" id="{F403610C-7090-D04A-8901-0A5F4E393BDA}"/>
-              </a:ext>
-            </a:extLst>
-          </p:cNvPr>
-          <p:cNvSpPr/>
-          <p:nvPr/>
-        </p:nvSpPr>
-        <p:spPr>
-          <a:xfrm>
-            <a:off x="3015139" y="5714592"/>
-            <a:ext cx="691661" cy="461818"/>
-          </a:xfrm>
-          <a:prstGeom prst="roundRect">
-            <a:avLst/>
-          </a:prstGeom>
-          <a:solidFill>
-            <a:schemeClr val="accent2">
-              <a:lumMod val="40000"/>
-              <a:lumOff val="60000"/>
-            </a:schemeClr>
-          </a:solidFill>
-        </p:spPr>
-        <p:style>
-          <a:lnRef idx="2">
-            <a:schemeClr val="accent1">
-              <a:shade val="50000"/>
-            </a:schemeClr>
-          </a:lnRef>
-          <a:fillRef idx="1">
-            <a:schemeClr val="accent1"/>
-          </a:fillRef>
-          <a:effectRef idx="0">
-            <a:schemeClr val="accent1"/>
-          </a:effectRef>
-          <a:fontRef idx="minor">
-            <a:schemeClr val="lt1"/>
-          </a:fontRef>
-        </p:style>
-        <p:txBody>
-          <a:bodyPr rtlCol="0" anchor="ctr"/>
-          <a:lstStyle/>
-          <a:p>
-            <a:pPr marL="0" marR="0" lvl="0" indent="0" algn="ctr" defTabSz="914400" rtl="0" eaLnBrk="1" fontAlgn="auto" latinLnBrk="0" hangingPunct="1">
-              <a:lnSpc>
-                <a:spcPct val="100000"/>
-              </a:lnSpc>
-              <a:spcBef>
-                <a:spcPts val="0"/>
-              </a:spcBef>
-              <a:spcAft>
-                <a:spcPts val="0"/>
-              </a:spcAft>
-              <a:buClrTx/>
-              <a:buSzTx/>
-              <a:buFontTx/>
-              <a:buNone/>
-              <a:tabLst/>
-              <a:defRPr/>
-            </a:pPr>
-            <a:r>
-              <a:rPr kumimoji="0" lang="zh-CN" altLang="en-US" sz="1200" b="0" i="0" u="none" strike="noStrike" kern="1200" cap="none" spc="0" normalizeH="0" baseline="0" noProof="0" dirty="0">
-                <a:ln>
-                  <a:noFill/>
-                </a:ln>
-                <a:solidFill>
-                  <a:prstClr val="black"/>
-                </a:solidFill>
-                <a:effectLst/>
-                <a:uLnTx/>
-                <a:uFillTx/>
-                <a:latin typeface="SimHei" panose="02010609060101010101" pitchFamily="49" charset="-122"/>
-                <a:ea typeface="SimHei" panose="02010609060101010101" pitchFamily="49" charset="-122"/>
-                <a:cs typeface="+mn-cs"/>
-              </a:rPr>
-              <a:t>客户端</a:t>
-            </a:r>
-            <a:endParaRPr kumimoji="0" lang="en-US" sz="1200" b="0" i="0" u="none" strike="noStrike" kern="1200" cap="none" spc="0" normalizeH="0" baseline="0" noProof="0" dirty="0">
-              <a:ln>
-                <a:noFill/>
-              </a:ln>
-              <a:solidFill>
-                <a:prstClr val="black"/>
-              </a:solidFill>
-              <a:effectLst/>
-              <a:uLnTx/>
-              <a:uFillTx/>
-              <a:latin typeface="SimHei" panose="02010609060101010101" pitchFamily="49" charset="-122"/>
-              <a:ea typeface="SimHei" panose="02010609060101010101" pitchFamily="49" charset="-122"/>
-              <a:cs typeface="+mn-cs"/>
-            </a:endParaRPr>
-          </a:p>
-        </p:txBody>
-      </p:sp>
-      <p:cxnSp>
-        <p:nvCxnSpPr>
-          <p:cNvPr id="24" name="Straight Arrow Connector 23">
-            <a:extLst>
-              <a:ext uri="{FF2B5EF4-FFF2-40B4-BE49-F238E27FC236}">
-                <a16:creationId xmlns:a16="http://schemas.microsoft.com/office/drawing/2014/main" id="{D5276200-7246-1742-A59B-8D1DCD2F369A}"/>
-              </a:ext>
-            </a:extLst>
-          </p:cNvPr>
-          <p:cNvCxnSpPr>
-            <a:cxnSpLocks/>
-          </p:cNvCxnSpPr>
-          <p:nvPr/>
-        </p:nvCxnSpPr>
-        <p:spPr>
-          <a:xfrm flipV="1">
-            <a:off x="3303407" y="3584250"/>
-            <a:ext cx="609101" cy="677081"/>
-          </a:xfrm>
-          <a:prstGeom prst="straightConnector1">
-            <a:avLst/>
-          </a:prstGeom>
-          <a:ln w="25400">
-            <a:prstDash val="sysDash"/>
-            <a:tailEnd type="triangle"/>
-          </a:ln>
-        </p:spPr>
-        <p:style>
-          <a:lnRef idx="1">
-            <a:schemeClr val="accent1"/>
-          </a:lnRef>
-          <a:fillRef idx="0">
-            <a:schemeClr val="accent1"/>
-          </a:fillRef>
-          <a:effectRef idx="0">
-            <a:schemeClr val="accent1"/>
-          </a:effectRef>
-          <a:fontRef idx="minor">
-            <a:schemeClr val="tx1"/>
-          </a:fontRef>
-        </p:style>
-      </p:cxnSp>
-      <p:cxnSp>
-        <p:nvCxnSpPr>
-          <p:cNvPr id="25" name="Straight Arrow Connector 24">
-            <a:extLst>
-              <a:ext uri="{FF2B5EF4-FFF2-40B4-BE49-F238E27FC236}">
-                <a16:creationId xmlns:a16="http://schemas.microsoft.com/office/drawing/2014/main" id="{49DC62F6-69B0-AA4C-BA06-C12321B21766}"/>
-              </a:ext>
-            </a:extLst>
-          </p:cNvPr>
-          <p:cNvCxnSpPr>
-            <a:cxnSpLocks/>
-          </p:cNvCxnSpPr>
-          <p:nvPr/>
-        </p:nvCxnSpPr>
-        <p:spPr>
-          <a:xfrm>
-            <a:off x="5521275" y="3618468"/>
-            <a:ext cx="607052" cy="381125"/>
-          </a:xfrm>
-          <a:prstGeom prst="straightConnector1">
-            <a:avLst/>
-          </a:prstGeom>
-          <a:ln w="25400">
-            <a:prstDash val="sysDash"/>
-            <a:tailEnd type="triangle"/>
-          </a:ln>
-        </p:spPr>
-        <p:style>
-          <a:lnRef idx="1">
-            <a:schemeClr val="accent1"/>
-          </a:lnRef>
-          <a:fillRef idx="0">
-            <a:schemeClr val="accent1"/>
-          </a:fillRef>
-          <a:effectRef idx="0">
-            <a:schemeClr val="accent1"/>
-          </a:effectRef>
-          <a:fontRef idx="minor">
-            <a:schemeClr val="tx1"/>
-          </a:fontRef>
-        </p:style>
-      </p:cxnSp>
-      <p:cxnSp>
-        <p:nvCxnSpPr>
-          <p:cNvPr id="26" name="Straight Arrow Connector 25">
-            <a:extLst>
-              <a:ext uri="{FF2B5EF4-FFF2-40B4-BE49-F238E27FC236}">
-                <a16:creationId xmlns:a16="http://schemas.microsoft.com/office/drawing/2014/main" id="{7BEFF4DE-5E14-8745-A951-D5AEB8C73DAF}"/>
-              </a:ext>
-            </a:extLst>
-          </p:cNvPr>
-          <p:cNvCxnSpPr>
-            <a:cxnSpLocks/>
-          </p:cNvCxnSpPr>
-          <p:nvPr/>
-        </p:nvCxnSpPr>
-        <p:spPr>
-          <a:xfrm flipV="1">
-            <a:off x="3803517" y="4261331"/>
-            <a:ext cx="1943968" cy="357970"/>
-          </a:xfrm>
-          <a:prstGeom prst="straightConnector1">
-            <a:avLst/>
-          </a:prstGeom>
-          <a:ln w="25400">
-            <a:tailEnd type="triangle"/>
-          </a:ln>
-        </p:spPr>
-        <p:style>
-          <a:lnRef idx="1">
-            <a:schemeClr val="accent6"/>
-          </a:lnRef>
-          <a:fillRef idx="0">
-            <a:schemeClr val="accent6"/>
-          </a:fillRef>
-          <a:effectRef idx="0">
-            <a:schemeClr val="accent6"/>
-          </a:effectRef>
-          <a:fontRef idx="minor">
-            <a:schemeClr val="tx1"/>
-          </a:fontRef>
-        </p:style>
-      </p:cxnSp>
-      <p:cxnSp>
-        <p:nvCxnSpPr>
-          <p:cNvPr id="27" name="Straight Arrow Connector 26">
-            <a:extLst>
-              <a:ext uri="{FF2B5EF4-FFF2-40B4-BE49-F238E27FC236}">
-                <a16:creationId xmlns:a16="http://schemas.microsoft.com/office/drawing/2014/main" id="{11BEEFC7-3E03-214B-A552-8915ED7AE0EF}"/>
-              </a:ext>
-            </a:extLst>
-          </p:cNvPr>
-          <p:cNvCxnSpPr>
-            <a:cxnSpLocks/>
-          </p:cNvCxnSpPr>
-          <p:nvPr/>
-        </p:nvCxnSpPr>
-        <p:spPr>
-          <a:xfrm flipH="1">
-            <a:off x="3429008" y="3710584"/>
-            <a:ext cx="586325" cy="644878"/>
-          </a:xfrm>
-          <a:prstGeom prst="straightConnector1">
-            <a:avLst/>
-          </a:prstGeom>
-          <a:ln w="25400">
-            <a:prstDash val="sysDash"/>
-            <a:tailEnd type="triangle"/>
-          </a:ln>
-        </p:spPr>
-        <p:style>
-          <a:lnRef idx="1">
-            <a:schemeClr val="accent1"/>
-          </a:lnRef>
-          <a:fillRef idx="0">
-            <a:schemeClr val="accent1"/>
-          </a:fillRef>
-          <a:effectRef idx="0">
-            <a:schemeClr val="accent1"/>
-          </a:effectRef>
-          <a:fontRef idx="minor">
-            <a:schemeClr val="tx1"/>
-          </a:fontRef>
-        </p:style>
-      </p:cxnSp>
-      <p:sp>
-        <p:nvSpPr>
-          <p:cNvPr id="28" name="TextBox 27">
-            <a:extLst>
-              <a:ext uri="{FF2B5EF4-FFF2-40B4-BE49-F238E27FC236}">
-                <a16:creationId xmlns:a16="http://schemas.microsoft.com/office/drawing/2014/main" id="{BB123E89-DB9D-F749-A8B7-02F9026A7440}"/>
-              </a:ext>
-            </a:extLst>
-          </p:cNvPr>
-          <p:cNvSpPr txBox="1"/>
-          <p:nvPr/>
-        </p:nvSpPr>
-        <p:spPr>
-          <a:xfrm>
-            <a:off x="1743965" y="3987583"/>
-            <a:ext cx="719409" cy="369332"/>
-          </a:xfrm>
-          <a:prstGeom prst="rect">
-            <a:avLst/>
-          </a:prstGeom>
-          <a:noFill/>
-        </p:spPr>
-        <p:txBody>
-          <a:bodyPr wrap="square" rtlCol="0">
-            <a:spAutoFit/>
-          </a:bodyPr>
-          <a:lstStyle/>
-          <a:p>
-            <a:pPr marL="0" marR="0" lvl="0" indent="0" algn="l" defTabSz="914400" rtl="0" eaLnBrk="1" fontAlgn="auto" latinLnBrk="0" hangingPunct="1">
-              <a:lnSpc>
-                <a:spcPct val="100000"/>
-              </a:lnSpc>
-              <a:spcBef>
-                <a:spcPts val="0"/>
-              </a:spcBef>
-              <a:spcAft>
-                <a:spcPts val="0"/>
-              </a:spcAft>
-              <a:buClrTx/>
-              <a:buSzTx/>
-              <a:buFontTx/>
-              <a:buNone/>
-              <a:tabLst/>
-              <a:defRPr/>
-            </a:pPr>
-            <a:r>
-              <a:rPr kumimoji="0" lang="zh-CN" altLang="en-US" sz="1800" b="0" i="0" u="none" strike="noStrike" kern="1200" cap="none" spc="0" normalizeH="0" baseline="0" noProof="0" dirty="0">
-                <a:ln>
-                  <a:noFill/>
-                </a:ln>
-                <a:solidFill>
-                  <a:prstClr val="black"/>
-                </a:solidFill>
-                <a:effectLst/>
-                <a:uLnTx/>
-                <a:uFillTx/>
-                <a:latin typeface="SimHei" panose="02010609060101010101" pitchFamily="49" charset="-122"/>
-                <a:ea typeface="SimHei" panose="02010609060101010101" pitchFamily="49" charset="-122"/>
-                <a:cs typeface="+mn-cs"/>
-              </a:rPr>
-              <a:t>租户</a:t>
-            </a:r>
-            <a:endParaRPr kumimoji="0" lang="en-US" sz="1800" b="0" i="0" u="none" strike="noStrike" kern="1200" cap="none" spc="0" normalizeH="0" baseline="0" noProof="0" dirty="0">
-              <a:ln>
-                <a:noFill/>
-              </a:ln>
-              <a:solidFill>
-                <a:prstClr val="black"/>
-              </a:solidFill>
-              <a:effectLst/>
-              <a:uLnTx/>
-              <a:uFillTx/>
-              <a:latin typeface="SimHei" panose="02010609060101010101" pitchFamily="49" charset="-122"/>
-              <a:ea typeface="SimHei" panose="02010609060101010101" pitchFamily="49" charset="-122"/>
-              <a:cs typeface="+mn-cs"/>
-            </a:endParaRPr>
-          </a:p>
-        </p:txBody>
-      </p:sp>
-      <p:sp>
-        <p:nvSpPr>
-          <p:cNvPr id="29" name="TextBox 28">
-            <a:extLst>
-              <a:ext uri="{FF2B5EF4-FFF2-40B4-BE49-F238E27FC236}">
-                <a16:creationId xmlns:a16="http://schemas.microsoft.com/office/drawing/2014/main" id="{9D84BFF1-72B9-E74E-B9EB-DA9B99FC5D80}"/>
-              </a:ext>
-            </a:extLst>
-          </p:cNvPr>
-          <p:cNvSpPr txBox="1"/>
-          <p:nvPr/>
-        </p:nvSpPr>
-        <p:spPr>
-          <a:xfrm>
-            <a:off x="6382914" y="3710584"/>
-            <a:ext cx="1409204" cy="369332"/>
-          </a:xfrm>
-          <a:prstGeom prst="rect">
-            <a:avLst/>
-          </a:prstGeom>
-          <a:noFill/>
-        </p:spPr>
-        <p:txBody>
-          <a:bodyPr wrap="square" rtlCol="0">
-            <a:spAutoFit/>
-          </a:bodyPr>
-          <a:lstStyle/>
-          <a:p>
-            <a:pPr marL="0" marR="0" lvl="0" indent="0" algn="l" defTabSz="914400" rtl="0" eaLnBrk="1" fontAlgn="auto" latinLnBrk="0" hangingPunct="1">
-              <a:lnSpc>
-                <a:spcPct val="100000"/>
-              </a:lnSpc>
-              <a:spcBef>
-                <a:spcPts val="0"/>
-              </a:spcBef>
-              <a:spcAft>
-                <a:spcPts val="0"/>
-              </a:spcAft>
-              <a:buClrTx/>
-              <a:buSzTx/>
-              <a:buFontTx/>
-              <a:buNone/>
-              <a:tabLst/>
-              <a:defRPr/>
-            </a:pPr>
-            <a:r>
-              <a:rPr kumimoji="0" lang="zh-CN" altLang="en-US" sz="1800" b="0" i="0" u="none" strike="noStrike" kern="1200" cap="none" spc="0" normalizeH="0" baseline="0" noProof="0" dirty="0">
-                <a:ln>
-                  <a:noFill/>
-                </a:ln>
-                <a:solidFill>
-                  <a:prstClr val="black"/>
-                </a:solidFill>
-                <a:effectLst/>
-                <a:uLnTx/>
-                <a:uFillTx/>
-                <a:latin typeface="SimHei" panose="02010609060101010101" pitchFamily="49" charset="-122"/>
-                <a:ea typeface="SimHei" panose="02010609060101010101" pitchFamily="49" charset="-122"/>
-                <a:cs typeface="+mn-cs"/>
-              </a:rPr>
-              <a:t>存储单元</a:t>
-            </a:r>
-            <a:endParaRPr kumimoji="0" lang="en-US" sz="1800" b="0" i="0" u="none" strike="noStrike" kern="1200" cap="none" spc="0" normalizeH="0" baseline="0" noProof="0" dirty="0">
-              <a:ln>
-                <a:noFill/>
-              </a:ln>
-              <a:solidFill>
-                <a:prstClr val="black"/>
-              </a:solidFill>
-              <a:effectLst/>
-              <a:uLnTx/>
-              <a:uFillTx/>
-              <a:latin typeface="SimHei" panose="02010609060101010101" pitchFamily="49" charset="-122"/>
-              <a:ea typeface="SimHei" panose="02010609060101010101" pitchFamily="49" charset="-122"/>
-              <a:cs typeface="+mn-cs"/>
-            </a:endParaRPr>
-          </a:p>
-        </p:txBody>
-      </p:sp>
-      <p:sp>
-        <p:nvSpPr>
-          <p:cNvPr id="30" name="Rectangle 29">
-            <a:extLst>
-              <a:ext uri="{FF2B5EF4-FFF2-40B4-BE49-F238E27FC236}">
-                <a16:creationId xmlns:a16="http://schemas.microsoft.com/office/drawing/2014/main" id="{FF8DEF9D-9A59-CC43-8DA4-29C16A233532}"/>
-              </a:ext>
-            </a:extLst>
-          </p:cNvPr>
-          <p:cNvSpPr/>
-          <p:nvPr/>
-        </p:nvSpPr>
-        <p:spPr>
-          <a:xfrm>
-            <a:off x="1235275" y="4334298"/>
-            <a:ext cx="1746156" cy="1904346"/>
-          </a:xfrm>
-          <a:prstGeom prst="rect">
-            <a:avLst/>
-          </a:prstGeom>
-          <a:noFill/>
-          <a:ln w="25400">
-            <a:solidFill>
-              <a:schemeClr val="accent6">
-                <a:lumMod val="75000"/>
-              </a:schemeClr>
-            </a:solidFill>
-            <a:prstDash val="lgDash"/>
-          </a:ln>
-        </p:spPr>
-        <p:style>
-          <a:lnRef idx="2">
-            <a:schemeClr val="accent1">
-              <a:shade val="50000"/>
-            </a:schemeClr>
-          </a:lnRef>
-          <a:fillRef idx="1">
-            <a:schemeClr val="accent1"/>
-          </a:fillRef>
-          <a:effectRef idx="0">
-            <a:schemeClr val="accent1"/>
-          </a:effectRef>
-          <a:fontRef idx="minor">
-            <a:schemeClr val="lt1"/>
-          </a:fontRef>
-        </p:style>
-        <p:txBody>
-          <a:bodyPr rtlCol="0" anchor="ctr"/>
-          <a:lstStyle/>
-          <a:p>
-            <a:pPr marL="0" marR="0" lvl="0" indent="0" algn="ctr" defTabSz="914400" rtl="0" eaLnBrk="1" fontAlgn="auto" latinLnBrk="0" hangingPunct="1">
-              <a:lnSpc>
-                <a:spcPct val="100000"/>
-              </a:lnSpc>
-              <a:spcBef>
-                <a:spcPts val="0"/>
-              </a:spcBef>
-              <a:spcAft>
-                <a:spcPts val="0"/>
-              </a:spcAft>
-              <a:buClrTx/>
-              <a:buSzTx/>
-              <a:buFontTx/>
-              <a:buNone/>
-              <a:tabLst/>
-              <a:defRPr/>
-            </a:pPr>
-            <a:endParaRPr kumimoji="0" lang="en-US" sz="1800" b="0" i="0" u="none" strike="noStrike" kern="1200" cap="none" spc="0" normalizeH="0" baseline="0" noProof="0">
-              <a:ln>
-                <a:noFill/>
-              </a:ln>
-              <a:solidFill>
-                <a:prstClr val="white"/>
-              </a:solidFill>
-              <a:effectLst/>
-              <a:uLnTx/>
-              <a:uFillTx/>
-              <a:latin typeface="SimHei" panose="02010609060101010101" pitchFamily="49" charset="-122"/>
-              <a:ea typeface="SimHei" panose="02010609060101010101" pitchFamily="49" charset="-122"/>
-              <a:cs typeface="+mn-cs"/>
-            </a:endParaRPr>
-          </a:p>
-        </p:txBody>
-      </p:sp>
-      <p:sp>
-        <p:nvSpPr>
-          <p:cNvPr id="31" name="Rectangle 30">
-            <a:extLst>
-              <a:ext uri="{FF2B5EF4-FFF2-40B4-BE49-F238E27FC236}">
-                <a16:creationId xmlns:a16="http://schemas.microsoft.com/office/drawing/2014/main" id="{A6DD9DDE-C12B-154A-A9CD-EA48A416D946}"/>
-              </a:ext>
-            </a:extLst>
-          </p:cNvPr>
-          <p:cNvSpPr/>
-          <p:nvPr/>
-        </p:nvSpPr>
-        <p:spPr>
-          <a:xfrm>
-            <a:off x="5833522" y="4033023"/>
-            <a:ext cx="2182168" cy="2421811"/>
-          </a:xfrm>
-          <a:prstGeom prst="rect">
-            <a:avLst/>
-          </a:prstGeom>
-          <a:noFill/>
-          <a:ln w="25400">
-            <a:solidFill>
-              <a:schemeClr val="bg2">
-                <a:lumMod val="50000"/>
-              </a:schemeClr>
-            </a:solidFill>
-            <a:prstDash val="lgDash"/>
-          </a:ln>
-        </p:spPr>
-        <p:style>
-          <a:lnRef idx="2">
-            <a:schemeClr val="accent1">
-              <a:shade val="50000"/>
-            </a:schemeClr>
-          </a:lnRef>
-          <a:fillRef idx="1">
-            <a:schemeClr val="accent1"/>
-          </a:fillRef>
-          <a:effectRef idx="0">
-            <a:schemeClr val="accent1"/>
-          </a:effectRef>
-          <a:fontRef idx="minor">
-            <a:schemeClr val="lt1"/>
-          </a:fontRef>
-        </p:style>
-        <p:txBody>
-          <a:bodyPr rtlCol="0" anchor="ctr"/>
-          <a:lstStyle/>
-          <a:p>
-            <a:pPr marL="0" marR="0" lvl="0" indent="0" algn="ctr" defTabSz="914400" rtl="0" eaLnBrk="1" fontAlgn="auto" latinLnBrk="0" hangingPunct="1">
-              <a:lnSpc>
-                <a:spcPct val="100000"/>
-              </a:lnSpc>
-              <a:spcBef>
-                <a:spcPts val="0"/>
-              </a:spcBef>
-              <a:spcAft>
-                <a:spcPts val="0"/>
-              </a:spcAft>
-              <a:buClrTx/>
-              <a:buSzTx/>
-              <a:buFontTx/>
-              <a:buNone/>
-              <a:tabLst/>
-              <a:defRPr/>
-            </a:pPr>
-            <a:endParaRPr kumimoji="0" lang="en-US" sz="1800" b="0" i="0" u="none" strike="noStrike" kern="1200" cap="none" spc="0" normalizeH="0" baseline="0" noProof="0">
-              <a:ln>
-                <a:noFill/>
-              </a:ln>
-              <a:solidFill>
-                <a:prstClr val="white"/>
-              </a:solidFill>
-              <a:effectLst/>
-              <a:uLnTx/>
-              <a:uFillTx/>
-              <a:latin typeface="SimHei" panose="02010609060101010101" pitchFamily="49" charset="-122"/>
-              <a:ea typeface="SimHei" panose="02010609060101010101" pitchFamily="49" charset="-122"/>
-              <a:cs typeface="+mn-cs"/>
-            </a:endParaRPr>
-          </a:p>
-        </p:txBody>
-      </p:sp>
-      <p:sp>
-        <p:nvSpPr>
-          <p:cNvPr id="32" name="TextBox 31">
-            <a:extLst>
-              <a:ext uri="{FF2B5EF4-FFF2-40B4-BE49-F238E27FC236}">
-                <a16:creationId xmlns:a16="http://schemas.microsoft.com/office/drawing/2014/main" id="{E1A51F82-A6A4-6547-ADBC-10453852DF96}"/>
-              </a:ext>
-            </a:extLst>
-          </p:cNvPr>
-          <p:cNvSpPr txBox="1"/>
-          <p:nvPr/>
-        </p:nvSpPr>
-        <p:spPr>
-          <a:xfrm>
-            <a:off x="1882053" y="3629174"/>
-            <a:ext cx="1921464" cy="276999"/>
-          </a:xfrm>
-          <a:prstGeom prst="rect">
-            <a:avLst/>
-          </a:prstGeom>
-          <a:noFill/>
-        </p:spPr>
-        <p:txBody>
-          <a:bodyPr wrap="square" rtlCol="0">
-            <a:spAutoFit/>
-          </a:bodyPr>
-          <a:lstStyle/>
-          <a:p>
-            <a:pPr marL="0" marR="0" lvl="0" indent="0" algn="ctr" defTabSz="914400" rtl="0" eaLnBrk="1" fontAlgn="auto" latinLnBrk="0" hangingPunct="1">
-              <a:lnSpc>
-                <a:spcPct val="100000"/>
-              </a:lnSpc>
-              <a:spcBef>
-                <a:spcPts val="0"/>
-              </a:spcBef>
-              <a:spcAft>
-                <a:spcPts val="0"/>
-              </a:spcAft>
-              <a:buClrTx/>
-              <a:buSzTx/>
-              <a:buFontTx/>
-              <a:buNone/>
-              <a:tabLst/>
-              <a:defRPr/>
-            </a:pPr>
-            <a:r>
-              <a:rPr kumimoji="0" lang="en-US" altLang="zh-CN" sz="1200" b="0" i="0" u="none" strike="noStrike" kern="1200" cap="none" spc="0" normalizeH="0" baseline="0" noProof="0" dirty="0">
-                <a:ln>
-                  <a:noFill/>
-                </a:ln>
-                <a:solidFill>
-                  <a:srgbClr val="4472C4"/>
-                </a:solidFill>
-                <a:effectLst/>
-                <a:uLnTx/>
-                <a:uFillTx/>
-                <a:latin typeface="SimHei" panose="02010609060101010101" pitchFamily="49" charset="-122"/>
-                <a:ea typeface="SimHei" panose="02010609060101010101" pitchFamily="49" charset="-122"/>
-                <a:cs typeface="+mn-cs"/>
-              </a:rPr>
-              <a:t>1. </a:t>
-            </a:r>
-            <a:r>
-              <a:rPr kumimoji="0" lang="zh-CN" altLang="en-US" sz="1200" b="0" i="0" u="none" strike="noStrike" kern="1200" cap="none" spc="0" normalizeH="0" baseline="0" noProof="0" dirty="0">
-                <a:ln>
-                  <a:noFill/>
-                </a:ln>
-                <a:solidFill>
-                  <a:srgbClr val="4472C4"/>
-                </a:solidFill>
-                <a:effectLst/>
-                <a:uLnTx/>
-                <a:uFillTx/>
-                <a:latin typeface="SimHei" panose="02010609060101010101" pitchFamily="49" charset="-122"/>
-                <a:ea typeface="SimHei" panose="02010609060101010101" pitchFamily="49" charset="-122"/>
-                <a:cs typeface="+mn-cs"/>
-              </a:rPr>
-              <a:t>向控制器提出</a:t>
-            </a:r>
-            <a:r>
-              <a:rPr kumimoji="0" lang="en-US" altLang="zh-CN" sz="1200" b="0" i="0" u="none" strike="noStrike" kern="1200" cap="none" spc="0" normalizeH="0" baseline="0" noProof="0" dirty="0">
-                <a:ln>
-                  <a:noFill/>
-                </a:ln>
-                <a:solidFill>
-                  <a:srgbClr val="4472C4"/>
-                </a:solidFill>
-                <a:effectLst/>
-                <a:uLnTx/>
-                <a:uFillTx/>
-                <a:latin typeface="SimHei" panose="02010609060101010101" pitchFamily="49" charset="-122"/>
-                <a:ea typeface="SimHei" panose="02010609060101010101" pitchFamily="49" charset="-122"/>
-                <a:cs typeface="+mn-cs"/>
-              </a:rPr>
-              <a:t>SLA</a:t>
-            </a:r>
-            <a:r>
-              <a:rPr kumimoji="0" lang="zh-CN" altLang="en-US" sz="1200" b="0" i="0" u="none" strike="noStrike" kern="1200" cap="none" spc="0" normalizeH="0" baseline="0" noProof="0" dirty="0">
-                <a:ln>
-                  <a:noFill/>
-                </a:ln>
-                <a:solidFill>
-                  <a:srgbClr val="4472C4"/>
-                </a:solidFill>
-                <a:effectLst/>
-                <a:uLnTx/>
-                <a:uFillTx/>
-                <a:latin typeface="SimHei" panose="02010609060101010101" pitchFamily="49" charset="-122"/>
-                <a:ea typeface="SimHei" panose="02010609060101010101" pitchFamily="49" charset="-122"/>
-                <a:cs typeface="+mn-cs"/>
-              </a:rPr>
-              <a:t>需求</a:t>
-            </a:r>
-            <a:endParaRPr kumimoji="0" lang="en-US" sz="1200" b="0" i="0" u="none" strike="noStrike" kern="1200" cap="none" spc="0" normalizeH="0" baseline="0" noProof="0" dirty="0">
-              <a:ln>
-                <a:noFill/>
-              </a:ln>
-              <a:solidFill>
-                <a:srgbClr val="4472C4"/>
-              </a:solidFill>
-              <a:effectLst/>
-              <a:uLnTx/>
-              <a:uFillTx/>
-              <a:latin typeface="SimHei" panose="02010609060101010101" pitchFamily="49" charset="-122"/>
-              <a:ea typeface="SimHei" panose="02010609060101010101" pitchFamily="49" charset="-122"/>
-              <a:cs typeface="+mn-cs"/>
-            </a:endParaRPr>
-          </a:p>
-        </p:txBody>
-      </p:sp>
-      <p:sp>
-        <p:nvSpPr>
-          <p:cNvPr id="33" name="TextBox 32">
-            <a:extLst>
-              <a:ext uri="{FF2B5EF4-FFF2-40B4-BE49-F238E27FC236}">
-                <a16:creationId xmlns:a16="http://schemas.microsoft.com/office/drawing/2014/main" id="{B1EF4BD8-D770-E94E-936D-1D666E8DD350}"/>
-              </a:ext>
-            </a:extLst>
-          </p:cNvPr>
-          <p:cNvSpPr txBox="1"/>
-          <p:nvPr/>
-        </p:nvSpPr>
-        <p:spPr>
-          <a:xfrm>
-            <a:off x="3746262" y="2620534"/>
-            <a:ext cx="1921464" cy="276999"/>
-          </a:xfrm>
-          <a:prstGeom prst="rect">
-            <a:avLst/>
-          </a:prstGeom>
-          <a:noFill/>
-        </p:spPr>
-        <p:txBody>
-          <a:bodyPr wrap="square" rtlCol="0">
-            <a:spAutoFit/>
-          </a:bodyPr>
-          <a:lstStyle/>
-          <a:p>
-            <a:pPr marL="0" marR="0" lvl="0" indent="0" algn="ctr" defTabSz="914400" rtl="0" eaLnBrk="1" fontAlgn="auto" latinLnBrk="0" hangingPunct="1">
-              <a:lnSpc>
-                <a:spcPct val="100000"/>
-              </a:lnSpc>
-              <a:spcBef>
-                <a:spcPts val="0"/>
-              </a:spcBef>
-              <a:spcAft>
-                <a:spcPts val="0"/>
-              </a:spcAft>
-              <a:buClrTx/>
-              <a:buSzTx/>
-              <a:buFontTx/>
-              <a:buNone/>
-              <a:tabLst/>
-              <a:defRPr/>
-            </a:pPr>
-            <a:r>
-              <a:rPr kumimoji="0" lang="en-US" altLang="zh-CN" sz="1200" b="0" i="0" u="none" strike="noStrike" kern="1200" cap="none" spc="0" normalizeH="0" baseline="0" noProof="0" dirty="0">
-                <a:ln>
-                  <a:noFill/>
-                </a:ln>
-                <a:solidFill>
-                  <a:srgbClr val="4472C4"/>
-                </a:solidFill>
-                <a:effectLst/>
-                <a:uLnTx/>
-                <a:uFillTx/>
-                <a:latin typeface="SimHei" panose="02010609060101010101" pitchFamily="49" charset="-122"/>
-                <a:ea typeface="SimHei" panose="02010609060101010101" pitchFamily="49" charset="-122"/>
-                <a:cs typeface="+mn-cs"/>
-              </a:rPr>
-              <a:t>2. </a:t>
-            </a:r>
-            <a:r>
-              <a:rPr kumimoji="0" lang="zh-CN" altLang="en-US" sz="1200" b="0" i="0" u="none" strike="noStrike" kern="1200" cap="none" spc="0" normalizeH="0" baseline="0" noProof="0" dirty="0">
-                <a:ln>
-                  <a:noFill/>
-                </a:ln>
-                <a:solidFill>
-                  <a:srgbClr val="4472C4"/>
-                </a:solidFill>
-                <a:effectLst/>
-                <a:uLnTx/>
-                <a:uFillTx/>
-                <a:latin typeface="SimHei" panose="02010609060101010101" pitchFamily="49" charset="-122"/>
-                <a:ea typeface="SimHei" panose="02010609060101010101" pitchFamily="49" charset="-122"/>
-                <a:cs typeface="+mn-cs"/>
-              </a:rPr>
-              <a:t>计算数据分布方式</a:t>
-            </a:r>
-            <a:endParaRPr kumimoji="0" lang="en-US" sz="1200" b="0" i="0" u="none" strike="noStrike" kern="1200" cap="none" spc="0" normalizeH="0" baseline="0" noProof="0" dirty="0">
-              <a:ln>
-                <a:noFill/>
-              </a:ln>
-              <a:solidFill>
-                <a:srgbClr val="4472C4"/>
-              </a:solidFill>
-              <a:effectLst/>
-              <a:uLnTx/>
-              <a:uFillTx/>
-              <a:latin typeface="SimHei" panose="02010609060101010101" pitchFamily="49" charset="-122"/>
-              <a:ea typeface="SimHei" panose="02010609060101010101" pitchFamily="49" charset="-122"/>
-              <a:cs typeface="+mn-cs"/>
-            </a:endParaRPr>
-          </a:p>
-        </p:txBody>
-      </p:sp>
-      <p:sp>
-        <p:nvSpPr>
-          <p:cNvPr id="34" name="TextBox 33">
-            <a:extLst>
-              <a:ext uri="{FF2B5EF4-FFF2-40B4-BE49-F238E27FC236}">
-                <a16:creationId xmlns:a16="http://schemas.microsoft.com/office/drawing/2014/main" id="{52B37B27-0286-F54C-A8CE-9EF24784C4CA}"/>
-              </a:ext>
-            </a:extLst>
-          </p:cNvPr>
-          <p:cNvSpPr txBox="1"/>
-          <p:nvPr/>
-        </p:nvSpPr>
-        <p:spPr>
-          <a:xfrm>
-            <a:off x="5545121" y="3494745"/>
-            <a:ext cx="1921464" cy="276999"/>
-          </a:xfrm>
-          <a:prstGeom prst="rect">
-            <a:avLst/>
-          </a:prstGeom>
-          <a:noFill/>
-        </p:spPr>
-        <p:txBody>
-          <a:bodyPr wrap="square" rtlCol="0">
-            <a:spAutoFit/>
-          </a:bodyPr>
-          <a:lstStyle/>
-          <a:p>
-            <a:pPr marL="0" marR="0" lvl="0" indent="0" algn="ctr" defTabSz="914400" rtl="0" eaLnBrk="1" fontAlgn="auto" latinLnBrk="0" hangingPunct="1">
-              <a:lnSpc>
-                <a:spcPct val="100000"/>
-              </a:lnSpc>
-              <a:spcBef>
-                <a:spcPts val="0"/>
-              </a:spcBef>
-              <a:spcAft>
-                <a:spcPts val="0"/>
-              </a:spcAft>
-              <a:buClrTx/>
-              <a:buSzTx/>
-              <a:buFontTx/>
-              <a:buNone/>
-              <a:tabLst/>
-              <a:defRPr/>
-            </a:pPr>
-            <a:r>
-              <a:rPr kumimoji="0" lang="en-US" altLang="zh-CN" sz="1200" b="0" i="0" u="none" strike="noStrike" kern="1200" cap="none" spc="0" normalizeH="0" baseline="0" noProof="0" dirty="0">
-                <a:ln>
-                  <a:noFill/>
-                </a:ln>
-                <a:solidFill>
-                  <a:srgbClr val="4472C4"/>
-                </a:solidFill>
-                <a:effectLst/>
-                <a:uLnTx/>
-                <a:uFillTx/>
-                <a:latin typeface="SimHei" panose="02010609060101010101" pitchFamily="49" charset="-122"/>
-                <a:ea typeface="SimHei" panose="02010609060101010101" pitchFamily="49" charset="-122"/>
-                <a:cs typeface="+mn-cs"/>
-              </a:rPr>
-              <a:t>3. </a:t>
-            </a:r>
-            <a:r>
-              <a:rPr kumimoji="0" lang="zh-CN" altLang="en-US" sz="1200" b="0" i="0" u="none" strike="noStrike" kern="1200" cap="none" spc="0" normalizeH="0" baseline="0" noProof="0" dirty="0">
-                <a:ln>
-                  <a:noFill/>
-                </a:ln>
-                <a:solidFill>
-                  <a:srgbClr val="4472C4"/>
-                </a:solidFill>
-                <a:effectLst/>
-                <a:uLnTx/>
-                <a:uFillTx/>
-                <a:latin typeface="SimHei" panose="02010609060101010101" pitchFamily="49" charset="-122"/>
-                <a:ea typeface="SimHei" panose="02010609060101010101" pitchFamily="49" charset="-122"/>
-                <a:cs typeface="+mn-cs"/>
-              </a:rPr>
-              <a:t>启用新的存储单元</a:t>
-            </a:r>
-            <a:endParaRPr kumimoji="0" lang="en-US" sz="1200" b="0" i="0" u="none" strike="noStrike" kern="1200" cap="none" spc="0" normalizeH="0" baseline="0" noProof="0" dirty="0">
-              <a:ln>
-                <a:noFill/>
-              </a:ln>
-              <a:solidFill>
-                <a:srgbClr val="4472C4"/>
-              </a:solidFill>
-              <a:effectLst/>
-              <a:uLnTx/>
-              <a:uFillTx/>
-              <a:latin typeface="SimHei" panose="02010609060101010101" pitchFamily="49" charset="-122"/>
-              <a:ea typeface="SimHei" panose="02010609060101010101" pitchFamily="49" charset="-122"/>
-              <a:cs typeface="+mn-cs"/>
-            </a:endParaRPr>
-          </a:p>
-        </p:txBody>
-      </p:sp>
-      <p:cxnSp>
-        <p:nvCxnSpPr>
-          <p:cNvPr id="35" name="Straight Arrow Connector 34">
-            <a:extLst>
-              <a:ext uri="{FF2B5EF4-FFF2-40B4-BE49-F238E27FC236}">
-                <a16:creationId xmlns:a16="http://schemas.microsoft.com/office/drawing/2014/main" id="{8C3751AC-43A6-3643-8754-D99E0CF1BFDE}"/>
-              </a:ext>
-            </a:extLst>
-          </p:cNvPr>
-          <p:cNvCxnSpPr>
-            <a:cxnSpLocks/>
-          </p:cNvCxnSpPr>
-          <p:nvPr/>
-        </p:nvCxnSpPr>
-        <p:spPr>
-          <a:xfrm>
-            <a:off x="3872596" y="6026838"/>
-            <a:ext cx="1874889" cy="91254"/>
-          </a:xfrm>
-          <a:prstGeom prst="straightConnector1">
-            <a:avLst/>
-          </a:prstGeom>
-          <a:ln w="25400">
-            <a:tailEnd type="triangle"/>
-          </a:ln>
-        </p:spPr>
-        <p:style>
-          <a:lnRef idx="1">
-            <a:schemeClr val="accent6"/>
-          </a:lnRef>
-          <a:fillRef idx="0">
-            <a:schemeClr val="accent6"/>
-          </a:fillRef>
-          <a:effectRef idx="0">
-            <a:schemeClr val="accent6"/>
-          </a:effectRef>
-          <a:fontRef idx="minor">
-            <a:schemeClr val="tx1"/>
-          </a:fontRef>
-        </p:style>
-      </p:cxnSp>
-      <p:cxnSp>
-        <p:nvCxnSpPr>
-          <p:cNvPr id="36" name="Straight Arrow Connector 35">
-            <a:extLst>
-              <a:ext uri="{FF2B5EF4-FFF2-40B4-BE49-F238E27FC236}">
-                <a16:creationId xmlns:a16="http://schemas.microsoft.com/office/drawing/2014/main" id="{51A43748-41D0-3B44-A1F2-E18BEB208CDA}"/>
-              </a:ext>
-            </a:extLst>
-          </p:cNvPr>
-          <p:cNvCxnSpPr>
-            <a:cxnSpLocks/>
-          </p:cNvCxnSpPr>
-          <p:nvPr/>
-        </p:nvCxnSpPr>
-        <p:spPr>
-          <a:xfrm flipV="1">
-            <a:off x="3872596" y="4992485"/>
-            <a:ext cx="1843775" cy="943179"/>
-          </a:xfrm>
-          <a:prstGeom prst="straightConnector1">
-            <a:avLst/>
-          </a:prstGeom>
-          <a:ln w="25400">
-            <a:tailEnd type="triangle"/>
-          </a:ln>
-        </p:spPr>
-        <p:style>
-          <a:lnRef idx="1">
-            <a:schemeClr val="accent6"/>
-          </a:lnRef>
-          <a:fillRef idx="0">
-            <a:schemeClr val="accent6"/>
-          </a:fillRef>
-          <a:effectRef idx="0">
-            <a:schemeClr val="accent6"/>
-          </a:effectRef>
-          <a:fontRef idx="minor">
-            <a:schemeClr val="tx1"/>
-          </a:fontRef>
-        </p:style>
-      </p:cxnSp>
-      <p:sp>
-        <p:nvSpPr>
-          <p:cNvPr id="37" name="TextBox 36">
-            <a:extLst>
-              <a:ext uri="{FF2B5EF4-FFF2-40B4-BE49-F238E27FC236}">
-                <a16:creationId xmlns:a16="http://schemas.microsoft.com/office/drawing/2014/main" id="{19AFEC8C-5845-F146-A9C4-0E00C4A50924}"/>
-              </a:ext>
-            </a:extLst>
-          </p:cNvPr>
-          <p:cNvSpPr txBox="1"/>
-          <p:nvPr/>
-        </p:nvSpPr>
-        <p:spPr>
-          <a:xfrm>
-            <a:off x="3607957" y="3871670"/>
-            <a:ext cx="1519358" cy="461665"/>
-          </a:xfrm>
-          <a:prstGeom prst="rect">
-            <a:avLst/>
-          </a:prstGeom>
-          <a:noFill/>
-        </p:spPr>
-        <p:txBody>
-          <a:bodyPr wrap="square" rtlCol="0">
-            <a:spAutoFit/>
-          </a:bodyPr>
-          <a:lstStyle/>
-          <a:p>
-            <a:pPr marL="0" marR="0" lvl="0" indent="0" algn="ctr" defTabSz="914400" rtl="0" eaLnBrk="1" fontAlgn="auto" latinLnBrk="0" hangingPunct="1">
-              <a:lnSpc>
-                <a:spcPct val="100000"/>
-              </a:lnSpc>
-              <a:spcBef>
-                <a:spcPts val="0"/>
-              </a:spcBef>
-              <a:spcAft>
-                <a:spcPts val="0"/>
-              </a:spcAft>
-              <a:buClrTx/>
-              <a:buSzTx/>
-              <a:buFontTx/>
-              <a:buNone/>
-              <a:tabLst/>
-              <a:defRPr/>
-            </a:pPr>
-            <a:r>
-              <a:rPr kumimoji="0" lang="en-US" altLang="zh-CN" sz="1200" b="0" i="0" u="none" strike="noStrike" kern="1200" cap="none" spc="0" normalizeH="0" baseline="0" noProof="0" dirty="0">
-                <a:ln>
-                  <a:noFill/>
-                </a:ln>
-                <a:solidFill>
-                  <a:srgbClr val="4472C4"/>
-                </a:solidFill>
-                <a:effectLst/>
-                <a:uLnTx/>
-                <a:uFillTx/>
-                <a:latin typeface="SimHei" panose="02010609060101010101" pitchFamily="49" charset="-122"/>
-                <a:ea typeface="SimHei" panose="02010609060101010101" pitchFamily="49" charset="-122"/>
-                <a:cs typeface="+mn-cs"/>
-              </a:rPr>
-              <a:t>4. </a:t>
-            </a:r>
-            <a:r>
-              <a:rPr kumimoji="0" lang="zh-CN" altLang="en-US" sz="1200" b="0" i="0" u="none" strike="noStrike" kern="1200" cap="none" spc="0" normalizeH="0" baseline="0" noProof="0" dirty="0">
-                <a:ln>
-                  <a:noFill/>
-                </a:ln>
-                <a:solidFill>
-                  <a:srgbClr val="4472C4"/>
-                </a:solidFill>
-                <a:effectLst/>
-                <a:uLnTx/>
-                <a:uFillTx/>
-                <a:latin typeface="SimHei" panose="02010609060101010101" pitchFamily="49" charset="-122"/>
-                <a:ea typeface="SimHei" panose="02010609060101010101" pitchFamily="49" charset="-122"/>
-                <a:cs typeface="+mn-cs"/>
-              </a:rPr>
-              <a:t>将数据块映射</a:t>
-            </a:r>
-            <a:endParaRPr kumimoji="0" lang="en-US" altLang="zh-CN" sz="1200" b="0" i="0" u="none" strike="noStrike" kern="1200" cap="none" spc="0" normalizeH="0" baseline="0" noProof="0" dirty="0">
-              <a:ln>
-                <a:noFill/>
-              </a:ln>
-              <a:solidFill>
-                <a:srgbClr val="4472C4"/>
-              </a:solidFill>
-              <a:effectLst/>
-              <a:uLnTx/>
-              <a:uFillTx/>
-              <a:latin typeface="SimHei" panose="02010609060101010101" pitchFamily="49" charset="-122"/>
-              <a:ea typeface="SimHei" panose="02010609060101010101" pitchFamily="49" charset="-122"/>
-              <a:cs typeface="+mn-cs"/>
-            </a:endParaRPr>
-          </a:p>
-          <a:p>
-            <a:pPr marL="0" marR="0" lvl="0" indent="0" algn="ctr" defTabSz="914400" rtl="0" eaLnBrk="1" fontAlgn="auto" latinLnBrk="0" hangingPunct="1">
-              <a:lnSpc>
-                <a:spcPct val="100000"/>
-              </a:lnSpc>
-              <a:spcBef>
-                <a:spcPts val="0"/>
-              </a:spcBef>
-              <a:spcAft>
-                <a:spcPts val="0"/>
-              </a:spcAft>
-              <a:buClrTx/>
-              <a:buSzTx/>
-              <a:buFontTx/>
-              <a:buNone/>
-              <a:tabLst/>
-              <a:defRPr/>
-            </a:pPr>
-            <a:r>
-              <a:rPr kumimoji="0" lang="zh-CN" altLang="en-US" sz="1200" b="0" i="0" u="none" strike="noStrike" kern="1200" cap="none" spc="0" normalizeH="0" baseline="0" noProof="0" dirty="0">
-                <a:ln>
-                  <a:noFill/>
-                </a:ln>
-                <a:solidFill>
-                  <a:srgbClr val="4472C4"/>
-                </a:solidFill>
-                <a:effectLst/>
-                <a:uLnTx/>
-                <a:uFillTx/>
-                <a:latin typeface="SimHei" panose="02010609060101010101" pitchFamily="49" charset="-122"/>
-                <a:ea typeface="SimHei" panose="02010609060101010101" pitchFamily="49" charset="-122"/>
-                <a:cs typeface="+mn-cs"/>
-              </a:rPr>
-              <a:t>方式返回给客户端</a:t>
-            </a:r>
-            <a:endParaRPr kumimoji="0" lang="en-US" sz="1200" b="0" i="0" u="none" strike="noStrike" kern="1200" cap="none" spc="0" normalizeH="0" baseline="0" noProof="0" dirty="0">
-              <a:ln>
-                <a:noFill/>
-              </a:ln>
-              <a:solidFill>
-                <a:srgbClr val="4472C4"/>
-              </a:solidFill>
-              <a:effectLst/>
-              <a:uLnTx/>
-              <a:uFillTx/>
-              <a:latin typeface="SimHei" panose="02010609060101010101" pitchFamily="49" charset="-122"/>
-              <a:ea typeface="SimHei" panose="02010609060101010101" pitchFamily="49" charset="-122"/>
-              <a:cs typeface="+mn-cs"/>
-            </a:endParaRPr>
-          </a:p>
-        </p:txBody>
-      </p:sp>
-      <p:sp>
-        <p:nvSpPr>
-          <p:cNvPr id="38" name="TextBox 37">
-            <a:extLst>
-              <a:ext uri="{FF2B5EF4-FFF2-40B4-BE49-F238E27FC236}">
-                <a16:creationId xmlns:a16="http://schemas.microsoft.com/office/drawing/2014/main" id="{BD52A7BC-7E6F-724B-835A-8BFA76F4433E}"/>
-              </a:ext>
-            </a:extLst>
-          </p:cNvPr>
-          <p:cNvSpPr txBox="1"/>
-          <p:nvPr/>
-        </p:nvSpPr>
-        <p:spPr>
-          <a:xfrm>
-            <a:off x="3895282" y="4701177"/>
-            <a:ext cx="1519358" cy="461665"/>
-          </a:xfrm>
-          <a:prstGeom prst="rect">
-            <a:avLst/>
-          </a:prstGeom>
-          <a:noFill/>
-        </p:spPr>
-        <p:txBody>
-          <a:bodyPr wrap="square" rtlCol="0">
-            <a:spAutoFit/>
-          </a:bodyPr>
-          <a:lstStyle/>
-          <a:p>
-            <a:pPr marL="0" marR="0" lvl="0" indent="0" algn="ctr" defTabSz="914400" rtl="0" eaLnBrk="1" fontAlgn="auto" latinLnBrk="0" hangingPunct="1">
-              <a:lnSpc>
-                <a:spcPct val="100000"/>
-              </a:lnSpc>
-              <a:spcBef>
-                <a:spcPts val="0"/>
-              </a:spcBef>
-              <a:spcAft>
-                <a:spcPts val="0"/>
-              </a:spcAft>
-              <a:buClrTx/>
-              <a:buSzTx/>
-              <a:buFontTx/>
-              <a:buNone/>
-              <a:tabLst/>
-              <a:defRPr/>
-            </a:pPr>
-            <a:r>
-              <a:rPr kumimoji="0" lang="zh-CN" altLang="en-US" sz="1200" b="0" i="0" u="none" strike="noStrike" kern="1200" cap="none" spc="0" normalizeH="0" baseline="0" noProof="0" dirty="0">
-                <a:ln>
-                  <a:noFill/>
-                </a:ln>
-                <a:solidFill>
-                  <a:srgbClr val="70AD47"/>
-                </a:solidFill>
-                <a:effectLst/>
-                <a:uLnTx/>
-                <a:uFillTx/>
-                <a:latin typeface="SimHei" panose="02010609060101010101" pitchFamily="49" charset="-122"/>
-                <a:ea typeface="SimHei" panose="02010609060101010101" pitchFamily="49" charset="-122"/>
-                <a:cs typeface="+mn-cs"/>
-              </a:rPr>
-              <a:t>根据数据块映射</a:t>
-            </a:r>
-            <a:endParaRPr kumimoji="0" lang="en-US" altLang="zh-CN" sz="1200" b="0" i="0" u="none" strike="noStrike" kern="1200" cap="none" spc="0" normalizeH="0" baseline="0" noProof="0" dirty="0">
-              <a:ln>
-                <a:noFill/>
-              </a:ln>
-              <a:solidFill>
-                <a:srgbClr val="70AD47"/>
-              </a:solidFill>
-              <a:effectLst/>
-              <a:uLnTx/>
-              <a:uFillTx/>
-              <a:latin typeface="SimHei" panose="02010609060101010101" pitchFamily="49" charset="-122"/>
-              <a:ea typeface="SimHei" panose="02010609060101010101" pitchFamily="49" charset="-122"/>
-              <a:cs typeface="+mn-cs"/>
-            </a:endParaRPr>
-          </a:p>
-          <a:p>
-            <a:pPr marL="0" marR="0" lvl="0" indent="0" algn="ctr" defTabSz="914400" rtl="0" eaLnBrk="1" fontAlgn="auto" latinLnBrk="0" hangingPunct="1">
-              <a:lnSpc>
-                <a:spcPct val="100000"/>
-              </a:lnSpc>
-              <a:spcBef>
-                <a:spcPts val="0"/>
-              </a:spcBef>
-              <a:spcAft>
-                <a:spcPts val="0"/>
-              </a:spcAft>
-              <a:buClrTx/>
-              <a:buSzTx/>
-              <a:buFontTx/>
-              <a:buNone/>
-              <a:tabLst/>
-              <a:defRPr/>
-            </a:pPr>
-            <a:r>
-              <a:rPr kumimoji="0" lang="zh-CN" altLang="en-US" sz="1200" b="0" i="0" u="none" strike="noStrike" kern="1200" cap="none" spc="0" normalizeH="0" baseline="0" noProof="0" dirty="0">
-                <a:ln>
-                  <a:noFill/>
-                </a:ln>
-                <a:solidFill>
-                  <a:srgbClr val="70AD47"/>
-                </a:solidFill>
-                <a:effectLst/>
-                <a:uLnTx/>
-                <a:uFillTx/>
-                <a:latin typeface="SimHei" panose="02010609060101010101" pitchFamily="49" charset="-122"/>
-                <a:ea typeface="SimHei" panose="02010609060101010101" pitchFamily="49" charset="-122"/>
-                <a:cs typeface="+mn-cs"/>
-              </a:rPr>
-              <a:t>方式访问存储单元</a:t>
-            </a:r>
-            <a:endParaRPr kumimoji="0" lang="en-US" sz="1200" b="0" i="0" u="none" strike="noStrike" kern="1200" cap="none" spc="0" normalizeH="0" baseline="0" noProof="0" dirty="0">
-              <a:ln>
-                <a:noFill/>
-              </a:ln>
-              <a:solidFill>
-                <a:srgbClr val="70AD47"/>
-              </a:solidFill>
-              <a:effectLst/>
-              <a:uLnTx/>
-              <a:uFillTx/>
-              <a:latin typeface="SimHei" panose="02010609060101010101" pitchFamily="49" charset="-122"/>
-              <a:ea typeface="SimHei" panose="02010609060101010101" pitchFamily="49" charset="-122"/>
-              <a:cs typeface="+mn-cs"/>
-            </a:endParaRPr>
-          </a:p>
-        </p:txBody>
-      </p:sp>
-    </p:spTree>
-    <p:extLst>
-      <p:ext uri="{BB962C8B-B14F-4D97-AF65-F5344CB8AC3E}">
-        <p14:creationId xmlns:p14="http://schemas.microsoft.com/office/powerpoint/2010/main" val="1514851070"/>
-      </p:ext>
-    </p:extLst>
-  </p:cSld>
-  <p:clrMapOvr>
-    <a:masterClrMapping/>
-  </p:clrMapOvr>
-</p:sld>
-</file>
-
-<file path=ppt/slides/slide8.xml><?xml version="1.0" encoding="utf-8"?>
 <p:sld xmlns:a="http://schemas.openxmlformats.org/drawingml/2006/main" xmlns:r="http://schemas.openxmlformats.org/officeDocument/2006/relationships" xmlns:p="http://schemas.openxmlformats.org/presentationml/2006/main">
   <p:cSld>
     <p:spTree>
@@ -14924,7 +10213,7 @@
         </p:blipFill>
         <p:spPr>
           <a:xfrm>
-            <a:off x="410664" y="3964614"/>
+            <a:off x="323306" y="4021764"/>
             <a:ext cx="8574088" cy="1171431"/>
           </a:xfrm>
         </p:spPr>
@@ -14945,8 +10234,8 @@
         </p:nvSpPr>
         <p:spPr>
           <a:xfrm>
-            <a:off x="444999" y="1506248"/>
-            <a:ext cx="8330702" cy="1729704"/>
+            <a:off x="444999" y="1201446"/>
+            <a:ext cx="8330702" cy="757130"/>
           </a:xfrm>
           <a:prstGeom prst="rect">
             <a:avLst/>
@@ -15130,50 +10419,12 @@
               </a:rPr>
               <a:t>将对SSD的访问划分为独立的纯读和纯写时间窗口</a:t>
             </a:r>
-          </a:p>
-          <a:p>
-            <a:pPr marL="285750" indent="-285750"/>
-            <a:r>
-              <a:rPr lang="en-CN" sz="2400" b="0" dirty="0">
-                <a:latin typeface="SimHei" panose="02010609060101010101" pitchFamily="49" charset="-122"/>
-                <a:ea typeface="SimHei" panose="02010609060101010101" pitchFamily="49" charset="-122"/>
-              </a:rPr>
-              <a:t>读窗口</a:t>
-            </a:r>
             <a:r>
               <a:rPr lang="zh-CN" altLang="en-US" sz="2400" b="0" dirty="0">
                 <a:latin typeface="SimHei" panose="02010609060101010101" pitchFamily="49" charset="-122"/>
                 <a:ea typeface="SimHei" panose="02010609060101010101" pitchFamily="49" charset="-122"/>
               </a:rPr>
-              <a:t>：仅提交读请求，写请求在缓冲区等待，读请求获得不受干扰的延迟</a:t>
-            </a:r>
-            <a:endParaRPr lang="en-US" altLang="zh-CN" sz="2400" b="0" dirty="0">
-              <a:latin typeface="SimHei" panose="02010609060101010101" pitchFamily="49" charset="-122"/>
-              <a:ea typeface="SimHei" panose="02010609060101010101" pitchFamily="49" charset="-122"/>
-            </a:endParaRPr>
-          </a:p>
-          <a:p>
-            <a:pPr marL="285750" indent="-285750"/>
-            <a:r>
-              <a:rPr lang="zh-CN" altLang="en-US" sz="2400" b="0" dirty="0">
-                <a:latin typeface="SimHei" panose="02010609060101010101" pitchFamily="49" charset="-122"/>
-                <a:ea typeface="SimHei" panose="02010609060101010101" pitchFamily="49" charset="-122"/>
-              </a:rPr>
-              <a:t>写窗口：批量提交写请求，最大化利用</a:t>
-            </a:r>
-            <a:r>
-              <a:rPr lang="en-US" altLang="zh-CN" sz="2400" b="0" dirty="0">
-                <a:latin typeface="SimHei" panose="02010609060101010101" pitchFamily="49" charset="-122"/>
-                <a:ea typeface="SimHei" panose="02010609060101010101" pitchFamily="49" charset="-122"/>
-              </a:rPr>
-              <a:t>SSD</a:t>
-            </a:r>
-            <a:r>
-              <a:rPr lang="zh-CN" altLang="en-US" sz="2400" b="0" dirty="0">
-                <a:latin typeface="SimHei" panose="02010609060101010101" pitchFamily="49" charset="-122"/>
-                <a:ea typeface="SimHei" panose="02010609060101010101" pitchFamily="49" charset="-122"/>
-              </a:rPr>
-              <a:t>的写带宽</a:t>
+              <a:t>，消除读写干扰</a:t>
             </a:r>
             <a:endParaRPr lang="en-CN" sz="2400" b="0" dirty="0">
               <a:latin typeface="SimHei" panose="02010609060101010101" pitchFamily="49" charset="-122"/>
@@ -15182,6 +10433,336 @@
           </a:p>
         </p:txBody>
       </p:sp>
+      <p:sp>
+        <p:nvSpPr>
+          <p:cNvPr id="2" name="TextBox 1">
+            <a:extLst>
+              <a:ext uri="{FF2B5EF4-FFF2-40B4-BE49-F238E27FC236}">
+                <a16:creationId xmlns:a16="http://schemas.microsoft.com/office/drawing/2014/main" id="{6C922D8F-CCDF-A340-9359-CA3154DA2FB6}"/>
+              </a:ext>
+            </a:extLst>
+          </p:cNvPr>
+          <p:cNvSpPr txBox="1"/>
+          <p:nvPr/>
+        </p:nvSpPr>
+        <p:spPr>
+          <a:xfrm>
+            <a:off x="1243013" y="5894686"/>
+            <a:ext cx="7109639" cy="461665"/>
+          </a:xfrm>
+          <a:prstGeom prst="rect">
+            <a:avLst/>
+          </a:prstGeom>
+          <a:noFill/>
+        </p:spPr>
+        <p:txBody>
+          <a:bodyPr wrap="none" rtlCol="0">
+            <a:spAutoFit/>
+          </a:bodyPr>
+          <a:lstStyle/>
+          <a:p>
+            <a:r>
+              <a:rPr lang="zh-CN" altLang="en-US" sz="2400" dirty="0">
+                <a:latin typeface="SimHei" panose="02010609060101010101" pitchFamily="49" charset="-122"/>
+                <a:ea typeface="SimHei" panose="02010609060101010101" pitchFamily="49" charset="-122"/>
+              </a:rPr>
+              <a:t>写窗口：批量提交写请求，最大化利用</a:t>
+            </a:r>
+            <a:r>
+              <a:rPr lang="en-US" altLang="zh-CN" sz="2400" dirty="0">
+                <a:latin typeface="SimHei" panose="02010609060101010101" pitchFamily="49" charset="-122"/>
+                <a:ea typeface="SimHei" panose="02010609060101010101" pitchFamily="49" charset="-122"/>
+              </a:rPr>
+              <a:t>SSD</a:t>
+            </a:r>
+            <a:r>
+              <a:rPr lang="zh-CN" altLang="en-US" sz="2400" dirty="0">
+                <a:latin typeface="SimHei" panose="02010609060101010101" pitchFamily="49" charset="-122"/>
+                <a:ea typeface="SimHei" panose="02010609060101010101" pitchFamily="49" charset="-122"/>
+              </a:rPr>
+              <a:t>的写带宽</a:t>
+            </a:r>
+            <a:endParaRPr lang="en-CN" sz="2400" dirty="0">
+              <a:latin typeface="SimHei" panose="02010609060101010101" pitchFamily="49" charset="-122"/>
+              <a:ea typeface="SimHei" panose="02010609060101010101" pitchFamily="49" charset="-122"/>
+            </a:endParaRPr>
+          </a:p>
+        </p:txBody>
+      </p:sp>
+      <p:sp>
+        <p:nvSpPr>
+          <p:cNvPr id="4" name="TextBox 3">
+            <a:extLst>
+              <a:ext uri="{FF2B5EF4-FFF2-40B4-BE49-F238E27FC236}">
+                <a16:creationId xmlns:a16="http://schemas.microsoft.com/office/drawing/2014/main" id="{6AA17257-3DE9-D34F-8A6A-6BCC95C86C7A}"/>
+              </a:ext>
+            </a:extLst>
+          </p:cNvPr>
+          <p:cNvSpPr txBox="1"/>
+          <p:nvPr/>
+        </p:nvSpPr>
+        <p:spPr>
+          <a:xfrm>
+            <a:off x="1390490" y="2679534"/>
+            <a:ext cx="6439719" cy="830997"/>
+          </a:xfrm>
+          <a:prstGeom prst="rect">
+            <a:avLst/>
+          </a:prstGeom>
+          <a:noFill/>
+        </p:spPr>
+        <p:txBody>
+          <a:bodyPr wrap="square" rtlCol="0">
+            <a:spAutoFit/>
+          </a:bodyPr>
+          <a:lstStyle/>
+          <a:p>
+            <a:pPr algn="ctr"/>
+            <a:r>
+              <a:rPr lang="en-CN" sz="2400" dirty="0">
+                <a:latin typeface="SimHei" panose="02010609060101010101" pitchFamily="49" charset="-122"/>
+                <a:ea typeface="SimHei" panose="02010609060101010101" pitchFamily="49" charset="-122"/>
+              </a:rPr>
+              <a:t>读窗口</a:t>
+            </a:r>
+            <a:r>
+              <a:rPr lang="zh-CN" altLang="en-US" sz="2400" dirty="0">
+                <a:latin typeface="SimHei" panose="02010609060101010101" pitchFamily="49" charset="-122"/>
+                <a:ea typeface="SimHei" panose="02010609060101010101" pitchFamily="49" charset="-122"/>
+              </a:rPr>
+              <a:t>：仅提交读请求，写请求在缓冲区等待，读请求获得不受干扰的延迟</a:t>
+            </a:r>
+            <a:endParaRPr lang="en-US" altLang="zh-CN" sz="2400" dirty="0">
+              <a:latin typeface="SimHei" panose="02010609060101010101" pitchFamily="49" charset="-122"/>
+              <a:ea typeface="SimHei" panose="02010609060101010101" pitchFamily="49" charset="-122"/>
+            </a:endParaRPr>
+          </a:p>
+        </p:txBody>
+      </p:sp>
+      <p:cxnSp>
+        <p:nvCxnSpPr>
+          <p:cNvPr id="8" name="Straight Arrow Connector 7">
+            <a:extLst>
+              <a:ext uri="{FF2B5EF4-FFF2-40B4-BE49-F238E27FC236}">
+                <a16:creationId xmlns:a16="http://schemas.microsoft.com/office/drawing/2014/main" id="{893E2E79-0C44-6E40-BF1B-1D88087E1BE7}"/>
+              </a:ext>
+            </a:extLst>
+          </p:cNvPr>
+          <p:cNvCxnSpPr>
+            <a:cxnSpLocks/>
+          </p:cNvCxnSpPr>
+          <p:nvPr/>
+        </p:nvCxnSpPr>
+        <p:spPr>
+          <a:xfrm flipV="1">
+            <a:off x="3228109" y="3510531"/>
+            <a:ext cx="540327" cy="936778"/>
+          </a:xfrm>
+          <a:prstGeom prst="straightConnector1">
+            <a:avLst/>
+          </a:prstGeom>
+          <a:ln w="31750">
+            <a:tailEnd type="triangle"/>
+          </a:ln>
+        </p:spPr>
+        <p:style>
+          <a:lnRef idx="1">
+            <a:schemeClr val="accent1"/>
+          </a:lnRef>
+          <a:fillRef idx="0">
+            <a:schemeClr val="accent1"/>
+          </a:fillRef>
+          <a:effectRef idx="0">
+            <a:schemeClr val="accent1"/>
+          </a:effectRef>
+          <a:fontRef idx="minor">
+            <a:schemeClr val="tx1"/>
+          </a:fontRef>
+        </p:style>
+      </p:cxnSp>
+      <p:cxnSp>
+        <p:nvCxnSpPr>
+          <p:cNvPr id="12" name="Straight Arrow Connector 11">
+            <a:extLst>
+              <a:ext uri="{FF2B5EF4-FFF2-40B4-BE49-F238E27FC236}">
+                <a16:creationId xmlns:a16="http://schemas.microsoft.com/office/drawing/2014/main" id="{627BB2F8-9511-D341-B071-A06394D26764}"/>
+              </a:ext>
+            </a:extLst>
+          </p:cNvPr>
+          <p:cNvCxnSpPr>
+            <a:cxnSpLocks/>
+            <a:endCxn id="4" idx="2"/>
+          </p:cNvCxnSpPr>
+          <p:nvPr/>
+        </p:nvCxnSpPr>
+        <p:spPr>
+          <a:xfrm flipH="1" flipV="1">
+            <a:off x="4610350" y="3510531"/>
+            <a:ext cx="1166995" cy="936778"/>
+          </a:xfrm>
+          <a:prstGeom prst="straightConnector1">
+            <a:avLst/>
+          </a:prstGeom>
+          <a:ln w="31750">
+            <a:tailEnd type="triangle"/>
+          </a:ln>
+        </p:spPr>
+        <p:style>
+          <a:lnRef idx="1">
+            <a:schemeClr val="accent1"/>
+          </a:lnRef>
+          <a:fillRef idx="0">
+            <a:schemeClr val="accent1"/>
+          </a:fillRef>
+          <a:effectRef idx="0">
+            <a:schemeClr val="accent1"/>
+          </a:effectRef>
+          <a:fontRef idx="minor">
+            <a:schemeClr val="tx1"/>
+          </a:fontRef>
+        </p:style>
+      </p:cxnSp>
+      <p:cxnSp>
+        <p:nvCxnSpPr>
+          <p:cNvPr id="15" name="Straight Arrow Connector 14">
+            <a:extLst>
+              <a:ext uri="{FF2B5EF4-FFF2-40B4-BE49-F238E27FC236}">
+                <a16:creationId xmlns:a16="http://schemas.microsoft.com/office/drawing/2014/main" id="{7DD6333C-FC5A-314E-8DCB-6FEC3F930CEE}"/>
+              </a:ext>
+            </a:extLst>
+          </p:cNvPr>
+          <p:cNvCxnSpPr>
+            <a:cxnSpLocks/>
+          </p:cNvCxnSpPr>
+          <p:nvPr/>
+        </p:nvCxnSpPr>
+        <p:spPr>
+          <a:xfrm>
+            <a:off x="2078182" y="5193195"/>
+            <a:ext cx="950768" cy="701491"/>
+          </a:xfrm>
+          <a:prstGeom prst="straightConnector1">
+            <a:avLst/>
+          </a:prstGeom>
+          <a:ln w="31750">
+            <a:solidFill>
+              <a:schemeClr val="accent2">
+                <a:lumMod val="60000"/>
+                <a:lumOff val="40000"/>
+              </a:schemeClr>
+            </a:solidFill>
+            <a:tailEnd type="triangle"/>
+          </a:ln>
+        </p:spPr>
+        <p:style>
+          <a:lnRef idx="1">
+            <a:schemeClr val="accent1"/>
+          </a:lnRef>
+          <a:fillRef idx="0">
+            <a:schemeClr val="accent1"/>
+          </a:fillRef>
+          <a:effectRef idx="0">
+            <a:schemeClr val="accent1"/>
+          </a:effectRef>
+          <a:fontRef idx="minor">
+            <a:schemeClr val="tx1"/>
+          </a:fontRef>
+        </p:style>
+      </p:cxnSp>
+      <p:cxnSp>
+        <p:nvCxnSpPr>
+          <p:cNvPr id="20" name="Straight Arrow Connector 19">
+            <a:extLst>
+              <a:ext uri="{FF2B5EF4-FFF2-40B4-BE49-F238E27FC236}">
+                <a16:creationId xmlns:a16="http://schemas.microsoft.com/office/drawing/2014/main" id="{67446253-E3BC-2C41-8EDB-412CDDAD6504}"/>
+              </a:ext>
+            </a:extLst>
+          </p:cNvPr>
+          <p:cNvCxnSpPr>
+            <a:cxnSpLocks/>
+          </p:cNvCxnSpPr>
+          <p:nvPr/>
+        </p:nvCxnSpPr>
+        <p:spPr>
+          <a:xfrm>
+            <a:off x="4537020" y="5148800"/>
+            <a:ext cx="0" cy="745886"/>
+          </a:xfrm>
+          <a:prstGeom prst="straightConnector1">
+            <a:avLst/>
+          </a:prstGeom>
+          <a:ln w="31750">
+            <a:solidFill>
+              <a:schemeClr val="accent2">
+                <a:lumMod val="60000"/>
+                <a:lumOff val="40000"/>
+              </a:schemeClr>
+            </a:solidFill>
+            <a:tailEnd type="triangle"/>
+          </a:ln>
+        </p:spPr>
+        <p:style>
+          <a:lnRef idx="1">
+            <a:schemeClr val="accent1"/>
+          </a:lnRef>
+          <a:fillRef idx="0">
+            <a:schemeClr val="accent1"/>
+          </a:fillRef>
+          <a:effectRef idx="0">
+            <a:schemeClr val="accent1"/>
+          </a:effectRef>
+          <a:fontRef idx="minor">
+            <a:schemeClr val="tx1"/>
+          </a:fontRef>
+        </p:style>
+      </p:cxnSp>
+      <p:cxnSp>
+        <p:nvCxnSpPr>
+          <p:cNvPr id="22" name="Straight Arrow Connector 21">
+            <a:extLst>
+              <a:ext uri="{FF2B5EF4-FFF2-40B4-BE49-F238E27FC236}">
+                <a16:creationId xmlns:a16="http://schemas.microsoft.com/office/drawing/2014/main" id="{B2DFD2C3-DD0C-F94D-97A5-5FB91B8F6C77}"/>
+              </a:ext>
+            </a:extLst>
+          </p:cNvPr>
+          <p:cNvCxnSpPr>
+            <a:cxnSpLocks/>
+          </p:cNvCxnSpPr>
+          <p:nvPr/>
+        </p:nvCxnSpPr>
+        <p:spPr>
+          <a:xfrm flipH="1">
+            <a:off x="5777345" y="5148800"/>
+            <a:ext cx="1253493" cy="745886"/>
+          </a:xfrm>
+          <a:prstGeom prst="straightConnector1">
+            <a:avLst/>
+          </a:prstGeom>
+          <a:ln w="31750">
+            <a:solidFill>
+              <a:schemeClr val="accent2">
+                <a:lumMod val="60000"/>
+                <a:lumOff val="40000"/>
+              </a:schemeClr>
+            </a:solidFill>
+            <a:tailEnd type="triangle"/>
+          </a:ln>
+        </p:spPr>
+        <p:style>
+          <a:lnRef idx="1">
+            <a:schemeClr val="accent1"/>
+          </a:lnRef>
+          <a:fillRef idx="0">
+            <a:schemeClr val="accent1"/>
+          </a:fillRef>
+          <a:effectRef idx="0">
+            <a:schemeClr val="accent1"/>
+          </a:effectRef>
+          <a:fontRef idx="minor">
+            <a:schemeClr val="tx1"/>
+          </a:fontRef>
+        </p:style>
+      </p:cxnSp>
     </p:spTree>
     <p:extLst>
       <p:ext uri="{BB962C8B-B14F-4D97-AF65-F5344CB8AC3E}">
@@ -15192,10 +10773,269 @@
   <p:clrMapOvr>
     <a:masterClrMapping/>
   </p:clrMapOvr>
+  <p:timing>
+    <p:tnLst>
+      <p:par>
+        <p:cTn id="1" dur="indefinite" restart="never" nodeType="tmRoot">
+          <p:childTnLst>
+            <p:seq concurrent="1" nextAc="seek">
+              <p:cTn id="2" dur="indefinite" nodeType="mainSeq">
+                <p:childTnLst>
+                  <p:par>
+                    <p:cTn id="3" fill="hold">
+                      <p:stCondLst>
+                        <p:cond delay="indefinite"/>
+                      </p:stCondLst>
+                      <p:childTnLst>
+                        <p:par>
+                          <p:cTn id="4" fill="hold">
+                            <p:stCondLst>
+                              <p:cond delay="0"/>
+                            </p:stCondLst>
+                            <p:childTnLst>
+                              <p:par>
+                                <p:cTn id="5" presetID="1" presetClass="entr" presetSubtype="0" fill="hold" grpId="0" nodeType="clickEffect">
+                                  <p:stCondLst>
+                                    <p:cond delay="0"/>
+                                  </p:stCondLst>
+                                  <p:childTnLst>
+                                    <p:set>
+                                      <p:cBhvr>
+                                        <p:cTn id="6" dur="1" fill="hold">
+                                          <p:stCondLst>
+                                            <p:cond delay="0"/>
+                                          </p:stCondLst>
+                                        </p:cTn>
+                                        <p:tgtEl>
+                                          <p:spTgt spid="4"/>
+                                        </p:tgtEl>
+                                        <p:attrNameLst>
+                                          <p:attrName>style.visibility</p:attrName>
+                                        </p:attrNameLst>
+                                      </p:cBhvr>
+                                      <p:to>
+                                        <p:strVal val="visible"/>
+                                      </p:to>
+                                    </p:set>
+                                  </p:childTnLst>
+                                </p:cTn>
+                              </p:par>
+                              <p:par>
+                                <p:cTn id="7" presetID="1" presetClass="entr" presetSubtype="0" fill="hold" nodeType="withEffect">
+                                  <p:stCondLst>
+                                    <p:cond delay="0"/>
+                                  </p:stCondLst>
+                                  <p:childTnLst>
+                                    <p:set>
+                                      <p:cBhvr>
+                                        <p:cTn id="8" dur="1" fill="hold">
+                                          <p:stCondLst>
+                                            <p:cond delay="0"/>
+                                          </p:stCondLst>
+                                        </p:cTn>
+                                        <p:tgtEl>
+                                          <p:spTgt spid="8"/>
+                                        </p:tgtEl>
+                                        <p:attrNameLst>
+                                          <p:attrName>style.visibility</p:attrName>
+                                        </p:attrNameLst>
+                                      </p:cBhvr>
+                                      <p:to>
+                                        <p:strVal val="visible"/>
+                                      </p:to>
+                                    </p:set>
+                                  </p:childTnLst>
+                                </p:cTn>
+                              </p:par>
+                              <p:par>
+                                <p:cTn id="9" presetID="1" presetClass="entr" presetSubtype="0" fill="hold" nodeType="withEffect">
+                                  <p:stCondLst>
+                                    <p:cond delay="0"/>
+                                  </p:stCondLst>
+                                  <p:childTnLst>
+                                    <p:set>
+                                      <p:cBhvr>
+                                        <p:cTn id="10" dur="1" fill="hold">
+                                          <p:stCondLst>
+                                            <p:cond delay="0"/>
+                                          </p:stCondLst>
+                                        </p:cTn>
+                                        <p:tgtEl>
+                                          <p:spTgt spid="12"/>
+                                        </p:tgtEl>
+                                        <p:attrNameLst>
+                                          <p:attrName>style.visibility</p:attrName>
+                                        </p:attrNameLst>
+                                      </p:cBhvr>
+                                      <p:to>
+                                        <p:strVal val="visible"/>
+                                      </p:to>
+                                    </p:set>
+                                  </p:childTnLst>
+                                </p:cTn>
+                              </p:par>
+                            </p:childTnLst>
+                          </p:cTn>
+                        </p:par>
+                      </p:childTnLst>
+                    </p:cTn>
+                  </p:par>
+                  <p:par>
+                    <p:cTn id="11" fill="hold">
+                      <p:stCondLst>
+                        <p:cond delay="indefinite"/>
+                      </p:stCondLst>
+                      <p:childTnLst>
+                        <p:par>
+                          <p:cTn id="12" fill="hold">
+                            <p:stCondLst>
+                              <p:cond delay="0"/>
+                            </p:stCondLst>
+                            <p:childTnLst>
+                              <p:par>
+                                <p:cTn id="13" presetID="1" presetClass="entr" presetSubtype="0" fill="hold" nodeType="clickEffect">
+                                  <p:stCondLst>
+                                    <p:cond delay="0"/>
+                                  </p:stCondLst>
+                                  <p:childTnLst>
+                                    <p:set>
+                                      <p:cBhvr>
+                                        <p:cTn id="14" dur="1" fill="hold">
+                                          <p:stCondLst>
+                                            <p:cond delay="0"/>
+                                          </p:stCondLst>
+                                        </p:cTn>
+                                        <p:tgtEl>
+                                          <p:spTgt spid="15"/>
+                                        </p:tgtEl>
+                                        <p:attrNameLst>
+                                          <p:attrName>style.visibility</p:attrName>
+                                        </p:attrNameLst>
+                                      </p:cBhvr>
+                                      <p:to>
+                                        <p:strVal val="visible"/>
+                                      </p:to>
+                                    </p:set>
+                                  </p:childTnLst>
+                                </p:cTn>
+                              </p:par>
+                              <p:par>
+                                <p:cTn id="15" presetID="1" presetClass="entr" presetSubtype="0" fill="hold" nodeType="withEffect">
+                                  <p:stCondLst>
+                                    <p:cond delay="0"/>
+                                  </p:stCondLst>
+                                  <p:childTnLst>
+                                    <p:set>
+                                      <p:cBhvr>
+                                        <p:cTn id="16" dur="1" fill="hold">
+                                          <p:stCondLst>
+                                            <p:cond delay="0"/>
+                                          </p:stCondLst>
+                                        </p:cTn>
+                                        <p:tgtEl>
+                                          <p:spTgt spid="20"/>
+                                        </p:tgtEl>
+                                        <p:attrNameLst>
+                                          <p:attrName>style.visibility</p:attrName>
+                                        </p:attrNameLst>
+                                      </p:cBhvr>
+                                      <p:to>
+                                        <p:strVal val="visible"/>
+                                      </p:to>
+                                    </p:set>
+                                  </p:childTnLst>
+                                </p:cTn>
+                              </p:par>
+                              <p:par>
+                                <p:cTn id="17" presetID="1" presetClass="entr" presetSubtype="0" fill="hold" nodeType="withEffect">
+                                  <p:stCondLst>
+                                    <p:cond delay="0"/>
+                                  </p:stCondLst>
+                                  <p:childTnLst>
+                                    <p:set>
+                                      <p:cBhvr>
+                                        <p:cTn id="18" dur="1" fill="hold">
+                                          <p:stCondLst>
+                                            <p:cond delay="0"/>
+                                          </p:stCondLst>
+                                        </p:cTn>
+                                        <p:tgtEl>
+                                          <p:spTgt spid="22"/>
+                                        </p:tgtEl>
+                                        <p:attrNameLst>
+                                          <p:attrName>style.visibility</p:attrName>
+                                        </p:attrNameLst>
+                                      </p:cBhvr>
+                                      <p:to>
+                                        <p:strVal val="visible"/>
+                                      </p:to>
+                                    </p:set>
+                                  </p:childTnLst>
+                                </p:cTn>
+                              </p:par>
+                              <p:par>
+                                <p:cTn id="19" presetID="1" presetClass="entr" presetSubtype="0" fill="hold" grpId="0" nodeType="withEffect">
+                                  <p:stCondLst>
+                                    <p:cond delay="0"/>
+                                  </p:stCondLst>
+                                  <p:childTnLst>
+                                    <p:set>
+                                      <p:cBhvr>
+                                        <p:cTn id="20" dur="1" fill="hold">
+                                          <p:stCondLst>
+                                            <p:cond delay="0"/>
+                                          </p:stCondLst>
+                                        </p:cTn>
+                                        <p:tgtEl>
+                                          <p:spTgt spid="2"/>
+                                        </p:tgtEl>
+                                        <p:attrNameLst>
+                                          <p:attrName>style.visibility</p:attrName>
+                                        </p:attrNameLst>
+                                      </p:cBhvr>
+                                      <p:to>
+                                        <p:strVal val="visible"/>
+                                      </p:to>
+                                    </p:set>
+                                  </p:childTnLst>
+                                </p:cTn>
+                              </p:par>
+                            </p:childTnLst>
+                          </p:cTn>
+                        </p:par>
+                      </p:childTnLst>
+                    </p:cTn>
+                  </p:par>
+                </p:childTnLst>
+              </p:cTn>
+              <p:prevCondLst>
+                <p:cond evt="onPrev" delay="0">
+                  <p:tgtEl>
+                    <p:sldTgt/>
+                  </p:tgtEl>
+                </p:cond>
+              </p:prevCondLst>
+              <p:nextCondLst>
+                <p:cond evt="onNext" delay="0">
+                  <p:tgtEl>
+                    <p:sldTgt/>
+                  </p:tgtEl>
+                </p:cond>
+              </p:nextCondLst>
+            </p:seq>
+          </p:childTnLst>
+        </p:cTn>
+      </p:par>
+    </p:tnLst>
+    <p:bldLst>
+      <p:bldP spid="2" grpId="0"/>
+      <p:bldP spid="4" grpId="0"/>
+    </p:bldLst>
+  </p:timing>
 </p:sld>
 </file>
 
-<file path=ppt/slides/slide9.xml><?xml version="1.0" encoding="utf-8"?>
+<file path=ppt/slides/slide8.xml><?xml version="1.0" encoding="utf-8"?>
 <p:sld xmlns:a="http://schemas.openxmlformats.org/drawingml/2006/main" xmlns:r="http://schemas.openxmlformats.org/officeDocument/2006/relationships" xmlns:p="http://schemas.openxmlformats.org/presentationml/2006/main">
   <p:cSld>
     <p:spTree>
@@ -15435,6 +11275,493 @@
     <p:extLst>
       <p:ext uri="{BB962C8B-B14F-4D97-AF65-F5344CB8AC3E}">
         <p14:creationId xmlns:p14="http://schemas.microsoft.com/office/powerpoint/2010/main" val="2562224375"/>
+      </p:ext>
+    </p:extLst>
+  </p:cSld>
+  <p:clrMapOvr>
+    <a:masterClrMapping/>
+  </p:clrMapOvr>
+</p:sld>
+</file>
+
+<file path=ppt/slides/slide9.xml><?xml version="1.0" encoding="utf-8"?>
+<p:sld xmlns:a="http://schemas.openxmlformats.org/drawingml/2006/main" xmlns:r="http://schemas.openxmlformats.org/officeDocument/2006/relationships" xmlns:p="http://schemas.openxmlformats.org/presentationml/2006/main">
+  <p:cSld>
+    <p:spTree>
+      <p:nvGrpSpPr>
+        <p:cNvPr id="1" name=""/>
+        <p:cNvGrpSpPr/>
+        <p:nvPr/>
+      </p:nvGrpSpPr>
+      <p:grpSpPr>
+        <a:xfrm>
+          <a:off x="0" y="0"/>
+          <a:ext cx="0" cy="0"/>
+          <a:chOff x="0" y="0"/>
+          <a:chExt cx="0" cy="0"/>
+        </a:xfrm>
+      </p:grpSpPr>
+      <p:sp>
+        <p:nvSpPr>
+          <p:cNvPr id="3" name="页脚占位符 2"/>
+          <p:cNvSpPr>
+            <a:spLocks noGrp="1"/>
+          </p:cNvSpPr>
+          <p:nvPr>
+            <p:ph type="ftr" sz="quarter" idx="11"/>
+          </p:nvPr>
+        </p:nvSpPr>
+        <p:spPr/>
+        <p:txBody>
+          <a:bodyPr/>
+          <a:lstStyle/>
+          <a:p>
+            <a:pPr>
+              <a:defRPr/>
+            </a:pPr>
+            <a:r>
+              <a:rPr lang="zh-CN" altLang="en-US"/>
+              <a:t>云闪存系统中的多租户性能隔离研究</a:t>
+            </a:r>
+            <a:endParaRPr lang="zh-CN" altLang="en-US" dirty="0"/>
+          </a:p>
+        </p:txBody>
+      </p:sp>
+      <p:sp>
+        <p:nvSpPr>
+          <p:cNvPr id="5" name="标题 4"/>
+          <p:cNvSpPr>
+            <a:spLocks noGrp="1"/>
+          </p:cNvSpPr>
+          <p:nvPr>
+            <p:ph type="title"/>
+          </p:nvPr>
+        </p:nvSpPr>
+        <p:spPr/>
+        <p:txBody>
+          <a:bodyPr/>
+          <a:lstStyle/>
+          <a:p>
+            <a:r>
+              <a:rPr lang="zh-CN" altLang="en-US" dirty="0"/>
+              <a:t>无读写干扰的</a:t>
+            </a:r>
+            <a:r>
+              <a:rPr lang="en-US" altLang="zh-CN" dirty="0"/>
+              <a:t>SSD</a:t>
+            </a:r>
+            <a:r>
+              <a:rPr lang="zh-CN" altLang="en-US" dirty="0"/>
+              <a:t>阵列</a:t>
+            </a:r>
+          </a:p>
+        </p:txBody>
+      </p:sp>
+      <p:pic>
+        <p:nvPicPr>
+          <p:cNvPr id="33" name="Content Placeholder 32">
+            <a:extLst>
+              <a:ext uri="{FF2B5EF4-FFF2-40B4-BE49-F238E27FC236}">
+                <a16:creationId xmlns:a16="http://schemas.microsoft.com/office/drawing/2014/main" id="{FB5A054F-15B5-F54B-993D-D52A770A49A1}"/>
+              </a:ext>
+            </a:extLst>
+          </p:cNvPr>
+          <p:cNvPicPr>
+            <a:picLocks noGrp="1" noChangeAspect="1"/>
+          </p:cNvPicPr>
+          <p:nvPr>
+            <p:ph idx="1"/>
+          </p:nvPr>
+        </p:nvPicPr>
+        <p:blipFill>
+          <a:blip r:embed="rId2">
+            <a:extLst>
+              <a:ext uri="{28A0092B-C50C-407E-A947-70E740481C1C}">
+                <a14:useLocalDpi xmlns:a14="http://schemas.microsoft.com/office/drawing/2010/main" val="0"/>
+              </a:ext>
+            </a:extLst>
+          </a:blip>
+          <a:stretch>
+            <a:fillRect/>
+          </a:stretch>
+        </p:blipFill>
+        <p:spPr>
+          <a:xfrm>
+            <a:off x="444505" y="2150794"/>
+            <a:ext cx="8574088" cy="2905663"/>
+          </a:xfrm>
+        </p:spPr>
+      </p:pic>
+      <p:sp>
+        <p:nvSpPr>
+          <p:cNvPr id="13" name="TextBox 12">
+            <a:extLst>
+              <a:ext uri="{FF2B5EF4-FFF2-40B4-BE49-F238E27FC236}">
+                <a16:creationId xmlns:a16="http://schemas.microsoft.com/office/drawing/2014/main" id="{AE7B98BA-4C3B-B349-9F4D-809AAC7CC4B9}"/>
+              </a:ext>
+            </a:extLst>
+          </p:cNvPr>
+          <p:cNvSpPr txBox="1"/>
+          <p:nvPr/>
+        </p:nvSpPr>
+        <p:spPr>
+          <a:xfrm>
+            <a:off x="9983512" y="2289293"/>
+            <a:ext cx="1726932" cy="769441"/>
+          </a:xfrm>
+          <a:prstGeom prst="rect">
+            <a:avLst/>
+          </a:prstGeom>
+          <a:noFill/>
+        </p:spPr>
+        <p:txBody>
+          <a:bodyPr wrap="square" rtlCol="0">
+            <a:spAutoFit/>
+          </a:bodyPr>
+          <a:lstStyle/>
+          <a:p>
+            <a:r>
+              <a:rPr lang="en-US" sz="4400" dirty="0"/>
+              <a:t>.  .  .</a:t>
+            </a:r>
+            <a:r>
+              <a:rPr lang="en-CN" sz="4400" dirty="0"/>
+              <a:t> </a:t>
+            </a:r>
+          </a:p>
+        </p:txBody>
+      </p:sp>
+      <p:sp>
+        <p:nvSpPr>
+          <p:cNvPr id="30" name="TextBox 29">
+            <a:extLst>
+              <a:ext uri="{FF2B5EF4-FFF2-40B4-BE49-F238E27FC236}">
+                <a16:creationId xmlns:a16="http://schemas.microsoft.com/office/drawing/2014/main" id="{B05910BD-7F5E-3249-A967-09DAFC50D0B0}"/>
+              </a:ext>
+            </a:extLst>
+          </p:cNvPr>
+          <p:cNvSpPr txBox="1"/>
+          <p:nvPr/>
+        </p:nvSpPr>
+        <p:spPr>
+          <a:xfrm>
+            <a:off x="9977883" y="3416277"/>
+            <a:ext cx="1726932" cy="769441"/>
+          </a:xfrm>
+          <a:prstGeom prst="rect">
+            <a:avLst/>
+          </a:prstGeom>
+          <a:noFill/>
+        </p:spPr>
+        <p:txBody>
+          <a:bodyPr wrap="square" rtlCol="0">
+            <a:spAutoFit/>
+          </a:bodyPr>
+          <a:lstStyle/>
+          <a:p>
+            <a:r>
+              <a:rPr lang="en-US" sz="4400" dirty="0"/>
+              <a:t>.  .  .</a:t>
+            </a:r>
+            <a:r>
+              <a:rPr lang="en-CN" sz="4400" dirty="0"/>
+              <a:t> </a:t>
+            </a:r>
+          </a:p>
+        </p:txBody>
+      </p:sp>
+      <p:sp>
+        <p:nvSpPr>
+          <p:cNvPr id="31" name="TextBox 30">
+            <a:extLst>
+              <a:ext uri="{FF2B5EF4-FFF2-40B4-BE49-F238E27FC236}">
+                <a16:creationId xmlns:a16="http://schemas.microsoft.com/office/drawing/2014/main" id="{7A0254D9-7BD0-F94F-96C2-F5E70A1899A2}"/>
+              </a:ext>
+            </a:extLst>
+          </p:cNvPr>
+          <p:cNvSpPr txBox="1"/>
+          <p:nvPr/>
+        </p:nvSpPr>
+        <p:spPr>
+          <a:xfrm>
+            <a:off x="9977883" y="4632144"/>
+            <a:ext cx="1726932" cy="769441"/>
+          </a:xfrm>
+          <a:prstGeom prst="rect">
+            <a:avLst/>
+          </a:prstGeom>
+          <a:noFill/>
+        </p:spPr>
+        <p:txBody>
+          <a:bodyPr wrap="square" rtlCol="0">
+            <a:spAutoFit/>
+          </a:bodyPr>
+          <a:lstStyle/>
+          <a:p>
+            <a:r>
+              <a:rPr lang="en-US" sz="4400" dirty="0"/>
+              <a:t>.  .  .</a:t>
+            </a:r>
+            <a:r>
+              <a:rPr lang="en-CN" sz="4400" dirty="0"/>
+              <a:t> </a:t>
+            </a:r>
+          </a:p>
+        </p:txBody>
+      </p:sp>
+      <p:sp>
+        <p:nvSpPr>
+          <p:cNvPr id="34" name="Rectangle 33">
+            <a:extLst>
+              <a:ext uri="{FF2B5EF4-FFF2-40B4-BE49-F238E27FC236}">
+                <a16:creationId xmlns:a16="http://schemas.microsoft.com/office/drawing/2014/main" id="{6DBBC88D-37DB-2A42-A856-75203EDBE37E}"/>
+              </a:ext>
+            </a:extLst>
+          </p:cNvPr>
+          <p:cNvSpPr/>
+          <p:nvPr/>
+        </p:nvSpPr>
+        <p:spPr>
+          <a:xfrm>
+            <a:off x="292105" y="2289293"/>
+            <a:ext cx="1270000" cy="2905663"/>
+          </a:xfrm>
+          <a:prstGeom prst="rect">
+            <a:avLst/>
+          </a:prstGeom>
+          <a:noFill/>
+          <a:ln w="38100">
+            <a:solidFill>
+              <a:srgbClr val="00B050"/>
+            </a:solidFill>
+            <a:prstDash val="dash"/>
+          </a:ln>
+        </p:spPr>
+        <p:style>
+          <a:lnRef idx="2">
+            <a:schemeClr val="accent1">
+              <a:shade val="50000"/>
+            </a:schemeClr>
+          </a:lnRef>
+          <a:fillRef idx="1">
+            <a:schemeClr val="accent1"/>
+          </a:fillRef>
+          <a:effectRef idx="0">
+            <a:schemeClr val="accent1"/>
+          </a:effectRef>
+          <a:fontRef idx="minor">
+            <a:schemeClr val="lt1"/>
+          </a:fontRef>
+        </p:style>
+        <p:txBody>
+          <a:bodyPr rtlCol="0" anchor="ctr"/>
+          <a:lstStyle/>
+          <a:p>
+            <a:pPr algn="ctr"/>
+            <a:endParaRPr lang="en-CN"/>
+          </a:p>
+        </p:txBody>
+      </p:sp>
+      <p:sp>
+        <p:nvSpPr>
+          <p:cNvPr id="38" name="TextBox 37">
+            <a:extLst>
+              <a:ext uri="{FF2B5EF4-FFF2-40B4-BE49-F238E27FC236}">
+                <a16:creationId xmlns:a16="http://schemas.microsoft.com/office/drawing/2014/main" id="{6D10AE76-C5EE-E34A-AF4E-67AA7F1F134B}"/>
+              </a:ext>
+            </a:extLst>
+          </p:cNvPr>
+          <p:cNvSpPr txBox="1"/>
+          <p:nvPr/>
+        </p:nvSpPr>
+        <p:spPr>
+          <a:xfrm>
+            <a:off x="1773917" y="5112507"/>
+            <a:ext cx="6032421" cy="461665"/>
+          </a:xfrm>
+          <a:prstGeom prst="rect">
+            <a:avLst/>
+          </a:prstGeom>
+          <a:noFill/>
+        </p:spPr>
+        <p:txBody>
+          <a:bodyPr wrap="none" rtlCol="0">
+            <a:spAutoFit/>
+          </a:bodyPr>
+          <a:lstStyle/>
+          <a:p>
+            <a:r>
+              <a:rPr lang="en-CN" sz="2400" dirty="0">
+                <a:latin typeface="SimHei" panose="02010609060101010101" pitchFamily="49" charset="-122"/>
+                <a:ea typeface="SimHei" panose="02010609060101010101" pitchFamily="49" charset="-122"/>
+              </a:rPr>
+              <a:t>任意时刻</a:t>
+            </a:r>
+            <a:r>
+              <a:rPr lang="zh-CN" altLang="en-US" sz="2400" dirty="0">
+                <a:latin typeface="SimHei" panose="02010609060101010101" pitchFamily="49" charset="-122"/>
+                <a:ea typeface="SimHei" panose="02010609060101010101" pitchFamily="49" charset="-122"/>
+              </a:rPr>
+              <a:t>，所有数据均可以纯读的性能访问</a:t>
+            </a:r>
+            <a:endParaRPr lang="en-CN" sz="2400" dirty="0">
+              <a:latin typeface="SimHei" panose="02010609060101010101" pitchFamily="49" charset="-122"/>
+              <a:ea typeface="SimHei" panose="02010609060101010101" pitchFamily="49" charset="-122"/>
+            </a:endParaRPr>
+          </a:p>
+        </p:txBody>
+      </p:sp>
+      <p:sp>
+        <p:nvSpPr>
+          <p:cNvPr id="39" name="TextBox 38">
+            <a:extLst>
+              <a:ext uri="{FF2B5EF4-FFF2-40B4-BE49-F238E27FC236}">
+                <a16:creationId xmlns:a16="http://schemas.microsoft.com/office/drawing/2014/main" id="{CEBBD288-6684-7A45-99C5-ADB8362569BB}"/>
+              </a:ext>
+            </a:extLst>
+          </p:cNvPr>
+          <p:cNvSpPr txBox="1"/>
+          <p:nvPr/>
+        </p:nvSpPr>
+        <p:spPr>
+          <a:xfrm>
+            <a:off x="0" y="1283828"/>
+            <a:ext cx="9129422" cy="461665"/>
+          </a:xfrm>
+          <a:prstGeom prst="rect">
+            <a:avLst/>
+          </a:prstGeom>
+          <a:noFill/>
+        </p:spPr>
+        <p:txBody>
+          <a:bodyPr wrap="none" rtlCol="0">
+            <a:spAutoFit/>
+          </a:bodyPr>
+          <a:lstStyle/>
+          <a:p>
+            <a:r>
+              <a:rPr lang="en-CN" sz="2400" dirty="0">
+                <a:latin typeface="SimHei" panose="02010609060101010101" pitchFamily="49" charset="-122"/>
+                <a:ea typeface="SimHei" panose="02010609060101010101" pitchFamily="49" charset="-122"/>
+              </a:rPr>
+              <a:t>用多个SSD组成具有冗余的磁盘阵列</a:t>
+            </a:r>
+            <a:r>
+              <a:rPr lang="zh-CN" altLang="en-US" sz="2400" dirty="0">
+                <a:latin typeface="SimHei" panose="02010609060101010101" pitchFamily="49" charset="-122"/>
+                <a:ea typeface="SimHei" panose="02010609060101010101" pitchFamily="49" charset="-122"/>
+              </a:rPr>
+              <a:t>，协调各个</a:t>
+            </a:r>
+            <a:r>
+              <a:rPr lang="en-US" altLang="zh-CN" sz="2400" dirty="0">
+                <a:latin typeface="SimHei" panose="02010609060101010101" pitchFamily="49" charset="-122"/>
+                <a:ea typeface="SimHei" panose="02010609060101010101" pitchFamily="49" charset="-122"/>
+              </a:rPr>
+              <a:t>SSD</a:t>
+            </a:r>
+            <a:r>
+              <a:rPr lang="zh-CN" altLang="en-US" sz="2400" dirty="0">
+                <a:latin typeface="SimHei" panose="02010609060101010101" pitchFamily="49" charset="-122"/>
+                <a:ea typeface="SimHei" panose="02010609060101010101" pitchFamily="49" charset="-122"/>
+              </a:rPr>
+              <a:t>的读写时间窗口</a:t>
+            </a:r>
+            <a:endParaRPr lang="en-CN" sz="2400" dirty="0">
+              <a:latin typeface="SimHei" panose="02010609060101010101" pitchFamily="49" charset="-122"/>
+              <a:ea typeface="SimHei" panose="02010609060101010101" pitchFamily="49" charset="-122"/>
+            </a:endParaRPr>
+          </a:p>
+        </p:txBody>
+      </p:sp>
+      <p:cxnSp>
+        <p:nvCxnSpPr>
+          <p:cNvPr id="4" name="Straight Connector 3">
+            <a:extLst>
+              <a:ext uri="{FF2B5EF4-FFF2-40B4-BE49-F238E27FC236}">
+                <a16:creationId xmlns:a16="http://schemas.microsoft.com/office/drawing/2014/main" id="{BC547FAD-DED9-A548-86DC-26E997ED12AE}"/>
+              </a:ext>
+            </a:extLst>
+          </p:cNvPr>
+          <p:cNvCxnSpPr/>
+          <p:nvPr/>
+        </p:nvCxnSpPr>
+        <p:spPr>
+          <a:xfrm>
+            <a:off x="3352805" y="2289293"/>
+            <a:ext cx="0" cy="2905663"/>
+          </a:xfrm>
+          <a:prstGeom prst="line">
+            <a:avLst/>
+          </a:prstGeom>
+          <a:ln w="38100">
+            <a:solidFill>
+              <a:srgbClr val="FF0000"/>
+            </a:solidFill>
+            <a:prstDash val="sysDash"/>
+          </a:ln>
+        </p:spPr>
+        <p:style>
+          <a:lnRef idx="1">
+            <a:schemeClr val="accent1"/>
+          </a:lnRef>
+          <a:fillRef idx="0">
+            <a:schemeClr val="accent1"/>
+          </a:fillRef>
+          <a:effectRef idx="0">
+            <a:schemeClr val="accent1"/>
+          </a:effectRef>
+          <a:fontRef idx="minor">
+            <a:schemeClr val="tx1"/>
+          </a:fontRef>
+        </p:style>
+      </p:cxnSp>
+      <p:cxnSp>
+        <p:nvCxnSpPr>
+          <p:cNvPr id="15" name="Straight Connector 14">
+            <a:extLst>
+              <a:ext uri="{FF2B5EF4-FFF2-40B4-BE49-F238E27FC236}">
+                <a16:creationId xmlns:a16="http://schemas.microsoft.com/office/drawing/2014/main" id="{C416B79E-578B-1A4D-B479-D5519064B7B4}"/>
+              </a:ext>
+            </a:extLst>
+          </p:cNvPr>
+          <p:cNvCxnSpPr/>
+          <p:nvPr/>
+        </p:nvCxnSpPr>
+        <p:spPr>
+          <a:xfrm>
+            <a:off x="4205301" y="2284525"/>
+            <a:ext cx="0" cy="2905663"/>
+          </a:xfrm>
+          <a:prstGeom prst="line">
+            <a:avLst/>
+          </a:prstGeom>
+          <a:ln w="38100">
+            <a:solidFill>
+              <a:srgbClr val="FF0000"/>
+            </a:solidFill>
+            <a:prstDash val="sysDash"/>
+          </a:ln>
+        </p:spPr>
+        <p:style>
+          <a:lnRef idx="1">
+            <a:schemeClr val="accent1"/>
+          </a:lnRef>
+          <a:fillRef idx="0">
+            <a:schemeClr val="accent1"/>
+          </a:fillRef>
+          <a:effectRef idx="0">
+            <a:schemeClr val="accent1"/>
+          </a:effectRef>
+          <a:fontRef idx="minor">
+            <a:schemeClr val="tx1"/>
+          </a:fontRef>
+        </p:style>
+      </p:cxnSp>
+    </p:spTree>
+    <p:extLst>
+      <p:ext uri="{BB962C8B-B14F-4D97-AF65-F5344CB8AC3E}">
+        <p14:creationId xmlns:p14="http://schemas.microsoft.com/office/powerpoint/2010/main" val="3662787992"/>
       </p:ext>
     </p:extLst>
   </p:cSld>
